--- a/LSTM_Writeup.pptx
+++ b/LSTM_Writeup.pptx
@@ -2,18 +2,18 @@
 <file path=ppt/presentation.xml><?xml version="1.0" encoding="utf-8"?>
 <p:presentation xmlns:a="http://schemas.openxmlformats.org/drawingml/2006/main" xmlns:r="http://schemas.openxmlformats.org/officeDocument/2006/relationships" xmlns:p="http://schemas.openxmlformats.org/presentationml/2006/main" saveSubsetFonts="1">
   <p:sldMasterIdLst>
-    <p:sldMasterId id="2147483648" r:id="rId1"/>
+    <p:sldMasterId id="2147483672" r:id="rId1"/>
   </p:sldMasterIdLst>
   <p:sldIdLst>
     <p:sldId id="256" r:id="rId2"/>
   </p:sldIdLst>
-  <p:sldSz cx="12192000" cy="6858000"/>
+  <p:sldSz cx="23774400" cy="10880725"/>
   <p:notesSz cx="6858000" cy="9144000"/>
   <p:defaultTextStyle>
     <a:defPPr>
       <a:defRPr lang="en-US"/>
     </a:defPPr>
-    <a:lvl1pPr marL="0" algn="l" defTabSz="914400" rtl="0" eaLnBrk="1" latinLnBrk="0" hangingPunct="1">
+    <a:lvl1pPr marL="0" algn="l" defTabSz="457200" rtl="0" eaLnBrk="1" latinLnBrk="0" hangingPunct="1">
       <a:defRPr sz="1800" kern="1200">
         <a:solidFill>
           <a:schemeClr val="tx1"/>
@@ -23,7 +23,7 @@
         <a:cs typeface="+mn-cs"/>
       </a:defRPr>
     </a:lvl1pPr>
-    <a:lvl2pPr marL="457200" algn="l" defTabSz="914400" rtl="0" eaLnBrk="1" latinLnBrk="0" hangingPunct="1">
+    <a:lvl2pPr marL="457200" algn="l" defTabSz="457200" rtl="0" eaLnBrk="1" latinLnBrk="0" hangingPunct="1">
       <a:defRPr sz="1800" kern="1200">
         <a:solidFill>
           <a:schemeClr val="tx1"/>
@@ -33,7 +33,7 @@
         <a:cs typeface="+mn-cs"/>
       </a:defRPr>
     </a:lvl2pPr>
-    <a:lvl3pPr marL="914400" algn="l" defTabSz="914400" rtl="0" eaLnBrk="1" latinLnBrk="0" hangingPunct="1">
+    <a:lvl3pPr marL="914400" algn="l" defTabSz="457200" rtl="0" eaLnBrk="1" latinLnBrk="0" hangingPunct="1">
       <a:defRPr sz="1800" kern="1200">
         <a:solidFill>
           <a:schemeClr val="tx1"/>
@@ -43,7 +43,7 @@
         <a:cs typeface="+mn-cs"/>
       </a:defRPr>
     </a:lvl3pPr>
-    <a:lvl4pPr marL="1371600" algn="l" defTabSz="914400" rtl="0" eaLnBrk="1" latinLnBrk="0" hangingPunct="1">
+    <a:lvl4pPr marL="1371600" algn="l" defTabSz="457200" rtl="0" eaLnBrk="1" latinLnBrk="0" hangingPunct="1">
       <a:defRPr sz="1800" kern="1200">
         <a:solidFill>
           <a:schemeClr val="tx1"/>
@@ -53,7 +53,7 @@
         <a:cs typeface="+mn-cs"/>
       </a:defRPr>
     </a:lvl4pPr>
-    <a:lvl5pPr marL="1828800" algn="l" defTabSz="914400" rtl="0" eaLnBrk="1" latinLnBrk="0" hangingPunct="1">
+    <a:lvl5pPr marL="1828800" algn="l" defTabSz="457200" rtl="0" eaLnBrk="1" latinLnBrk="0" hangingPunct="1">
       <a:defRPr sz="1800" kern="1200">
         <a:solidFill>
           <a:schemeClr val="tx1"/>
@@ -63,7 +63,7 @@
         <a:cs typeface="+mn-cs"/>
       </a:defRPr>
     </a:lvl5pPr>
-    <a:lvl6pPr marL="2286000" algn="l" defTabSz="914400" rtl="0" eaLnBrk="1" latinLnBrk="0" hangingPunct="1">
+    <a:lvl6pPr marL="2286000" algn="l" defTabSz="457200" rtl="0" eaLnBrk="1" latinLnBrk="0" hangingPunct="1">
       <a:defRPr sz="1800" kern="1200">
         <a:solidFill>
           <a:schemeClr val="tx1"/>
@@ -73,7 +73,7 @@
         <a:cs typeface="+mn-cs"/>
       </a:defRPr>
     </a:lvl6pPr>
-    <a:lvl7pPr marL="2743200" algn="l" defTabSz="914400" rtl="0" eaLnBrk="1" latinLnBrk="0" hangingPunct="1">
+    <a:lvl7pPr marL="2743200" algn="l" defTabSz="457200" rtl="0" eaLnBrk="1" latinLnBrk="0" hangingPunct="1">
       <a:defRPr sz="1800" kern="1200">
         <a:solidFill>
           <a:schemeClr val="tx1"/>
@@ -83,7 +83,7 @@
         <a:cs typeface="+mn-cs"/>
       </a:defRPr>
     </a:lvl7pPr>
-    <a:lvl8pPr marL="3200400" algn="l" defTabSz="914400" rtl="0" eaLnBrk="1" latinLnBrk="0" hangingPunct="1">
+    <a:lvl8pPr marL="3200400" algn="l" defTabSz="457200" rtl="0" eaLnBrk="1" latinLnBrk="0" hangingPunct="1">
       <a:defRPr sz="1800" kern="1200">
         <a:solidFill>
           <a:schemeClr val="tx1"/>
@@ -93,7 +93,7 @@
         <a:cs typeface="+mn-cs"/>
       </a:defRPr>
     </a:lvl8pPr>
-    <a:lvl9pPr marL="3657600" algn="l" defTabSz="914400" rtl="0" eaLnBrk="1" latinLnBrk="0" hangingPunct="1">
+    <a:lvl9pPr marL="3657600" algn="l" defTabSz="457200" rtl="0" eaLnBrk="1" latinLnBrk="0" hangingPunct="1">
       <a:defRPr sz="1800" kern="1200">
         <a:solidFill>
           <a:schemeClr val="tx1"/>
@@ -104,7 +104,1259 @@
       </a:defRPr>
     </a:lvl9pPr>
   </p:defaultTextStyle>
+  <p:extLst>
+    <p:ext uri="{EFAFB233-063F-42B5-8137-9DF3F51BA10A}">
+      <p15:sldGuideLst xmlns:p15="http://schemas.microsoft.com/office/powerpoint/2012/main"/>
+    </p:ext>
+  </p:extLst>
 </p:presentation>
+</file>
+
+<file path=ppt/revisionInfo.xml><?xml version="1.0" encoding="utf-8"?>
+<p1510:revInfo xmlns:a="http://schemas.openxmlformats.org/drawingml/2006/main" xmlns:r="http://schemas.openxmlformats.org/officeDocument/2006/relationships" xmlns:p1510="http://schemas.microsoft.com/office/powerpoint/2015/10/main">
+  <p1510:revLst>
+    <p1510:client id="{1E523D62-DEB0-4351-BBCD-1D437D0FB8DC}" v="28" dt="2024-01-11T22:49:03.409"/>
+  </p1510:revLst>
+</p1510:revInfo>
+</file>
+
+<file path=ppt/changesInfos/changesInfo1.xml><?xml version="1.0" encoding="utf-8"?>
+<pc:chgInfo xmlns:a="http://schemas.openxmlformats.org/drawingml/2006/main" xmlns:r="http://schemas.openxmlformats.org/officeDocument/2006/relationships" xmlns:ac="http://schemas.microsoft.com/office/drawing/2013/main/command" xmlns:pc="http://schemas.microsoft.com/office/powerpoint/2013/main/command">
+  <pc:docChgLst>
+    <pc:chgData name="Mu, Raymond" userId="a0667180-2b8b-444c-839d-1cdae66680c9" providerId="ADAL" clId="{1E523D62-DEB0-4351-BBCD-1D437D0FB8DC}"/>
+    <pc:docChg chg="undo custSel modSld modMainMaster">
+      <pc:chgData name="Mu, Raymond" userId="a0667180-2b8b-444c-839d-1cdae66680c9" providerId="ADAL" clId="{1E523D62-DEB0-4351-BBCD-1D437D0FB8DC}" dt="2024-01-11T22:50:55.545" v="1279" actId="207"/>
+      <pc:docMkLst>
+        <pc:docMk/>
+      </pc:docMkLst>
+      <pc:sldChg chg="addSp delSp modSp mod">
+        <pc:chgData name="Mu, Raymond" userId="a0667180-2b8b-444c-839d-1cdae66680c9" providerId="ADAL" clId="{1E523D62-DEB0-4351-BBCD-1D437D0FB8DC}" dt="2024-01-11T22:50:55.545" v="1279" actId="207"/>
+        <pc:sldMkLst>
+          <pc:docMk/>
+          <pc:sldMk cId="25513488" sldId="256"/>
+        </pc:sldMkLst>
+        <pc:spChg chg="add mod">
+          <ac:chgData name="Mu, Raymond" userId="a0667180-2b8b-444c-839d-1cdae66680c9" providerId="ADAL" clId="{1E523D62-DEB0-4351-BBCD-1D437D0FB8DC}" dt="2024-01-11T22:46:14.137" v="1082" actId="164"/>
+          <ac:spMkLst>
+            <pc:docMk/>
+            <pc:sldMk cId="25513488" sldId="256"/>
+            <ac:spMk id="2" creationId="{2045D170-6F9F-5F7E-7A2F-FB620F8892AF}"/>
+          </ac:spMkLst>
+        </pc:spChg>
+        <pc:spChg chg="add del mod">
+          <ac:chgData name="Mu, Raymond" userId="a0667180-2b8b-444c-839d-1cdae66680c9" providerId="ADAL" clId="{1E523D62-DEB0-4351-BBCD-1D437D0FB8DC}" dt="2024-01-11T22:31:27.921" v="112" actId="478"/>
+          <ac:spMkLst>
+            <pc:docMk/>
+            <pc:sldMk cId="25513488" sldId="256"/>
+            <ac:spMk id="3" creationId="{0D486081-FA92-B862-76EC-A444DD6D83EF}"/>
+          </ac:spMkLst>
+        </pc:spChg>
+        <pc:spChg chg="mod">
+          <ac:chgData name="Mu, Raymond" userId="a0667180-2b8b-444c-839d-1cdae66680c9" providerId="ADAL" clId="{1E523D62-DEB0-4351-BBCD-1D437D0FB8DC}" dt="2024-01-11T22:46:14.137" v="1082" actId="164"/>
+          <ac:spMkLst>
+            <pc:docMk/>
+            <pc:sldMk cId="25513488" sldId="256"/>
+            <ac:spMk id="4" creationId="{89A025AE-6826-D85C-04FB-7195A28F7041}"/>
+          </ac:spMkLst>
+        </pc:spChg>
+        <pc:spChg chg="add mod">
+          <ac:chgData name="Mu, Raymond" userId="a0667180-2b8b-444c-839d-1cdae66680c9" providerId="ADAL" clId="{1E523D62-DEB0-4351-BBCD-1D437D0FB8DC}" dt="2024-01-11T22:32:47.375" v="239" actId="164"/>
+          <ac:spMkLst>
+            <pc:docMk/>
+            <pc:sldMk cId="25513488" sldId="256"/>
+            <ac:spMk id="5" creationId="{21FB604B-5E46-317F-E77E-F73F4EAEB53E}"/>
+          </ac:spMkLst>
+        </pc:spChg>
+        <pc:spChg chg="add mod">
+          <ac:chgData name="Mu, Raymond" userId="a0667180-2b8b-444c-839d-1cdae66680c9" providerId="ADAL" clId="{1E523D62-DEB0-4351-BBCD-1D437D0FB8DC}" dt="2024-01-11T22:34:52.887" v="376" actId="20577"/>
+          <ac:spMkLst>
+            <pc:docMk/>
+            <pc:sldMk cId="25513488" sldId="256"/>
+            <ac:spMk id="6" creationId="{5BCEEB8F-114F-BF28-FF03-52FB729EEF2C}"/>
+          </ac:spMkLst>
+        </pc:spChg>
+        <pc:spChg chg="mod">
+          <ac:chgData name="Mu, Raymond" userId="a0667180-2b8b-444c-839d-1cdae66680c9" providerId="ADAL" clId="{1E523D62-DEB0-4351-BBCD-1D437D0FB8DC}" dt="2024-01-11T22:46:14.137" v="1082" actId="164"/>
+          <ac:spMkLst>
+            <pc:docMk/>
+            <pc:sldMk cId="25513488" sldId="256"/>
+            <ac:spMk id="7" creationId="{8EDE89A0-EC50-B209-1C90-44EDCA5C7CC1}"/>
+          </ac:spMkLst>
+        </pc:spChg>
+        <pc:spChg chg="mod">
+          <ac:chgData name="Mu, Raymond" userId="a0667180-2b8b-444c-839d-1cdae66680c9" providerId="ADAL" clId="{1E523D62-DEB0-4351-BBCD-1D437D0FB8DC}" dt="2024-01-11T22:46:14.137" v="1082" actId="164"/>
+          <ac:spMkLst>
+            <pc:docMk/>
+            <pc:sldMk cId="25513488" sldId="256"/>
+            <ac:spMk id="9" creationId="{36CB70F2-4709-E644-1AAA-ECC908C83A6F}"/>
+          </ac:spMkLst>
+        </pc:spChg>
+        <pc:spChg chg="mod">
+          <ac:chgData name="Mu, Raymond" userId="a0667180-2b8b-444c-839d-1cdae66680c9" providerId="ADAL" clId="{1E523D62-DEB0-4351-BBCD-1D437D0FB8DC}" dt="2024-01-11T22:33:11.754" v="262"/>
+          <ac:spMkLst>
+            <pc:docMk/>
+            <pc:sldMk cId="25513488" sldId="256"/>
+            <ac:spMk id="11" creationId="{76119139-D1E5-67B3-76B8-305BE29AEC00}"/>
+          </ac:spMkLst>
+        </pc:spChg>
+        <pc:spChg chg="mod">
+          <ac:chgData name="Mu, Raymond" userId="a0667180-2b8b-444c-839d-1cdae66680c9" providerId="ADAL" clId="{1E523D62-DEB0-4351-BBCD-1D437D0FB8DC}" dt="2024-01-11T22:33:19.925" v="289" actId="20577"/>
+          <ac:spMkLst>
+            <pc:docMk/>
+            <pc:sldMk cId="25513488" sldId="256"/>
+            <ac:spMk id="12" creationId="{8D6A417C-ED1D-3F22-9769-1E0F77F9AE3A}"/>
+          </ac:spMkLst>
+        </pc:spChg>
+        <pc:spChg chg="mod topLvl">
+          <ac:chgData name="Mu, Raymond" userId="a0667180-2b8b-444c-839d-1cdae66680c9" providerId="ADAL" clId="{1E523D62-DEB0-4351-BBCD-1D437D0FB8DC}" dt="2024-01-11T22:50:55.545" v="1279" actId="207"/>
+          <ac:spMkLst>
+            <pc:docMk/>
+            <pc:sldMk cId="25513488" sldId="256"/>
+            <ac:spMk id="14" creationId="{6B0403AD-0045-1BD2-503F-6E6970348DC4}"/>
+          </ac:spMkLst>
+        </pc:spChg>
+        <pc:spChg chg="del mod topLvl">
+          <ac:chgData name="Mu, Raymond" userId="a0667180-2b8b-444c-839d-1cdae66680c9" providerId="ADAL" clId="{1E523D62-DEB0-4351-BBCD-1D437D0FB8DC}" dt="2024-01-11T22:36:51.813" v="495" actId="478"/>
+          <ac:spMkLst>
+            <pc:docMk/>
+            <pc:sldMk cId="25513488" sldId="256"/>
+            <ac:spMk id="15" creationId="{95FFABE9-2EBE-773B-1309-7E8929A59B39}"/>
+          </ac:spMkLst>
+        </pc:spChg>
+        <pc:spChg chg="mod">
+          <ac:chgData name="Mu, Raymond" userId="a0667180-2b8b-444c-839d-1cdae66680c9" providerId="ADAL" clId="{1E523D62-DEB0-4351-BBCD-1D437D0FB8DC}" dt="2024-01-11T22:46:14.137" v="1082" actId="164"/>
+          <ac:spMkLst>
+            <pc:docMk/>
+            <pc:sldMk cId="25513488" sldId="256"/>
+            <ac:spMk id="16" creationId="{B3815866-D8DF-9D02-CF2E-1B9F0382B6FA}"/>
+          </ac:spMkLst>
+        </pc:spChg>
+        <pc:spChg chg="mod">
+          <ac:chgData name="Mu, Raymond" userId="a0667180-2b8b-444c-839d-1cdae66680c9" providerId="ADAL" clId="{1E523D62-DEB0-4351-BBCD-1D437D0FB8DC}" dt="2024-01-11T22:46:14.137" v="1082" actId="164"/>
+          <ac:spMkLst>
+            <pc:docMk/>
+            <pc:sldMk cId="25513488" sldId="256"/>
+            <ac:spMk id="18" creationId="{C6137D57-26F3-11EC-A453-82F77799104C}"/>
+          </ac:spMkLst>
+        </pc:spChg>
+        <pc:spChg chg="mod">
+          <ac:chgData name="Mu, Raymond" userId="a0667180-2b8b-444c-839d-1cdae66680c9" providerId="ADAL" clId="{1E523D62-DEB0-4351-BBCD-1D437D0FB8DC}" dt="2024-01-11T22:46:14.137" v="1082" actId="164"/>
+          <ac:spMkLst>
+            <pc:docMk/>
+            <pc:sldMk cId="25513488" sldId="256"/>
+            <ac:spMk id="19" creationId="{76312629-BBD3-849D-FF45-193C097935E3}"/>
+          </ac:spMkLst>
+        </pc:spChg>
+        <pc:spChg chg="mod">
+          <ac:chgData name="Mu, Raymond" userId="a0667180-2b8b-444c-839d-1cdae66680c9" providerId="ADAL" clId="{1E523D62-DEB0-4351-BBCD-1D437D0FB8DC}" dt="2024-01-11T22:46:14.137" v="1082" actId="164"/>
+          <ac:spMkLst>
+            <pc:docMk/>
+            <pc:sldMk cId="25513488" sldId="256"/>
+            <ac:spMk id="20" creationId="{F165AAC3-9585-DDF2-82BD-F33DEC962ED4}"/>
+          </ac:spMkLst>
+        </pc:spChg>
+        <pc:spChg chg="add del">
+          <ac:chgData name="Mu, Raymond" userId="a0667180-2b8b-444c-839d-1cdae66680c9" providerId="ADAL" clId="{1E523D62-DEB0-4351-BBCD-1D437D0FB8DC}" dt="2024-01-11T22:36:09.438" v="464" actId="22"/>
+          <ac:spMkLst>
+            <pc:docMk/>
+            <pc:sldMk cId="25513488" sldId="256"/>
+            <ac:spMk id="21" creationId="{C767CD6C-42A8-10DD-DD18-967CAEF42552}"/>
+          </ac:spMkLst>
+        </pc:spChg>
+        <pc:spChg chg="mod">
+          <ac:chgData name="Mu, Raymond" userId="a0667180-2b8b-444c-839d-1cdae66680c9" providerId="ADAL" clId="{1E523D62-DEB0-4351-BBCD-1D437D0FB8DC}" dt="2024-01-11T22:46:14.137" v="1082" actId="164"/>
+          <ac:spMkLst>
+            <pc:docMk/>
+            <pc:sldMk cId="25513488" sldId="256"/>
+            <ac:spMk id="22" creationId="{F41F3E19-6A30-5E31-D7EC-F7E7B46BCDA1}"/>
+          </ac:spMkLst>
+        </pc:spChg>
+        <pc:spChg chg="add mod">
+          <ac:chgData name="Mu, Raymond" userId="a0667180-2b8b-444c-839d-1cdae66680c9" providerId="ADAL" clId="{1E523D62-DEB0-4351-BBCD-1D437D0FB8DC}" dt="2024-01-11T22:50:55.545" v="1279" actId="207"/>
+          <ac:spMkLst>
+            <pc:docMk/>
+            <pc:sldMk cId="25513488" sldId="256"/>
+            <ac:spMk id="23" creationId="{E24D5C3C-D757-2377-32E6-02F93866FE98}"/>
+          </ac:spMkLst>
+        </pc:spChg>
+        <pc:spChg chg="add mod">
+          <ac:chgData name="Mu, Raymond" userId="a0667180-2b8b-444c-839d-1cdae66680c9" providerId="ADAL" clId="{1E523D62-DEB0-4351-BBCD-1D437D0FB8DC}" dt="2024-01-11T22:50:40.435" v="1276" actId="1036"/>
+          <ac:spMkLst>
+            <pc:docMk/>
+            <pc:sldMk cId="25513488" sldId="256"/>
+            <ac:spMk id="27" creationId="{7022244D-A23A-0827-C05E-93E96E95695D}"/>
+          </ac:spMkLst>
+        </pc:spChg>
+        <pc:spChg chg="add del mod">
+          <ac:chgData name="Mu, Raymond" userId="a0667180-2b8b-444c-839d-1cdae66680c9" providerId="ADAL" clId="{1E523D62-DEB0-4351-BBCD-1D437D0FB8DC}" dt="2024-01-11T22:41:44.643" v="614" actId="478"/>
+          <ac:spMkLst>
+            <pc:docMk/>
+            <pc:sldMk cId="25513488" sldId="256"/>
+            <ac:spMk id="31" creationId="{41C78B2F-9975-00A6-ADF9-8D7D01DC7A27}"/>
+          </ac:spMkLst>
+        </pc:spChg>
+        <pc:spChg chg="add mod">
+          <ac:chgData name="Mu, Raymond" userId="a0667180-2b8b-444c-839d-1cdae66680c9" providerId="ADAL" clId="{1E523D62-DEB0-4351-BBCD-1D437D0FB8DC}" dt="2024-01-11T22:50:40.435" v="1276" actId="1036"/>
+          <ac:spMkLst>
+            <pc:docMk/>
+            <pc:sldMk cId="25513488" sldId="256"/>
+            <ac:spMk id="33" creationId="{C934AAC1-FC4B-4AE6-8BFE-9474020CE8AB}"/>
+          </ac:spMkLst>
+        </pc:spChg>
+        <pc:spChg chg="add mod">
+          <ac:chgData name="Mu, Raymond" userId="a0667180-2b8b-444c-839d-1cdae66680c9" providerId="ADAL" clId="{1E523D62-DEB0-4351-BBCD-1D437D0FB8DC}" dt="2024-01-11T22:50:55.545" v="1279" actId="207"/>
+          <ac:spMkLst>
+            <pc:docMk/>
+            <pc:sldMk cId="25513488" sldId="256"/>
+            <ac:spMk id="34" creationId="{4C15483F-9213-4224-8F74-234500348009}"/>
+          </ac:spMkLst>
+        </pc:spChg>
+        <pc:spChg chg="add del mod">
+          <ac:chgData name="Mu, Raymond" userId="a0667180-2b8b-444c-839d-1cdae66680c9" providerId="ADAL" clId="{1E523D62-DEB0-4351-BBCD-1D437D0FB8DC}" dt="2024-01-11T22:42:51.470" v="707" actId="478"/>
+          <ac:spMkLst>
+            <pc:docMk/>
+            <pc:sldMk cId="25513488" sldId="256"/>
+            <ac:spMk id="36" creationId="{27876B76-56FC-F105-B818-35CAFD5D0B12}"/>
+          </ac:spMkLst>
+        </pc:spChg>
+        <pc:spChg chg="add mod">
+          <ac:chgData name="Mu, Raymond" userId="a0667180-2b8b-444c-839d-1cdae66680c9" providerId="ADAL" clId="{1E523D62-DEB0-4351-BBCD-1D437D0FB8DC}" dt="2024-01-11T22:50:40.435" v="1276" actId="1036"/>
+          <ac:spMkLst>
+            <pc:docMk/>
+            <pc:sldMk cId="25513488" sldId="256"/>
+            <ac:spMk id="37" creationId="{4A45012C-F96A-11AD-2B2D-1276413BA8DD}"/>
+          </ac:spMkLst>
+        </pc:spChg>
+        <pc:spChg chg="mod">
+          <ac:chgData name="Mu, Raymond" userId="a0667180-2b8b-444c-839d-1cdae66680c9" providerId="ADAL" clId="{1E523D62-DEB0-4351-BBCD-1D437D0FB8DC}" dt="2024-01-11T22:46:14.137" v="1082" actId="164"/>
+          <ac:spMkLst>
+            <pc:docMk/>
+            <pc:sldMk cId="25513488" sldId="256"/>
+            <ac:spMk id="38" creationId="{A2F28705-1B01-DC4D-D8DE-F5B3011B7A50}"/>
+          </ac:spMkLst>
+        </pc:spChg>
+        <pc:spChg chg="mod">
+          <ac:chgData name="Mu, Raymond" userId="a0667180-2b8b-444c-839d-1cdae66680c9" providerId="ADAL" clId="{1E523D62-DEB0-4351-BBCD-1D437D0FB8DC}" dt="2024-01-11T22:46:14.137" v="1082" actId="164"/>
+          <ac:spMkLst>
+            <pc:docMk/>
+            <pc:sldMk cId="25513488" sldId="256"/>
+            <ac:spMk id="39" creationId="{7AA67A05-634A-1C5F-154B-119A4E1659D8}"/>
+          </ac:spMkLst>
+        </pc:spChg>
+        <pc:spChg chg="mod">
+          <ac:chgData name="Mu, Raymond" userId="a0667180-2b8b-444c-839d-1cdae66680c9" providerId="ADAL" clId="{1E523D62-DEB0-4351-BBCD-1D437D0FB8DC}" dt="2024-01-11T22:46:14.137" v="1082" actId="164"/>
+          <ac:spMkLst>
+            <pc:docMk/>
+            <pc:sldMk cId="25513488" sldId="256"/>
+            <ac:spMk id="40" creationId="{9392A933-5179-FDAC-C5D5-149302C3E84C}"/>
+          </ac:spMkLst>
+        </pc:spChg>
+        <pc:spChg chg="mod">
+          <ac:chgData name="Mu, Raymond" userId="a0667180-2b8b-444c-839d-1cdae66680c9" providerId="ADAL" clId="{1E523D62-DEB0-4351-BBCD-1D437D0FB8DC}" dt="2024-01-11T22:46:14.137" v="1082" actId="164"/>
+          <ac:spMkLst>
+            <pc:docMk/>
+            <pc:sldMk cId="25513488" sldId="256"/>
+            <ac:spMk id="41" creationId="{6955052F-BB96-3D6F-7882-4871BCE438A7}"/>
+          </ac:spMkLst>
+        </pc:spChg>
+        <pc:spChg chg="mod">
+          <ac:chgData name="Mu, Raymond" userId="a0667180-2b8b-444c-839d-1cdae66680c9" providerId="ADAL" clId="{1E523D62-DEB0-4351-BBCD-1D437D0FB8DC}" dt="2024-01-11T22:46:14.137" v="1082" actId="164"/>
+          <ac:spMkLst>
+            <pc:docMk/>
+            <pc:sldMk cId="25513488" sldId="256"/>
+            <ac:spMk id="42" creationId="{348C4BBF-B513-F47E-C34B-170DD88D851A}"/>
+          </ac:spMkLst>
+        </pc:spChg>
+        <pc:spChg chg="mod">
+          <ac:chgData name="Mu, Raymond" userId="a0667180-2b8b-444c-839d-1cdae66680c9" providerId="ADAL" clId="{1E523D62-DEB0-4351-BBCD-1D437D0FB8DC}" dt="2024-01-11T22:46:14.137" v="1082" actId="164"/>
+          <ac:spMkLst>
+            <pc:docMk/>
+            <pc:sldMk cId="25513488" sldId="256"/>
+            <ac:spMk id="43" creationId="{5475036F-EC6B-D04A-510B-C08DEFAFB88E}"/>
+          </ac:spMkLst>
+        </pc:spChg>
+        <pc:spChg chg="mod">
+          <ac:chgData name="Mu, Raymond" userId="a0667180-2b8b-444c-839d-1cdae66680c9" providerId="ADAL" clId="{1E523D62-DEB0-4351-BBCD-1D437D0FB8DC}" dt="2024-01-11T22:46:14.137" v="1082" actId="164"/>
+          <ac:spMkLst>
+            <pc:docMk/>
+            <pc:sldMk cId="25513488" sldId="256"/>
+            <ac:spMk id="48" creationId="{37350477-4A02-DB21-2AD0-FE53360117A1}"/>
+          </ac:spMkLst>
+        </pc:spChg>
+        <pc:spChg chg="mod">
+          <ac:chgData name="Mu, Raymond" userId="a0667180-2b8b-444c-839d-1cdae66680c9" providerId="ADAL" clId="{1E523D62-DEB0-4351-BBCD-1D437D0FB8DC}" dt="2024-01-11T22:46:14.137" v="1082" actId="164"/>
+          <ac:spMkLst>
+            <pc:docMk/>
+            <pc:sldMk cId="25513488" sldId="256"/>
+            <ac:spMk id="49" creationId="{5F6A67D9-9B5B-05F3-86A0-2618F2714322}"/>
+          </ac:spMkLst>
+        </pc:spChg>
+        <pc:spChg chg="mod">
+          <ac:chgData name="Mu, Raymond" userId="a0667180-2b8b-444c-839d-1cdae66680c9" providerId="ADAL" clId="{1E523D62-DEB0-4351-BBCD-1D437D0FB8DC}" dt="2024-01-11T22:46:14.137" v="1082" actId="164"/>
+          <ac:spMkLst>
+            <pc:docMk/>
+            <pc:sldMk cId="25513488" sldId="256"/>
+            <ac:spMk id="50" creationId="{86B6914A-9013-E75B-F143-69887415C437}"/>
+          </ac:spMkLst>
+        </pc:spChg>
+        <pc:spChg chg="mod">
+          <ac:chgData name="Mu, Raymond" userId="a0667180-2b8b-444c-839d-1cdae66680c9" providerId="ADAL" clId="{1E523D62-DEB0-4351-BBCD-1D437D0FB8DC}" dt="2024-01-11T22:46:14.137" v="1082" actId="164"/>
+          <ac:spMkLst>
+            <pc:docMk/>
+            <pc:sldMk cId="25513488" sldId="256"/>
+            <ac:spMk id="51" creationId="{E8A091D6-E807-373F-1E99-4D6BC0DD88C6}"/>
+          </ac:spMkLst>
+        </pc:spChg>
+        <pc:spChg chg="mod">
+          <ac:chgData name="Mu, Raymond" userId="a0667180-2b8b-444c-839d-1cdae66680c9" providerId="ADAL" clId="{1E523D62-DEB0-4351-BBCD-1D437D0FB8DC}" dt="2024-01-11T22:46:14.137" v="1082" actId="164"/>
+          <ac:spMkLst>
+            <pc:docMk/>
+            <pc:sldMk cId="25513488" sldId="256"/>
+            <ac:spMk id="52" creationId="{17251E13-01DF-C685-F5AD-B4F9766B917B}"/>
+          </ac:spMkLst>
+        </pc:spChg>
+        <pc:spChg chg="mod">
+          <ac:chgData name="Mu, Raymond" userId="a0667180-2b8b-444c-839d-1cdae66680c9" providerId="ADAL" clId="{1E523D62-DEB0-4351-BBCD-1D437D0FB8DC}" dt="2024-01-11T22:46:14.137" v="1082" actId="164"/>
+          <ac:spMkLst>
+            <pc:docMk/>
+            <pc:sldMk cId="25513488" sldId="256"/>
+            <ac:spMk id="53" creationId="{F176E8BD-3AE9-1E8B-322F-B0B915CC69E2}"/>
+          </ac:spMkLst>
+        </pc:spChg>
+        <pc:spChg chg="add mod">
+          <ac:chgData name="Mu, Raymond" userId="a0667180-2b8b-444c-839d-1cdae66680c9" providerId="ADAL" clId="{1E523D62-DEB0-4351-BBCD-1D437D0FB8DC}" dt="2024-01-11T22:50:40.435" v="1276" actId="1036"/>
+          <ac:spMkLst>
+            <pc:docMk/>
+            <pc:sldMk cId="25513488" sldId="256"/>
+            <ac:spMk id="59" creationId="{D13B20C4-9D5C-64B9-CD48-A4F5B7798576}"/>
+          </ac:spMkLst>
+        </pc:spChg>
+        <pc:spChg chg="add mod">
+          <ac:chgData name="Mu, Raymond" userId="a0667180-2b8b-444c-839d-1cdae66680c9" providerId="ADAL" clId="{1E523D62-DEB0-4351-BBCD-1D437D0FB8DC}" dt="2024-01-11T22:50:40.435" v="1276" actId="1036"/>
+          <ac:spMkLst>
+            <pc:docMk/>
+            <pc:sldMk cId="25513488" sldId="256"/>
+            <ac:spMk id="60" creationId="{451FD7A4-B534-332E-BBC6-9D28AB8CAB92}"/>
+          </ac:spMkLst>
+        </pc:spChg>
+        <pc:spChg chg="add mod">
+          <ac:chgData name="Mu, Raymond" userId="a0667180-2b8b-444c-839d-1cdae66680c9" providerId="ADAL" clId="{1E523D62-DEB0-4351-BBCD-1D437D0FB8DC}" dt="2024-01-11T22:50:40.435" v="1276" actId="1036"/>
+          <ac:spMkLst>
+            <pc:docMk/>
+            <pc:sldMk cId="25513488" sldId="256"/>
+            <ac:spMk id="62" creationId="{874085CF-860C-E4FC-5E70-B2CDC64081A1}"/>
+          </ac:spMkLst>
+        </pc:spChg>
+        <pc:spChg chg="add mod">
+          <ac:chgData name="Mu, Raymond" userId="a0667180-2b8b-444c-839d-1cdae66680c9" providerId="ADAL" clId="{1E523D62-DEB0-4351-BBCD-1D437D0FB8DC}" dt="2024-01-11T22:50:40.435" v="1276" actId="1036"/>
+          <ac:spMkLst>
+            <pc:docMk/>
+            <pc:sldMk cId="25513488" sldId="256"/>
+            <ac:spMk id="63" creationId="{E4DD5D99-32C2-663A-61F8-16250CEAD4AE}"/>
+          </ac:spMkLst>
+        </pc:spChg>
+        <pc:spChg chg="add mod">
+          <ac:chgData name="Mu, Raymond" userId="a0667180-2b8b-444c-839d-1cdae66680c9" providerId="ADAL" clId="{1E523D62-DEB0-4351-BBCD-1D437D0FB8DC}" dt="2024-01-11T22:50:40.435" v="1276" actId="1036"/>
+          <ac:spMkLst>
+            <pc:docMk/>
+            <pc:sldMk cId="25513488" sldId="256"/>
+            <ac:spMk id="65" creationId="{95F05CAA-9471-38F0-27DB-4F15648C4823}"/>
+          </ac:spMkLst>
+        </pc:spChg>
+        <pc:spChg chg="mod">
+          <ac:chgData name="Mu, Raymond" userId="a0667180-2b8b-444c-839d-1cdae66680c9" providerId="ADAL" clId="{1E523D62-DEB0-4351-BBCD-1D437D0FB8DC}" dt="2024-01-11T22:48:58.393" v="1213"/>
+          <ac:spMkLst>
+            <pc:docMk/>
+            <pc:sldMk cId="25513488" sldId="256"/>
+            <ac:spMk id="69" creationId="{2EC8151A-B45F-4AD4-D080-1D3C20C1B864}"/>
+          </ac:spMkLst>
+        </pc:spChg>
+        <pc:spChg chg="mod">
+          <ac:chgData name="Mu, Raymond" userId="a0667180-2b8b-444c-839d-1cdae66680c9" providerId="ADAL" clId="{1E523D62-DEB0-4351-BBCD-1D437D0FB8DC}" dt="2024-01-11T22:48:58.393" v="1213"/>
+          <ac:spMkLst>
+            <pc:docMk/>
+            <pc:sldMk cId="25513488" sldId="256"/>
+            <ac:spMk id="71" creationId="{35A6DA89-DAD1-0A23-0D86-BA072EC36738}"/>
+          </ac:spMkLst>
+        </pc:spChg>
+        <pc:spChg chg="mod">
+          <ac:chgData name="Mu, Raymond" userId="a0667180-2b8b-444c-839d-1cdae66680c9" providerId="ADAL" clId="{1E523D62-DEB0-4351-BBCD-1D437D0FB8DC}" dt="2024-01-11T22:48:58.393" v="1213"/>
+          <ac:spMkLst>
+            <pc:docMk/>
+            <pc:sldMk cId="25513488" sldId="256"/>
+            <ac:spMk id="72" creationId="{757D4D5C-C8DB-0E4E-6A9F-06887FBAE03D}"/>
+          </ac:spMkLst>
+        </pc:spChg>
+        <pc:spChg chg="mod">
+          <ac:chgData name="Mu, Raymond" userId="a0667180-2b8b-444c-839d-1cdae66680c9" providerId="ADAL" clId="{1E523D62-DEB0-4351-BBCD-1D437D0FB8DC}" dt="2024-01-11T22:48:58.393" v="1213"/>
+          <ac:spMkLst>
+            <pc:docMk/>
+            <pc:sldMk cId="25513488" sldId="256"/>
+            <ac:spMk id="74" creationId="{A4FB1A44-EC03-18FB-03B8-C2B77F32A67D}"/>
+          </ac:spMkLst>
+        </pc:spChg>
+        <pc:spChg chg="mod">
+          <ac:chgData name="Mu, Raymond" userId="a0667180-2b8b-444c-839d-1cdae66680c9" providerId="ADAL" clId="{1E523D62-DEB0-4351-BBCD-1D437D0FB8DC}" dt="2024-01-11T22:48:58.393" v="1213"/>
+          <ac:spMkLst>
+            <pc:docMk/>
+            <pc:sldMk cId="25513488" sldId="256"/>
+            <ac:spMk id="75" creationId="{3D881CF8-4F52-6A67-6CB7-E60E95C9AC62}"/>
+          </ac:spMkLst>
+        </pc:spChg>
+        <pc:spChg chg="mod">
+          <ac:chgData name="Mu, Raymond" userId="a0667180-2b8b-444c-839d-1cdae66680c9" providerId="ADAL" clId="{1E523D62-DEB0-4351-BBCD-1D437D0FB8DC}" dt="2024-01-11T22:48:58.393" v="1213"/>
+          <ac:spMkLst>
+            <pc:docMk/>
+            <pc:sldMk cId="25513488" sldId="256"/>
+            <ac:spMk id="77" creationId="{682A2FD0-CD6D-971B-B571-9C877E7168BC}"/>
+          </ac:spMkLst>
+        </pc:spChg>
+        <pc:spChg chg="mod">
+          <ac:chgData name="Mu, Raymond" userId="a0667180-2b8b-444c-839d-1cdae66680c9" providerId="ADAL" clId="{1E523D62-DEB0-4351-BBCD-1D437D0FB8DC}" dt="2024-01-11T22:48:58.393" v="1213"/>
+          <ac:spMkLst>
+            <pc:docMk/>
+            <pc:sldMk cId="25513488" sldId="256"/>
+            <ac:spMk id="78" creationId="{6E0F8D3C-F964-7120-FADF-FE4E34FCE365}"/>
+          </ac:spMkLst>
+        </pc:spChg>
+        <pc:spChg chg="mod">
+          <ac:chgData name="Mu, Raymond" userId="a0667180-2b8b-444c-839d-1cdae66680c9" providerId="ADAL" clId="{1E523D62-DEB0-4351-BBCD-1D437D0FB8DC}" dt="2024-01-11T22:48:58.393" v="1213"/>
+          <ac:spMkLst>
+            <pc:docMk/>
+            <pc:sldMk cId="25513488" sldId="256"/>
+            <ac:spMk id="80" creationId="{8BBD1473-DBEC-9570-B858-7CF24FFA5419}"/>
+          </ac:spMkLst>
+        </pc:spChg>
+        <pc:spChg chg="mod">
+          <ac:chgData name="Mu, Raymond" userId="a0667180-2b8b-444c-839d-1cdae66680c9" providerId="ADAL" clId="{1E523D62-DEB0-4351-BBCD-1D437D0FB8DC}" dt="2024-01-11T22:48:58.393" v="1213"/>
+          <ac:spMkLst>
+            <pc:docMk/>
+            <pc:sldMk cId="25513488" sldId="256"/>
+            <ac:spMk id="87" creationId="{FC0648C6-66D4-FD61-5062-CF0649DB7A65}"/>
+          </ac:spMkLst>
+        </pc:spChg>
+        <pc:spChg chg="mod">
+          <ac:chgData name="Mu, Raymond" userId="a0667180-2b8b-444c-839d-1cdae66680c9" providerId="ADAL" clId="{1E523D62-DEB0-4351-BBCD-1D437D0FB8DC}" dt="2024-01-11T22:46:14.137" v="1082" actId="164"/>
+          <ac:spMkLst>
+            <pc:docMk/>
+            <pc:sldMk cId="25513488" sldId="256"/>
+            <ac:spMk id="88" creationId="{56FA5AC0-15E7-6B80-6C0F-C965BE935B61}"/>
+          </ac:spMkLst>
+        </pc:spChg>
+        <pc:spChg chg="mod">
+          <ac:chgData name="Mu, Raymond" userId="a0667180-2b8b-444c-839d-1cdae66680c9" providerId="ADAL" clId="{1E523D62-DEB0-4351-BBCD-1D437D0FB8DC}" dt="2024-01-11T22:46:14.137" v="1082" actId="164"/>
+          <ac:spMkLst>
+            <pc:docMk/>
+            <pc:sldMk cId="25513488" sldId="256"/>
+            <ac:spMk id="89" creationId="{7DDC3FA1-A432-A5E0-C23F-79B67CAEA669}"/>
+          </ac:spMkLst>
+        </pc:spChg>
+        <pc:spChg chg="mod">
+          <ac:chgData name="Mu, Raymond" userId="a0667180-2b8b-444c-839d-1cdae66680c9" providerId="ADAL" clId="{1E523D62-DEB0-4351-BBCD-1D437D0FB8DC}" dt="2024-01-11T22:48:58.393" v="1213"/>
+          <ac:spMkLst>
+            <pc:docMk/>
+            <pc:sldMk cId="25513488" sldId="256"/>
+            <ac:spMk id="90" creationId="{618A5F47-A253-4402-5237-5674E21D66BD}"/>
+          </ac:spMkLst>
+        </pc:spChg>
+        <pc:spChg chg="mod">
+          <ac:chgData name="Mu, Raymond" userId="a0667180-2b8b-444c-839d-1cdae66680c9" providerId="ADAL" clId="{1E523D62-DEB0-4351-BBCD-1D437D0FB8DC}" dt="2024-01-11T22:48:58.393" v="1213"/>
+          <ac:spMkLst>
+            <pc:docMk/>
+            <pc:sldMk cId="25513488" sldId="256"/>
+            <ac:spMk id="91" creationId="{1D8E56C7-FDD0-70F6-DA43-4FFADF74F8B7}"/>
+          </ac:spMkLst>
+        </pc:spChg>
+        <pc:spChg chg="mod">
+          <ac:chgData name="Mu, Raymond" userId="a0667180-2b8b-444c-839d-1cdae66680c9" providerId="ADAL" clId="{1E523D62-DEB0-4351-BBCD-1D437D0FB8DC}" dt="2024-01-11T22:48:58.393" v="1213"/>
+          <ac:spMkLst>
+            <pc:docMk/>
+            <pc:sldMk cId="25513488" sldId="256"/>
+            <ac:spMk id="92" creationId="{18C66924-5C34-E1C5-1795-5059B1BDD45C}"/>
+          </ac:spMkLst>
+        </pc:spChg>
+        <pc:spChg chg="mod">
+          <ac:chgData name="Mu, Raymond" userId="a0667180-2b8b-444c-839d-1cdae66680c9" providerId="ADAL" clId="{1E523D62-DEB0-4351-BBCD-1D437D0FB8DC}" dt="2024-01-11T22:48:58.393" v="1213"/>
+          <ac:spMkLst>
+            <pc:docMk/>
+            <pc:sldMk cId="25513488" sldId="256"/>
+            <ac:spMk id="93" creationId="{B8ACE7DE-286E-DF6B-E84D-964502193800}"/>
+          </ac:spMkLst>
+        </pc:spChg>
+        <pc:spChg chg="mod">
+          <ac:chgData name="Mu, Raymond" userId="a0667180-2b8b-444c-839d-1cdae66680c9" providerId="ADAL" clId="{1E523D62-DEB0-4351-BBCD-1D437D0FB8DC}" dt="2024-01-11T22:48:58.393" v="1213"/>
+          <ac:spMkLst>
+            <pc:docMk/>
+            <pc:sldMk cId="25513488" sldId="256"/>
+            <ac:spMk id="94" creationId="{456180CD-1D23-3DCE-D75F-A609FE2DC077}"/>
+          </ac:spMkLst>
+        </pc:spChg>
+        <pc:spChg chg="mod">
+          <ac:chgData name="Mu, Raymond" userId="a0667180-2b8b-444c-839d-1cdae66680c9" providerId="ADAL" clId="{1E523D62-DEB0-4351-BBCD-1D437D0FB8DC}" dt="2024-01-11T22:48:58.393" v="1213"/>
+          <ac:spMkLst>
+            <pc:docMk/>
+            <pc:sldMk cId="25513488" sldId="256"/>
+            <ac:spMk id="99" creationId="{971D0487-DA26-6A17-D8EC-933397F02AE0}"/>
+          </ac:spMkLst>
+        </pc:spChg>
+        <pc:spChg chg="mod">
+          <ac:chgData name="Mu, Raymond" userId="a0667180-2b8b-444c-839d-1cdae66680c9" providerId="ADAL" clId="{1E523D62-DEB0-4351-BBCD-1D437D0FB8DC}" dt="2024-01-11T22:48:58.393" v="1213"/>
+          <ac:spMkLst>
+            <pc:docMk/>
+            <pc:sldMk cId="25513488" sldId="256"/>
+            <ac:spMk id="100" creationId="{6A94E7AF-9818-0E2D-64ED-9ACCBE8CD171}"/>
+          </ac:spMkLst>
+        </pc:spChg>
+        <pc:spChg chg="mod">
+          <ac:chgData name="Mu, Raymond" userId="a0667180-2b8b-444c-839d-1cdae66680c9" providerId="ADAL" clId="{1E523D62-DEB0-4351-BBCD-1D437D0FB8DC}" dt="2024-01-11T22:48:58.393" v="1213"/>
+          <ac:spMkLst>
+            <pc:docMk/>
+            <pc:sldMk cId="25513488" sldId="256"/>
+            <ac:spMk id="101" creationId="{0DBA5C2F-A77A-6832-FB98-05129DF5FAED}"/>
+          </ac:spMkLst>
+        </pc:spChg>
+        <pc:spChg chg="mod">
+          <ac:chgData name="Mu, Raymond" userId="a0667180-2b8b-444c-839d-1cdae66680c9" providerId="ADAL" clId="{1E523D62-DEB0-4351-BBCD-1D437D0FB8DC}" dt="2024-01-11T22:48:58.393" v="1213"/>
+          <ac:spMkLst>
+            <pc:docMk/>
+            <pc:sldMk cId="25513488" sldId="256"/>
+            <ac:spMk id="102" creationId="{2B2DA5DC-553D-73A6-E27D-8B069FEDC46E}"/>
+          </ac:spMkLst>
+        </pc:spChg>
+        <pc:spChg chg="mod">
+          <ac:chgData name="Mu, Raymond" userId="a0667180-2b8b-444c-839d-1cdae66680c9" providerId="ADAL" clId="{1E523D62-DEB0-4351-BBCD-1D437D0FB8DC}" dt="2024-01-11T22:48:58.393" v="1213"/>
+          <ac:spMkLst>
+            <pc:docMk/>
+            <pc:sldMk cId="25513488" sldId="256"/>
+            <ac:spMk id="103" creationId="{315BCC04-726E-FED9-0A92-7C6F5193785D}"/>
+          </ac:spMkLst>
+        </pc:spChg>
+        <pc:spChg chg="mod">
+          <ac:chgData name="Mu, Raymond" userId="a0667180-2b8b-444c-839d-1cdae66680c9" providerId="ADAL" clId="{1E523D62-DEB0-4351-BBCD-1D437D0FB8DC}" dt="2024-01-11T22:48:58.393" v="1213"/>
+          <ac:spMkLst>
+            <pc:docMk/>
+            <pc:sldMk cId="25513488" sldId="256"/>
+            <ac:spMk id="104" creationId="{F3DBE309-BE17-9C97-A5A1-9BA0859BFFEC}"/>
+          </ac:spMkLst>
+        </pc:spChg>
+        <pc:spChg chg="mod">
+          <ac:chgData name="Mu, Raymond" userId="a0667180-2b8b-444c-839d-1cdae66680c9" providerId="ADAL" clId="{1E523D62-DEB0-4351-BBCD-1D437D0FB8DC}" dt="2024-01-11T22:48:58.393" v="1213"/>
+          <ac:spMkLst>
+            <pc:docMk/>
+            <pc:sldMk cId="25513488" sldId="256"/>
+            <ac:spMk id="119" creationId="{1814048C-8717-383C-4FB4-D6D839831201}"/>
+          </ac:spMkLst>
+        </pc:spChg>
+        <pc:spChg chg="mod">
+          <ac:chgData name="Mu, Raymond" userId="a0667180-2b8b-444c-839d-1cdae66680c9" providerId="ADAL" clId="{1E523D62-DEB0-4351-BBCD-1D437D0FB8DC}" dt="2024-01-11T22:48:58.393" v="1213"/>
+          <ac:spMkLst>
+            <pc:docMk/>
+            <pc:sldMk cId="25513488" sldId="256"/>
+            <ac:spMk id="120" creationId="{106825CA-8B31-E7B2-2E54-AE6FD3BDFAA9}"/>
+          </ac:spMkLst>
+        </pc:spChg>
+        <pc:spChg chg="mod">
+          <ac:chgData name="Mu, Raymond" userId="a0667180-2b8b-444c-839d-1cdae66680c9" providerId="ADAL" clId="{1E523D62-DEB0-4351-BBCD-1D437D0FB8DC}" dt="2024-01-11T22:48:58.393" v="1213"/>
+          <ac:spMkLst>
+            <pc:docMk/>
+            <pc:sldMk cId="25513488" sldId="256"/>
+            <ac:spMk id="121" creationId="{F46BEB65-44D3-40FD-A358-0AD3FDB50177}"/>
+          </ac:spMkLst>
+        </pc:spChg>
+        <pc:spChg chg="add mod ord">
+          <ac:chgData name="Mu, Raymond" userId="a0667180-2b8b-444c-839d-1cdae66680c9" providerId="ADAL" clId="{1E523D62-DEB0-4351-BBCD-1D437D0FB8DC}" dt="2024-01-11T22:50:42.805" v="1278" actId="1076"/>
+          <ac:spMkLst>
+            <pc:docMk/>
+            <pc:sldMk cId="25513488" sldId="256"/>
+            <ac:spMk id="122" creationId="{90A73C0C-8F50-25BD-E58C-8D31C4ADE47A}"/>
+          </ac:spMkLst>
+        </pc:spChg>
+        <pc:grpChg chg="add del mod">
+          <ac:chgData name="Mu, Raymond" userId="a0667180-2b8b-444c-839d-1cdae66680c9" providerId="ADAL" clId="{1E523D62-DEB0-4351-BBCD-1D437D0FB8DC}" dt="2024-01-11T22:37:05.376" v="500" actId="478"/>
+          <ac:grpSpMkLst>
+            <pc:docMk/>
+            <pc:sldMk cId="25513488" sldId="256"/>
+            <ac:grpSpMk id="8" creationId="{600AC2E2-0293-B5AD-12E1-3F89E25AEC95}"/>
+          </ac:grpSpMkLst>
+        </pc:grpChg>
+        <pc:grpChg chg="add del mod">
+          <ac:chgData name="Mu, Raymond" userId="a0667180-2b8b-444c-839d-1cdae66680c9" providerId="ADAL" clId="{1E523D62-DEB0-4351-BBCD-1D437D0FB8DC}" dt="2024-01-11T22:34:39.519" v="371" actId="478"/>
+          <ac:grpSpMkLst>
+            <pc:docMk/>
+            <pc:sldMk cId="25513488" sldId="256"/>
+            <ac:grpSpMk id="10" creationId="{D5D7A453-20EB-1137-3CAA-53BCD0F577AB}"/>
+          </ac:grpSpMkLst>
+        </pc:grpChg>
+        <pc:grpChg chg="add del mod">
+          <ac:chgData name="Mu, Raymond" userId="a0667180-2b8b-444c-839d-1cdae66680c9" providerId="ADAL" clId="{1E523D62-DEB0-4351-BBCD-1D437D0FB8DC}" dt="2024-01-11T22:36:51.813" v="495" actId="478"/>
+          <ac:grpSpMkLst>
+            <pc:docMk/>
+            <pc:sldMk cId="25513488" sldId="256"/>
+            <ac:grpSpMk id="13" creationId="{317DA0EB-33C0-A8D4-BC5A-4BFFAEB0C915}"/>
+          </ac:grpSpMkLst>
+        </pc:grpChg>
+        <pc:grpChg chg="add mod">
+          <ac:chgData name="Mu, Raymond" userId="a0667180-2b8b-444c-839d-1cdae66680c9" providerId="ADAL" clId="{1E523D62-DEB0-4351-BBCD-1D437D0FB8DC}" dt="2024-01-11T22:46:16.181" v="1110" actId="1038"/>
+          <ac:grpSpMkLst>
+            <pc:docMk/>
+            <pc:sldMk cId="25513488" sldId="256"/>
+            <ac:grpSpMk id="66" creationId="{40997883-3EF5-CEFD-EA8D-16C8851EEF28}"/>
+          </ac:grpSpMkLst>
+        </pc:grpChg>
+        <pc:grpChg chg="add mod">
+          <ac:chgData name="Mu, Raymond" userId="a0667180-2b8b-444c-839d-1cdae66680c9" providerId="ADAL" clId="{1E523D62-DEB0-4351-BBCD-1D437D0FB8DC}" dt="2024-01-11T22:49:00.376" v="1215" actId="1076"/>
+          <ac:grpSpMkLst>
+            <pc:docMk/>
+            <pc:sldMk cId="25513488" sldId="256"/>
+            <ac:grpSpMk id="68" creationId="{7E945DC3-716C-DA73-3E6E-74CB15AD3515}"/>
+          </ac:grpSpMkLst>
+        </pc:grpChg>
+        <pc:picChg chg="add mod">
+          <ac:chgData name="Mu, Raymond" userId="a0667180-2b8b-444c-839d-1cdae66680c9" providerId="ADAL" clId="{1E523D62-DEB0-4351-BBCD-1D437D0FB8DC}" dt="2024-01-11T22:50:40.435" v="1276" actId="1036"/>
+          <ac:picMkLst>
+            <pc:docMk/>
+            <pc:sldMk cId="25513488" sldId="256"/>
+            <ac:picMk id="25" creationId="{B1EB7A3D-66EE-D036-22E7-C3AAC528BDC6}"/>
+          </ac:picMkLst>
+        </pc:picChg>
+        <pc:picChg chg="add mod">
+          <ac:chgData name="Mu, Raymond" userId="a0667180-2b8b-444c-839d-1cdae66680c9" providerId="ADAL" clId="{1E523D62-DEB0-4351-BBCD-1D437D0FB8DC}" dt="2024-01-11T22:50:40.435" v="1276" actId="1036"/>
+          <ac:picMkLst>
+            <pc:docMk/>
+            <pc:sldMk cId="25513488" sldId="256"/>
+            <ac:picMk id="30" creationId="{54EA5ACD-4AEC-CEE7-0007-AED1B5D974EB}"/>
+          </ac:picMkLst>
+        </pc:picChg>
+        <pc:cxnChg chg="mod">
+          <ac:chgData name="Mu, Raymond" userId="a0667180-2b8b-444c-839d-1cdae66680c9" providerId="ADAL" clId="{1E523D62-DEB0-4351-BBCD-1D437D0FB8DC}" dt="2024-01-11T22:46:14.137" v="1082" actId="164"/>
+          <ac:cxnSpMkLst>
+            <pc:docMk/>
+            <pc:sldMk cId="25513488" sldId="256"/>
+            <ac:cxnSpMk id="26" creationId="{213AA27B-57FB-9D42-6D0B-BF76BCA24822}"/>
+          </ac:cxnSpMkLst>
+        </pc:cxnChg>
+        <pc:cxnChg chg="mod">
+          <ac:chgData name="Mu, Raymond" userId="a0667180-2b8b-444c-839d-1cdae66680c9" providerId="ADAL" clId="{1E523D62-DEB0-4351-BBCD-1D437D0FB8DC}" dt="2024-01-11T22:46:14.137" v="1082" actId="164"/>
+          <ac:cxnSpMkLst>
+            <pc:docMk/>
+            <pc:sldMk cId="25513488" sldId="256"/>
+            <ac:cxnSpMk id="29" creationId="{76350A0A-200F-A8DC-49AD-83168FFA6CF5}"/>
+          </ac:cxnSpMkLst>
+        </pc:cxnChg>
+        <pc:cxnChg chg="mod">
+          <ac:chgData name="Mu, Raymond" userId="a0667180-2b8b-444c-839d-1cdae66680c9" providerId="ADAL" clId="{1E523D62-DEB0-4351-BBCD-1D437D0FB8DC}" dt="2024-01-11T22:46:14.137" v="1082" actId="164"/>
+          <ac:cxnSpMkLst>
+            <pc:docMk/>
+            <pc:sldMk cId="25513488" sldId="256"/>
+            <ac:cxnSpMk id="32" creationId="{A593EA80-5CB4-6D27-A75B-6BFA9A47A99D}"/>
+          </ac:cxnSpMkLst>
+        </pc:cxnChg>
+        <pc:cxnChg chg="mod">
+          <ac:chgData name="Mu, Raymond" userId="a0667180-2b8b-444c-839d-1cdae66680c9" providerId="ADAL" clId="{1E523D62-DEB0-4351-BBCD-1D437D0FB8DC}" dt="2024-01-11T22:46:14.137" v="1082" actId="164"/>
+          <ac:cxnSpMkLst>
+            <pc:docMk/>
+            <pc:sldMk cId="25513488" sldId="256"/>
+            <ac:cxnSpMk id="35" creationId="{F441F17C-4ECB-3EB5-0F9E-602A9371A400}"/>
+          </ac:cxnSpMkLst>
+        </pc:cxnChg>
+        <pc:cxnChg chg="mod">
+          <ac:chgData name="Mu, Raymond" userId="a0667180-2b8b-444c-839d-1cdae66680c9" providerId="ADAL" clId="{1E523D62-DEB0-4351-BBCD-1D437D0FB8DC}" dt="2024-01-11T22:46:14.137" v="1082" actId="164"/>
+          <ac:cxnSpMkLst>
+            <pc:docMk/>
+            <pc:sldMk cId="25513488" sldId="256"/>
+            <ac:cxnSpMk id="44" creationId="{2F3CAF24-EFFD-3177-2C36-E21B98124014}"/>
+          </ac:cxnSpMkLst>
+        </pc:cxnChg>
+        <pc:cxnChg chg="mod">
+          <ac:chgData name="Mu, Raymond" userId="a0667180-2b8b-444c-839d-1cdae66680c9" providerId="ADAL" clId="{1E523D62-DEB0-4351-BBCD-1D437D0FB8DC}" dt="2024-01-11T22:46:14.137" v="1082" actId="164"/>
+          <ac:cxnSpMkLst>
+            <pc:docMk/>
+            <pc:sldMk cId="25513488" sldId="256"/>
+            <ac:cxnSpMk id="45" creationId="{66C3957A-2808-3475-3B53-37099B5F1C27}"/>
+          </ac:cxnSpMkLst>
+        </pc:cxnChg>
+        <pc:cxnChg chg="mod">
+          <ac:chgData name="Mu, Raymond" userId="a0667180-2b8b-444c-839d-1cdae66680c9" providerId="ADAL" clId="{1E523D62-DEB0-4351-BBCD-1D437D0FB8DC}" dt="2024-01-11T22:46:14.137" v="1082" actId="164"/>
+          <ac:cxnSpMkLst>
+            <pc:docMk/>
+            <pc:sldMk cId="25513488" sldId="256"/>
+            <ac:cxnSpMk id="46" creationId="{2D64EBEA-0367-0EBF-D7B7-DDD2A5C1801F}"/>
+          </ac:cxnSpMkLst>
+        </pc:cxnChg>
+        <pc:cxnChg chg="mod">
+          <ac:chgData name="Mu, Raymond" userId="a0667180-2b8b-444c-839d-1cdae66680c9" providerId="ADAL" clId="{1E523D62-DEB0-4351-BBCD-1D437D0FB8DC}" dt="2024-01-11T22:46:14.137" v="1082" actId="164"/>
+          <ac:cxnSpMkLst>
+            <pc:docMk/>
+            <pc:sldMk cId="25513488" sldId="256"/>
+            <ac:cxnSpMk id="47" creationId="{AE8DC3E9-3745-01BE-ABD8-4ABA650041F6}"/>
+          </ac:cxnSpMkLst>
+        </pc:cxnChg>
+        <pc:cxnChg chg="mod">
+          <ac:chgData name="Mu, Raymond" userId="a0667180-2b8b-444c-839d-1cdae66680c9" providerId="ADAL" clId="{1E523D62-DEB0-4351-BBCD-1D437D0FB8DC}" dt="2024-01-11T22:46:14.137" v="1082" actId="164"/>
+          <ac:cxnSpMkLst>
+            <pc:docMk/>
+            <pc:sldMk cId="25513488" sldId="256"/>
+            <ac:cxnSpMk id="54" creationId="{688F6970-13E8-A9FE-CCB5-4AFE99AF270F}"/>
+          </ac:cxnSpMkLst>
+        </pc:cxnChg>
+        <pc:cxnChg chg="mod">
+          <ac:chgData name="Mu, Raymond" userId="a0667180-2b8b-444c-839d-1cdae66680c9" providerId="ADAL" clId="{1E523D62-DEB0-4351-BBCD-1D437D0FB8DC}" dt="2024-01-11T22:46:14.137" v="1082" actId="164"/>
+          <ac:cxnSpMkLst>
+            <pc:docMk/>
+            <pc:sldMk cId="25513488" sldId="256"/>
+            <ac:cxnSpMk id="55" creationId="{32CFF806-25CE-0D46-91CC-2A38F2CC6EA9}"/>
+          </ac:cxnSpMkLst>
+        </pc:cxnChg>
+        <pc:cxnChg chg="mod">
+          <ac:chgData name="Mu, Raymond" userId="a0667180-2b8b-444c-839d-1cdae66680c9" providerId="ADAL" clId="{1E523D62-DEB0-4351-BBCD-1D437D0FB8DC}" dt="2024-01-11T22:46:14.137" v="1082" actId="164"/>
+          <ac:cxnSpMkLst>
+            <pc:docMk/>
+            <pc:sldMk cId="25513488" sldId="256"/>
+            <ac:cxnSpMk id="56" creationId="{FFAADCB5-B5D9-9FD3-938B-95E4E68A05AB}"/>
+          </ac:cxnSpMkLst>
+        </pc:cxnChg>
+        <pc:cxnChg chg="mod">
+          <ac:chgData name="Mu, Raymond" userId="a0667180-2b8b-444c-839d-1cdae66680c9" providerId="ADAL" clId="{1E523D62-DEB0-4351-BBCD-1D437D0FB8DC}" dt="2024-01-11T22:46:14.137" v="1082" actId="164"/>
+          <ac:cxnSpMkLst>
+            <pc:docMk/>
+            <pc:sldMk cId="25513488" sldId="256"/>
+            <ac:cxnSpMk id="57" creationId="{80149048-608C-BBEB-407D-34ADFD96198D}"/>
+          </ac:cxnSpMkLst>
+        </pc:cxnChg>
+        <pc:cxnChg chg="mod">
+          <ac:chgData name="Mu, Raymond" userId="a0667180-2b8b-444c-839d-1cdae66680c9" providerId="ADAL" clId="{1E523D62-DEB0-4351-BBCD-1D437D0FB8DC}" dt="2024-01-11T22:46:14.137" v="1082" actId="164"/>
+          <ac:cxnSpMkLst>
+            <pc:docMk/>
+            <pc:sldMk cId="25513488" sldId="256"/>
+            <ac:cxnSpMk id="58" creationId="{7B17458C-B391-0D58-704D-B07ADE1A9B06}"/>
+          </ac:cxnSpMkLst>
+        </pc:cxnChg>
+        <pc:cxnChg chg="mod">
+          <ac:chgData name="Mu, Raymond" userId="a0667180-2b8b-444c-839d-1cdae66680c9" providerId="ADAL" clId="{1E523D62-DEB0-4351-BBCD-1D437D0FB8DC}" dt="2024-01-11T22:46:14.137" v="1082" actId="164"/>
+          <ac:cxnSpMkLst>
+            <pc:docMk/>
+            <pc:sldMk cId="25513488" sldId="256"/>
+            <ac:cxnSpMk id="61" creationId="{4DEF3455-C375-ABDA-FFB7-E7682C445C09}"/>
+          </ac:cxnSpMkLst>
+        </pc:cxnChg>
+        <pc:cxnChg chg="mod">
+          <ac:chgData name="Mu, Raymond" userId="a0667180-2b8b-444c-839d-1cdae66680c9" providerId="ADAL" clId="{1E523D62-DEB0-4351-BBCD-1D437D0FB8DC}" dt="2024-01-11T22:46:14.137" v="1082" actId="164"/>
+          <ac:cxnSpMkLst>
+            <pc:docMk/>
+            <pc:sldMk cId="25513488" sldId="256"/>
+            <ac:cxnSpMk id="64" creationId="{E8D2335C-E0EF-A950-5243-BA2E95EDB0A9}"/>
+          </ac:cxnSpMkLst>
+        </pc:cxnChg>
+        <pc:cxnChg chg="mod">
+          <ac:chgData name="Mu, Raymond" userId="a0667180-2b8b-444c-839d-1cdae66680c9" providerId="ADAL" clId="{1E523D62-DEB0-4351-BBCD-1D437D0FB8DC}" dt="2024-01-11T22:46:14.137" v="1082" actId="164"/>
+          <ac:cxnSpMkLst>
+            <pc:docMk/>
+            <pc:sldMk cId="25513488" sldId="256"/>
+            <ac:cxnSpMk id="67" creationId="{038F7DFE-8B5A-F34A-9834-81F94AC54260}"/>
+          </ac:cxnSpMkLst>
+        </pc:cxnChg>
+        <pc:cxnChg chg="mod">
+          <ac:chgData name="Mu, Raymond" userId="a0667180-2b8b-444c-839d-1cdae66680c9" providerId="ADAL" clId="{1E523D62-DEB0-4351-BBCD-1D437D0FB8DC}" dt="2024-01-11T22:46:14.137" v="1082" actId="164"/>
+          <ac:cxnSpMkLst>
+            <pc:docMk/>
+            <pc:sldMk cId="25513488" sldId="256"/>
+            <ac:cxnSpMk id="70" creationId="{943C4CC1-C2F2-456C-033C-F0F3A9B2E0A6}"/>
+          </ac:cxnSpMkLst>
+        </pc:cxnChg>
+        <pc:cxnChg chg="mod">
+          <ac:chgData name="Mu, Raymond" userId="a0667180-2b8b-444c-839d-1cdae66680c9" providerId="ADAL" clId="{1E523D62-DEB0-4351-BBCD-1D437D0FB8DC}" dt="2024-01-11T22:46:14.137" v="1082" actId="164"/>
+          <ac:cxnSpMkLst>
+            <pc:docMk/>
+            <pc:sldMk cId="25513488" sldId="256"/>
+            <ac:cxnSpMk id="73" creationId="{A9122D99-0244-4ED9-4BEB-0E1484FA1CF0}"/>
+          </ac:cxnSpMkLst>
+        </pc:cxnChg>
+        <pc:cxnChg chg="mod">
+          <ac:chgData name="Mu, Raymond" userId="a0667180-2b8b-444c-839d-1cdae66680c9" providerId="ADAL" clId="{1E523D62-DEB0-4351-BBCD-1D437D0FB8DC}" dt="2024-01-11T22:46:14.137" v="1082" actId="164"/>
+          <ac:cxnSpMkLst>
+            <pc:docMk/>
+            <pc:sldMk cId="25513488" sldId="256"/>
+            <ac:cxnSpMk id="76" creationId="{D65C053D-198F-FD3E-987D-8EDAC2C78DFB}"/>
+          </ac:cxnSpMkLst>
+        </pc:cxnChg>
+        <pc:cxnChg chg="mod">
+          <ac:chgData name="Mu, Raymond" userId="a0667180-2b8b-444c-839d-1cdae66680c9" providerId="ADAL" clId="{1E523D62-DEB0-4351-BBCD-1D437D0FB8DC}" dt="2024-01-11T22:46:14.137" v="1082" actId="164"/>
+          <ac:cxnSpMkLst>
+            <pc:docMk/>
+            <pc:sldMk cId="25513488" sldId="256"/>
+            <ac:cxnSpMk id="79" creationId="{08EF3064-8665-A47B-9A8B-97AF2B69A5C2}"/>
+          </ac:cxnSpMkLst>
+        </pc:cxnChg>
+        <pc:cxnChg chg="mod">
+          <ac:chgData name="Mu, Raymond" userId="a0667180-2b8b-444c-839d-1cdae66680c9" providerId="ADAL" clId="{1E523D62-DEB0-4351-BBCD-1D437D0FB8DC}" dt="2024-01-11T22:48:58.393" v="1213"/>
+          <ac:cxnSpMkLst>
+            <pc:docMk/>
+            <pc:sldMk cId="25513488" sldId="256"/>
+            <ac:cxnSpMk id="81" creationId="{BBB17F55-BA08-00E4-E839-F2EE8B30BD71}"/>
+          </ac:cxnSpMkLst>
+        </pc:cxnChg>
+        <pc:cxnChg chg="mod">
+          <ac:chgData name="Mu, Raymond" userId="a0667180-2b8b-444c-839d-1cdae66680c9" providerId="ADAL" clId="{1E523D62-DEB0-4351-BBCD-1D437D0FB8DC}" dt="2024-01-11T22:46:14.137" v="1082" actId="164"/>
+          <ac:cxnSpMkLst>
+            <pc:docMk/>
+            <pc:sldMk cId="25513488" sldId="256"/>
+            <ac:cxnSpMk id="82" creationId="{54F5CBB5-F25B-AC5D-6837-4E5AC25494F3}"/>
+          </ac:cxnSpMkLst>
+        </pc:cxnChg>
+        <pc:cxnChg chg="mod">
+          <ac:chgData name="Mu, Raymond" userId="a0667180-2b8b-444c-839d-1cdae66680c9" providerId="ADAL" clId="{1E523D62-DEB0-4351-BBCD-1D437D0FB8DC}" dt="2024-01-11T22:48:58.393" v="1213"/>
+          <ac:cxnSpMkLst>
+            <pc:docMk/>
+            <pc:sldMk cId="25513488" sldId="256"/>
+            <ac:cxnSpMk id="83" creationId="{66E3B74D-9AAE-0259-2671-7163115EA2C5}"/>
+          </ac:cxnSpMkLst>
+        </pc:cxnChg>
+        <pc:cxnChg chg="mod">
+          <ac:chgData name="Mu, Raymond" userId="a0667180-2b8b-444c-839d-1cdae66680c9" providerId="ADAL" clId="{1E523D62-DEB0-4351-BBCD-1D437D0FB8DC}" dt="2024-01-11T22:48:58.393" v="1213"/>
+          <ac:cxnSpMkLst>
+            <pc:docMk/>
+            <pc:sldMk cId="25513488" sldId="256"/>
+            <ac:cxnSpMk id="84" creationId="{32DC8E9D-497A-9D22-EF67-582E3661E05D}"/>
+          </ac:cxnSpMkLst>
+        </pc:cxnChg>
+        <pc:cxnChg chg="mod">
+          <ac:chgData name="Mu, Raymond" userId="a0667180-2b8b-444c-839d-1cdae66680c9" providerId="ADAL" clId="{1E523D62-DEB0-4351-BBCD-1D437D0FB8DC}" dt="2024-01-11T22:46:14.137" v="1082" actId="164"/>
+          <ac:cxnSpMkLst>
+            <pc:docMk/>
+            <pc:sldMk cId="25513488" sldId="256"/>
+            <ac:cxnSpMk id="85" creationId="{804F2F81-EF90-C793-B7DC-CB2D22AC9C98}"/>
+          </ac:cxnSpMkLst>
+        </pc:cxnChg>
+        <pc:cxnChg chg="mod">
+          <ac:chgData name="Mu, Raymond" userId="a0667180-2b8b-444c-839d-1cdae66680c9" providerId="ADAL" clId="{1E523D62-DEB0-4351-BBCD-1D437D0FB8DC}" dt="2024-01-11T22:48:58.393" v="1213"/>
+          <ac:cxnSpMkLst>
+            <pc:docMk/>
+            <pc:sldMk cId="25513488" sldId="256"/>
+            <ac:cxnSpMk id="86" creationId="{EABE31ED-FC83-A61A-4EBB-048BAC77ECBF}"/>
+          </ac:cxnSpMkLst>
+        </pc:cxnChg>
+        <pc:cxnChg chg="mod">
+          <ac:chgData name="Mu, Raymond" userId="a0667180-2b8b-444c-839d-1cdae66680c9" providerId="ADAL" clId="{1E523D62-DEB0-4351-BBCD-1D437D0FB8DC}" dt="2024-01-11T22:48:58.393" v="1213"/>
+          <ac:cxnSpMkLst>
+            <pc:docMk/>
+            <pc:sldMk cId="25513488" sldId="256"/>
+            <ac:cxnSpMk id="95" creationId="{F0B55F6C-CEBA-53F3-1B1E-3EDA63FB9B2F}"/>
+          </ac:cxnSpMkLst>
+        </pc:cxnChg>
+        <pc:cxnChg chg="mod">
+          <ac:chgData name="Mu, Raymond" userId="a0667180-2b8b-444c-839d-1cdae66680c9" providerId="ADAL" clId="{1E523D62-DEB0-4351-BBCD-1D437D0FB8DC}" dt="2024-01-11T22:48:58.393" v="1213"/>
+          <ac:cxnSpMkLst>
+            <pc:docMk/>
+            <pc:sldMk cId="25513488" sldId="256"/>
+            <ac:cxnSpMk id="96" creationId="{D88C7302-1CA9-463A-AD75-75BC4610939B}"/>
+          </ac:cxnSpMkLst>
+        </pc:cxnChg>
+        <pc:cxnChg chg="mod">
+          <ac:chgData name="Mu, Raymond" userId="a0667180-2b8b-444c-839d-1cdae66680c9" providerId="ADAL" clId="{1E523D62-DEB0-4351-BBCD-1D437D0FB8DC}" dt="2024-01-11T22:48:58.393" v="1213"/>
+          <ac:cxnSpMkLst>
+            <pc:docMk/>
+            <pc:sldMk cId="25513488" sldId="256"/>
+            <ac:cxnSpMk id="97" creationId="{BC57211C-A9EB-8B71-4645-3D7D3856C6D2}"/>
+          </ac:cxnSpMkLst>
+        </pc:cxnChg>
+        <pc:cxnChg chg="mod">
+          <ac:chgData name="Mu, Raymond" userId="a0667180-2b8b-444c-839d-1cdae66680c9" providerId="ADAL" clId="{1E523D62-DEB0-4351-BBCD-1D437D0FB8DC}" dt="2024-01-11T22:48:58.393" v="1213"/>
+          <ac:cxnSpMkLst>
+            <pc:docMk/>
+            <pc:sldMk cId="25513488" sldId="256"/>
+            <ac:cxnSpMk id="98" creationId="{D49AEC9A-5FE0-1376-510E-6DCCEE50E8A0}"/>
+          </ac:cxnSpMkLst>
+        </pc:cxnChg>
+        <pc:cxnChg chg="mod">
+          <ac:chgData name="Mu, Raymond" userId="a0667180-2b8b-444c-839d-1cdae66680c9" providerId="ADAL" clId="{1E523D62-DEB0-4351-BBCD-1D437D0FB8DC}" dt="2024-01-11T22:48:58.393" v="1213"/>
+          <ac:cxnSpMkLst>
+            <pc:docMk/>
+            <pc:sldMk cId="25513488" sldId="256"/>
+            <ac:cxnSpMk id="105" creationId="{A894FA50-706C-D26A-9FFD-87820B82624F}"/>
+          </ac:cxnSpMkLst>
+        </pc:cxnChg>
+        <pc:cxnChg chg="mod">
+          <ac:chgData name="Mu, Raymond" userId="a0667180-2b8b-444c-839d-1cdae66680c9" providerId="ADAL" clId="{1E523D62-DEB0-4351-BBCD-1D437D0FB8DC}" dt="2024-01-11T22:48:58.393" v="1213"/>
+          <ac:cxnSpMkLst>
+            <pc:docMk/>
+            <pc:sldMk cId="25513488" sldId="256"/>
+            <ac:cxnSpMk id="106" creationId="{73A4387D-B8CB-3A49-B279-51748ED0326D}"/>
+          </ac:cxnSpMkLst>
+        </pc:cxnChg>
+        <pc:cxnChg chg="mod">
+          <ac:chgData name="Mu, Raymond" userId="a0667180-2b8b-444c-839d-1cdae66680c9" providerId="ADAL" clId="{1E523D62-DEB0-4351-BBCD-1D437D0FB8DC}" dt="2024-01-11T22:48:58.393" v="1213"/>
+          <ac:cxnSpMkLst>
+            <pc:docMk/>
+            <pc:sldMk cId="25513488" sldId="256"/>
+            <ac:cxnSpMk id="107" creationId="{0F05D6E1-D739-DD92-1EA0-AA010BBD8DD5}"/>
+          </ac:cxnSpMkLst>
+        </pc:cxnChg>
+        <pc:cxnChg chg="mod">
+          <ac:chgData name="Mu, Raymond" userId="a0667180-2b8b-444c-839d-1cdae66680c9" providerId="ADAL" clId="{1E523D62-DEB0-4351-BBCD-1D437D0FB8DC}" dt="2024-01-11T22:48:58.393" v="1213"/>
+          <ac:cxnSpMkLst>
+            <pc:docMk/>
+            <pc:sldMk cId="25513488" sldId="256"/>
+            <ac:cxnSpMk id="108" creationId="{626A44AD-1053-8AC5-EE20-975B064C1DA0}"/>
+          </ac:cxnSpMkLst>
+        </pc:cxnChg>
+        <pc:cxnChg chg="mod">
+          <ac:chgData name="Mu, Raymond" userId="a0667180-2b8b-444c-839d-1cdae66680c9" providerId="ADAL" clId="{1E523D62-DEB0-4351-BBCD-1D437D0FB8DC}" dt="2024-01-11T22:48:58.393" v="1213"/>
+          <ac:cxnSpMkLst>
+            <pc:docMk/>
+            <pc:sldMk cId="25513488" sldId="256"/>
+            <ac:cxnSpMk id="109" creationId="{4879AE87-03DE-A2E2-3AEA-51266E581908}"/>
+          </ac:cxnSpMkLst>
+        </pc:cxnChg>
+        <pc:cxnChg chg="mod">
+          <ac:chgData name="Mu, Raymond" userId="a0667180-2b8b-444c-839d-1cdae66680c9" providerId="ADAL" clId="{1E523D62-DEB0-4351-BBCD-1D437D0FB8DC}" dt="2024-01-11T22:48:58.393" v="1213"/>
+          <ac:cxnSpMkLst>
+            <pc:docMk/>
+            <pc:sldMk cId="25513488" sldId="256"/>
+            <ac:cxnSpMk id="110" creationId="{81F0ECD1-897F-5B49-9679-4183DFA3EB0B}"/>
+          </ac:cxnSpMkLst>
+        </pc:cxnChg>
+        <pc:cxnChg chg="mod">
+          <ac:chgData name="Mu, Raymond" userId="a0667180-2b8b-444c-839d-1cdae66680c9" providerId="ADAL" clId="{1E523D62-DEB0-4351-BBCD-1D437D0FB8DC}" dt="2024-01-11T22:48:58.393" v="1213"/>
+          <ac:cxnSpMkLst>
+            <pc:docMk/>
+            <pc:sldMk cId="25513488" sldId="256"/>
+            <ac:cxnSpMk id="111" creationId="{1719B6CF-C915-2B0B-A298-8954A0798165}"/>
+          </ac:cxnSpMkLst>
+        </pc:cxnChg>
+        <pc:cxnChg chg="mod">
+          <ac:chgData name="Mu, Raymond" userId="a0667180-2b8b-444c-839d-1cdae66680c9" providerId="ADAL" clId="{1E523D62-DEB0-4351-BBCD-1D437D0FB8DC}" dt="2024-01-11T22:48:58.393" v="1213"/>
+          <ac:cxnSpMkLst>
+            <pc:docMk/>
+            <pc:sldMk cId="25513488" sldId="256"/>
+            <ac:cxnSpMk id="112" creationId="{78CDE6AF-1B44-804E-5364-18CA247F06CB}"/>
+          </ac:cxnSpMkLst>
+        </pc:cxnChg>
+        <pc:cxnChg chg="mod">
+          <ac:chgData name="Mu, Raymond" userId="a0667180-2b8b-444c-839d-1cdae66680c9" providerId="ADAL" clId="{1E523D62-DEB0-4351-BBCD-1D437D0FB8DC}" dt="2024-01-11T22:48:58.393" v="1213"/>
+          <ac:cxnSpMkLst>
+            <pc:docMk/>
+            <pc:sldMk cId="25513488" sldId="256"/>
+            <ac:cxnSpMk id="113" creationId="{571A4F8F-FBDD-09C2-B97E-4B11F47BD148}"/>
+          </ac:cxnSpMkLst>
+        </pc:cxnChg>
+        <pc:cxnChg chg="mod">
+          <ac:chgData name="Mu, Raymond" userId="a0667180-2b8b-444c-839d-1cdae66680c9" providerId="ADAL" clId="{1E523D62-DEB0-4351-BBCD-1D437D0FB8DC}" dt="2024-01-11T22:48:58.393" v="1213"/>
+          <ac:cxnSpMkLst>
+            <pc:docMk/>
+            <pc:sldMk cId="25513488" sldId="256"/>
+            <ac:cxnSpMk id="114" creationId="{85760E86-4418-7885-A97D-6B2BF57BEDA0}"/>
+          </ac:cxnSpMkLst>
+        </pc:cxnChg>
+        <pc:cxnChg chg="mod">
+          <ac:chgData name="Mu, Raymond" userId="a0667180-2b8b-444c-839d-1cdae66680c9" providerId="ADAL" clId="{1E523D62-DEB0-4351-BBCD-1D437D0FB8DC}" dt="2024-01-11T22:48:58.393" v="1213"/>
+          <ac:cxnSpMkLst>
+            <pc:docMk/>
+            <pc:sldMk cId="25513488" sldId="256"/>
+            <ac:cxnSpMk id="115" creationId="{C4EAAD63-8E93-8C19-1D78-239A389C1D52}"/>
+          </ac:cxnSpMkLst>
+        </pc:cxnChg>
+        <pc:cxnChg chg="mod">
+          <ac:chgData name="Mu, Raymond" userId="a0667180-2b8b-444c-839d-1cdae66680c9" providerId="ADAL" clId="{1E523D62-DEB0-4351-BBCD-1D437D0FB8DC}" dt="2024-01-11T22:48:58.393" v="1213"/>
+          <ac:cxnSpMkLst>
+            <pc:docMk/>
+            <pc:sldMk cId="25513488" sldId="256"/>
+            <ac:cxnSpMk id="116" creationId="{718DBE5A-9EDF-5304-B65E-2E57BBCCDC10}"/>
+          </ac:cxnSpMkLst>
+        </pc:cxnChg>
+        <pc:cxnChg chg="mod">
+          <ac:chgData name="Mu, Raymond" userId="a0667180-2b8b-444c-839d-1cdae66680c9" providerId="ADAL" clId="{1E523D62-DEB0-4351-BBCD-1D437D0FB8DC}" dt="2024-01-11T22:48:58.393" v="1213"/>
+          <ac:cxnSpMkLst>
+            <pc:docMk/>
+            <pc:sldMk cId="25513488" sldId="256"/>
+            <ac:cxnSpMk id="117" creationId="{80E25712-C15F-0CAC-225F-079CCA2F212D}"/>
+          </ac:cxnSpMkLst>
+        </pc:cxnChg>
+        <pc:cxnChg chg="mod">
+          <ac:chgData name="Mu, Raymond" userId="a0667180-2b8b-444c-839d-1cdae66680c9" providerId="ADAL" clId="{1E523D62-DEB0-4351-BBCD-1D437D0FB8DC}" dt="2024-01-11T22:48:58.393" v="1213"/>
+          <ac:cxnSpMkLst>
+            <pc:docMk/>
+            <pc:sldMk cId="25513488" sldId="256"/>
+            <ac:cxnSpMk id="118" creationId="{861D1E19-B112-3D3B-17DF-9EB4786144C3}"/>
+          </ac:cxnSpMkLst>
+        </pc:cxnChg>
+      </pc:sldChg>
+      <pc:sldMasterChg chg="modSp modSldLayout">
+        <pc:chgData name="Mu, Raymond" userId="a0667180-2b8b-444c-839d-1cdae66680c9" providerId="ADAL" clId="{1E523D62-DEB0-4351-BBCD-1D437D0FB8DC}" dt="2024-01-11T22:30:09.524" v="89"/>
+        <pc:sldMasterMkLst>
+          <pc:docMk/>
+          <pc:sldMasterMk cId="1891651469" sldId="2147483648"/>
+        </pc:sldMasterMkLst>
+        <pc:spChg chg="mod">
+          <ac:chgData name="Mu, Raymond" userId="a0667180-2b8b-444c-839d-1cdae66680c9" providerId="ADAL" clId="{1E523D62-DEB0-4351-BBCD-1D437D0FB8DC}" dt="2024-01-11T22:30:09.524" v="89"/>
+          <ac:spMkLst>
+            <pc:docMk/>
+            <pc:sldMasterMk cId="1891651469" sldId="2147483648"/>
+            <ac:spMk id="2" creationId="{5E737ABF-90F6-869B-926A-9B1D7D7AF395}"/>
+          </ac:spMkLst>
+        </pc:spChg>
+        <pc:spChg chg="mod">
+          <ac:chgData name="Mu, Raymond" userId="a0667180-2b8b-444c-839d-1cdae66680c9" providerId="ADAL" clId="{1E523D62-DEB0-4351-BBCD-1D437D0FB8DC}" dt="2024-01-11T22:30:09.524" v="89"/>
+          <ac:spMkLst>
+            <pc:docMk/>
+            <pc:sldMasterMk cId="1891651469" sldId="2147483648"/>
+            <ac:spMk id="3" creationId="{0D57B92B-6308-A3A1-4211-BB5E685DD1D7}"/>
+          </ac:spMkLst>
+        </pc:spChg>
+        <pc:spChg chg="mod">
+          <ac:chgData name="Mu, Raymond" userId="a0667180-2b8b-444c-839d-1cdae66680c9" providerId="ADAL" clId="{1E523D62-DEB0-4351-BBCD-1D437D0FB8DC}" dt="2024-01-11T22:30:09.524" v="89"/>
+          <ac:spMkLst>
+            <pc:docMk/>
+            <pc:sldMasterMk cId="1891651469" sldId="2147483648"/>
+            <ac:spMk id="4" creationId="{692B535C-DAA1-B8FA-E44D-0B370BA9C02B}"/>
+          </ac:spMkLst>
+        </pc:spChg>
+        <pc:spChg chg="mod">
+          <ac:chgData name="Mu, Raymond" userId="a0667180-2b8b-444c-839d-1cdae66680c9" providerId="ADAL" clId="{1E523D62-DEB0-4351-BBCD-1D437D0FB8DC}" dt="2024-01-11T22:30:09.524" v="89"/>
+          <ac:spMkLst>
+            <pc:docMk/>
+            <pc:sldMasterMk cId="1891651469" sldId="2147483648"/>
+            <ac:spMk id="5" creationId="{1D83EF6A-C919-42A9-70E6-692289C428E6}"/>
+          </ac:spMkLst>
+        </pc:spChg>
+        <pc:spChg chg="mod">
+          <ac:chgData name="Mu, Raymond" userId="a0667180-2b8b-444c-839d-1cdae66680c9" providerId="ADAL" clId="{1E523D62-DEB0-4351-BBCD-1D437D0FB8DC}" dt="2024-01-11T22:30:09.524" v="89"/>
+          <ac:spMkLst>
+            <pc:docMk/>
+            <pc:sldMasterMk cId="1891651469" sldId="2147483648"/>
+            <ac:spMk id="6" creationId="{DC96AE40-8854-EF48-DC7F-91A1C8A699E4}"/>
+          </ac:spMkLst>
+        </pc:spChg>
+        <pc:sldLayoutChg chg="modSp">
+          <pc:chgData name="Mu, Raymond" userId="a0667180-2b8b-444c-839d-1cdae66680c9" providerId="ADAL" clId="{1E523D62-DEB0-4351-BBCD-1D437D0FB8DC}" dt="2024-01-11T22:30:09.524" v="89"/>
+          <pc:sldLayoutMkLst>
+            <pc:docMk/>
+            <pc:sldMasterMk cId="1891651469" sldId="2147483648"/>
+            <pc:sldLayoutMk cId="1434006645" sldId="2147483649"/>
+          </pc:sldLayoutMkLst>
+          <pc:spChg chg="mod">
+            <ac:chgData name="Mu, Raymond" userId="a0667180-2b8b-444c-839d-1cdae66680c9" providerId="ADAL" clId="{1E523D62-DEB0-4351-BBCD-1D437D0FB8DC}" dt="2024-01-11T22:30:09.524" v="89"/>
+            <ac:spMkLst>
+              <pc:docMk/>
+              <pc:sldMasterMk cId="1891651469" sldId="2147483648"/>
+              <pc:sldLayoutMk cId="1434006645" sldId="2147483649"/>
+              <ac:spMk id="2" creationId="{E64CA6DB-7C67-13D2-D28B-06DF0710B3CB}"/>
+            </ac:spMkLst>
+          </pc:spChg>
+          <pc:spChg chg="mod">
+            <ac:chgData name="Mu, Raymond" userId="a0667180-2b8b-444c-839d-1cdae66680c9" providerId="ADAL" clId="{1E523D62-DEB0-4351-BBCD-1D437D0FB8DC}" dt="2024-01-11T22:30:09.524" v="89"/>
+            <ac:spMkLst>
+              <pc:docMk/>
+              <pc:sldMasterMk cId="1891651469" sldId="2147483648"/>
+              <pc:sldLayoutMk cId="1434006645" sldId="2147483649"/>
+              <ac:spMk id="3" creationId="{75F74A98-4639-0FB1-2338-37085A795A83}"/>
+            </ac:spMkLst>
+          </pc:spChg>
+        </pc:sldLayoutChg>
+        <pc:sldLayoutChg chg="modSp">
+          <pc:chgData name="Mu, Raymond" userId="a0667180-2b8b-444c-839d-1cdae66680c9" providerId="ADAL" clId="{1E523D62-DEB0-4351-BBCD-1D437D0FB8DC}" dt="2024-01-11T22:30:09.524" v="89"/>
+          <pc:sldLayoutMkLst>
+            <pc:docMk/>
+            <pc:sldMasterMk cId="1891651469" sldId="2147483648"/>
+            <pc:sldLayoutMk cId="2544540278" sldId="2147483651"/>
+          </pc:sldLayoutMkLst>
+          <pc:spChg chg="mod">
+            <ac:chgData name="Mu, Raymond" userId="a0667180-2b8b-444c-839d-1cdae66680c9" providerId="ADAL" clId="{1E523D62-DEB0-4351-BBCD-1D437D0FB8DC}" dt="2024-01-11T22:30:09.524" v="89"/>
+            <ac:spMkLst>
+              <pc:docMk/>
+              <pc:sldMasterMk cId="1891651469" sldId="2147483648"/>
+              <pc:sldLayoutMk cId="2544540278" sldId="2147483651"/>
+              <ac:spMk id="2" creationId="{A29B1DCA-641F-7C6D-57F3-7FBFCD9EE520}"/>
+            </ac:spMkLst>
+          </pc:spChg>
+          <pc:spChg chg="mod">
+            <ac:chgData name="Mu, Raymond" userId="a0667180-2b8b-444c-839d-1cdae66680c9" providerId="ADAL" clId="{1E523D62-DEB0-4351-BBCD-1D437D0FB8DC}" dt="2024-01-11T22:30:09.524" v="89"/>
+            <ac:spMkLst>
+              <pc:docMk/>
+              <pc:sldMasterMk cId="1891651469" sldId="2147483648"/>
+              <pc:sldLayoutMk cId="2544540278" sldId="2147483651"/>
+              <ac:spMk id="3" creationId="{55D4EE9A-0234-D193-C63B-9F5E28189002}"/>
+            </ac:spMkLst>
+          </pc:spChg>
+        </pc:sldLayoutChg>
+        <pc:sldLayoutChg chg="modSp">
+          <pc:chgData name="Mu, Raymond" userId="a0667180-2b8b-444c-839d-1cdae66680c9" providerId="ADAL" clId="{1E523D62-DEB0-4351-BBCD-1D437D0FB8DC}" dt="2024-01-11T22:30:09.524" v="89"/>
+          <pc:sldLayoutMkLst>
+            <pc:docMk/>
+            <pc:sldMasterMk cId="1891651469" sldId="2147483648"/>
+            <pc:sldLayoutMk cId="3282892954" sldId="2147483652"/>
+          </pc:sldLayoutMkLst>
+          <pc:spChg chg="mod">
+            <ac:chgData name="Mu, Raymond" userId="a0667180-2b8b-444c-839d-1cdae66680c9" providerId="ADAL" clId="{1E523D62-DEB0-4351-BBCD-1D437D0FB8DC}" dt="2024-01-11T22:30:09.524" v="89"/>
+            <ac:spMkLst>
+              <pc:docMk/>
+              <pc:sldMasterMk cId="1891651469" sldId="2147483648"/>
+              <pc:sldLayoutMk cId="3282892954" sldId="2147483652"/>
+              <ac:spMk id="3" creationId="{BC52C812-891D-CA89-4E9C-DD42E9BD3F9D}"/>
+            </ac:spMkLst>
+          </pc:spChg>
+          <pc:spChg chg="mod">
+            <ac:chgData name="Mu, Raymond" userId="a0667180-2b8b-444c-839d-1cdae66680c9" providerId="ADAL" clId="{1E523D62-DEB0-4351-BBCD-1D437D0FB8DC}" dt="2024-01-11T22:30:09.524" v="89"/>
+            <ac:spMkLst>
+              <pc:docMk/>
+              <pc:sldMasterMk cId="1891651469" sldId="2147483648"/>
+              <pc:sldLayoutMk cId="3282892954" sldId="2147483652"/>
+              <ac:spMk id="4" creationId="{39AC67FB-1CF9-EEBA-B211-B6AEEBFFEDAB}"/>
+            </ac:spMkLst>
+          </pc:spChg>
+        </pc:sldLayoutChg>
+        <pc:sldLayoutChg chg="modSp">
+          <pc:chgData name="Mu, Raymond" userId="a0667180-2b8b-444c-839d-1cdae66680c9" providerId="ADAL" clId="{1E523D62-DEB0-4351-BBCD-1D437D0FB8DC}" dt="2024-01-11T22:30:09.524" v="89"/>
+          <pc:sldLayoutMkLst>
+            <pc:docMk/>
+            <pc:sldMasterMk cId="1891651469" sldId="2147483648"/>
+            <pc:sldLayoutMk cId="3022896274" sldId="2147483653"/>
+          </pc:sldLayoutMkLst>
+          <pc:spChg chg="mod">
+            <ac:chgData name="Mu, Raymond" userId="a0667180-2b8b-444c-839d-1cdae66680c9" providerId="ADAL" clId="{1E523D62-DEB0-4351-BBCD-1D437D0FB8DC}" dt="2024-01-11T22:30:09.524" v="89"/>
+            <ac:spMkLst>
+              <pc:docMk/>
+              <pc:sldMasterMk cId="1891651469" sldId="2147483648"/>
+              <pc:sldLayoutMk cId="3022896274" sldId="2147483653"/>
+              <ac:spMk id="2" creationId="{323136E7-F097-E667-EEAF-648207763157}"/>
+            </ac:spMkLst>
+          </pc:spChg>
+          <pc:spChg chg="mod">
+            <ac:chgData name="Mu, Raymond" userId="a0667180-2b8b-444c-839d-1cdae66680c9" providerId="ADAL" clId="{1E523D62-DEB0-4351-BBCD-1D437D0FB8DC}" dt="2024-01-11T22:30:09.524" v="89"/>
+            <ac:spMkLst>
+              <pc:docMk/>
+              <pc:sldMasterMk cId="1891651469" sldId="2147483648"/>
+              <pc:sldLayoutMk cId="3022896274" sldId="2147483653"/>
+              <ac:spMk id="3" creationId="{DCE0F919-7462-0897-EC0E-CBA9264AF59A}"/>
+            </ac:spMkLst>
+          </pc:spChg>
+          <pc:spChg chg="mod">
+            <ac:chgData name="Mu, Raymond" userId="a0667180-2b8b-444c-839d-1cdae66680c9" providerId="ADAL" clId="{1E523D62-DEB0-4351-BBCD-1D437D0FB8DC}" dt="2024-01-11T22:30:09.524" v="89"/>
+            <ac:spMkLst>
+              <pc:docMk/>
+              <pc:sldMasterMk cId="1891651469" sldId="2147483648"/>
+              <pc:sldLayoutMk cId="3022896274" sldId="2147483653"/>
+              <ac:spMk id="4" creationId="{067D79B0-B6EA-4DD4-D9A2-055A5035AAD5}"/>
+            </ac:spMkLst>
+          </pc:spChg>
+          <pc:spChg chg="mod">
+            <ac:chgData name="Mu, Raymond" userId="a0667180-2b8b-444c-839d-1cdae66680c9" providerId="ADAL" clId="{1E523D62-DEB0-4351-BBCD-1D437D0FB8DC}" dt="2024-01-11T22:30:09.524" v="89"/>
+            <ac:spMkLst>
+              <pc:docMk/>
+              <pc:sldMasterMk cId="1891651469" sldId="2147483648"/>
+              <pc:sldLayoutMk cId="3022896274" sldId="2147483653"/>
+              <ac:spMk id="5" creationId="{D1F65FBD-41C0-4FF3-FC83-8CBC2D3C2893}"/>
+            </ac:spMkLst>
+          </pc:spChg>
+          <pc:spChg chg="mod">
+            <ac:chgData name="Mu, Raymond" userId="a0667180-2b8b-444c-839d-1cdae66680c9" providerId="ADAL" clId="{1E523D62-DEB0-4351-BBCD-1D437D0FB8DC}" dt="2024-01-11T22:30:09.524" v="89"/>
+            <ac:spMkLst>
+              <pc:docMk/>
+              <pc:sldMasterMk cId="1891651469" sldId="2147483648"/>
+              <pc:sldLayoutMk cId="3022896274" sldId="2147483653"/>
+              <ac:spMk id="6" creationId="{387011BB-F05C-3857-1E4D-D5C5FE789627}"/>
+            </ac:spMkLst>
+          </pc:spChg>
+        </pc:sldLayoutChg>
+        <pc:sldLayoutChg chg="modSp">
+          <pc:chgData name="Mu, Raymond" userId="a0667180-2b8b-444c-839d-1cdae66680c9" providerId="ADAL" clId="{1E523D62-DEB0-4351-BBCD-1D437D0FB8DC}" dt="2024-01-11T22:30:09.524" v="89"/>
+          <pc:sldLayoutMkLst>
+            <pc:docMk/>
+            <pc:sldMasterMk cId="1891651469" sldId="2147483648"/>
+            <pc:sldLayoutMk cId="4183143059" sldId="2147483656"/>
+          </pc:sldLayoutMkLst>
+          <pc:spChg chg="mod">
+            <ac:chgData name="Mu, Raymond" userId="a0667180-2b8b-444c-839d-1cdae66680c9" providerId="ADAL" clId="{1E523D62-DEB0-4351-BBCD-1D437D0FB8DC}" dt="2024-01-11T22:30:09.524" v="89"/>
+            <ac:spMkLst>
+              <pc:docMk/>
+              <pc:sldMasterMk cId="1891651469" sldId="2147483648"/>
+              <pc:sldLayoutMk cId="4183143059" sldId="2147483656"/>
+              <ac:spMk id="2" creationId="{E182E7F6-59BF-48A7-5290-389E36E40C14}"/>
+            </ac:spMkLst>
+          </pc:spChg>
+          <pc:spChg chg="mod">
+            <ac:chgData name="Mu, Raymond" userId="a0667180-2b8b-444c-839d-1cdae66680c9" providerId="ADAL" clId="{1E523D62-DEB0-4351-BBCD-1D437D0FB8DC}" dt="2024-01-11T22:30:09.524" v="89"/>
+            <ac:spMkLst>
+              <pc:docMk/>
+              <pc:sldMasterMk cId="1891651469" sldId="2147483648"/>
+              <pc:sldLayoutMk cId="4183143059" sldId="2147483656"/>
+              <ac:spMk id="3" creationId="{09C912F7-F035-A4F7-C210-4ECF65407F3B}"/>
+            </ac:spMkLst>
+          </pc:spChg>
+          <pc:spChg chg="mod">
+            <ac:chgData name="Mu, Raymond" userId="a0667180-2b8b-444c-839d-1cdae66680c9" providerId="ADAL" clId="{1E523D62-DEB0-4351-BBCD-1D437D0FB8DC}" dt="2024-01-11T22:30:09.524" v="89"/>
+            <ac:spMkLst>
+              <pc:docMk/>
+              <pc:sldMasterMk cId="1891651469" sldId="2147483648"/>
+              <pc:sldLayoutMk cId="4183143059" sldId="2147483656"/>
+              <ac:spMk id="4" creationId="{D4488353-AE20-779E-BB9A-B76A5DC432BF}"/>
+            </ac:spMkLst>
+          </pc:spChg>
+        </pc:sldLayoutChg>
+        <pc:sldLayoutChg chg="modSp">
+          <pc:chgData name="Mu, Raymond" userId="a0667180-2b8b-444c-839d-1cdae66680c9" providerId="ADAL" clId="{1E523D62-DEB0-4351-BBCD-1D437D0FB8DC}" dt="2024-01-11T22:30:09.524" v="89"/>
+          <pc:sldLayoutMkLst>
+            <pc:docMk/>
+            <pc:sldMasterMk cId="1891651469" sldId="2147483648"/>
+            <pc:sldLayoutMk cId="1528698034" sldId="2147483657"/>
+          </pc:sldLayoutMkLst>
+          <pc:spChg chg="mod">
+            <ac:chgData name="Mu, Raymond" userId="a0667180-2b8b-444c-839d-1cdae66680c9" providerId="ADAL" clId="{1E523D62-DEB0-4351-BBCD-1D437D0FB8DC}" dt="2024-01-11T22:30:09.524" v="89"/>
+            <ac:spMkLst>
+              <pc:docMk/>
+              <pc:sldMasterMk cId="1891651469" sldId="2147483648"/>
+              <pc:sldLayoutMk cId="1528698034" sldId="2147483657"/>
+              <ac:spMk id="2" creationId="{91DD387D-E68D-3E80-7361-94B5EA87EEA7}"/>
+            </ac:spMkLst>
+          </pc:spChg>
+          <pc:spChg chg="mod">
+            <ac:chgData name="Mu, Raymond" userId="a0667180-2b8b-444c-839d-1cdae66680c9" providerId="ADAL" clId="{1E523D62-DEB0-4351-BBCD-1D437D0FB8DC}" dt="2024-01-11T22:30:09.524" v="89"/>
+            <ac:spMkLst>
+              <pc:docMk/>
+              <pc:sldMasterMk cId="1891651469" sldId="2147483648"/>
+              <pc:sldLayoutMk cId="1528698034" sldId="2147483657"/>
+              <ac:spMk id="3" creationId="{3FB42C93-ECE8-5456-3634-6EFD2CDE57D4}"/>
+            </ac:spMkLst>
+          </pc:spChg>
+          <pc:spChg chg="mod">
+            <ac:chgData name="Mu, Raymond" userId="a0667180-2b8b-444c-839d-1cdae66680c9" providerId="ADAL" clId="{1E523D62-DEB0-4351-BBCD-1D437D0FB8DC}" dt="2024-01-11T22:30:09.524" v="89"/>
+            <ac:spMkLst>
+              <pc:docMk/>
+              <pc:sldMasterMk cId="1891651469" sldId="2147483648"/>
+              <pc:sldLayoutMk cId="1528698034" sldId="2147483657"/>
+              <ac:spMk id="4" creationId="{D28FA955-2762-5209-E360-A4ACF4907850}"/>
+            </ac:spMkLst>
+          </pc:spChg>
+        </pc:sldLayoutChg>
+        <pc:sldLayoutChg chg="modSp">
+          <pc:chgData name="Mu, Raymond" userId="a0667180-2b8b-444c-839d-1cdae66680c9" providerId="ADAL" clId="{1E523D62-DEB0-4351-BBCD-1D437D0FB8DC}" dt="2024-01-11T22:30:09.524" v="89"/>
+          <pc:sldLayoutMkLst>
+            <pc:docMk/>
+            <pc:sldMasterMk cId="1891651469" sldId="2147483648"/>
+            <pc:sldLayoutMk cId="3664856861" sldId="2147483659"/>
+          </pc:sldLayoutMkLst>
+          <pc:spChg chg="mod">
+            <ac:chgData name="Mu, Raymond" userId="a0667180-2b8b-444c-839d-1cdae66680c9" providerId="ADAL" clId="{1E523D62-DEB0-4351-BBCD-1D437D0FB8DC}" dt="2024-01-11T22:30:09.524" v="89"/>
+            <ac:spMkLst>
+              <pc:docMk/>
+              <pc:sldMasterMk cId="1891651469" sldId="2147483648"/>
+              <pc:sldLayoutMk cId="3664856861" sldId="2147483659"/>
+              <ac:spMk id="2" creationId="{62D03AB3-2B9E-8DFB-5339-B5271685C3DA}"/>
+            </ac:spMkLst>
+          </pc:spChg>
+          <pc:spChg chg="mod">
+            <ac:chgData name="Mu, Raymond" userId="a0667180-2b8b-444c-839d-1cdae66680c9" providerId="ADAL" clId="{1E523D62-DEB0-4351-BBCD-1D437D0FB8DC}" dt="2024-01-11T22:30:09.524" v="89"/>
+            <ac:spMkLst>
+              <pc:docMk/>
+              <pc:sldMasterMk cId="1891651469" sldId="2147483648"/>
+              <pc:sldLayoutMk cId="3664856861" sldId="2147483659"/>
+              <ac:spMk id="3" creationId="{63BCE26A-869B-4A97-1D40-DA4CC0273F02}"/>
+            </ac:spMkLst>
+          </pc:spChg>
+        </pc:sldLayoutChg>
+      </pc:sldMasterChg>
+    </pc:docChg>
+  </pc:docChgLst>
+</pc:chgInfo>
 </file>
 
 <file path=ppt/slideLayouts/slideLayout1.xml><?xml version="1.0" encoding="utf-8"?>
@@ -126,13 +1378,7 @@
       </p:grpSpPr>
       <p:sp>
         <p:nvSpPr>
-          <p:cNvPr id="2" name="Title 1">
-            <a:extLst>
-              <a:ext uri="{FF2B5EF4-FFF2-40B4-BE49-F238E27FC236}">
-                <a16:creationId xmlns:a16="http://schemas.microsoft.com/office/drawing/2014/main" id="{E64CA6DB-7C67-13D2-D28B-06DF0710B3CB}"/>
-              </a:ext>
-            </a:extLst>
-          </p:cNvPr>
+          <p:cNvPr id="2" name="Title 1"/>
           <p:cNvSpPr>
             <a:spLocks noGrp="1"/>
           </p:cNvSpPr>
@@ -142,15 +1388,15 @@
         </p:nvSpPr>
         <p:spPr>
           <a:xfrm>
-            <a:off x="1524000" y="1122363"/>
-            <a:ext cx="9144000" cy="2387600"/>
+            <a:off x="2971800" y="1780712"/>
+            <a:ext cx="17830800" cy="3788104"/>
           </a:xfrm>
         </p:spPr>
         <p:txBody>
           <a:bodyPr anchor="b"/>
           <a:lstStyle>
             <a:lvl1pPr algn="ctr">
-              <a:defRPr sz="6000"/>
+              <a:defRPr sz="9520"/>
             </a:lvl1pPr>
           </a:lstStyle>
           <a:p>
@@ -158,18 +1404,13 @@
               <a:rPr lang="en-US"/>
               <a:t>Click to edit Master title style</a:t>
             </a:r>
-          </a:p>
-        </p:txBody>
-      </p:sp>
-      <p:sp>
-        <p:nvSpPr>
-          <p:cNvPr id="3" name="Subtitle 2">
-            <a:extLst>
-              <a:ext uri="{FF2B5EF4-FFF2-40B4-BE49-F238E27FC236}">
-                <a16:creationId xmlns:a16="http://schemas.microsoft.com/office/drawing/2014/main" id="{75F74A98-4639-0FB1-2338-37085A795A83}"/>
-              </a:ext>
-            </a:extLst>
-          </p:cNvPr>
+            <a:endParaRPr lang="en-US" dirty="0"/>
+          </a:p>
+        </p:txBody>
+      </p:sp>
+      <p:sp>
+        <p:nvSpPr>
+          <p:cNvPr id="3" name="Subtitle 2"/>
           <p:cNvSpPr>
             <a:spLocks noGrp="1"/>
           </p:cNvSpPr>
@@ -179,8 +1420,8 @@
         </p:nvSpPr>
         <p:spPr>
           <a:xfrm>
-            <a:off x="1524000" y="3602038"/>
-            <a:ext cx="9144000" cy="1655762"/>
+            <a:off x="2971800" y="5714900"/>
+            <a:ext cx="17830800" cy="2626989"/>
           </a:xfrm>
         </p:spPr>
         <p:txBody>
@@ -188,39 +1429,39 @@
           <a:lstStyle>
             <a:lvl1pPr marL="0" indent="0" algn="ctr">
               <a:buNone/>
-              <a:defRPr sz="2400"/>
+              <a:defRPr sz="3808"/>
             </a:lvl1pPr>
-            <a:lvl2pPr marL="457200" indent="0" algn="ctr">
+            <a:lvl2pPr marL="725394" indent="0" algn="ctr">
               <a:buNone/>
-              <a:defRPr sz="2000"/>
+              <a:defRPr sz="3173"/>
             </a:lvl2pPr>
-            <a:lvl3pPr marL="914400" indent="0" algn="ctr">
+            <a:lvl3pPr marL="1450787" indent="0" algn="ctr">
               <a:buNone/>
-              <a:defRPr sz="1800"/>
+              <a:defRPr sz="2856"/>
             </a:lvl3pPr>
-            <a:lvl4pPr marL="1371600" indent="0" algn="ctr">
+            <a:lvl4pPr marL="2176181" indent="0" algn="ctr">
               <a:buNone/>
-              <a:defRPr sz="1600"/>
+              <a:defRPr sz="2539"/>
             </a:lvl4pPr>
-            <a:lvl5pPr marL="1828800" indent="0" algn="ctr">
+            <a:lvl5pPr marL="2901574" indent="0" algn="ctr">
               <a:buNone/>
-              <a:defRPr sz="1600"/>
+              <a:defRPr sz="2539"/>
             </a:lvl5pPr>
-            <a:lvl6pPr marL="2286000" indent="0" algn="ctr">
+            <a:lvl6pPr marL="3626968" indent="0" algn="ctr">
               <a:buNone/>
-              <a:defRPr sz="1600"/>
+              <a:defRPr sz="2539"/>
             </a:lvl6pPr>
-            <a:lvl7pPr marL="2743200" indent="0" algn="ctr">
+            <a:lvl7pPr marL="4352361" indent="0" algn="ctr">
               <a:buNone/>
-              <a:defRPr sz="1600"/>
+              <a:defRPr sz="2539"/>
             </a:lvl7pPr>
-            <a:lvl8pPr marL="3200400" indent="0" algn="ctr">
+            <a:lvl8pPr marL="5077755" indent="0" algn="ctr">
               <a:buNone/>
-              <a:defRPr sz="1600"/>
+              <a:defRPr sz="2539"/>
             </a:lvl8pPr>
-            <a:lvl9pPr marL="3657600" indent="0" algn="ctr">
+            <a:lvl9pPr marL="5803148" indent="0" algn="ctr">
               <a:buNone/>
-              <a:defRPr sz="1600"/>
+              <a:defRPr sz="2539"/>
             </a:lvl9pPr>
           </a:lstStyle>
           <a:p>
@@ -228,18 +1469,13 @@
               <a:rPr lang="en-US"/>
               <a:t>Click to edit Master subtitle style</a:t>
             </a:r>
-          </a:p>
-        </p:txBody>
-      </p:sp>
-      <p:sp>
-        <p:nvSpPr>
-          <p:cNvPr id="4" name="Date Placeholder 3">
-            <a:extLst>
-              <a:ext uri="{FF2B5EF4-FFF2-40B4-BE49-F238E27FC236}">
-                <a16:creationId xmlns:a16="http://schemas.microsoft.com/office/drawing/2014/main" id="{79E85277-22D3-692B-61EB-A411D7088CC0}"/>
-              </a:ext>
-            </a:extLst>
-          </p:cNvPr>
+            <a:endParaRPr lang="en-US" dirty="0"/>
+          </a:p>
+        </p:txBody>
+      </p:sp>
+      <p:sp>
+        <p:nvSpPr>
+          <p:cNvPr id="4" name="Date Placeholder 3"/>
           <p:cNvSpPr>
             <a:spLocks noGrp="1"/>
           </p:cNvSpPr>
@@ -262,13 +1498,7 @@
       </p:sp>
       <p:sp>
         <p:nvSpPr>
-          <p:cNvPr id="5" name="Footer Placeholder 4">
-            <a:extLst>
-              <a:ext uri="{FF2B5EF4-FFF2-40B4-BE49-F238E27FC236}">
-                <a16:creationId xmlns:a16="http://schemas.microsoft.com/office/drawing/2014/main" id="{B402769B-9FDB-837C-05E1-967468244B2F}"/>
-              </a:ext>
-            </a:extLst>
-          </p:cNvPr>
+          <p:cNvPr id="5" name="Footer Placeholder 4"/>
           <p:cNvSpPr>
             <a:spLocks noGrp="1"/>
           </p:cNvSpPr>
@@ -287,13 +1517,7 @@
       </p:sp>
       <p:sp>
         <p:nvSpPr>
-          <p:cNvPr id="6" name="Slide Number Placeholder 5">
-            <a:extLst>
-              <a:ext uri="{FF2B5EF4-FFF2-40B4-BE49-F238E27FC236}">
-                <a16:creationId xmlns:a16="http://schemas.microsoft.com/office/drawing/2014/main" id="{095B07C6-1BC9-3BB0-170B-A1046CA36B99}"/>
-              </a:ext>
-            </a:extLst>
-          </p:cNvPr>
+          <p:cNvPr id="6" name="Slide Number Placeholder 5"/>
           <p:cNvSpPr>
             <a:spLocks noGrp="1"/>
           </p:cNvSpPr>
@@ -317,7 +1541,7 @@
     </p:spTree>
     <p:extLst>
       <p:ext uri="{BB962C8B-B14F-4D97-AF65-F5344CB8AC3E}">
-        <p14:creationId xmlns:p14="http://schemas.microsoft.com/office/powerpoint/2010/main" val="1434006645"/>
+        <p14:creationId xmlns:p14="http://schemas.microsoft.com/office/powerpoint/2010/main" val="3043408587"/>
       </p:ext>
     </p:extLst>
   </p:cSld>
@@ -346,13 +1570,7 @@
       </p:grpSpPr>
       <p:sp>
         <p:nvSpPr>
-          <p:cNvPr id="2" name="Title 1">
-            <a:extLst>
-              <a:ext uri="{FF2B5EF4-FFF2-40B4-BE49-F238E27FC236}">
-                <a16:creationId xmlns:a16="http://schemas.microsoft.com/office/drawing/2014/main" id="{8A5577B1-4D6F-00B1-047F-1DEFDC49CC3B}"/>
-              </a:ext>
-            </a:extLst>
-          </p:cNvPr>
+          <p:cNvPr id="2" name="Title 1"/>
           <p:cNvSpPr>
             <a:spLocks noGrp="1"/>
           </p:cNvSpPr>
@@ -369,18 +1587,13 @@
               <a:rPr lang="en-US"/>
               <a:t>Click to edit Master title style</a:t>
             </a:r>
-          </a:p>
-        </p:txBody>
-      </p:sp>
-      <p:sp>
-        <p:nvSpPr>
-          <p:cNvPr id="3" name="Vertical Text Placeholder 2">
-            <a:extLst>
-              <a:ext uri="{FF2B5EF4-FFF2-40B4-BE49-F238E27FC236}">
-                <a16:creationId xmlns:a16="http://schemas.microsoft.com/office/drawing/2014/main" id="{6AADEBEC-0CCF-D167-A9DA-A6D8471B8218}"/>
-              </a:ext>
-            </a:extLst>
-          </p:cNvPr>
+            <a:endParaRPr lang="en-US" dirty="0"/>
+          </a:p>
+        </p:txBody>
+      </p:sp>
+      <p:sp>
+        <p:nvSpPr>
+          <p:cNvPr id="3" name="Vertical Text Placeholder 2"/>
           <p:cNvSpPr>
             <a:spLocks noGrp="1"/>
           </p:cNvSpPr>
@@ -426,18 +1639,13 @@
               <a:rPr lang="en-US"/>
               <a:t>Fifth level</a:t>
             </a:r>
-          </a:p>
-        </p:txBody>
-      </p:sp>
-      <p:sp>
-        <p:nvSpPr>
-          <p:cNvPr id="4" name="Date Placeholder 3">
-            <a:extLst>
-              <a:ext uri="{FF2B5EF4-FFF2-40B4-BE49-F238E27FC236}">
-                <a16:creationId xmlns:a16="http://schemas.microsoft.com/office/drawing/2014/main" id="{730CD707-3EE3-1609-6A67-7507A01C182C}"/>
-              </a:ext>
-            </a:extLst>
-          </p:cNvPr>
+            <a:endParaRPr lang="en-US" dirty="0"/>
+          </a:p>
+        </p:txBody>
+      </p:sp>
+      <p:sp>
+        <p:nvSpPr>
+          <p:cNvPr id="4" name="Date Placeholder 3"/>
           <p:cNvSpPr>
             <a:spLocks noGrp="1"/>
           </p:cNvSpPr>
@@ -460,13 +1668,7 @@
       </p:sp>
       <p:sp>
         <p:nvSpPr>
-          <p:cNvPr id="5" name="Footer Placeholder 4">
-            <a:extLst>
-              <a:ext uri="{FF2B5EF4-FFF2-40B4-BE49-F238E27FC236}">
-                <a16:creationId xmlns:a16="http://schemas.microsoft.com/office/drawing/2014/main" id="{836588D0-AFF8-F0B2-5F8B-8DC2EF401580}"/>
-              </a:ext>
-            </a:extLst>
-          </p:cNvPr>
+          <p:cNvPr id="5" name="Footer Placeholder 4"/>
           <p:cNvSpPr>
             <a:spLocks noGrp="1"/>
           </p:cNvSpPr>
@@ -485,13 +1687,7 @@
       </p:sp>
       <p:sp>
         <p:nvSpPr>
-          <p:cNvPr id="6" name="Slide Number Placeholder 5">
-            <a:extLst>
-              <a:ext uri="{FF2B5EF4-FFF2-40B4-BE49-F238E27FC236}">
-                <a16:creationId xmlns:a16="http://schemas.microsoft.com/office/drawing/2014/main" id="{F15EDE1A-01CE-3CC1-5AEB-D4CE07842D8F}"/>
-              </a:ext>
-            </a:extLst>
-          </p:cNvPr>
+          <p:cNvPr id="6" name="Slide Number Placeholder 5"/>
           <p:cNvSpPr>
             <a:spLocks noGrp="1"/>
           </p:cNvSpPr>
@@ -515,7 +1711,7 @@
     </p:spTree>
     <p:extLst>
       <p:ext uri="{BB962C8B-B14F-4D97-AF65-F5344CB8AC3E}">
-        <p14:creationId xmlns:p14="http://schemas.microsoft.com/office/powerpoint/2010/main" val="2169007445"/>
+        <p14:creationId xmlns:p14="http://schemas.microsoft.com/office/powerpoint/2010/main" val="4190551045"/>
       </p:ext>
     </p:extLst>
   </p:cSld>
@@ -544,13 +1740,7 @@
       </p:grpSpPr>
       <p:sp>
         <p:nvSpPr>
-          <p:cNvPr id="2" name="Vertical Title 1">
-            <a:extLst>
-              <a:ext uri="{FF2B5EF4-FFF2-40B4-BE49-F238E27FC236}">
-                <a16:creationId xmlns:a16="http://schemas.microsoft.com/office/drawing/2014/main" id="{62D03AB3-2B9E-8DFB-5339-B5271685C3DA}"/>
-              </a:ext>
-            </a:extLst>
-          </p:cNvPr>
+          <p:cNvPr id="2" name="Vertical Title 1"/>
           <p:cNvSpPr>
             <a:spLocks noGrp="1"/>
           </p:cNvSpPr>
@@ -560,8 +1750,8 @@
         </p:nvSpPr>
         <p:spPr>
           <a:xfrm>
-            <a:off x="8724900" y="365125"/>
-            <a:ext cx="2628900" cy="5811838"/>
+            <a:off x="17013555" y="579298"/>
+            <a:ext cx="5126355" cy="9220911"/>
           </a:xfrm>
         </p:spPr>
         <p:txBody>
@@ -572,18 +1762,13 @@
               <a:rPr lang="en-US"/>
               <a:t>Click to edit Master title style</a:t>
             </a:r>
-          </a:p>
-        </p:txBody>
-      </p:sp>
-      <p:sp>
-        <p:nvSpPr>
-          <p:cNvPr id="3" name="Vertical Text Placeholder 2">
-            <a:extLst>
-              <a:ext uri="{FF2B5EF4-FFF2-40B4-BE49-F238E27FC236}">
-                <a16:creationId xmlns:a16="http://schemas.microsoft.com/office/drawing/2014/main" id="{63BCE26A-869B-4A97-1D40-DA4CC0273F02}"/>
-              </a:ext>
-            </a:extLst>
-          </p:cNvPr>
+            <a:endParaRPr lang="en-US" dirty="0"/>
+          </a:p>
+        </p:txBody>
+      </p:sp>
+      <p:sp>
+        <p:nvSpPr>
+          <p:cNvPr id="3" name="Vertical Text Placeholder 2"/>
           <p:cNvSpPr>
             <a:spLocks noGrp="1"/>
           </p:cNvSpPr>
@@ -593,8 +1778,8 @@
         </p:nvSpPr>
         <p:spPr>
           <a:xfrm>
-            <a:off x="838200" y="365125"/>
-            <a:ext cx="7734300" cy="5811838"/>
+            <a:off x="1634490" y="579298"/>
+            <a:ext cx="15081885" cy="9220911"/>
           </a:xfrm>
         </p:spPr>
         <p:txBody>
@@ -634,18 +1819,13 @@
               <a:rPr lang="en-US"/>
               <a:t>Fifth level</a:t>
             </a:r>
-          </a:p>
-        </p:txBody>
-      </p:sp>
-      <p:sp>
-        <p:nvSpPr>
-          <p:cNvPr id="4" name="Date Placeholder 3">
-            <a:extLst>
-              <a:ext uri="{FF2B5EF4-FFF2-40B4-BE49-F238E27FC236}">
-                <a16:creationId xmlns:a16="http://schemas.microsoft.com/office/drawing/2014/main" id="{43243B30-A5A8-9084-A661-80936DFFE256}"/>
-              </a:ext>
-            </a:extLst>
-          </p:cNvPr>
+            <a:endParaRPr lang="en-US" dirty="0"/>
+          </a:p>
+        </p:txBody>
+      </p:sp>
+      <p:sp>
+        <p:nvSpPr>
+          <p:cNvPr id="4" name="Date Placeholder 3"/>
           <p:cNvSpPr>
             <a:spLocks noGrp="1"/>
           </p:cNvSpPr>
@@ -668,13 +1848,7 @@
       </p:sp>
       <p:sp>
         <p:nvSpPr>
-          <p:cNvPr id="5" name="Footer Placeholder 4">
-            <a:extLst>
-              <a:ext uri="{FF2B5EF4-FFF2-40B4-BE49-F238E27FC236}">
-                <a16:creationId xmlns:a16="http://schemas.microsoft.com/office/drawing/2014/main" id="{00A4BCBF-2627-4FCD-B04C-3391E87A0714}"/>
-              </a:ext>
-            </a:extLst>
-          </p:cNvPr>
+          <p:cNvPr id="5" name="Footer Placeholder 4"/>
           <p:cNvSpPr>
             <a:spLocks noGrp="1"/>
           </p:cNvSpPr>
@@ -693,13 +1867,7 @@
       </p:sp>
       <p:sp>
         <p:nvSpPr>
-          <p:cNvPr id="6" name="Slide Number Placeholder 5">
-            <a:extLst>
-              <a:ext uri="{FF2B5EF4-FFF2-40B4-BE49-F238E27FC236}">
-                <a16:creationId xmlns:a16="http://schemas.microsoft.com/office/drawing/2014/main" id="{1248603D-817D-8C62-197C-4BD725D37B86}"/>
-              </a:ext>
-            </a:extLst>
-          </p:cNvPr>
+          <p:cNvPr id="6" name="Slide Number Placeholder 5"/>
           <p:cNvSpPr>
             <a:spLocks noGrp="1"/>
           </p:cNvSpPr>
@@ -723,7 +1891,7 @@
     </p:spTree>
     <p:extLst>
       <p:ext uri="{BB962C8B-B14F-4D97-AF65-F5344CB8AC3E}">
-        <p14:creationId xmlns:p14="http://schemas.microsoft.com/office/powerpoint/2010/main" val="3664856861"/>
+        <p14:creationId xmlns:p14="http://schemas.microsoft.com/office/powerpoint/2010/main" val="2022790120"/>
       </p:ext>
     </p:extLst>
   </p:cSld>
@@ -752,13 +1920,7 @@
       </p:grpSpPr>
       <p:sp>
         <p:nvSpPr>
-          <p:cNvPr id="2" name="Title 1">
-            <a:extLst>
-              <a:ext uri="{FF2B5EF4-FFF2-40B4-BE49-F238E27FC236}">
-                <a16:creationId xmlns:a16="http://schemas.microsoft.com/office/drawing/2014/main" id="{A1754347-E645-BC69-60B1-58C59CDFE172}"/>
-              </a:ext>
-            </a:extLst>
-          </p:cNvPr>
+          <p:cNvPr id="2" name="Title 1"/>
           <p:cNvSpPr>
             <a:spLocks noGrp="1"/>
           </p:cNvSpPr>
@@ -775,18 +1937,13 @@
               <a:rPr lang="en-US"/>
               <a:t>Click to edit Master title style</a:t>
             </a:r>
-          </a:p>
-        </p:txBody>
-      </p:sp>
-      <p:sp>
-        <p:nvSpPr>
-          <p:cNvPr id="3" name="Content Placeholder 2">
-            <a:extLst>
-              <a:ext uri="{FF2B5EF4-FFF2-40B4-BE49-F238E27FC236}">
-                <a16:creationId xmlns:a16="http://schemas.microsoft.com/office/drawing/2014/main" id="{4C7510D9-D84E-E6FF-37A6-EB1FCAA2166F}"/>
-              </a:ext>
-            </a:extLst>
-          </p:cNvPr>
+            <a:endParaRPr lang="en-US" dirty="0"/>
+          </a:p>
+        </p:txBody>
+      </p:sp>
+      <p:sp>
+        <p:nvSpPr>
+          <p:cNvPr id="3" name="Content Placeholder 2"/>
           <p:cNvSpPr>
             <a:spLocks noGrp="1"/>
           </p:cNvSpPr>
@@ -832,18 +1989,13 @@
               <a:rPr lang="en-US"/>
               <a:t>Fifth level</a:t>
             </a:r>
-          </a:p>
-        </p:txBody>
-      </p:sp>
-      <p:sp>
-        <p:nvSpPr>
-          <p:cNvPr id="4" name="Date Placeholder 3">
-            <a:extLst>
-              <a:ext uri="{FF2B5EF4-FFF2-40B4-BE49-F238E27FC236}">
-                <a16:creationId xmlns:a16="http://schemas.microsoft.com/office/drawing/2014/main" id="{90294043-41AC-B8E3-A841-A87DC6C6A7C5}"/>
-              </a:ext>
-            </a:extLst>
-          </p:cNvPr>
+            <a:endParaRPr lang="en-US" dirty="0"/>
+          </a:p>
+        </p:txBody>
+      </p:sp>
+      <p:sp>
+        <p:nvSpPr>
+          <p:cNvPr id="4" name="Date Placeholder 3"/>
           <p:cNvSpPr>
             <a:spLocks noGrp="1"/>
           </p:cNvSpPr>
@@ -866,13 +2018,7 @@
       </p:sp>
       <p:sp>
         <p:nvSpPr>
-          <p:cNvPr id="5" name="Footer Placeholder 4">
-            <a:extLst>
-              <a:ext uri="{FF2B5EF4-FFF2-40B4-BE49-F238E27FC236}">
-                <a16:creationId xmlns:a16="http://schemas.microsoft.com/office/drawing/2014/main" id="{73AA3BE6-0F09-C3CD-6820-672CE8B90157}"/>
-              </a:ext>
-            </a:extLst>
-          </p:cNvPr>
+          <p:cNvPr id="5" name="Footer Placeholder 4"/>
           <p:cNvSpPr>
             <a:spLocks noGrp="1"/>
           </p:cNvSpPr>
@@ -891,13 +2037,7 @@
       </p:sp>
       <p:sp>
         <p:nvSpPr>
-          <p:cNvPr id="6" name="Slide Number Placeholder 5">
-            <a:extLst>
-              <a:ext uri="{FF2B5EF4-FFF2-40B4-BE49-F238E27FC236}">
-                <a16:creationId xmlns:a16="http://schemas.microsoft.com/office/drawing/2014/main" id="{CC5C5B48-D41B-2FCA-C4FE-9E31696EC23F}"/>
-              </a:ext>
-            </a:extLst>
-          </p:cNvPr>
+          <p:cNvPr id="6" name="Slide Number Placeholder 5"/>
           <p:cNvSpPr>
             <a:spLocks noGrp="1"/>
           </p:cNvSpPr>
@@ -921,7 +2061,7 @@
     </p:spTree>
     <p:extLst>
       <p:ext uri="{BB962C8B-B14F-4D97-AF65-F5344CB8AC3E}">
-        <p14:creationId xmlns:p14="http://schemas.microsoft.com/office/powerpoint/2010/main" val="1192717488"/>
+        <p14:creationId xmlns:p14="http://schemas.microsoft.com/office/powerpoint/2010/main" val="148986111"/>
       </p:ext>
     </p:extLst>
   </p:cSld>
@@ -950,13 +2090,7 @@
       </p:grpSpPr>
       <p:sp>
         <p:nvSpPr>
-          <p:cNvPr id="2" name="Title 1">
-            <a:extLst>
-              <a:ext uri="{FF2B5EF4-FFF2-40B4-BE49-F238E27FC236}">
-                <a16:creationId xmlns:a16="http://schemas.microsoft.com/office/drawing/2014/main" id="{A29B1DCA-641F-7C6D-57F3-7FBFCD9EE520}"/>
-              </a:ext>
-            </a:extLst>
-          </p:cNvPr>
+          <p:cNvPr id="2" name="Title 1"/>
           <p:cNvSpPr>
             <a:spLocks noGrp="1"/>
           </p:cNvSpPr>
@@ -966,15 +2100,15 @@
         </p:nvSpPr>
         <p:spPr>
           <a:xfrm>
-            <a:off x="831850" y="1709738"/>
-            <a:ext cx="10515600" cy="2852737"/>
+            <a:off x="1622108" y="2712627"/>
+            <a:ext cx="20505420" cy="4526079"/>
           </a:xfrm>
         </p:spPr>
         <p:txBody>
           <a:bodyPr anchor="b"/>
           <a:lstStyle>
             <a:lvl1pPr>
-              <a:defRPr sz="6000"/>
+              <a:defRPr sz="9520"/>
             </a:lvl1pPr>
           </a:lstStyle>
           <a:p>
@@ -982,18 +2116,13 @@
               <a:rPr lang="en-US"/>
               <a:t>Click to edit Master title style</a:t>
             </a:r>
-          </a:p>
-        </p:txBody>
-      </p:sp>
-      <p:sp>
-        <p:nvSpPr>
-          <p:cNvPr id="3" name="Text Placeholder 2">
-            <a:extLst>
-              <a:ext uri="{FF2B5EF4-FFF2-40B4-BE49-F238E27FC236}">
-                <a16:creationId xmlns:a16="http://schemas.microsoft.com/office/drawing/2014/main" id="{55D4EE9A-0234-D193-C63B-9F5E28189002}"/>
-              </a:ext>
-            </a:extLst>
-          </p:cNvPr>
+            <a:endParaRPr lang="en-US" dirty="0"/>
+          </a:p>
+        </p:txBody>
+      </p:sp>
+      <p:sp>
+        <p:nvSpPr>
+          <p:cNvPr id="3" name="Text Placeholder 2"/>
           <p:cNvSpPr>
             <a:spLocks noGrp="1"/>
           </p:cNvSpPr>
@@ -1003,8 +2132,8 @@
         </p:nvSpPr>
         <p:spPr>
           <a:xfrm>
-            <a:off x="831850" y="4589463"/>
-            <a:ext cx="10515600" cy="1500187"/>
+            <a:off x="1622108" y="7281524"/>
+            <a:ext cx="20505420" cy="2380158"/>
           </a:xfrm>
         </p:spPr>
         <p:txBody>
@@ -1012,7 +2141,7 @@
           <a:lstStyle>
             <a:lvl1pPr marL="0" indent="0">
               <a:buNone/>
-              <a:defRPr sz="2400">
+              <a:defRPr sz="3808">
                 <a:solidFill>
                   <a:schemeClr val="tx1">
                     <a:tint val="82000"/>
@@ -1020,9 +2149,9 @@
                 </a:solidFill>
               </a:defRPr>
             </a:lvl1pPr>
-            <a:lvl2pPr marL="457200" indent="0">
+            <a:lvl2pPr marL="725394" indent="0">
               <a:buNone/>
-              <a:defRPr sz="2000">
+              <a:defRPr sz="3173">
                 <a:solidFill>
                   <a:schemeClr val="tx1">
                     <a:tint val="82000"/>
@@ -1030,9 +2159,9 @@
                 </a:solidFill>
               </a:defRPr>
             </a:lvl2pPr>
-            <a:lvl3pPr marL="914400" indent="0">
+            <a:lvl3pPr marL="1450787" indent="0">
               <a:buNone/>
-              <a:defRPr sz="1800">
+              <a:defRPr sz="2856">
                 <a:solidFill>
                   <a:schemeClr val="tx1">
                     <a:tint val="82000"/>
@@ -1040,9 +2169,9 @@
                 </a:solidFill>
               </a:defRPr>
             </a:lvl3pPr>
-            <a:lvl4pPr marL="1371600" indent="0">
+            <a:lvl4pPr marL="2176181" indent="0">
               <a:buNone/>
-              <a:defRPr sz="1600">
+              <a:defRPr sz="2539">
                 <a:solidFill>
                   <a:schemeClr val="tx1">
                     <a:tint val="82000"/>
@@ -1050,9 +2179,9 @@
                 </a:solidFill>
               </a:defRPr>
             </a:lvl4pPr>
-            <a:lvl5pPr marL="1828800" indent="0">
+            <a:lvl5pPr marL="2901574" indent="0">
               <a:buNone/>
-              <a:defRPr sz="1600">
+              <a:defRPr sz="2539">
                 <a:solidFill>
                   <a:schemeClr val="tx1">
                     <a:tint val="82000"/>
@@ -1060,9 +2189,9 @@
                 </a:solidFill>
               </a:defRPr>
             </a:lvl5pPr>
-            <a:lvl6pPr marL="2286000" indent="0">
+            <a:lvl6pPr marL="3626968" indent="0">
               <a:buNone/>
-              <a:defRPr sz="1600">
+              <a:defRPr sz="2539">
                 <a:solidFill>
                   <a:schemeClr val="tx1">
                     <a:tint val="82000"/>
@@ -1070,9 +2199,9 @@
                 </a:solidFill>
               </a:defRPr>
             </a:lvl6pPr>
-            <a:lvl7pPr marL="2743200" indent="0">
+            <a:lvl7pPr marL="4352361" indent="0">
               <a:buNone/>
-              <a:defRPr sz="1600">
+              <a:defRPr sz="2539">
                 <a:solidFill>
                   <a:schemeClr val="tx1">
                     <a:tint val="82000"/>
@@ -1080,9 +2209,9 @@
                 </a:solidFill>
               </a:defRPr>
             </a:lvl7pPr>
-            <a:lvl8pPr marL="3200400" indent="0">
+            <a:lvl8pPr marL="5077755" indent="0">
               <a:buNone/>
-              <a:defRPr sz="1600">
+              <a:defRPr sz="2539">
                 <a:solidFill>
                   <a:schemeClr val="tx1">
                     <a:tint val="82000"/>
@@ -1090,9 +2219,9 @@
                 </a:solidFill>
               </a:defRPr>
             </a:lvl8pPr>
-            <a:lvl9pPr marL="3657600" indent="0">
+            <a:lvl9pPr marL="5803148" indent="0">
               <a:buNone/>
-              <a:defRPr sz="1600">
+              <a:defRPr sz="2539">
                 <a:solidFill>
                   <a:schemeClr val="tx1">
                     <a:tint val="82000"/>
@@ -1112,13 +2241,7 @@
       </p:sp>
       <p:sp>
         <p:nvSpPr>
-          <p:cNvPr id="4" name="Date Placeholder 3">
-            <a:extLst>
-              <a:ext uri="{FF2B5EF4-FFF2-40B4-BE49-F238E27FC236}">
-                <a16:creationId xmlns:a16="http://schemas.microsoft.com/office/drawing/2014/main" id="{08777EFA-7E86-3571-BB23-AE44B0D8339F}"/>
-              </a:ext>
-            </a:extLst>
-          </p:cNvPr>
+          <p:cNvPr id="4" name="Date Placeholder 3"/>
           <p:cNvSpPr>
             <a:spLocks noGrp="1"/>
           </p:cNvSpPr>
@@ -1141,13 +2264,7 @@
       </p:sp>
       <p:sp>
         <p:nvSpPr>
-          <p:cNvPr id="5" name="Footer Placeholder 4">
-            <a:extLst>
-              <a:ext uri="{FF2B5EF4-FFF2-40B4-BE49-F238E27FC236}">
-                <a16:creationId xmlns:a16="http://schemas.microsoft.com/office/drawing/2014/main" id="{00BBA38A-CE2F-45AB-D2F9-5B293E2C7937}"/>
-              </a:ext>
-            </a:extLst>
-          </p:cNvPr>
+          <p:cNvPr id="5" name="Footer Placeholder 4"/>
           <p:cNvSpPr>
             <a:spLocks noGrp="1"/>
           </p:cNvSpPr>
@@ -1166,13 +2283,7 @@
       </p:sp>
       <p:sp>
         <p:nvSpPr>
-          <p:cNvPr id="6" name="Slide Number Placeholder 5">
-            <a:extLst>
-              <a:ext uri="{FF2B5EF4-FFF2-40B4-BE49-F238E27FC236}">
-                <a16:creationId xmlns:a16="http://schemas.microsoft.com/office/drawing/2014/main" id="{42078D68-6B47-F47C-7A59-DDE20E598689}"/>
-              </a:ext>
-            </a:extLst>
-          </p:cNvPr>
+          <p:cNvPr id="6" name="Slide Number Placeholder 5"/>
           <p:cNvSpPr>
             <a:spLocks noGrp="1"/>
           </p:cNvSpPr>
@@ -1196,7 +2307,7 @@
     </p:spTree>
     <p:extLst>
       <p:ext uri="{BB962C8B-B14F-4D97-AF65-F5344CB8AC3E}">
-        <p14:creationId xmlns:p14="http://schemas.microsoft.com/office/powerpoint/2010/main" val="2544540278"/>
+        <p14:creationId xmlns:p14="http://schemas.microsoft.com/office/powerpoint/2010/main" val="2145132323"/>
       </p:ext>
     </p:extLst>
   </p:cSld>
@@ -1225,13 +2336,7 @@
       </p:grpSpPr>
       <p:sp>
         <p:nvSpPr>
-          <p:cNvPr id="2" name="Title 1">
-            <a:extLst>
-              <a:ext uri="{FF2B5EF4-FFF2-40B4-BE49-F238E27FC236}">
-                <a16:creationId xmlns:a16="http://schemas.microsoft.com/office/drawing/2014/main" id="{DB990AEA-2F09-D5E8-37FA-6C65193F3F80}"/>
-              </a:ext>
-            </a:extLst>
-          </p:cNvPr>
+          <p:cNvPr id="2" name="Title 1"/>
           <p:cNvSpPr>
             <a:spLocks noGrp="1"/>
           </p:cNvSpPr>
@@ -1248,18 +2353,13 @@
               <a:rPr lang="en-US"/>
               <a:t>Click to edit Master title style</a:t>
             </a:r>
-          </a:p>
-        </p:txBody>
-      </p:sp>
-      <p:sp>
-        <p:nvSpPr>
-          <p:cNvPr id="3" name="Content Placeholder 2">
-            <a:extLst>
-              <a:ext uri="{FF2B5EF4-FFF2-40B4-BE49-F238E27FC236}">
-                <a16:creationId xmlns:a16="http://schemas.microsoft.com/office/drawing/2014/main" id="{BC52C812-891D-CA89-4E9C-DD42E9BD3F9D}"/>
-              </a:ext>
-            </a:extLst>
-          </p:cNvPr>
+            <a:endParaRPr lang="en-US" dirty="0"/>
+          </a:p>
+        </p:txBody>
+      </p:sp>
+      <p:sp>
+        <p:nvSpPr>
+          <p:cNvPr id="3" name="Content Placeholder 2"/>
           <p:cNvSpPr>
             <a:spLocks noGrp="1"/>
           </p:cNvSpPr>
@@ -1269,8 +2369,8 @@
         </p:nvSpPr>
         <p:spPr>
           <a:xfrm>
-            <a:off x="838200" y="1825625"/>
-            <a:ext cx="5181600" cy="4351338"/>
+            <a:off x="1634490" y="2896489"/>
+            <a:ext cx="10104120" cy="6903720"/>
           </a:xfrm>
         </p:spPr>
         <p:txBody>
@@ -1310,18 +2410,13 @@
               <a:rPr lang="en-US"/>
               <a:t>Fifth level</a:t>
             </a:r>
-          </a:p>
-        </p:txBody>
-      </p:sp>
-      <p:sp>
-        <p:nvSpPr>
-          <p:cNvPr id="4" name="Content Placeholder 3">
-            <a:extLst>
-              <a:ext uri="{FF2B5EF4-FFF2-40B4-BE49-F238E27FC236}">
-                <a16:creationId xmlns:a16="http://schemas.microsoft.com/office/drawing/2014/main" id="{39AC67FB-1CF9-EEBA-B211-B6AEEBFFEDAB}"/>
-              </a:ext>
-            </a:extLst>
-          </p:cNvPr>
+            <a:endParaRPr lang="en-US" dirty="0"/>
+          </a:p>
+        </p:txBody>
+      </p:sp>
+      <p:sp>
+        <p:nvSpPr>
+          <p:cNvPr id="4" name="Content Placeholder 3"/>
           <p:cNvSpPr>
             <a:spLocks noGrp="1"/>
           </p:cNvSpPr>
@@ -1331,8 +2426,8 @@
         </p:nvSpPr>
         <p:spPr>
           <a:xfrm>
-            <a:off x="6172200" y="1825625"/>
-            <a:ext cx="5181600" cy="4351338"/>
+            <a:off x="12035790" y="2896489"/>
+            <a:ext cx="10104120" cy="6903720"/>
           </a:xfrm>
         </p:spPr>
         <p:txBody>
@@ -1372,18 +2467,13 @@
               <a:rPr lang="en-US"/>
               <a:t>Fifth level</a:t>
             </a:r>
-          </a:p>
-        </p:txBody>
-      </p:sp>
-      <p:sp>
-        <p:nvSpPr>
-          <p:cNvPr id="5" name="Date Placeholder 4">
-            <a:extLst>
-              <a:ext uri="{FF2B5EF4-FFF2-40B4-BE49-F238E27FC236}">
-                <a16:creationId xmlns:a16="http://schemas.microsoft.com/office/drawing/2014/main" id="{6FF69545-6F56-B693-2BA3-3616A22C62AC}"/>
-              </a:ext>
-            </a:extLst>
-          </p:cNvPr>
+            <a:endParaRPr lang="en-US" dirty="0"/>
+          </a:p>
+        </p:txBody>
+      </p:sp>
+      <p:sp>
+        <p:nvSpPr>
+          <p:cNvPr id="5" name="Date Placeholder 4"/>
           <p:cNvSpPr>
             <a:spLocks noGrp="1"/>
           </p:cNvSpPr>
@@ -1406,13 +2496,7 @@
       </p:sp>
       <p:sp>
         <p:nvSpPr>
-          <p:cNvPr id="6" name="Footer Placeholder 5">
-            <a:extLst>
-              <a:ext uri="{FF2B5EF4-FFF2-40B4-BE49-F238E27FC236}">
-                <a16:creationId xmlns:a16="http://schemas.microsoft.com/office/drawing/2014/main" id="{72EE9C19-DB4B-3A4B-9B66-B71C24F4D921}"/>
-              </a:ext>
-            </a:extLst>
-          </p:cNvPr>
+          <p:cNvPr id="6" name="Footer Placeholder 5"/>
           <p:cNvSpPr>
             <a:spLocks noGrp="1"/>
           </p:cNvSpPr>
@@ -1431,13 +2515,7 @@
       </p:sp>
       <p:sp>
         <p:nvSpPr>
-          <p:cNvPr id="7" name="Slide Number Placeholder 6">
-            <a:extLst>
-              <a:ext uri="{FF2B5EF4-FFF2-40B4-BE49-F238E27FC236}">
-                <a16:creationId xmlns:a16="http://schemas.microsoft.com/office/drawing/2014/main" id="{68E65BD6-BD0B-E664-FDF0-ADA437FC82B1}"/>
-              </a:ext>
-            </a:extLst>
-          </p:cNvPr>
+          <p:cNvPr id="7" name="Slide Number Placeholder 6"/>
           <p:cNvSpPr>
             <a:spLocks noGrp="1"/>
           </p:cNvSpPr>
@@ -1461,7 +2539,7 @@
     </p:spTree>
     <p:extLst>
       <p:ext uri="{BB962C8B-B14F-4D97-AF65-F5344CB8AC3E}">
-        <p14:creationId xmlns:p14="http://schemas.microsoft.com/office/powerpoint/2010/main" val="3282892954"/>
+        <p14:creationId xmlns:p14="http://schemas.microsoft.com/office/powerpoint/2010/main" val="358615805"/>
       </p:ext>
     </p:extLst>
   </p:cSld>
@@ -1490,13 +2568,7 @@
       </p:grpSpPr>
       <p:sp>
         <p:nvSpPr>
-          <p:cNvPr id="2" name="Title 1">
-            <a:extLst>
-              <a:ext uri="{FF2B5EF4-FFF2-40B4-BE49-F238E27FC236}">
-                <a16:creationId xmlns:a16="http://schemas.microsoft.com/office/drawing/2014/main" id="{323136E7-F097-E667-EEAF-648207763157}"/>
-              </a:ext>
-            </a:extLst>
-          </p:cNvPr>
+          <p:cNvPr id="2" name="Title 1"/>
           <p:cNvSpPr>
             <a:spLocks noGrp="1"/>
           </p:cNvSpPr>
@@ -1506,8 +2578,8 @@
         </p:nvSpPr>
         <p:spPr>
           <a:xfrm>
-            <a:off x="839788" y="365125"/>
-            <a:ext cx="10515600" cy="1325563"/>
+            <a:off x="1637587" y="579299"/>
+            <a:ext cx="20505420" cy="2103104"/>
           </a:xfrm>
         </p:spPr>
         <p:txBody>
@@ -1518,18 +2590,13 @@
               <a:rPr lang="en-US"/>
               <a:t>Click to edit Master title style</a:t>
             </a:r>
-          </a:p>
-        </p:txBody>
-      </p:sp>
-      <p:sp>
-        <p:nvSpPr>
-          <p:cNvPr id="3" name="Text Placeholder 2">
-            <a:extLst>
-              <a:ext uri="{FF2B5EF4-FFF2-40B4-BE49-F238E27FC236}">
-                <a16:creationId xmlns:a16="http://schemas.microsoft.com/office/drawing/2014/main" id="{DCE0F919-7462-0897-EC0E-CBA9264AF59A}"/>
-              </a:ext>
-            </a:extLst>
-          </p:cNvPr>
+            <a:endParaRPr lang="en-US" dirty="0"/>
+          </a:p>
+        </p:txBody>
+      </p:sp>
+      <p:sp>
+        <p:nvSpPr>
+          <p:cNvPr id="3" name="Text Placeholder 2"/>
           <p:cNvSpPr>
             <a:spLocks noGrp="1"/>
           </p:cNvSpPr>
@@ -1539,8 +2606,8 @@
         </p:nvSpPr>
         <p:spPr>
           <a:xfrm>
-            <a:off x="839788" y="1681163"/>
-            <a:ext cx="5157787" cy="823912"/>
+            <a:off x="1637587" y="2667290"/>
+            <a:ext cx="10057685" cy="1307197"/>
           </a:xfrm>
         </p:spPr>
         <p:txBody>
@@ -1548,39 +2615,39 @@
           <a:lstStyle>
             <a:lvl1pPr marL="0" indent="0">
               <a:buNone/>
-              <a:defRPr sz="2400" b="1"/>
+              <a:defRPr sz="3808" b="1"/>
             </a:lvl1pPr>
-            <a:lvl2pPr marL="457200" indent="0">
+            <a:lvl2pPr marL="725394" indent="0">
               <a:buNone/>
-              <a:defRPr sz="2000" b="1"/>
+              <a:defRPr sz="3173" b="1"/>
             </a:lvl2pPr>
-            <a:lvl3pPr marL="914400" indent="0">
+            <a:lvl3pPr marL="1450787" indent="0">
               <a:buNone/>
-              <a:defRPr sz="1800" b="1"/>
+              <a:defRPr sz="2856" b="1"/>
             </a:lvl3pPr>
-            <a:lvl4pPr marL="1371600" indent="0">
+            <a:lvl4pPr marL="2176181" indent="0">
               <a:buNone/>
-              <a:defRPr sz="1600" b="1"/>
+              <a:defRPr sz="2539" b="1"/>
             </a:lvl4pPr>
-            <a:lvl5pPr marL="1828800" indent="0">
+            <a:lvl5pPr marL="2901574" indent="0">
               <a:buNone/>
-              <a:defRPr sz="1600" b="1"/>
+              <a:defRPr sz="2539" b="1"/>
             </a:lvl5pPr>
-            <a:lvl6pPr marL="2286000" indent="0">
+            <a:lvl6pPr marL="3626968" indent="0">
               <a:buNone/>
-              <a:defRPr sz="1600" b="1"/>
+              <a:defRPr sz="2539" b="1"/>
             </a:lvl6pPr>
-            <a:lvl7pPr marL="2743200" indent="0">
+            <a:lvl7pPr marL="4352361" indent="0">
               <a:buNone/>
-              <a:defRPr sz="1600" b="1"/>
+              <a:defRPr sz="2539" b="1"/>
             </a:lvl7pPr>
-            <a:lvl8pPr marL="3200400" indent="0">
+            <a:lvl8pPr marL="5077755" indent="0">
               <a:buNone/>
-              <a:defRPr sz="1600" b="1"/>
+              <a:defRPr sz="2539" b="1"/>
             </a:lvl8pPr>
-            <a:lvl9pPr marL="3657600" indent="0">
+            <a:lvl9pPr marL="5803148" indent="0">
               <a:buNone/>
-              <a:defRPr sz="1600" b="1"/>
+              <a:defRPr sz="2539" b="1"/>
             </a:lvl9pPr>
           </a:lstStyle>
           <a:p>
@@ -1594,13 +2661,7 @@
       </p:sp>
       <p:sp>
         <p:nvSpPr>
-          <p:cNvPr id="4" name="Content Placeholder 3">
-            <a:extLst>
-              <a:ext uri="{FF2B5EF4-FFF2-40B4-BE49-F238E27FC236}">
-                <a16:creationId xmlns:a16="http://schemas.microsoft.com/office/drawing/2014/main" id="{067D79B0-B6EA-4DD4-D9A2-055A5035AAD5}"/>
-              </a:ext>
-            </a:extLst>
-          </p:cNvPr>
+          <p:cNvPr id="4" name="Content Placeholder 3"/>
           <p:cNvSpPr>
             <a:spLocks noGrp="1"/>
           </p:cNvSpPr>
@@ -1610,8 +2671,8 @@
         </p:nvSpPr>
         <p:spPr>
           <a:xfrm>
-            <a:off x="839788" y="2505075"/>
-            <a:ext cx="5157787" cy="3684588"/>
+            <a:off x="1637587" y="3974487"/>
+            <a:ext cx="10057685" cy="5845872"/>
           </a:xfrm>
         </p:spPr>
         <p:txBody>
@@ -1651,18 +2712,13 @@
               <a:rPr lang="en-US"/>
               <a:t>Fifth level</a:t>
             </a:r>
-          </a:p>
-        </p:txBody>
-      </p:sp>
-      <p:sp>
-        <p:nvSpPr>
-          <p:cNvPr id="5" name="Text Placeholder 4">
-            <a:extLst>
-              <a:ext uri="{FF2B5EF4-FFF2-40B4-BE49-F238E27FC236}">
-                <a16:creationId xmlns:a16="http://schemas.microsoft.com/office/drawing/2014/main" id="{D1F65FBD-41C0-4FF3-FC83-8CBC2D3C2893}"/>
-              </a:ext>
-            </a:extLst>
-          </p:cNvPr>
+            <a:endParaRPr lang="en-US" dirty="0"/>
+          </a:p>
+        </p:txBody>
+      </p:sp>
+      <p:sp>
+        <p:nvSpPr>
+          <p:cNvPr id="5" name="Text Placeholder 4"/>
           <p:cNvSpPr>
             <a:spLocks noGrp="1"/>
           </p:cNvSpPr>
@@ -1672,8 +2728,8 @@
         </p:nvSpPr>
         <p:spPr>
           <a:xfrm>
-            <a:off x="6172200" y="1681163"/>
-            <a:ext cx="5183188" cy="823912"/>
+            <a:off x="12035790" y="2667290"/>
+            <a:ext cx="10107217" cy="1307197"/>
           </a:xfrm>
         </p:spPr>
         <p:txBody>
@@ -1681,39 +2737,39 @@
           <a:lstStyle>
             <a:lvl1pPr marL="0" indent="0">
               <a:buNone/>
-              <a:defRPr sz="2400" b="1"/>
+              <a:defRPr sz="3808" b="1"/>
             </a:lvl1pPr>
-            <a:lvl2pPr marL="457200" indent="0">
+            <a:lvl2pPr marL="725394" indent="0">
               <a:buNone/>
-              <a:defRPr sz="2000" b="1"/>
+              <a:defRPr sz="3173" b="1"/>
             </a:lvl2pPr>
-            <a:lvl3pPr marL="914400" indent="0">
+            <a:lvl3pPr marL="1450787" indent="0">
               <a:buNone/>
-              <a:defRPr sz="1800" b="1"/>
+              <a:defRPr sz="2856" b="1"/>
             </a:lvl3pPr>
-            <a:lvl4pPr marL="1371600" indent="0">
+            <a:lvl4pPr marL="2176181" indent="0">
               <a:buNone/>
-              <a:defRPr sz="1600" b="1"/>
+              <a:defRPr sz="2539" b="1"/>
             </a:lvl4pPr>
-            <a:lvl5pPr marL="1828800" indent="0">
+            <a:lvl5pPr marL="2901574" indent="0">
               <a:buNone/>
-              <a:defRPr sz="1600" b="1"/>
+              <a:defRPr sz="2539" b="1"/>
             </a:lvl5pPr>
-            <a:lvl6pPr marL="2286000" indent="0">
+            <a:lvl6pPr marL="3626968" indent="0">
               <a:buNone/>
-              <a:defRPr sz="1600" b="1"/>
+              <a:defRPr sz="2539" b="1"/>
             </a:lvl6pPr>
-            <a:lvl7pPr marL="2743200" indent="0">
+            <a:lvl7pPr marL="4352361" indent="0">
               <a:buNone/>
-              <a:defRPr sz="1600" b="1"/>
+              <a:defRPr sz="2539" b="1"/>
             </a:lvl7pPr>
-            <a:lvl8pPr marL="3200400" indent="0">
+            <a:lvl8pPr marL="5077755" indent="0">
               <a:buNone/>
-              <a:defRPr sz="1600" b="1"/>
+              <a:defRPr sz="2539" b="1"/>
             </a:lvl8pPr>
-            <a:lvl9pPr marL="3657600" indent="0">
+            <a:lvl9pPr marL="5803148" indent="0">
               <a:buNone/>
-              <a:defRPr sz="1600" b="1"/>
+              <a:defRPr sz="2539" b="1"/>
             </a:lvl9pPr>
           </a:lstStyle>
           <a:p>
@@ -1727,13 +2783,7 @@
       </p:sp>
       <p:sp>
         <p:nvSpPr>
-          <p:cNvPr id="6" name="Content Placeholder 5">
-            <a:extLst>
-              <a:ext uri="{FF2B5EF4-FFF2-40B4-BE49-F238E27FC236}">
-                <a16:creationId xmlns:a16="http://schemas.microsoft.com/office/drawing/2014/main" id="{387011BB-F05C-3857-1E4D-D5C5FE789627}"/>
-              </a:ext>
-            </a:extLst>
-          </p:cNvPr>
+          <p:cNvPr id="6" name="Content Placeholder 5"/>
           <p:cNvSpPr>
             <a:spLocks noGrp="1"/>
           </p:cNvSpPr>
@@ -1743,8 +2793,8 @@
         </p:nvSpPr>
         <p:spPr>
           <a:xfrm>
-            <a:off x="6172200" y="2505075"/>
-            <a:ext cx="5183188" cy="3684588"/>
+            <a:off x="12035790" y="3974487"/>
+            <a:ext cx="10107217" cy="5845872"/>
           </a:xfrm>
         </p:spPr>
         <p:txBody>
@@ -1784,18 +2834,13 @@
               <a:rPr lang="en-US"/>
               <a:t>Fifth level</a:t>
             </a:r>
-          </a:p>
-        </p:txBody>
-      </p:sp>
-      <p:sp>
-        <p:nvSpPr>
-          <p:cNvPr id="7" name="Date Placeholder 6">
-            <a:extLst>
-              <a:ext uri="{FF2B5EF4-FFF2-40B4-BE49-F238E27FC236}">
-                <a16:creationId xmlns:a16="http://schemas.microsoft.com/office/drawing/2014/main" id="{054939FD-4A27-35F4-AD8F-2BE611AEAA54}"/>
-              </a:ext>
-            </a:extLst>
-          </p:cNvPr>
+            <a:endParaRPr lang="en-US" dirty="0"/>
+          </a:p>
+        </p:txBody>
+      </p:sp>
+      <p:sp>
+        <p:nvSpPr>
+          <p:cNvPr id="7" name="Date Placeholder 6"/>
           <p:cNvSpPr>
             <a:spLocks noGrp="1"/>
           </p:cNvSpPr>
@@ -1818,13 +2863,7 @@
       </p:sp>
       <p:sp>
         <p:nvSpPr>
-          <p:cNvPr id="8" name="Footer Placeholder 7">
-            <a:extLst>
-              <a:ext uri="{FF2B5EF4-FFF2-40B4-BE49-F238E27FC236}">
-                <a16:creationId xmlns:a16="http://schemas.microsoft.com/office/drawing/2014/main" id="{F257FFFE-A419-5C57-1A86-DB02BDF77A01}"/>
-              </a:ext>
-            </a:extLst>
-          </p:cNvPr>
+          <p:cNvPr id="8" name="Footer Placeholder 7"/>
           <p:cNvSpPr>
             <a:spLocks noGrp="1"/>
           </p:cNvSpPr>
@@ -1843,13 +2882,7 @@
       </p:sp>
       <p:sp>
         <p:nvSpPr>
-          <p:cNvPr id="9" name="Slide Number Placeholder 8">
-            <a:extLst>
-              <a:ext uri="{FF2B5EF4-FFF2-40B4-BE49-F238E27FC236}">
-                <a16:creationId xmlns:a16="http://schemas.microsoft.com/office/drawing/2014/main" id="{4B222DD3-81E0-AFD9-4EDA-D615D71F4F8A}"/>
-              </a:ext>
-            </a:extLst>
-          </p:cNvPr>
+          <p:cNvPr id="9" name="Slide Number Placeholder 8"/>
           <p:cNvSpPr>
             <a:spLocks noGrp="1"/>
           </p:cNvSpPr>
@@ -1873,7 +2906,7 @@
     </p:spTree>
     <p:extLst>
       <p:ext uri="{BB962C8B-B14F-4D97-AF65-F5344CB8AC3E}">
-        <p14:creationId xmlns:p14="http://schemas.microsoft.com/office/powerpoint/2010/main" val="3022896274"/>
+        <p14:creationId xmlns:p14="http://schemas.microsoft.com/office/powerpoint/2010/main" val="1802088056"/>
       </p:ext>
     </p:extLst>
   </p:cSld>
@@ -1902,13 +2935,7 @@
       </p:grpSpPr>
       <p:sp>
         <p:nvSpPr>
-          <p:cNvPr id="2" name="Title 1">
-            <a:extLst>
-              <a:ext uri="{FF2B5EF4-FFF2-40B4-BE49-F238E27FC236}">
-                <a16:creationId xmlns:a16="http://schemas.microsoft.com/office/drawing/2014/main" id="{8E2D805D-707B-2190-D629-A3A906D328A3}"/>
-              </a:ext>
-            </a:extLst>
-          </p:cNvPr>
+          <p:cNvPr id="2" name="Title 1"/>
           <p:cNvSpPr>
             <a:spLocks noGrp="1"/>
           </p:cNvSpPr>
@@ -1925,18 +2952,13 @@
               <a:rPr lang="en-US"/>
               <a:t>Click to edit Master title style</a:t>
             </a:r>
-          </a:p>
-        </p:txBody>
-      </p:sp>
-      <p:sp>
-        <p:nvSpPr>
-          <p:cNvPr id="3" name="Date Placeholder 2">
-            <a:extLst>
-              <a:ext uri="{FF2B5EF4-FFF2-40B4-BE49-F238E27FC236}">
-                <a16:creationId xmlns:a16="http://schemas.microsoft.com/office/drawing/2014/main" id="{31A13F2C-7B0A-FFA2-E0ED-8D1287A1A88A}"/>
-              </a:ext>
-            </a:extLst>
-          </p:cNvPr>
+            <a:endParaRPr lang="en-US" dirty="0"/>
+          </a:p>
+        </p:txBody>
+      </p:sp>
+      <p:sp>
+        <p:nvSpPr>
+          <p:cNvPr id="3" name="Date Placeholder 2"/>
           <p:cNvSpPr>
             <a:spLocks noGrp="1"/>
           </p:cNvSpPr>
@@ -1959,13 +2981,7 @@
       </p:sp>
       <p:sp>
         <p:nvSpPr>
-          <p:cNvPr id="4" name="Footer Placeholder 3">
-            <a:extLst>
-              <a:ext uri="{FF2B5EF4-FFF2-40B4-BE49-F238E27FC236}">
-                <a16:creationId xmlns:a16="http://schemas.microsoft.com/office/drawing/2014/main" id="{AA4187F2-10D4-FD97-0E15-F73800852F5B}"/>
-              </a:ext>
-            </a:extLst>
-          </p:cNvPr>
+          <p:cNvPr id="4" name="Footer Placeholder 3"/>
           <p:cNvSpPr>
             <a:spLocks noGrp="1"/>
           </p:cNvSpPr>
@@ -1984,13 +3000,7 @@
       </p:sp>
       <p:sp>
         <p:nvSpPr>
-          <p:cNvPr id="5" name="Slide Number Placeholder 4">
-            <a:extLst>
-              <a:ext uri="{FF2B5EF4-FFF2-40B4-BE49-F238E27FC236}">
-                <a16:creationId xmlns:a16="http://schemas.microsoft.com/office/drawing/2014/main" id="{F16DC4F0-7D5B-FEFF-D9F2-9C6768D13459}"/>
-              </a:ext>
-            </a:extLst>
-          </p:cNvPr>
+          <p:cNvPr id="5" name="Slide Number Placeholder 4"/>
           <p:cNvSpPr>
             <a:spLocks noGrp="1"/>
           </p:cNvSpPr>
@@ -2014,7 +3024,7 @@
     </p:spTree>
     <p:extLst>
       <p:ext uri="{BB962C8B-B14F-4D97-AF65-F5344CB8AC3E}">
-        <p14:creationId xmlns:p14="http://schemas.microsoft.com/office/powerpoint/2010/main" val="450934442"/>
+        <p14:creationId xmlns:p14="http://schemas.microsoft.com/office/powerpoint/2010/main" val="3851055737"/>
       </p:ext>
     </p:extLst>
   </p:cSld>
@@ -2043,13 +3053,7 @@
       </p:grpSpPr>
       <p:sp>
         <p:nvSpPr>
-          <p:cNvPr id="2" name="Date Placeholder 1">
-            <a:extLst>
-              <a:ext uri="{FF2B5EF4-FFF2-40B4-BE49-F238E27FC236}">
-                <a16:creationId xmlns:a16="http://schemas.microsoft.com/office/drawing/2014/main" id="{A3860668-483A-E3C5-3BCE-8C05CB781216}"/>
-              </a:ext>
-            </a:extLst>
-          </p:cNvPr>
+          <p:cNvPr id="2" name="Date Placeholder 1"/>
           <p:cNvSpPr>
             <a:spLocks noGrp="1"/>
           </p:cNvSpPr>
@@ -2072,13 +3076,7 @@
       </p:sp>
       <p:sp>
         <p:nvSpPr>
-          <p:cNvPr id="3" name="Footer Placeholder 2">
-            <a:extLst>
-              <a:ext uri="{FF2B5EF4-FFF2-40B4-BE49-F238E27FC236}">
-                <a16:creationId xmlns:a16="http://schemas.microsoft.com/office/drawing/2014/main" id="{B38BA021-A89D-422F-1EFC-3B8A9369D319}"/>
-              </a:ext>
-            </a:extLst>
-          </p:cNvPr>
+          <p:cNvPr id="3" name="Footer Placeholder 2"/>
           <p:cNvSpPr>
             <a:spLocks noGrp="1"/>
           </p:cNvSpPr>
@@ -2097,13 +3095,7 @@
       </p:sp>
       <p:sp>
         <p:nvSpPr>
-          <p:cNvPr id="4" name="Slide Number Placeholder 3">
-            <a:extLst>
-              <a:ext uri="{FF2B5EF4-FFF2-40B4-BE49-F238E27FC236}">
-                <a16:creationId xmlns:a16="http://schemas.microsoft.com/office/drawing/2014/main" id="{24782948-EC72-6F4B-1C23-57ACECB5EF28}"/>
-              </a:ext>
-            </a:extLst>
-          </p:cNvPr>
+          <p:cNvPr id="4" name="Slide Number Placeholder 3"/>
           <p:cNvSpPr>
             <a:spLocks noGrp="1"/>
           </p:cNvSpPr>
@@ -2127,7 +3119,7 @@
     </p:spTree>
     <p:extLst>
       <p:ext uri="{BB962C8B-B14F-4D97-AF65-F5344CB8AC3E}">
-        <p14:creationId xmlns:p14="http://schemas.microsoft.com/office/powerpoint/2010/main" val="94942739"/>
+        <p14:creationId xmlns:p14="http://schemas.microsoft.com/office/powerpoint/2010/main" val="3877162444"/>
       </p:ext>
     </p:extLst>
   </p:cSld>
@@ -2156,13 +3148,7 @@
       </p:grpSpPr>
       <p:sp>
         <p:nvSpPr>
-          <p:cNvPr id="2" name="Title 1">
-            <a:extLst>
-              <a:ext uri="{FF2B5EF4-FFF2-40B4-BE49-F238E27FC236}">
-                <a16:creationId xmlns:a16="http://schemas.microsoft.com/office/drawing/2014/main" id="{E182E7F6-59BF-48A7-5290-389E36E40C14}"/>
-              </a:ext>
-            </a:extLst>
-          </p:cNvPr>
+          <p:cNvPr id="2" name="Title 1"/>
           <p:cNvSpPr>
             <a:spLocks noGrp="1"/>
           </p:cNvSpPr>
@@ -2172,15 +3158,15 @@
         </p:nvSpPr>
         <p:spPr>
           <a:xfrm>
-            <a:off x="839788" y="457200"/>
-            <a:ext cx="3932237" cy="1600200"/>
+            <a:off x="1637588" y="725382"/>
+            <a:ext cx="7667862" cy="2538836"/>
           </a:xfrm>
         </p:spPr>
         <p:txBody>
           <a:bodyPr anchor="b"/>
           <a:lstStyle>
             <a:lvl1pPr>
-              <a:defRPr sz="3200"/>
+              <a:defRPr sz="5077"/>
             </a:lvl1pPr>
           </a:lstStyle>
           <a:p>
@@ -2188,18 +3174,13 @@
               <a:rPr lang="en-US"/>
               <a:t>Click to edit Master title style</a:t>
             </a:r>
-          </a:p>
-        </p:txBody>
-      </p:sp>
-      <p:sp>
-        <p:nvSpPr>
-          <p:cNvPr id="3" name="Content Placeholder 2">
-            <a:extLst>
-              <a:ext uri="{FF2B5EF4-FFF2-40B4-BE49-F238E27FC236}">
-                <a16:creationId xmlns:a16="http://schemas.microsoft.com/office/drawing/2014/main" id="{09C912F7-F035-A4F7-C210-4ECF65407F3B}"/>
-              </a:ext>
-            </a:extLst>
-          </p:cNvPr>
+            <a:endParaRPr lang="en-US" dirty="0"/>
+          </a:p>
+        </p:txBody>
+      </p:sp>
+      <p:sp>
+        <p:nvSpPr>
+          <p:cNvPr id="3" name="Content Placeholder 2"/>
           <p:cNvSpPr>
             <a:spLocks noGrp="1"/>
           </p:cNvSpPr>
@@ -2209,39 +3190,39 @@
         </p:nvSpPr>
         <p:spPr>
           <a:xfrm>
-            <a:off x="5183188" y="987425"/>
-            <a:ext cx="6172200" cy="4873625"/>
+            <a:off x="10107217" y="1566624"/>
+            <a:ext cx="12035790" cy="7732367"/>
           </a:xfrm>
         </p:spPr>
         <p:txBody>
           <a:bodyPr/>
           <a:lstStyle>
             <a:lvl1pPr>
-              <a:defRPr sz="3200"/>
+              <a:defRPr sz="5077"/>
             </a:lvl1pPr>
             <a:lvl2pPr>
-              <a:defRPr sz="2800"/>
+              <a:defRPr sz="4442"/>
             </a:lvl2pPr>
             <a:lvl3pPr>
-              <a:defRPr sz="2400"/>
+              <a:defRPr sz="3808"/>
             </a:lvl3pPr>
             <a:lvl4pPr>
-              <a:defRPr sz="2000"/>
+              <a:defRPr sz="3173"/>
             </a:lvl4pPr>
             <a:lvl5pPr>
-              <a:defRPr sz="2000"/>
+              <a:defRPr sz="3173"/>
             </a:lvl5pPr>
             <a:lvl6pPr>
-              <a:defRPr sz="2000"/>
+              <a:defRPr sz="3173"/>
             </a:lvl6pPr>
             <a:lvl7pPr>
-              <a:defRPr sz="2000"/>
+              <a:defRPr sz="3173"/>
             </a:lvl7pPr>
             <a:lvl8pPr>
-              <a:defRPr sz="2000"/>
+              <a:defRPr sz="3173"/>
             </a:lvl8pPr>
             <a:lvl9pPr>
-              <a:defRPr sz="2000"/>
+              <a:defRPr sz="3173"/>
             </a:lvl9pPr>
           </a:lstStyle>
           <a:p>
@@ -2278,18 +3259,13 @@
               <a:rPr lang="en-US"/>
               <a:t>Fifth level</a:t>
             </a:r>
-          </a:p>
-        </p:txBody>
-      </p:sp>
-      <p:sp>
-        <p:nvSpPr>
-          <p:cNvPr id="4" name="Text Placeholder 3">
-            <a:extLst>
-              <a:ext uri="{FF2B5EF4-FFF2-40B4-BE49-F238E27FC236}">
-                <a16:creationId xmlns:a16="http://schemas.microsoft.com/office/drawing/2014/main" id="{D4488353-AE20-779E-BB9A-B76A5DC432BF}"/>
-              </a:ext>
-            </a:extLst>
-          </p:cNvPr>
+            <a:endParaRPr lang="en-US" dirty="0"/>
+          </a:p>
+        </p:txBody>
+      </p:sp>
+      <p:sp>
+        <p:nvSpPr>
+          <p:cNvPr id="4" name="Text Placeholder 3"/>
           <p:cNvSpPr>
             <a:spLocks noGrp="1"/>
           </p:cNvSpPr>
@@ -2299,8 +3275,8 @@
         </p:nvSpPr>
         <p:spPr>
           <a:xfrm>
-            <a:off x="839788" y="2057400"/>
-            <a:ext cx="3932237" cy="3811588"/>
+            <a:off x="1637588" y="3264217"/>
+            <a:ext cx="7667862" cy="6047367"/>
           </a:xfrm>
         </p:spPr>
         <p:txBody>
@@ -2308,39 +3284,39 @@
           <a:lstStyle>
             <a:lvl1pPr marL="0" indent="0">
               <a:buNone/>
-              <a:defRPr sz="1600"/>
+              <a:defRPr sz="2539"/>
             </a:lvl1pPr>
-            <a:lvl2pPr marL="457200" indent="0">
+            <a:lvl2pPr marL="725394" indent="0">
               <a:buNone/>
-              <a:defRPr sz="1400"/>
+              <a:defRPr sz="2221"/>
             </a:lvl2pPr>
-            <a:lvl3pPr marL="914400" indent="0">
+            <a:lvl3pPr marL="1450787" indent="0">
               <a:buNone/>
-              <a:defRPr sz="1200"/>
+              <a:defRPr sz="1904"/>
             </a:lvl3pPr>
-            <a:lvl4pPr marL="1371600" indent="0">
+            <a:lvl4pPr marL="2176181" indent="0">
               <a:buNone/>
-              <a:defRPr sz="1000"/>
+              <a:defRPr sz="1587"/>
             </a:lvl4pPr>
-            <a:lvl5pPr marL="1828800" indent="0">
+            <a:lvl5pPr marL="2901574" indent="0">
               <a:buNone/>
-              <a:defRPr sz="1000"/>
+              <a:defRPr sz="1587"/>
             </a:lvl5pPr>
-            <a:lvl6pPr marL="2286000" indent="0">
+            <a:lvl6pPr marL="3626968" indent="0">
               <a:buNone/>
-              <a:defRPr sz="1000"/>
+              <a:defRPr sz="1587"/>
             </a:lvl6pPr>
-            <a:lvl7pPr marL="2743200" indent="0">
+            <a:lvl7pPr marL="4352361" indent="0">
               <a:buNone/>
-              <a:defRPr sz="1000"/>
+              <a:defRPr sz="1587"/>
             </a:lvl7pPr>
-            <a:lvl8pPr marL="3200400" indent="0">
+            <a:lvl8pPr marL="5077755" indent="0">
               <a:buNone/>
-              <a:defRPr sz="1000"/>
+              <a:defRPr sz="1587"/>
             </a:lvl8pPr>
-            <a:lvl9pPr marL="3657600" indent="0">
+            <a:lvl9pPr marL="5803148" indent="0">
               <a:buNone/>
-              <a:defRPr sz="1000"/>
+              <a:defRPr sz="1587"/>
             </a:lvl9pPr>
           </a:lstStyle>
           <a:p>
@@ -2354,13 +3330,7 @@
       </p:sp>
       <p:sp>
         <p:nvSpPr>
-          <p:cNvPr id="5" name="Date Placeholder 4">
-            <a:extLst>
-              <a:ext uri="{FF2B5EF4-FFF2-40B4-BE49-F238E27FC236}">
-                <a16:creationId xmlns:a16="http://schemas.microsoft.com/office/drawing/2014/main" id="{352EECF5-E904-BFE6-5028-A9D59D80DC0A}"/>
-              </a:ext>
-            </a:extLst>
-          </p:cNvPr>
+          <p:cNvPr id="5" name="Date Placeholder 4"/>
           <p:cNvSpPr>
             <a:spLocks noGrp="1"/>
           </p:cNvSpPr>
@@ -2383,13 +3353,7 @@
       </p:sp>
       <p:sp>
         <p:nvSpPr>
-          <p:cNvPr id="6" name="Footer Placeholder 5">
-            <a:extLst>
-              <a:ext uri="{FF2B5EF4-FFF2-40B4-BE49-F238E27FC236}">
-                <a16:creationId xmlns:a16="http://schemas.microsoft.com/office/drawing/2014/main" id="{0380A7AE-968E-51A9-76D8-BB3D832F8B6A}"/>
-              </a:ext>
-            </a:extLst>
-          </p:cNvPr>
+          <p:cNvPr id="6" name="Footer Placeholder 5"/>
           <p:cNvSpPr>
             <a:spLocks noGrp="1"/>
           </p:cNvSpPr>
@@ -2408,13 +3372,7 @@
       </p:sp>
       <p:sp>
         <p:nvSpPr>
-          <p:cNvPr id="7" name="Slide Number Placeholder 6">
-            <a:extLst>
-              <a:ext uri="{FF2B5EF4-FFF2-40B4-BE49-F238E27FC236}">
-                <a16:creationId xmlns:a16="http://schemas.microsoft.com/office/drawing/2014/main" id="{425879DA-ED46-6B42-F940-53390A2F30EA}"/>
-              </a:ext>
-            </a:extLst>
-          </p:cNvPr>
+          <p:cNvPr id="7" name="Slide Number Placeholder 6"/>
           <p:cNvSpPr>
             <a:spLocks noGrp="1"/>
           </p:cNvSpPr>
@@ -2438,7 +3396,7 @@
     </p:spTree>
     <p:extLst>
       <p:ext uri="{BB962C8B-B14F-4D97-AF65-F5344CB8AC3E}">
-        <p14:creationId xmlns:p14="http://schemas.microsoft.com/office/powerpoint/2010/main" val="4183143059"/>
+        <p14:creationId xmlns:p14="http://schemas.microsoft.com/office/powerpoint/2010/main" val="3449568768"/>
       </p:ext>
     </p:extLst>
   </p:cSld>
@@ -2467,13 +3425,7 @@
       </p:grpSpPr>
       <p:sp>
         <p:nvSpPr>
-          <p:cNvPr id="2" name="Title 1">
-            <a:extLst>
-              <a:ext uri="{FF2B5EF4-FFF2-40B4-BE49-F238E27FC236}">
-                <a16:creationId xmlns:a16="http://schemas.microsoft.com/office/drawing/2014/main" id="{91DD387D-E68D-3E80-7361-94B5EA87EEA7}"/>
-              </a:ext>
-            </a:extLst>
-          </p:cNvPr>
+          <p:cNvPr id="2" name="Title 1"/>
           <p:cNvSpPr>
             <a:spLocks noGrp="1"/>
           </p:cNvSpPr>
@@ -2483,15 +3435,15 @@
         </p:nvSpPr>
         <p:spPr>
           <a:xfrm>
-            <a:off x="839788" y="457200"/>
-            <a:ext cx="3932237" cy="1600200"/>
+            <a:off x="1637588" y="725382"/>
+            <a:ext cx="7667862" cy="2538836"/>
           </a:xfrm>
         </p:spPr>
         <p:txBody>
           <a:bodyPr anchor="b"/>
           <a:lstStyle>
             <a:lvl1pPr>
-              <a:defRPr sz="3200"/>
+              <a:defRPr sz="5077"/>
             </a:lvl1pPr>
           </a:lstStyle>
           <a:p>
@@ -2499,20 +3451,15 @@
               <a:rPr lang="en-US"/>
               <a:t>Click to edit Master title style</a:t>
             </a:r>
-          </a:p>
-        </p:txBody>
-      </p:sp>
-      <p:sp>
-        <p:nvSpPr>
-          <p:cNvPr id="3" name="Picture Placeholder 2">
-            <a:extLst>
-              <a:ext uri="{FF2B5EF4-FFF2-40B4-BE49-F238E27FC236}">
-                <a16:creationId xmlns:a16="http://schemas.microsoft.com/office/drawing/2014/main" id="{3FB42C93-ECE8-5456-3634-6EFD2CDE57D4}"/>
-              </a:ext>
-            </a:extLst>
-          </p:cNvPr>
+            <a:endParaRPr lang="en-US" dirty="0"/>
+          </a:p>
+        </p:txBody>
+      </p:sp>
+      <p:sp>
+        <p:nvSpPr>
+          <p:cNvPr id="3" name="Picture Placeholder 2"/>
           <p:cNvSpPr>
-            <a:spLocks noGrp="1"/>
+            <a:spLocks noGrp="1" noChangeAspect="1"/>
           </p:cNvSpPr>
           <p:nvPr>
             <p:ph type="pic" idx="1"/>
@@ -2520,64 +3467,62 @@
         </p:nvSpPr>
         <p:spPr>
           <a:xfrm>
-            <a:off x="5183188" y="987425"/>
-            <a:ext cx="6172200" cy="4873625"/>
+            <a:off x="10107217" y="1566624"/>
+            <a:ext cx="12035790" cy="7732367"/>
           </a:xfrm>
         </p:spPr>
         <p:txBody>
-          <a:bodyPr/>
+          <a:bodyPr anchor="t"/>
           <a:lstStyle>
             <a:lvl1pPr marL="0" indent="0">
               <a:buNone/>
-              <a:defRPr sz="3200"/>
+              <a:defRPr sz="5077"/>
             </a:lvl1pPr>
-            <a:lvl2pPr marL="457200" indent="0">
+            <a:lvl2pPr marL="725394" indent="0">
               <a:buNone/>
-              <a:defRPr sz="2800"/>
+              <a:defRPr sz="4442"/>
             </a:lvl2pPr>
-            <a:lvl3pPr marL="914400" indent="0">
+            <a:lvl3pPr marL="1450787" indent="0">
               <a:buNone/>
-              <a:defRPr sz="2400"/>
+              <a:defRPr sz="3808"/>
             </a:lvl3pPr>
-            <a:lvl4pPr marL="1371600" indent="0">
+            <a:lvl4pPr marL="2176181" indent="0">
               <a:buNone/>
-              <a:defRPr sz="2000"/>
+              <a:defRPr sz="3173"/>
             </a:lvl4pPr>
-            <a:lvl5pPr marL="1828800" indent="0">
+            <a:lvl5pPr marL="2901574" indent="0">
               <a:buNone/>
-              <a:defRPr sz="2000"/>
+              <a:defRPr sz="3173"/>
             </a:lvl5pPr>
-            <a:lvl6pPr marL="2286000" indent="0">
+            <a:lvl6pPr marL="3626968" indent="0">
               <a:buNone/>
-              <a:defRPr sz="2000"/>
+              <a:defRPr sz="3173"/>
             </a:lvl6pPr>
-            <a:lvl7pPr marL="2743200" indent="0">
+            <a:lvl7pPr marL="4352361" indent="0">
               <a:buNone/>
-              <a:defRPr sz="2000"/>
+              <a:defRPr sz="3173"/>
             </a:lvl7pPr>
-            <a:lvl8pPr marL="3200400" indent="0">
+            <a:lvl8pPr marL="5077755" indent="0">
               <a:buNone/>
-              <a:defRPr sz="2000"/>
+              <a:defRPr sz="3173"/>
             </a:lvl8pPr>
-            <a:lvl9pPr marL="3657600" indent="0">
+            <a:lvl9pPr marL="5803148" indent="0">
               <a:buNone/>
-              <a:defRPr sz="2000"/>
+              <a:defRPr sz="3173"/>
             </a:lvl9pPr>
           </a:lstStyle>
           <a:p>
-            <a:endParaRPr lang="en-US"/>
-          </a:p>
-        </p:txBody>
-      </p:sp>
-      <p:sp>
-        <p:nvSpPr>
-          <p:cNvPr id="4" name="Text Placeholder 3">
-            <a:extLst>
-              <a:ext uri="{FF2B5EF4-FFF2-40B4-BE49-F238E27FC236}">
-                <a16:creationId xmlns:a16="http://schemas.microsoft.com/office/drawing/2014/main" id="{D28FA955-2762-5209-E360-A4ACF4907850}"/>
-              </a:ext>
-            </a:extLst>
-          </p:cNvPr>
+            <a:r>
+              <a:rPr lang="en-US"/>
+              <a:t>Click icon to add picture</a:t>
+            </a:r>
+            <a:endParaRPr lang="en-US" dirty="0"/>
+          </a:p>
+        </p:txBody>
+      </p:sp>
+      <p:sp>
+        <p:nvSpPr>
+          <p:cNvPr id="4" name="Text Placeholder 3"/>
           <p:cNvSpPr>
             <a:spLocks noGrp="1"/>
           </p:cNvSpPr>
@@ -2587,8 +3532,8 @@
         </p:nvSpPr>
         <p:spPr>
           <a:xfrm>
-            <a:off x="839788" y="2057400"/>
-            <a:ext cx="3932237" cy="3811588"/>
+            <a:off x="1637588" y="3264217"/>
+            <a:ext cx="7667862" cy="6047367"/>
           </a:xfrm>
         </p:spPr>
         <p:txBody>
@@ -2596,39 +3541,39 @@
           <a:lstStyle>
             <a:lvl1pPr marL="0" indent="0">
               <a:buNone/>
-              <a:defRPr sz="1600"/>
+              <a:defRPr sz="2539"/>
             </a:lvl1pPr>
-            <a:lvl2pPr marL="457200" indent="0">
+            <a:lvl2pPr marL="725394" indent="0">
               <a:buNone/>
-              <a:defRPr sz="1400"/>
+              <a:defRPr sz="2221"/>
             </a:lvl2pPr>
-            <a:lvl3pPr marL="914400" indent="0">
+            <a:lvl3pPr marL="1450787" indent="0">
               <a:buNone/>
-              <a:defRPr sz="1200"/>
+              <a:defRPr sz="1904"/>
             </a:lvl3pPr>
-            <a:lvl4pPr marL="1371600" indent="0">
+            <a:lvl4pPr marL="2176181" indent="0">
               <a:buNone/>
-              <a:defRPr sz="1000"/>
+              <a:defRPr sz="1587"/>
             </a:lvl4pPr>
-            <a:lvl5pPr marL="1828800" indent="0">
+            <a:lvl5pPr marL="2901574" indent="0">
               <a:buNone/>
-              <a:defRPr sz="1000"/>
+              <a:defRPr sz="1587"/>
             </a:lvl5pPr>
-            <a:lvl6pPr marL="2286000" indent="0">
+            <a:lvl6pPr marL="3626968" indent="0">
               <a:buNone/>
-              <a:defRPr sz="1000"/>
+              <a:defRPr sz="1587"/>
             </a:lvl6pPr>
-            <a:lvl7pPr marL="2743200" indent="0">
+            <a:lvl7pPr marL="4352361" indent="0">
               <a:buNone/>
-              <a:defRPr sz="1000"/>
+              <a:defRPr sz="1587"/>
             </a:lvl7pPr>
-            <a:lvl8pPr marL="3200400" indent="0">
+            <a:lvl8pPr marL="5077755" indent="0">
               <a:buNone/>
-              <a:defRPr sz="1000"/>
+              <a:defRPr sz="1587"/>
             </a:lvl8pPr>
-            <a:lvl9pPr marL="3657600" indent="0">
+            <a:lvl9pPr marL="5803148" indent="0">
               <a:buNone/>
-              <a:defRPr sz="1000"/>
+              <a:defRPr sz="1587"/>
             </a:lvl9pPr>
           </a:lstStyle>
           <a:p>
@@ -2642,13 +3587,7 @@
       </p:sp>
       <p:sp>
         <p:nvSpPr>
-          <p:cNvPr id="5" name="Date Placeholder 4">
-            <a:extLst>
-              <a:ext uri="{FF2B5EF4-FFF2-40B4-BE49-F238E27FC236}">
-                <a16:creationId xmlns:a16="http://schemas.microsoft.com/office/drawing/2014/main" id="{FAEA8A5C-2CD0-88C3-2FE6-C7ED1CBB328B}"/>
-              </a:ext>
-            </a:extLst>
-          </p:cNvPr>
+          <p:cNvPr id="5" name="Date Placeholder 4"/>
           <p:cNvSpPr>
             <a:spLocks noGrp="1"/>
           </p:cNvSpPr>
@@ -2671,13 +3610,7 @@
       </p:sp>
       <p:sp>
         <p:nvSpPr>
-          <p:cNvPr id="6" name="Footer Placeholder 5">
-            <a:extLst>
-              <a:ext uri="{FF2B5EF4-FFF2-40B4-BE49-F238E27FC236}">
-                <a16:creationId xmlns:a16="http://schemas.microsoft.com/office/drawing/2014/main" id="{CA7D504B-6C52-6B2F-FE23-BC15B0CEAE08}"/>
-              </a:ext>
-            </a:extLst>
-          </p:cNvPr>
+          <p:cNvPr id="6" name="Footer Placeholder 5"/>
           <p:cNvSpPr>
             <a:spLocks noGrp="1"/>
           </p:cNvSpPr>
@@ -2696,13 +3629,7 @@
       </p:sp>
       <p:sp>
         <p:nvSpPr>
-          <p:cNvPr id="7" name="Slide Number Placeholder 6">
-            <a:extLst>
-              <a:ext uri="{FF2B5EF4-FFF2-40B4-BE49-F238E27FC236}">
-                <a16:creationId xmlns:a16="http://schemas.microsoft.com/office/drawing/2014/main" id="{9C325092-3079-3F54-3741-D9CCC25E9B3D}"/>
-              </a:ext>
-            </a:extLst>
-          </p:cNvPr>
+          <p:cNvPr id="7" name="Slide Number Placeholder 6"/>
           <p:cNvSpPr>
             <a:spLocks noGrp="1"/>
           </p:cNvSpPr>
@@ -2726,7 +3653,7 @@
     </p:spTree>
     <p:extLst>
       <p:ext uri="{BB962C8B-B14F-4D97-AF65-F5344CB8AC3E}">
-        <p14:creationId xmlns:p14="http://schemas.microsoft.com/office/powerpoint/2010/main" val="1528698034"/>
+        <p14:creationId xmlns:p14="http://schemas.microsoft.com/office/powerpoint/2010/main" val="4276438112"/>
       </p:ext>
     </p:extLst>
   </p:cSld>
@@ -2760,13 +3687,7 @@
       </p:grpSpPr>
       <p:sp>
         <p:nvSpPr>
-          <p:cNvPr id="2" name="Title Placeholder 1">
-            <a:extLst>
-              <a:ext uri="{FF2B5EF4-FFF2-40B4-BE49-F238E27FC236}">
-                <a16:creationId xmlns:a16="http://schemas.microsoft.com/office/drawing/2014/main" id="{5E737ABF-90F6-869B-926A-9B1D7D7AF395}"/>
-              </a:ext>
-            </a:extLst>
-          </p:cNvPr>
+          <p:cNvPr id="2" name="Title Placeholder 1"/>
           <p:cNvSpPr>
             <a:spLocks noGrp="1"/>
           </p:cNvSpPr>
@@ -2776,8 +3697,8 @@
         </p:nvSpPr>
         <p:spPr>
           <a:xfrm>
-            <a:off x="838200" y="365125"/>
-            <a:ext cx="10515600" cy="1325563"/>
+            <a:off x="1634490" y="579299"/>
+            <a:ext cx="20505420" cy="2103104"/>
           </a:xfrm>
           <a:prstGeom prst="rect">
             <a:avLst/>
@@ -2793,18 +3714,13 @@
               <a:rPr lang="en-US"/>
               <a:t>Click to edit Master title style</a:t>
             </a:r>
-          </a:p>
-        </p:txBody>
-      </p:sp>
-      <p:sp>
-        <p:nvSpPr>
-          <p:cNvPr id="3" name="Text Placeholder 2">
-            <a:extLst>
-              <a:ext uri="{FF2B5EF4-FFF2-40B4-BE49-F238E27FC236}">
-                <a16:creationId xmlns:a16="http://schemas.microsoft.com/office/drawing/2014/main" id="{0D57B92B-6308-A3A1-4211-BB5E685DD1D7}"/>
-              </a:ext>
-            </a:extLst>
-          </p:cNvPr>
+            <a:endParaRPr lang="en-US" dirty="0"/>
+          </a:p>
+        </p:txBody>
+      </p:sp>
+      <p:sp>
+        <p:nvSpPr>
+          <p:cNvPr id="3" name="Text Placeholder 2"/>
           <p:cNvSpPr>
             <a:spLocks noGrp="1"/>
           </p:cNvSpPr>
@@ -2814,8 +3730,8 @@
         </p:nvSpPr>
         <p:spPr>
           <a:xfrm>
-            <a:off x="838200" y="1825625"/>
-            <a:ext cx="10515600" cy="4351338"/>
+            <a:off x="1634490" y="2896489"/>
+            <a:ext cx="20505420" cy="6903720"/>
           </a:xfrm>
           <a:prstGeom prst="rect">
             <a:avLst/>
@@ -2860,18 +3776,13 @@
               <a:rPr lang="en-US"/>
               <a:t>Fifth level</a:t>
             </a:r>
-          </a:p>
-        </p:txBody>
-      </p:sp>
-      <p:sp>
-        <p:nvSpPr>
-          <p:cNvPr id="4" name="Date Placeholder 3">
-            <a:extLst>
-              <a:ext uri="{FF2B5EF4-FFF2-40B4-BE49-F238E27FC236}">
-                <a16:creationId xmlns:a16="http://schemas.microsoft.com/office/drawing/2014/main" id="{692B535C-DAA1-B8FA-E44D-0B370BA9C02B}"/>
-              </a:ext>
-            </a:extLst>
-          </p:cNvPr>
+            <a:endParaRPr lang="en-US" dirty="0"/>
+          </a:p>
+        </p:txBody>
+      </p:sp>
+      <p:sp>
+        <p:nvSpPr>
+          <p:cNvPr id="4" name="Date Placeholder 3"/>
           <p:cNvSpPr>
             <a:spLocks noGrp="1"/>
           </p:cNvSpPr>
@@ -2881,8 +3792,8 @@
         </p:nvSpPr>
         <p:spPr>
           <a:xfrm>
-            <a:off x="838200" y="6356350"/>
-            <a:ext cx="2743200" cy="365125"/>
+            <a:off x="1634490" y="10084821"/>
+            <a:ext cx="5349240" cy="579298"/>
           </a:xfrm>
           <a:prstGeom prst="rect">
             <a:avLst/>
@@ -2892,7 +3803,7 @@
           <a:bodyPr vert="horz" lIns="91440" tIns="45720" rIns="91440" bIns="45720" rtlCol="0" anchor="ctr"/>
           <a:lstStyle>
             <a:lvl1pPr algn="l">
-              <a:defRPr sz="1200">
+              <a:defRPr sz="1904">
                 <a:solidFill>
                   <a:schemeClr val="tx1">
                     <a:tint val="82000"/>
@@ -2912,13 +3823,7 @@
       </p:sp>
       <p:sp>
         <p:nvSpPr>
-          <p:cNvPr id="5" name="Footer Placeholder 4">
-            <a:extLst>
-              <a:ext uri="{FF2B5EF4-FFF2-40B4-BE49-F238E27FC236}">
-                <a16:creationId xmlns:a16="http://schemas.microsoft.com/office/drawing/2014/main" id="{1D83EF6A-C919-42A9-70E6-692289C428E6}"/>
-              </a:ext>
-            </a:extLst>
-          </p:cNvPr>
+          <p:cNvPr id="5" name="Footer Placeholder 4"/>
           <p:cNvSpPr>
             <a:spLocks noGrp="1"/>
           </p:cNvSpPr>
@@ -2928,8 +3833,8 @@
         </p:nvSpPr>
         <p:spPr>
           <a:xfrm>
-            <a:off x="4038600" y="6356350"/>
-            <a:ext cx="4114800" cy="365125"/>
+            <a:off x="7875270" y="10084821"/>
+            <a:ext cx="8023860" cy="579298"/>
           </a:xfrm>
           <a:prstGeom prst="rect">
             <a:avLst/>
@@ -2939,7 +3844,7 @@
           <a:bodyPr vert="horz" lIns="91440" tIns="45720" rIns="91440" bIns="45720" rtlCol="0" anchor="ctr"/>
           <a:lstStyle>
             <a:lvl1pPr algn="ctr">
-              <a:defRPr sz="1200">
+              <a:defRPr sz="1904">
                 <a:solidFill>
                   <a:schemeClr val="tx1">
                     <a:tint val="82000"/>
@@ -2955,13 +3860,7 @@
       </p:sp>
       <p:sp>
         <p:nvSpPr>
-          <p:cNvPr id="6" name="Slide Number Placeholder 5">
-            <a:extLst>
-              <a:ext uri="{FF2B5EF4-FFF2-40B4-BE49-F238E27FC236}">
-                <a16:creationId xmlns:a16="http://schemas.microsoft.com/office/drawing/2014/main" id="{DC96AE40-8854-EF48-DC7F-91A1C8A699E4}"/>
-              </a:ext>
-            </a:extLst>
-          </p:cNvPr>
+          <p:cNvPr id="6" name="Slide Number Placeholder 5"/>
           <p:cNvSpPr>
             <a:spLocks noGrp="1"/>
           </p:cNvSpPr>
@@ -2971,8 +3870,8 @@
         </p:nvSpPr>
         <p:spPr>
           <a:xfrm>
-            <a:off x="8610600" y="6356350"/>
-            <a:ext cx="2743200" cy="365125"/>
+            <a:off x="16790670" y="10084821"/>
+            <a:ext cx="5349240" cy="579298"/>
           </a:xfrm>
           <a:prstGeom prst="rect">
             <a:avLst/>
@@ -2982,7 +3881,7 @@
           <a:bodyPr vert="horz" lIns="91440" tIns="45720" rIns="91440" bIns="45720" rtlCol="0" anchor="ctr"/>
           <a:lstStyle>
             <a:lvl1pPr algn="r">
-              <a:defRPr sz="1200">
+              <a:defRPr sz="1904">
                 <a:solidFill>
                   <a:schemeClr val="tx1">
                     <a:tint val="82000"/>
@@ -3003,27 +3902,27 @@
     </p:spTree>
     <p:extLst>
       <p:ext uri="{BB962C8B-B14F-4D97-AF65-F5344CB8AC3E}">
-        <p14:creationId xmlns:p14="http://schemas.microsoft.com/office/powerpoint/2010/main" val="1891651469"/>
+        <p14:creationId xmlns:p14="http://schemas.microsoft.com/office/powerpoint/2010/main" val="4265691548"/>
       </p:ext>
     </p:extLst>
   </p:cSld>
   <p:clrMap bg1="lt1" tx1="dk1" bg2="lt2" tx2="dk2" accent1="accent1" accent2="accent2" accent3="accent3" accent4="accent4" accent5="accent5" accent6="accent6" hlink="hlink" folHlink="folHlink"/>
   <p:sldLayoutIdLst>
-    <p:sldLayoutId id="2147483649" r:id="rId1"/>
-    <p:sldLayoutId id="2147483650" r:id="rId2"/>
-    <p:sldLayoutId id="2147483651" r:id="rId3"/>
-    <p:sldLayoutId id="2147483652" r:id="rId4"/>
-    <p:sldLayoutId id="2147483653" r:id="rId5"/>
-    <p:sldLayoutId id="2147483654" r:id="rId6"/>
-    <p:sldLayoutId id="2147483655" r:id="rId7"/>
-    <p:sldLayoutId id="2147483656" r:id="rId8"/>
-    <p:sldLayoutId id="2147483657" r:id="rId9"/>
-    <p:sldLayoutId id="2147483658" r:id="rId10"/>
-    <p:sldLayoutId id="2147483659" r:id="rId11"/>
+    <p:sldLayoutId id="2147483673" r:id="rId1"/>
+    <p:sldLayoutId id="2147483674" r:id="rId2"/>
+    <p:sldLayoutId id="2147483675" r:id="rId3"/>
+    <p:sldLayoutId id="2147483676" r:id="rId4"/>
+    <p:sldLayoutId id="2147483677" r:id="rId5"/>
+    <p:sldLayoutId id="2147483678" r:id="rId6"/>
+    <p:sldLayoutId id="2147483679" r:id="rId7"/>
+    <p:sldLayoutId id="2147483680" r:id="rId8"/>
+    <p:sldLayoutId id="2147483681" r:id="rId9"/>
+    <p:sldLayoutId id="2147483682" r:id="rId10"/>
+    <p:sldLayoutId id="2147483683" r:id="rId11"/>
   </p:sldLayoutIdLst>
   <p:txStyles>
     <p:titleStyle>
-      <a:lvl1pPr algn="l" defTabSz="914400" rtl="0" eaLnBrk="1" latinLnBrk="0" hangingPunct="1">
+      <a:lvl1pPr algn="l" defTabSz="1450787" rtl="0" eaLnBrk="1" latinLnBrk="0" hangingPunct="1">
         <a:lnSpc>
           <a:spcPct val="90000"/>
         </a:lnSpc>
@@ -3031,7 +3930,7 @@
           <a:spcPct val="0"/>
         </a:spcBef>
         <a:buNone/>
-        <a:defRPr sz="4400" kern="1200">
+        <a:defRPr sz="6981" kern="1200">
           <a:solidFill>
             <a:schemeClr val="tx1"/>
           </a:solidFill>
@@ -3042,16 +3941,16 @@
       </a:lvl1pPr>
     </p:titleStyle>
     <p:bodyStyle>
-      <a:lvl1pPr marL="228600" indent="-228600" algn="l" defTabSz="914400" rtl="0" eaLnBrk="1" latinLnBrk="0" hangingPunct="1">
+      <a:lvl1pPr marL="362697" indent="-362697" algn="l" defTabSz="1450787" rtl="0" eaLnBrk="1" latinLnBrk="0" hangingPunct="1">
         <a:lnSpc>
           <a:spcPct val="90000"/>
         </a:lnSpc>
         <a:spcBef>
-          <a:spcPts val="1000"/>
+          <a:spcPts val="1587"/>
         </a:spcBef>
         <a:buFont typeface="Arial" panose="020B0604020202020204" pitchFamily="34" charset="0"/>
         <a:buChar char="•"/>
-        <a:defRPr sz="2800" kern="1200">
+        <a:defRPr sz="4442" kern="1200">
           <a:solidFill>
             <a:schemeClr val="tx1"/>
           </a:solidFill>
@@ -3060,16 +3959,16 @@
           <a:cs typeface="+mn-cs"/>
         </a:defRPr>
       </a:lvl1pPr>
-      <a:lvl2pPr marL="685800" indent="-228600" algn="l" defTabSz="914400" rtl="0" eaLnBrk="1" latinLnBrk="0" hangingPunct="1">
+      <a:lvl2pPr marL="1088090" indent="-362697" algn="l" defTabSz="1450787" rtl="0" eaLnBrk="1" latinLnBrk="0" hangingPunct="1">
         <a:lnSpc>
           <a:spcPct val="90000"/>
         </a:lnSpc>
         <a:spcBef>
-          <a:spcPts val="500"/>
+          <a:spcPts val="793"/>
         </a:spcBef>
         <a:buFont typeface="Arial" panose="020B0604020202020204" pitchFamily="34" charset="0"/>
         <a:buChar char="•"/>
-        <a:defRPr sz="2400" kern="1200">
+        <a:defRPr sz="3808" kern="1200">
           <a:solidFill>
             <a:schemeClr val="tx1"/>
           </a:solidFill>
@@ -3078,16 +3977,16 @@
           <a:cs typeface="+mn-cs"/>
         </a:defRPr>
       </a:lvl2pPr>
-      <a:lvl3pPr marL="1143000" indent="-228600" algn="l" defTabSz="914400" rtl="0" eaLnBrk="1" latinLnBrk="0" hangingPunct="1">
+      <a:lvl3pPr marL="1813484" indent="-362697" algn="l" defTabSz="1450787" rtl="0" eaLnBrk="1" latinLnBrk="0" hangingPunct="1">
         <a:lnSpc>
           <a:spcPct val="90000"/>
         </a:lnSpc>
         <a:spcBef>
-          <a:spcPts val="500"/>
+          <a:spcPts val="793"/>
         </a:spcBef>
         <a:buFont typeface="Arial" panose="020B0604020202020204" pitchFamily="34" charset="0"/>
         <a:buChar char="•"/>
-        <a:defRPr sz="2000" kern="1200">
+        <a:defRPr sz="3173" kern="1200">
           <a:solidFill>
             <a:schemeClr val="tx1"/>
           </a:solidFill>
@@ -3096,16 +3995,16 @@
           <a:cs typeface="+mn-cs"/>
         </a:defRPr>
       </a:lvl3pPr>
-      <a:lvl4pPr marL="1600200" indent="-228600" algn="l" defTabSz="914400" rtl="0" eaLnBrk="1" latinLnBrk="0" hangingPunct="1">
+      <a:lvl4pPr marL="2538877" indent="-362697" algn="l" defTabSz="1450787" rtl="0" eaLnBrk="1" latinLnBrk="0" hangingPunct="1">
         <a:lnSpc>
           <a:spcPct val="90000"/>
         </a:lnSpc>
         <a:spcBef>
-          <a:spcPts val="500"/>
+          <a:spcPts val="793"/>
         </a:spcBef>
         <a:buFont typeface="Arial" panose="020B0604020202020204" pitchFamily="34" charset="0"/>
         <a:buChar char="•"/>
-        <a:defRPr sz="1800" kern="1200">
+        <a:defRPr sz="2856" kern="1200">
           <a:solidFill>
             <a:schemeClr val="tx1"/>
           </a:solidFill>
@@ -3114,16 +4013,16 @@
           <a:cs typeface="+mn-cs"/>
         </a:defRPr>
       </a:lvl4pPr>
-      <a:lvl5pPr marL="2057400" indent="-228600" algn="l" defTabSz="914400" rtl="0" eaLnBrk="1" latinLnBrk="0" hangingPunct="1">
+      <a:lvl5pPr marL="3264271" indent="-362697" algn="l" defTabSz="1450787" rtl="0" eaLnBrk="1" latinLnBrk="0" hangingPunct="1">
         <a:lnSpc>
           <a:spcPct val="90000"/>
         </a:lnSpc>
         <a:spcBef>
-          <a:spcPts val="500"/>
+          <a:spcPts val="793"/>
         </a:spcBef>
         <a:buFont typeface="Arial" panose="020B0604020202020204" pitchFamily="34" charset="0"/>
         <a:buChar char="•"/>
-        <a:defRPr sz="1800" kern="1200">
+        <a:defRPr sz="2856" kern="1200">
           <a:solidFill>
             <a:schemeClr val="tx1"/>
           </a:solidFill>
@@ -3132,16 +4031,16 @@
           <a:cs typeface="+mn-cs"/>
         </a:defRPr>
       </a:lvl5pPr>
-      <a:lvl6pPr marL="2514600" indent="-228600" algn="l" defTabSz="914400" rtl="0" eaLnBrk="1" latinLnBrk="0" hangingPunct="1">
+      <a:lvl6pPr marL="3989664" indent="-362697" algn="l" defTabSz="1450787" rtl="0" eaLnBrk="1" latinLnBrk="0" hangingPunct="1">
         <a:lnSpc>
           <a:spcPct val="90000"/>
         </a:lnSpc>
         <a:spcBef>
-          <a:spcPts val="500"/>
+          <a:spcPts val="793"/>
         </a:spcBef>
         <a:buFont typeface="Arial" panose="020B0604020202020204" pitchFamily="34" charset="0"/>
         <a:buChar char="•"/>
-        <a:defRPr sz="1800" kern="1200">
+        <a:defRPr sz="2856" kern="1200">
           <a:solidFill>
             <a:schemeClr val="tx1"/>
           </a:solidFill>
@@ -3150,16 +4049,16 @@
           <a:cs typeface="+mn-cs"/>
         </a:defRPr>
       </a:lvl6pPr>
-      <a:lvl7pPr marL="2971800" indent="-228600" algn="l" defTabSz="914400" rtl="0" eaLnBrk="1" latinLnBrk="0" hangingPunct="1">
+      <a:lvl7pPr marL="4715058" indent="-362697" algn="l" defTabSz="1450787" rtl="0" eaLnBrk="1" latinLnBrk="0" hangingPunct="1">
         <a:lnSpc>
           <a:spcPct val="90000"/>
         </a:lnSpc>
         <a:spcBef>
-          <a:spcPts val="500"/>
+          <a:spcPts val="793"/>
         </a:spcBef>
         <a:buFont typeface="Arial" panose="020B0604020202020204" pitchFamily="34" charset="0"/>
         <a:buChar char="•"/>
-        <a:defRPr sz="1800" kern="1200">
+        <a:defRPr sz="2856" kern="1200">
           <a:solidFill>
             <a:schemeClr val="tx1"/>
           </a:solidFill>
@@ -3168,16 +4067,16 @@
           <a:cs typeface="+mn-cs"/>
         </a:defRPr>
       </a:lvl7pPr>
-      <a:lvl8pPr marL="3429000" indent="-228600" algn="l" defTabSz="914400" rtl="0" eaLnBrk="1" latinLnBrk="0" hangingPunct="1">
+      <a:lvl8pPr marL="5440451" indent="-362697" algn="l" defTabSz="1450787" rtl="0" eaLnBrk="1" latinLnBrk="0" hangingPunct="1">
         <a:lnSpc>
           <a:spcPct val="90000"/>
         </a:lnSpc>
         <a:spcBef>
-          <a:spcPts val="500"/>
+          <a:spcPts val="793"/>
         </a:spcBef>
         <a:buFont typeface="Arial" panose="020B0604020202020204" pitchFamily="34" charset="0"/>
         <a:buChar char="•"/>
-        <a:defRPr sz="1800" kern="1200">
+        <a:defRPr sz="2856" kern="1200">
           <a:solidFill>
             <a:schemeClr val="tx1"/>
           </a:solidFill>
@@ -3186,16 +4085,16 @@
           <a:cs typeface="+mn-cs"/>
         </a:defRPr>
       </a:lvl8pPr>
-      <a:lvl9pPr marL="3886200" indent="-228600" algn="l" defTabSz="914400" rtl="0" eaLnBrk="1" latinLnBrk="0" hangingPunct="1">
+      <a:lvl9pPr marL="6165845" indent="-362697" algn="l" defTabSz="1450787" rtl="0" eaLnBrk="1" latinLnBrk="0" hangingPunct="1">
         <a:lnSpc>
           <a:spcPct val="90000"/>
         </a:lnSpc>
         <a:spcBef>
-          <a:spcPts val="500"/>
+          <a:spcPts val="793"/>
         </a:spcBef>
         <a:buFont typeface="Arial" panose="020B0604020202020204" pitchFamily="34" charset="0"/>
         <a:buChar char="•"/>
-        <a:defRPr sz="1800" kern="1200">
+        <a:defRPr sz="2856" kern="1200">
           <a:solidFill>
             <a:schemeClr val="tx1"/>
           </a:solidFill>
@@ -3209,8 +4108,8 @@
       <a:defPPr>
         <a:defRPr lang="en-US"/>
       </a:defPPr>
-      <a:lvl1pPr marL="0" algn="l" defTabSz="914400" rtl="0" eaLnBrk="1" latinLnBrk="0" hangingPunct="1">
-        <a:defRPr sz="1800" kern="1200">
+      <a:lvl1pPr marL="0" algn="l" defTabSz="1450787" rtl="0" eaLnBrk="1" latinLnBrk="0" hangingPunct="1">
+        <a:defRPr sz="2856" kern="1200">
           <a:solidFill>
             <a:schemeClr val="tx1"/>
           </a:solidFill>
@@ -3219,8 +4118,8 @@
           <a:cs typeface="+mn-cs"/>
         </a:defRPr>
       </a:lvl1pPr>
-      <a:lvl2pPr marL="457200" algn="l" defTabSz="914400" rtl="0" eaLnBrk="1" latinLnBrk="0" hangingPunct="1">
-        <a:defRPr sz="1800" kern="1200">
+      <a:lvl2pPr marL="725394" algn="l" defTabSz="1450787" rtl="0" eaLnBrk="1" latinLnBrk="0" hangingPunct="1">
+        <a:defRPr sz="2856" kern="1200">
           <a:solidFill>
             <a:schemeClr val="tx1"/>
           </a:solidFill>
@@ -3229,8 +4128,8 @@
           <a:cs typeface="+mn-cs"/>
         </a:defRPr>
       </a:lvl2pPr>
-      <a:lvl3pPr marL="914400" algn="l" defTabSz="914400" rtl="0" eaLnBrk="1" latinLnBrk="0" hangingPunct="1">
-        <a:defRPr sz="1800" kern="1200">
+      <a:lvl3pPr marL="1450787" algn="l" defTabSz="1450787" rtl="0" eaLnBrk="1" latinLnBrk="0" hangingPunct="1">
+        <a:defRPr sz="2856" kern="1200">
           <a:solidFill>
             <a:schemeClr val="tx1"/>
           </a:solidFill>
@@ -3239,8 +4138,8 @@
           <a:cs typeface="+mn-cs"/>
         </a:defRPr>
       </a:lvl3pPr>
-      <a:lvl4pPr marL="1371600" algn="l" defTabSz="914400" rtl="0" eaLnBrk="1" latinLnBrk="0" hangingPunct="1">
-        <a:defRPr sz="1800" kern="1200">
+      <a:lvl4pPr marL="2176181" algn="l" defTabSz="1450787" rtl="0" eaLnBrk="1" latinLnBrk="0" hangingPunct="1">
+        <a:defRPr sz="2856" kern="1200">
           <a:solidFill>
             <a:schemeClr val="tx1"/>
           </a:solidFill>
@@ -3249,8 +4148,8 @@
           <a:cs typeface="+mn-cs"/>
         </a:defRPr>
       </a:lvl4pPr>
-      <a:lvl5pPr marL="1828800" algn="l" defTabSz="914400" rtl="0" eaLnBrk="1" latinLnBrk="0" hangingPunct="1">
-        <a:defRPr sz="1800" kern="1200">
+      <a:lvl5pPr marL="2901574" algn="l" defTabSz="1450787" rtl="0" eaLnBrk="1" latinLnBrk="0" hangingPunct="1">
+        <a:defRPr sz="2856" kern="1200">
           <a:solidFill>
             <a:schemeClr val="tx1"/>
           </a:solidFill>
@@ -3259,8 +4158,8 @@
           <a:cs typeface="+mn-cs"/>
         </a:defRPr>
       </a:lvl5pPr>
-      <a:lvl6pPr marL="2286000" algn="l" defTabSz="914400" rtl="0" eaLnBrk="1" latinLnBrk="0" hangingPunct="1">
-        <a:defRPr sz="1800" kern="1200">
+      <a:lvl6pPr marL="3626968" algn="l" defTabSz="1450787" rtl="0" eaLnBrk="1" latinLnBrk="0" hangingPunct="1">
+        <a:defRPr sz="2856" kern="1200">
           <a:solidFill>
             <a:schemeClr val="tx1"/>
           </a:solidFill>
@@ -3269,8 +4168,8 @@
           <a:cs typeface="+mn-cs"/>
         </a:defRPr>
       </a:lvl6pPr>
-      <a:lvl7pPr marL="2743200" algn="l" defTabSz="914400" rtl="0" eaLnBrk="1" latinLnBrk="0" hangingPunct="1">
-        <a:defRPr sz="1800" kern="1200">
+      <a:lvl7pPr marL="4352361" algn="l" defTabSz="1450787" rtl="0" eaLnBrk="1" latinLnBrk="0" hangingPunct="1">
+        <a:defRPr sz="2856" kern="1200">
           <a:solidFill>
             <a:schemeClr val="tx1"/>
           </a:solidFill>
@@ -3279,8 +4178,8 @@
           <a:cs typeface="+mn-cs"/>
         </a:defRPr>
       </a:lvl7pPr>
-      <a:lvl8pPr marL="3200400" algn="l" defTabSz="914400" rtl="0" eaLnBrk="1" latinLnBrk="0" hangingPunct="1">
-        <a:defRPr sz="1800" kern="1200">
+      <a:lvl8pPr marL="5077755" algn="l" defTabSz="1450787" rtl="0" eaLnBrk="1" latinLnBrk="0" hangingPunct="1">
+        <a:defRPr sz="2856" kern="1200">
           <a:solidFill>
             <a:schemeClr val="tx1"/>
           </a:solidFill>
@@ -3289,8 +4188,8 @@
           <a:cs typeface="+mn-cs"/>
         </a:defRPr>
       </a:lvl8pPr>
-      <a:lvl9pPr marL="3657600" algn="l" defTabSz="914400" rtl="0" eaLnBrk="1" latinLnBrk="0" hangingPunct="1">
-        <a:defRPr sz="1800" kern="1200">
+      <a:lvl9pPr marL="5803148" algn="l" defTabSz="1450787" rtl="0" eaLnBrk="1" latinLnBrk="0" hangingPunct="1">
+        <a:defRPr sz="2856" kern="1200">
           <a:solidFill>
             <a:schemeClr val="tx1"/>
           </a:solidFill>
@@ -3323,10 +4222,10 @@
       </p:grpSpPr>
       <p:sp>
         <p:nvSpPr>
-          <p:cNvPr id="89" name="Rectangle: Rounded Corners 88">
+          <p:cNvPr id="122" name="Rectangle: Rounded Corners 121">
             <a:extLst>
               <a:ext uri="{FF2B5EF4-FFF2-40B4-BE49-F238E27FC236}">
-                <a16:creationId xmlns:a16="http://schemas.microsoft.com/office/drawing/2014/main" id="{7DDC3FA1-A432-A5E0-C23F-79B67CAEA669}"/>
+                <a16:creationId xmlns:a16="http://schemas.microsoft.com/office/drawing/2014/main" id="{90A73C0C-8F50-25BD-E58C-8D31C4ADE47A}"/>
               </a:ext>
             </a:extLst>
           </p:cNvPr>
@@ -3335,8 +4234,8 @@
         </p:nvSpPr>
         <p:spPr>
           <a:xfrm>
-            <a:off x="1558456" y="421420"/>
-            <a:ext cx="7267492" cy="4325510"/>
+            <a:off x="1761247" y="2091299"/>
+            <a:ext cx="9572349" cy="4314668"/>
           </a:xfrm>
           <a:prstGeom prst="roundRect">
             <a:avLst/>
@@ -3369,16 +4268,2131 @@
           <a:lstStyle/>
           <a:p>
             <a:pPr algn="ctr"/>
-            <a:endParaRPr lang="en-US"/>
-          </a:p>
-        </p:txBody>
-      </p:sp>
-      <p:sp>
-        <p:nvSpPr>
-          <p:cNvPr id="4" name="Rectangle: Rounded Corners 3">
+            <a:endParaRPr lang="en-US" sz="5183" dirty="0"/>
+          </a:p>
+        </p:txBody>
+      </p:sp>
+      <p:grpSp>
+        <p:nvGrpSpPr>
+          <p:cNvPr id="66" name="Group 65">
             <a:extLst>
               <a:ext uri="{FF2B5EF4-FFF2-40B4-BE49-F238E27FC236}">
-                <a16:creationId xmlns:a16="http://schemas.microsoft.com/office/drawing/2014/main" id="{89A025AE-6826-D85C-04FB-7195A28F7041}"/>
+                <a16:creationId xmlns:a16="http://schemas.microsoft.com/office/drawing/2014/main" id="{40997883-3EF5-CEFD-EA8D-16C8851EEF28}"/>
+              </a:ext>
+            </a:extLst>
+          </p:cNvPr>
+          <p:cNvGrpSpPr/>
+          <p:nvPr/>
+        </p:nvGrpSpPr>
+        <p:grpSpPr>
+          <a:xfrm>
+            <a:off x="11695593" y="2081015"/>
+            <a:ext cx="7267492" cy="4325510"/>
+            <a:chOff x="6938510" y="2081015"/>
+            <a:chExt cx="7267492" cy="4325510"/>
+          </a:xfrm>
+        </p:grpSpPr>
+        <p:sp>
+          <p:nvSpPr>
+            <p:cNvPr id="89" name="Rectangle: Rounded Corners 88">
+              <a:extLst>
+                <a:ext uri="{FF2B5EF4-FFF2-40B4-BE49-F238E27FC236}">
+                  <a16:creationId xmlns:a16="http://schemas.microsoft.com/office/drawing/2014/main" id="{7DDC3FA1-A432-A5E0-C23F-79B67CAEA669}"/>
+                </a:ext>
+              </a:extLst>
+            </p:cNvPr>
+            <p:cNvSpPr/>
+            <p:nvPr/>
+          </p:nvSpPr>
+          <p:spPr>
+            <a:xfrm>
+              <a:off x="6938510" y="2081015"/>
+              <a:ext cx="7267492" cy="4325510"/>
+            </a:xfrm>
+            <a:prstGeom prst="roundRect">
+              <a:avLst/>
+            </a:prstGeom>
+            <a:solidFill>
+              <a:schemeClr val="accent1">
+                <a:lumMod val="20000"/>
+                <a:lumOff val="80000"/>
+              </a:schemeClr>
+            </a:solidFill>
+          </p:spPr>
+          <p:style>
+            <a:lnRef idx="2">
+              <a:schemeClr val="accent1">
+                <a:shade val="15000"/>
+              </a:schemeClr>
+            </a:lnRef>
+            <a:fillRef idx="1">
+              <a:schemeClr val="accent1"/>
+            </a:fillRef>
+            <a:effectRef idx="0">
+              <a:schemeClr val="accent1"/>
+            </a:effectRef>
+            <a:fontRef idx="minor">
+              <a:schemeClr val="lt1"/>
+            </a:fontRef>
+          </p:style>
+          <p:txBody>
+            <a:bodyPr rtlCol="0" anchor="ctr"/>
+            <a:lstStyle/>
+            <a:p>
+              <a:pPr algn="ctr"/>
+              <a:endParaRPr lang="en-US" sz="5183" dirty="0"/>
+            </a:p>
+          </p:txBody>
+        </p:sp>
+        <p:sp>
+          <p:nvSpPr>
+            <p:cNvPr id="4" name="Rectangle: Rounded Corners 3">
+              <a:extLst>
+                <a:ext uri="{FF2B5EF4-FFF2-40B4-BE49-F238E27FC236}">
+                  <a16:creationId xmlns:a16="http://schemas.microsoft.com/office/drawing/2014/main" id="{89A025AE-6826-D85C-04FB-7195A28F7041}"/>
+                </a:ext>
+              </a:extLst>
+            </p:cNvPr>
+            <p:cNvSpPr/>
+            <p:nvPr/>
+          </p:nvSpPr>
+          <p:spPr>
+            <a:xfrm>
+              <a:off x="7582566" y="3838252"/>
+              <a:ext cx="5939624" cy="1017766"/>
+            </a:xfrm>
+            <a:prstGeom prst="roundRect">
+              <a:avLst/>
+            </a:prstGeom>
+            <a:solidFill>
+              <a:schemeClr val="tx2">
+                <a:lumMod val="10000"/>
+                <a:lumOff val="90000"/>
+              </a:schemeClr>
+            </a:solidFill>
+          </p:spPr>
+          <p:style>
+            <a:lnRef idx="2">
+              <a:schemeClr val="accent1">
+                <a:shade val="15000"/>
+              </a:schemeClr>
+            </a:lnRef>
+            <a:fillRef idx="1">
+              <a:schemeClr val="accent1"/>
+            </a:fillRef>
+            <a:effectRef idx="0">
+              <a:schemeClr val="accent1"/>
+            </a:effectRef>
+            <a:fontRef idx="minor">
+              <a:schemeClr val="lt1"/>
+            </a:fontRef>
+          </p:style>
+          <p:txBody>
+            <a:bodyPr rtlCol="0" anchor="ctr"/>
+            <a:lstStyle/>
+            <a:p>
+              <a:pPr algn="ctr"/>
+              <a:endParaRPr lang="en-US" sz="5183"/>
+            </a:p>
+          </p:txBody>
+        </p:sp>
+        <p:sp>
+          <p:nvSpPr>
+            <p:cNvPr id="9" name="TextBox 8">
+              <a:extLst>
+                <a:ext uri="{FF2B5EF4-FFF2-40B4-BE49-F238E27FC236}">
+                  <a16:creationId xmlns:a16="http://schemas.microsoft.com/office/drawing/2014/main" id="{36CB70F2-4709-E644-1AAA-ECC908C83A6F}"/>
+                </a:ext>
+              </a:extLst>
+            </p:cNvPr>
+            <p:cNvSpPr txBox="1"/>
+            <p:nvPr/>
+          </p:nvSpPr>
+          <p:spPr>
+            <a:xfrm>
+              <a:off x="7582566" y="3833147"/>
+              <a:ext cx="1047594" cy="276999"/>
+            </a:xfrm>
+            <a:prstGeom prst="rect">
+              <a:avLst/>
+            </a:prstGeom>
+            <a:noFill/>
+          </p:spPr>
+          <p:txBody>
+            <a:bodyPr wrap="none" rtlCol="0">
+              <a:spAutoFit/>
+            </a:bodyPr>
+            <a:lstStyle/>
+            <a:p>
+              <a:r>
+                <a:rPr lang="en-US" sz="1200" dirty="0"/>
+                <a:t>LSTM Layer 2</a:t>
+              </a:r>
+            </a:p>
+          </p:txBody>
+        </p:sp>
+        <p:sp>
+          <p:nvSpPr>
+            <p:cNvPr id="16" name="Rectangle: Rounded Corners 15">
+              <a:extLst>
+                <a:ext uri="{FF2B5EF4-FFF2-40B4-BE49-F238E27FC236}">
+                  <a16:creationId xmlns:a16="http://schemas.microsoft.com/office/drawing/2014/main" id="{B3815866-D8DF-9D02-CF2E-1B9F0382B6FA}"/>
+                </a:ext>
+              </a:extLst>
+            </p:cNvPr>
+            <p:cNvSpPr/>
+            <p:nvPr/>
+          </p:nvSpPr>
+          <p:spPr>
+            <a:xfrm>
+              <a:off x="8242524" y="4196160"/>
+              <a:ext cx="764651" cy="301950"/>
+            </a:xfrm>
+            <a:prstGeom prst="roundRect">
+              <a:avLst/>
+            </a:prstGeom>
+          </p:spPr>
+          <p:style>
+            <a:lnRef idx="2">
+              <a:schemeClr val="accent1">
+                <a:shade val="15000"/>
+              </a:schemeClr>
+            </a:lnRef>
+            <a:fillRef idx="1">
+              <a:schemeClr val="accent1"/>
+            </a:fillRef>
+            <a:effectRef idx="0">
+              <a:schemeClr val="accent1"/>
+            </a:effectRef>
+            <a:fontRef idx="minor">
+              <a:schemeClr val="lt1"/>
+            </a:fontRef>
+          </p:style>
+          <p:txBody>
+            <a:bodyPr rtlCol="0" anchor="ctr"/>
+            <a:lstStyle/>
+            <a:p>
+              <a:pPr algn="ctr"/>
+              <a:r>
+                <a:rPr lang="en-US" sz="1600" b="1" dirty="0"/>
+                <a:t>LSTM</a:t>
+              </a:r>
+            </a:p>
+          </p:txBody>
+        </p:sp>
+        <p:sp>
+          <p:nvSpPr>
+            <p:cNvPr id="18" name="Rectangle: Rounded Corners 17">
+              <a:extLst>
+                <a:ext uri="{FF2B5EF4-FFF2-40B4-BE49-F238E27FC236}">
+                  <a16:creationId xmlns:a16="http://schemas.microsoft.com/office/drawing/2014/main" id="{C6137D57-26F3-11EC-A453-82F77799104C}"/>
+                </a:ext>
+              </a:extLst>
+            </p:cNvPr>
+            <p:cNvSpPr/>
+            <p:nvPr/>
+          </p:nvSpPr>
+          <p:spPr>
+            <a:xfrm>
+              <a:off x="9266692" y="4196160"/>
+              <a:ext cx="764651" cy="301950"/>
+            </a:xfrm>
+            <a:prstGeom prst="roundRect">
+              <a:avLst/>
+            </a:prstGeom>
+          </p:spPr>
+          <p:style>
+            <a:lnRef idx="2">
+              <a:schemeClr val="accent1">
+                <a:shade val="15000"/>
+              </a:schemeClr>
+            </a:lnRef>
+            <a:fillRef idx="1">
+              <a:schemeClr val="accent1"/>
+            </a:fillRef>
+            <a:effectRef idx="0">
+              <a:schemeClr val="accent1"/>
+            </a:effectRef>
+            <a:fontRef idx="minor">
+              <a:schemeClr val="lt1"/>
+            </a:fontRef>
+          </p:style>
+          <p:txBody>
+            <a:bodyPr rtlCol="0" anchor="ctr"/>
+            <a:lstStyle/>
+            <a:p>
+              <a:pPr algn="ctr"/>
+              <a:r>
+                <a:rPr lang="en-US" sz="1600" b="1" dirty="0"/>
+                <a:t>LSTM</a:t>
+              </a:r>
+            </a:p>
+          </p:txBody>
+        </p:sp>
+        <p:sp>
+          <p:nvSpPr>
+            <p:cNvPr id="19" name="Rectangle: Rounded Corners 18">
+              <a:extLst>
+                <a:ext uri="{FF2B5EF4-FFF2-40B4-BE49-F238E27FC236}">
+                  <a16:creationId xmlns:a16="http://schemas.microsoft.com/office/drawing/2014/main" id="{76312629-BBD3-849D-FF45-193C097935E3}"/>
+                </a:ext>
+              </a:extLst>
+            </p:cNvPr>
+            <p:cNvSpPr/>
+            <p:nvPr/>
+          </p:nvSpPr>
+          <p:spPr>
+            <a:xfrm>
+              <a:off x="10290860" y="4194071"/>
+              <a:ext cx="764651" cy="301950"/>
+            </a:xfrm>
+            <a:prstGeom prst="roundRect">
+              <a:avLst/>
+            </a:prstGeom>
+          </p:spPr>
+          <p:style>
+            <a:lnRef idx="2">
+              <a:schemeClr val="accent1">
+                <a:shade val="15000"/>
+              </a:schemeClr>
+            </a:lnRef>
+            <a:fillRef idx="1">
+              <a:schemeClr val="accent1"/>
+            </a:fillRef>
+            <a:effectRef idx="0">
+              <a:schemeClr val="accent1"/>
+            </a:effectRef>
+            <a:fontRef idx="minor">
+              <a:schemeClr val="lt1"/>
+            </a:fontRef>
+          </p:style>
+          <p:txBody>
+            <a:bodyPr rtlCol="0" anchor="ctr"/>
+            <a:lstStyle/>
+            <a:p>
+              <a:pPr algn="ctr"/>
+              <a:r>
+                <a:rPr lang="en-US" sz="1600" b="1" dirty="0"/>
+                <a:t>…</a:t>
+              </a:r>
+            </a:p>
+          </p:txBody>
+        </p:sp>
+        <p:sp>
+          <p:nvSpPr>
+            <p:cNvPr id="20" name="Rectangle: Rounded Corners 19">
+              <a:extLst>
+                <a:ext uri="{FF2B5EF4-FFF2-40B4-BE49-F238E27FC236}">
+                  <a16:creationId xmlns:a16="http://schemas.microsoft.com/office/drawing/2014/main" id="{F165AAC3-9585-DDF2-82BD-F33DEC962ED4}"/>
+                </a:ext>
+              </a:extLst>
+            </p:cNvPr>
+            <p:cNvSpPr/>
+            <p:nvPr/>
+          </p:nvSpPr>
+          <p:spPr>
+            <a:xfrm>
+              <a:off x="11315028" y="4196991"/>
+              <a:ext cx="764651" cy="301950"/>
+            </a:xfrm>
+            <a:prstGeom prst="roundRect">
+              <a:avLst/>
+            </a:prstGeom>
+          </p:spPr>
+          <p:style>
+            <a:lnRef idx="2">
+              <a:schemeClr val="accent1">
+                <a:shade val="15000"/>
+              </a:schemeClr>
+            </a:lnRef>
+            <a:fillRef idx="1">
+              <a:schemeClr val="accent1"/>
+            </a:fillRef>
+            <a:effectRef idx="0">
+              <a:schemeClr val="accent1"/>
+            </a:effectRef>
+            <a:fontRef idx="minor">
+              <a:schemeClr val="lt1"/>
+            </a:fontRef>
+          </p:style>
+          <p:txBody>
+            <a:bodyPr rtlCol="0" anchor="ctr"/>
+            <a:lstStyle/>
+            <a:p>
+              <a:pPr algn="ctr"/>
+              <a:r>
+                <a:rPr lang="en-US" sz="1600" b="1" dirty="0"/>
+                <a:t>LSTM</a:t>
+              </a:r>
+            </a:p>
+          </p:txBody>
+        </p:sp>
+        <p:sp>
+          <p:nvSpPr>
+            <p:cNvPr id="22" name="Rectangle: Rounded Corners 21">
+              <a:extLst>
+                <a:ext uri="{FF2B5EF4-FFF2-40B4-BE49-F238E27FC236}">
+                  <a16:creationId xmlns:a16="http://schemas.microsoft.com/office/drawing/2014/main" id="{F41F3E19-6A30-5E31-D7EC-F7E7B46BCDA1}"/>
+                </a:ext>
+              </a:extLst>
+            </p:cNvPr>
+            <p:cNvSpPr/>
+            <p:nvPr/>
+          </p:nvSpPr>
+          <p:spPr>
+            <a:xfrm>
+              <a:off x="12339196" y="4199836"/>
+              <a:ext cx="764651" cy="301950"/>
+            </a:xfrm>
+            <a:prstGeom prst="roundRect">
+              <a:avLst/>
+            </a:prstGeom>
+          </p:spPr>
+          <p:style>
+            <a:lnRef idx="2">
+              <a:schemeClr val="accent1">
+                <a:shade val="15000"/>
+              </a:schemeClr>
+            </a:lnRef>
+            <a:fillRef idx="1">
+              <a:schemeClr val="accent1"/>
+            </a:fillRef>
+            <a:effectRef idx="0">
+              <a:schemeClr val="accent1"/>
+            </a:effectRef>
+            <a:fontRef idx="minor">
+              <a:schemeClr val="lt1"/>
+            </a:fontRef>
+          </p:style>
+          <p:txBody>
+            <a:bodyPr rtlCol="0" anchor="ctr"/>
+            <a:lstStyle/>
+            <a:p>
+              <a:pPr algn="ctr"/>
+              <a:r>
+                <a:rPr lang="en-US" sz="1600" b="1" dirty="0"/>
+                <a:t>LSTM</a:t>
+              </a:r>
+            </a:p>
+          </p:txBody>
+        </p:sp>
+        <p:cxnSp>
+          <p:nvCxnSpPr>
+            <p:cNvPr id="26" name="Straight Arrow Connector 25">
+              <a:extLst>
+                <a:ext uri="{FF2B5EF4-FFF2-40B4-BE49-F238E27FC236}">
+                  <a16:creationId xmlns:a16="http://schemas.microsoft.com/office/drawing/2014/main" id="{213AA27B-57FB-9D42-6D0B-BF76BCA24822}"/>
+                </a:ext>
+              </a:extLst>
+            </p:cNvPr>
+            <p:cNvCxnSpPr>
+              <a:cxnSpLocks/>
+              <a:stCxn id="16" idx="3"/>
+              <a:endCxn id="18" idx="1"/>
+            </p:cNvCxnSpPr>
+            <p:nvPr/>
+          </p:nvCxnSpPr>
+          <p:spPr>
+            <a:xfrm>
+              <a:off x="9007175" y="4347135"/>
+              <a:ext cx="259517" cy="0"/>
+            </a:xfrm>
+            <a:prstGeom prst="straightConnector1">
+              <a:avLst/>
+            </a:prstGeom>
+            <a:ln w="28575">
+              <a:solidFill>
+                <a:schemeClr val="accent5"/>
+              </a:solidFill>
+              <a:tailEnd type="triangle"/>
+            </a:ln>
+          </p:spPr>
+          <p:style>
+            <a:lnRef idx="2">
+              <a:schemeClr val="accent1"/>
+            </a:lnRef>
+            <a:fillRef idx="0">
+              <a:schemeClr val="accent1"/>
+            </a:fillRef>
+            <a:effectRef idx="1">
+              <a:schemeClr val="accent1"/>
+            </a:effectRef>
+            <a:fontRef idx="minor">
+              <a:schemeClr val="tx1"/>
+            </a:fontRef>
+          </p:style>
+        </p:cxnSp>
+        <p:cxnSp>
+          <p:nvCxnSpPr>
+            <p:cNvPr id="29" name="Straight Arrow Connector 28">
+              <a:extLst>
+                <a:ext uri="{FF2B5EF4-FFF2-40B4-BE49-F238E27FC236}">
+                  <a16:creationId xmlns:a16="http://schemas.microsoft.com/office/drawing/2014/main" id="{76350A0A-200F-A8DC-49AD-83168FFA6CF5}"/>
+                </a:ext>
+              </a:extLst>
+            </p:cNvPr>
+            <p:cNvCxnSpPr>
+              <a:cxnSpLocks/>
+              <a:endCxn id="19" idx="1"/>
+            </p:cNvCxnSpPr>
+            <p:nvPr/>
+          </p:nvCxnSpPr>
+          <p:spPr>
+            <a:xfrm>
+              <a:off x="10031343" y="4345046"/>
+              <a:ext cx="259517" cy="0"/>
+            </a:xfrm>
+            <a:prstGeom prst="straightConnector1">
+              <a:avLst/>
+            </a:prstGeom>
+            <a:ln w="28575">
+              <a:solidFill>
+                <a:schemeClr val="accent5"/>
+              </a:solidFill>
+              <a:tailEnd type="triangle"/>
+            </a:ln>
+          </p:spPr>
+          <p:style>
+            <a:lnRef idx="2">
+              <a:schemeClr val="accent1"/>
+            </a:lnRef>
+            <a:fillRef idx="0">
+              <a:schemeClr val="accent1"/>
+            </a:fillRef>
+            <a:effectRef idx="1">
+              <a:schemeClr val="accent1"/>
+            </a:effectRef>
+            <a:fontRef idx="minor">
+              <a:schemeClr val="tx1"/>
+            </a:fontRef>
+          </p:style>
+        </p:cxnSp>
+        <p:cxnSp>
+          <p:nvCxnSpPr>
+            <p:cNvPr id="32" name="Straight Arrow Connector 31">
+              <a:extLst>
+                <a:ext uri="{FF2B5EF4-FFF2-40B4-BE49-F238E27FC236}">
+                  <a16:creationId xmlns:a16="http://schemas.microsoft.com/office/drawing/2014/main" id="{A593EA80-5CB4-6D27-A75B-6BFA9A47A99D}"/>
+                </a:ext>
+              </a:extLst>
+            </p:cNvPr>
+            <p:cNvCxnSpPr>
+              <a:cxnSpLocks/>
+              <a:stCxn id="19" idx="3"/>
+              <a:endCxn id="20" idx="1"/>
+            </p:cNvCxnSpPr>
+            <p:nvPr/>
+          </p:nvCxnSpPr>
+          <p:spPr>
+            <a:xfrm>
+              <a:off x="11055511" y="4345046"/>
+              <a:ext cx="259517" cy="2920"/>
+            </a:xfrm>
+            <a:prstGeom prst="straightConnector1">
+              <a:avLst/>
+            </a:prstGeom>
+            <a:ln w="28575">
+              <a:solidFill>
+                <a:schemeClr val="accent5"/>
+              </a:solidFill>
+              <a:tailEnd type="triangle"/>
+            </a:ln>
+          </p:spPr>
+          <p:style>
+            <a:lnRef idx="2">
+              <a:schemeClr val="accent1"/>
+            </a:lnRef>
+            <a:fillRef idx="0">
+              <a:schemeClr val="accent1"/>
+            </a:fillRef>
+            <a:effectRef idx="1">
+              <a:schemeClr val="accent1"/>
+            </a:effectRef>
+            <a:fontRef idx="minor">
+              <a:schemeClr val="tx1"/>
+            </a:fontRef>
+          </p:style>
+        </p:cxnSp>
+        <p:cxnSp>
+          <p:nvCxnSpPr>
+            <p:cNvPr id="35" name="Straight Arrow Connector 34">
+              <a:extLst>
+                <a:ext uri="{FF2B5EF4-FFF2-40B4-BE49-F238E27FC236}">
+                  <a16:creationId xmlns:a16="http://schemas.microsoft.com/office/drawing/2014/main" id="{F441F17C-4ECB-3EB5-0F9E-602A9371A400}"/>
+                </a:ext>
+              </a:extLst>
+            </p:cNvPr>
+            <p:cNvCxnSpPr>
+              <a:cxnSpLocks/>
+              <a:stCxn id="20" idx="3"/>
+              <a:endCxn id="22" idx="1"/>
+            </p:cNvCxnSpPr>
+            <p:nvPr/>
+          </p:nvCxnSpPr>
+          <p:spPr>
+            <a:xfrm>
+              <a:off x="12079679" y="4347968"/>
+              <a:ext cx="259517" cy="2845"/>
+            </a:xfrm>
+            <a:prstGeom prst="straightConnector1">
+              <a:avLst/>
+            </a:prstGeom>
+            <a:ln w="28575">
+              <a:solidFill>
+                <a:schemeClr val="accent5"/>
+              </a:solidFill>
+              <a:tailEnd type="triangle"/>
+            </a:ln>
+          </p:spPr>
+          <p:style>
+            <a:lnRef idx="2">
+              <a:schemeClr val="accent1"/>
+            </a:lnRef>
+            <a:fillRef idx="0">
+              <a:schemeClr val="accent1"/>
+            </a:fillRef>
+            <a:effectRef idx="1">
+              <a:schemeClr val="accent1"/>
+            </a:effectRef>
+            <a:fontRef idx="minor">
+              <a:schemeClr val="tx1"/>
+            </a:fontRef>
+          </p:style>
+        </p:cxnSp>
+        <p:sp>
+          <p:nvSpPr>
+            <p:cNvPr id="38" name="Rectangle: Rounded Corners 37">
+              <a:extLst>
+                <a:ext uri="{FF2B5EF4-FFF2-40B4-BE49-F238E27FC236}">
+                  <a16:creationId xmlns:a16="http://schemas.microsoft.com/office/drawing/2014/main" id="{A2F28705-1B01-DC4D-D8DE-F5B3011B7A50}"/>
+                </a:ext>
+              </a:extLst>
+            </p:cNvPr>
+            <p:cNvSpPr/>
+            <p:nvPr/>
+          </p:nvSpPr>
+          <p:spPr>
+            <a:xfrm>
+              <a:off x="7582566" y="5127689"/>
+              <a:ext cx="5939624" cy="1017766"/>
+            </a:xfrm>
+            <a:prstGeom prst="roundRect">
+              <a:avLst/>
+            </a:prstGeom>
+            <a:solidFill>
+              <a:schemeClr val="tx2">
+                <a:lumMod val="10000"/>
+                <a:lumOff val="90000"/>
+              </a:schemeClr>
+            </a:solidFill>
+          </p:spPr>
+          <p:style>
+            <a:lnRef idx="2">
+              <a:schemeClr val="accent1">
+                <a:shade val="15000"/>
+              </a:schemeClr>
+            </a:lnRef>
+            <a:fillRef idx="1">
+              <a:schemeClr val="accent1"/>
+            </a:fillRef>
+            <a:effectRef idx="0">
+              <a:schemeClr val="accent1"/>
+            </a:effectRef>
+            <a:fontRef idx="minor">
+              <a:schemeClr val="lt1"/>
+            </a:fontRef>
+          </p:style>
+          <p:txBody>
+            <a:bodyPr rtlCol="0" anchor="ctr"/>
+            <a:lstStyle/>
+            <a:p>
+              <a:pPr algn="ctr"/>
+              <a:endParaRPr lang="en-US" sz="5183"/>
+            </a:p>
+          </p:txBody>
+        </p:sp>
+        <p:sp>
+          <p:nvSpPr>
+            <p:cNvPr id="39" name="Rectangle: Rounded Corners 38">
+              <a:extLst>
+                <a:ext uri="{FF2B5EF4-FFF2-40B4-BE49-F238E27FC236}">
+                  <a16:creationId xmlns:a16="http://schemas.microsoft.com/office/drawing/2014/main" id="{7AA67A05-634A-1C5F-154B-119A4E1659D8}"/>
+                </a:ext>
+              </a:extLst>
+            </p:cNvPr>
+            <p:cNvSpPr/>
+            <p:nvPr/>
+          </p:nvSpPr>
+          <p:spPr>
+            <a:xfrm>
+              <a:off x="8242524" y="5485597"/>
+              <a:ext cx="764651" cy="301950"/>
+            </a:xfrm>
+            <a:prstGeom prst="roundRect">
+              <a:avLst/>
+            </a:prstGeom>
+          </p:spPr>
+          <p:style>
+            <a:lnRef idx="2">
+              <a:schemeClr val="accent1">
+                <a:shade val="15000"/>
+              </a:schemeClr>
+            </a:lnRef>
+            <a:fillRef idx="1">
+              <a:schemeClr val="accent1"/>
+            </a:fillRef>
+            <a:effectRef idx="0">
+              <a:schemeClr val="accent1"/>
+            </a:effectRef>
+            <a:fontRef idx="minor">
+              <a:schemeClr val="lt1"/>
+            </a:fontRef>
+          </p:style>
+          <p:txBody>
+            <a:bodyPr rtlCol="0" anchor="ctr"/>
+            <a:lstStyle/>
+            <a:p>
+              <a:pPr algn="ctr"/>
+              <a:r>
+                <a:rPr lang="en-US" sz="1600" b="1" dirty="0"/>
+                <a:t>LSTM</a:t>
+              </a:r>
+            </a:p>
+          </p:txBody>
+        </p:sp>
+        <p:sp>
+          <p:nvSpPr>
+            <p:cNvPr id="40" name="Rectangle: Rounded Corners 39">
+              <a:extLst>
+                <a:ext uri="{FF2B5EF4-FFF2-40B4-BE49-F238E27FC236}">
+                  <a16:creationId xmlns:a16="http://schemas.microsoft.com/office/drawing/2014/main" id="{9392A933-5179-FDAC-C5D5-149302C3E84C}"/>
+                </a:ext>
+              </a:extLst>
+            </p:cNvPr>
+            <p:cNvSpPr/>
+            <p:nvPr/>
+          </p:nvSpPr>
+          <p:spPr>
+            <a:xfrm>
+              <a:off x="9266692" y="5485597"/>
+              <a:ext cx="764651" cy="301950"/>
+            </a:xfrm>
+            <a:prstGeom prst="roundRect">
+              <a:avLst/>
+            </a:prstGeom>
+          </p:spPr>
+          <p:style>
+            <a:lnRef idx="2">
+              <a:schemeClr val="accent1">
+                <a:shade val="15000"/>
+              </a:schemeClr>
+            </a:lnRef>
+            <a:fillRef idx="1">
+              <a:schemeClr val="accent1"/>
+            </a:fillRef>
+            <a:effectRef idx="0">
+              <a:schemeClr val="accent1"/>
+            </a:effectRef>
+            <a:fontRef idx="minor">
+              <a:schemeClr val="lt1"/>
+            </a:fontRef>
+          </p:style>
+          <p:txBody>
+            <a:bodyPr rtlCol="0" anchor="ctr"/>
+            <a:lstStyle/>
+            <a:p>
+              <a:pPr algn="ctr"/>
+              <a:r>
+                <a:rPr lang="en-US" sz="1600" b="1" dirty="0"/>
+                <a:t>LSTM</a:t>
+              </a:r>
+            </a:p>
+          </p:txBody>
+        </p:sp>
+        <p:sp>
+          <p:nvSpPr>
+            <p:cNvPr id="41" name="Rectangle: Rounded Corners 40">
+              <a:extLst>
+                <a:ext uri="{FF2B5EF4-FFF2-40B4-BE49-F238E27FC236}">
+                  <a16:creationId xmlns:a16="http://schemas.microsoft.com/office/drawing/2014/main" id="{6955052F-BB96-3D6F-7882-4871BCE438A7}"/>
+                </a:ext>
+              </a:extLst>
+            </p:cNvPr>
+            <p:cNvSpPr/>
+            <p:nvPr/>
+          </p:nvSpPr>
+          <p:spPr>
+            <a:xfrm>
+              <a:off x="10290860" y="5483508"/>
+              <a:ext cx="764651" cy="301950"/>
+            </a:xfrm>
+            <a:prstGeom prst="roundRect">
+              <a:avLst/>
+            </a:prstGeom>
+          </p:spPr>
+          <p:style>
+            <a:lnRef idx="2">
+              <a:schemeClr val="accent1">
+                <a:shade val="15000"/>
+              </a:schemeClr>
+            </a:lnRef>
+            <a:fillRef idx="1">
+              <a:schemeClr val="accent1"/>
+            </a:fillRef>
+            <a:effectRef idx="0">
+              <a:schemeClr val="accent1"/>
+            </a:effectRef>
+            <a:fontRef idx="minor">
+              <a:schemeClr val="lt1"/>
+            </a:fontRef>
+          </p:style>
+          <p:txBody>
+            <a:bodyPr rtlCol="0" anchor="ctr"/>
+            <a:lstStyle/>
+            <a:p>
+              <a:pPr algn="ctr"/>
+              <a:r>
+                <a:rPr lang="en-US" sz="1600" b="1" dirty="0"/>
+                <a:t>…</a:t>
+              </a:r>
+            </a:p>
+          </p:txBody>
+        </p:sp>
+        <p:sp>
+          <p:nvSpPr>
+            <p:cNvPr id="42" name="Rectangle: Rounded Corners 41">
+              <a:extLst>
+                <a:ext uri="{FF2B5EF4-FFF2-40B4-BE49-F238E27FC236}">
+                  <a16:creationId xmlns:a16="http://schemas.microsoft.com/office/drawing/2014/main" id="{348C4BBF-B513-F47E-C34B-170DD88D851A}"/>
+                </a:ext>
+              </a:extLst>
+            </p:cNvPr>
+            <p:cNvSpPr/>
+            <p:nvPr/>
+          </p:nvSpPr>
+          <p:spPr>
+            <a:xfrm>
+              <a:off x="11315028" y="5486428"/>
+              <a:ext cx="764651" cy="301950"/>
+            </a:xfrm>
+            <a:prstGeom prst="roundRect">
+              <a:avLst/>
+            </a:prstGeom>
+          </p:spPr>
+          <p:style>
+            <a:lnRef idx="2">
+              <a:schemeClr val="accent1">
+                <a:shade val="15000"/>
+              </a:schemeClr>
+            </a:lnRef>
+            <a:fillRef idx="1">
+              <a:schemeClr val="accent1"/>
+            </a:fillRef>
+            <a:effectRef idx="0">
+              <a:schemeClr val="accent1"/>
+            </a:effectRef>
+            <a:fontRef idx="minor">
+              <a:schemeClr val="lt1"/>
+            </a:fontRef>
+          </p:style>
+          <p:txBody>
+            <a:bodyPr rtlCol="0" anchor="ctr"/>
+            <a:lstStyle/>
+            <a:p>
+              <a:pPr algn="ctr"/>
+              <a:r>
+                <a:rPr lang="en-US" sz="1600" b="1" dirty="0"/>
+                <a:t>LSTM</a:t>
+              </a:r>
+            </a:p>
+          </p:txBody>
+        </p:sp>
+        <p:sp>
+          <p:nvSpPr>
+            <p:cNvPr id="43" name="Rectangle: Rounded Corners 42">
+              <a:extLst>
+                <a:ext uri="{FF2B5EF4-FFF2-40B4-BE49-F238E27FC236}">
+                  <a16:creationId xmlns:a16="http://schemas.microsoft.com/office/drawing/2014/main" id="{5475036F-EC6B-D04A-510B-C08DEFAFB88E}"/>
+                </a:ext>
+              </a:extLst>
+            </p:cNvPr>
+            <p:cNvSpPr/>
+            <p:nvPr/>
+          </p:nvSpPr>
+          <p:spPr>
+            <a:xfrm>
+              <a:off x="12339196" y="5489273"/>
+              <a:ext cx="764651" cy="301950"/>
+            </a:xfrm>
+            <a:prstGeom prst="roundRect">
+              <a:avLst/>
+            </a:prstGeom>
+          </p:spPr>
+          <p:style>
+            <a:lnRef idx="2">
+              <a:schemeClr val="accent1">
+                <a:shade val="15000"/>
+              </a:schemeClr>
+            </a:lnRef>
+            <a:fillRef idx="1">
+              <a:schemeClr val="accent1"/>
+            </a:fillRef>
+            <a:effectRef idx="0">
+              <a:schemeClr val="accent1"/>
+            </a:effectRef>
+            <a:fontRef idx="minor">
+              <a:schemeClr val="lt1"/>
+            </a:fontRef>
+          </p:style>
+          <p:txBody>
+            <a:bodyPr rtlCol="0" anchor="ctr"/>
+            <a:lstStyle/>
+            <a:p>
+              <a:pPr algn="ctr"/>
+              <a:r>
+                <a:rPr lang="en-US" sz="1600" b="1" dirty="0"/>
+                <a:t>LSTM</a:t>
+              </a:r>
+            </a:p>
+          </p:txBody>
+        </p:sp>
+        <p:cxnSp>
+          <p:nvCxnSpPr>
+            <p:cNvPr id="44" name="Straight Arrow Connector 43">
+              <a:extLst>
+                <a:ext uri="{FF2B5EF4-FFF2-40B4-BE49-F238E27FC236}">
+                  <a16:creationId xmlns:a16="http://schemas.microsoft.com/office/drawing/2014/main" id="{2F3CAF24-EFFD-3177-2C36-E21B98124014}"/>
+                </a:ext>
+              </a:extLst>
+            </p:cNvPr>
+            <p:cNvCxnSpPr>
+              <a:cxnSpLocks/>
+              <a:stCxn id="39" idx="3"/>
+              <a:endCxn id="40" idx="1"/>
+            </p:cNvCxnSpPr>
+            <p:nvPr/>
+          </p:nvCxnSpPr>
+          <p:spPr>
+            <a:xfrm>
+              <a:off x="9007175" y="5636572"/>
+              <a:ext cx="259517" cy="0"/>
+            </a:xfrm>
+            <a:prstGeom prst="straightConnector1">
+              <a:avLst/>
+            </a:prstGeom>
+            <a:ln w="28575">
+              <a:solidFill>
+                <a:schemeClr val="accent5"/>
+              </a:solidFill>
+              <a:tailEnd type="triangle"/>
+            </a:ln>
+          </p:spPr>
+          <p:style>
+            <a:lnRef idx="2">
+              <a:schemeClr val="accent1"/>
+            </a:lnRef>
+            <a:fillRef idx="0">
+              <a:schemeClr val="accent1"/>
+            </a:fillRef>
+            <a:effectRef idx="1">
+              <a:schemeClr val="accent1"/>
+            </a:effectRef>
+            <a:fontRef idx="minor">
+              <a:schemeClr val="tx1"/>
+            </a:fontRef>
+          </p:style>
+        </p:cxnSp>
+        <p:cxnSp>
+          <p:nvCxnSpPr>
+            <p:cNvPr id="45" name="Straight Arrow Connector 44">
+              <a:extLst>
+                <a:ext uri="{FF2B5EF4-FFF2-40B4-BE49-F238E27FC236}">
+                  <a16:creationId xmlns:a16="http://schemas.microsoft.com/office/drawing/2014/main" id="{66C3957A-2808-3475-3B53-37099B5F1C27}"/>
+                </a:ext>
+              </a:extLst>
+            </p:cNvPr>
+            <p:cNvCxnSpPr>
+              <a:cxnSpLocks/>
+              <a:endCxn id="41" idx="1"/>
+            </p:cNvCxnSpPr>
+            <p:nvPr/>
+          </p:nvCxnSpPr>
+          <p:spPr>
+            <a:xfrm>
+              <a:off x="10031343" y="5634483"/>
+              <a:ext cx="259517" cy="0"/>
+            </a:xfrm>
+            <a:prstGeom prst="straightConnector1">
+              <a:avLst/>
+            </a:prstGeom>
+            <a:ln w="28575">
+              <a:solidFill>
+                <a:schemeClr val="accent5"/>
+              </a:solidFill>
+              <a:tailEnd type="triangle"/>
+            </a:ln>
+          </p:spPr>
+          <p:style>
+            <a:lnRef idx="2">
+              <a:schemeClr val="accent1"/>
+            </a:lnRef>
+            <a:fillRef idx="0">
+              <a:schemeClr val="accent1"/>
+            </a:fillRef>
+            <a:effectRef idx="1">
+              <a:schemeClr val="accent1"/>
+            </a:effectRef>
+            <a:fontRef idx="minor">
+              <a:schemeClr val="tx1"/>
+            </a:fontRef>
+          </p:style>
+        </p:cxnSp>
+        <p:cxnSp>
+          <p:nvCxnSpPr>
+            <p:cNvPr id="46" name="Straight Arrow Connector 45">
+              <a:extLst>
+                <a:ext uri="{FF2B5EF4-FFF2-40B4-BE49-F238E27FC236}">
+                  <a16:creationId xmlns:a16="http://schemas.microsoft.com/office/drawing/2014/main" id="{2D64EBEA-0367-0EBF-D7B7-DDD2A5C1801F}"/>
+                </a:ext>
+              </a:extLst>
+            </p:cNvPr>
+            <p:cNvCxnSpPr>
+              <a:cxnSpLocks/>
+              <a:stCxn id="41" idx="3"/>
+              <a:endCxn id="42" idx="1"/>
+            </p:cNvCxnSpPr>
+            <p:nvPr/>
+          </p:nvCxnSpPr>
+          <p:spPr>
+            <a:xfrm>
+              <a:off x="11055511" y="5634483"/>
+              <a:ext cx="259517" cy="2920"/>
+            </a:xfrm>
+            <a:prstGeom prst="straightConnector1">
+              <a:avLst/>
+            </a:prstGeom>
+            <a:ln w="28575">
+              <a:solidFill>
+                <a:schemeClr val="accent5"/>
+              </a:solidFill>
+              <a:tailEnd type="triangle"/>
+            </a:ln>
+          </p:spPr>
+          <p:style>
+            <a:lnRef idx="2">
+              <a:schemeClr val="accent1"/>
+            </a:lnRef>
+            <a:fillRef idx="0">
+              <a:schemeClr val="accent1"/>
+            </a:fillRef>
+            <a:effectRef idx="1">
+              <a:schemeClr val="accent1"/>
+            </a:effectRef>
+            <a:fontRef idx="minor">
+              <a:schemeClr val="tx1"/>
+            </a:fontRef>
+          </p:style>
+        </p:cxnSp>
+        <p:cxnSp>
+          <p:nvCxnSpPr>
+            <p:cNvPr id="47" name="Straight Arrow Connector 46">
+              <a:extLst>
+                <a:ext uri="{FF2B5EF4-FFF2-40B4-BE49-F238E27FC236}">
+                  <a16:creationId xmlns:a16="http://schemas.microsoft.com/office/drawing/2014/main" id="{AE8DC3E9-3745-01BE-ABD8-4ABA650041F6}"/>
+                </a:ext>
+              </a:extLst>
+            </p:cNvPr>
+            <p:cNvCxnSpPr>
+              <a:cxnSpLocks/>
+              <a:stCxn id="42" idx="3"/>
+              <a:endCxn id="43" idx="1"/>
+            </p:cNvCxnSpPr>
+            <p:nvPr/>
+          </p:nvCxnSpPr>
+          <p:spPr>
+            <a:xfrm>
+              <a:off x="12079679" y="5637405"/>
+              <a:ext cx="259517" cy="2845"/>
+            </a:xfrm>
+            <a:prstGeom prst="straightConnector1">
+              <a:avLst/>
+            </a:prstGeom>
+            <a:ln w="28575">
+              <a:solidFill>
+                <a:schemeClr val="accent5"/>
+              </a:solidFill>
+              <a:tailEnd type="triangle"/>
+            </a:ln>
+          </p:spPr>
+          <p:style>
+            <a:lnRef idx="2">
+              <a:schemeClr val="accent1"/>
+            </a:lnRef>
+            <a:fillRef idx="0">
+              <a:schemeClr val="accent1"/>
+            </a:fillRef>
+            <a:effectRef idx="1">
+              <a:schemeClr val="accent1"/>
+            </a:effectRef>
+            <a:fontRef idx="minor">
+              <a:schemeClr val="tx1"/>
+            </a:fontRef>
+          </p:style>
+        </p:cxnSp>
+        <p:sp>
+          <p:nvSpPr>
+            <p:cNvPr id="48" name="Rectangle: Rounded Corners 47">
+              <a:extLst>
+                <a:ext uri="{FF2B5EF4-FFF2-40B4-BE49-F238E27FC236}">
+                  <a16:creationId xmlns:a16="http://schemas.microsoft.com/office/drawing/2014/main" id="{37350477-4A02-DB21-2AD0-FE53360117A1}"/>
+                </a:ext>
+              </a:extLst>
+            </p:cNvPr>
+            <p:cNvSpPr/>
+            <p:nvPr/>
+          </p:nvSpPr>
+          <p:spPr>
+            <a:xfrm>
+              <a:off x="7582566" y="2457472"/>
+              <a:ext cx="5939624" cy="1017766"/>
+            </a:xfrm>
+            <a:prstGeom prst="roundRect">
+              <a:avLst/>
+            </a:prstGeom>
+            <a:solidFill>
+              <a:schemeClr val="tx2">
+                <a:lumMod val="10000"/>
+                <a:lumOff val="90000"/>
+              </a:schemeClr>
+            </a:solidFill>
+          </p:spPr>
+          <p:style>
+            <a:lnRef idx="2">
+              <a:schemeClr val="accent1">
+                <a:shade val="15000"/>
+              </a:schemeClr>
+            </a:lnRef>
+            <a:fillRef idx="1">
+              <a:schemeClr val="accent1"/>
+            </a:fillRef>
+            <a:effectRef idx="0">
+              <a:schemeClr val="accent1"/>
+            </a:effectRef>
+            <a:fontRef idx="minor">
+              <a:schemeClr val="lt1"/>
+            </a:fontRef>
+          </p:style>
+          <p:txBody>
+            <a:bodyPr rtlCol="0" anchor="ctr"/>
+            <a:lstStyle/>
+            <a:p>
+              <a:pPr algn="ctr"/>
+              <a:endParaRPr lang="en-US" sz="5183"/>
+            </a:p>
+          </p:txBody>
+        </p:sp>
+        <p:sp>
+          <p:nvSpPr>
+            <p:cNvPr id="49" name="Rectangle: Rounded Corners 48">
+              <a:extLst>
+                <a:ext uri="{FF2B5EF4-FFF2-40B4-BE49-F238E27FC236}">
+                  <a16:creationId xmlns:a16="http://schemas.microsoft.com/office/drawing/2014/main" id="{5F6A67D9-9B5B-05F3-86A0-2618F2714322}"/>
+                </a:ext>
+              </a:extLst>
+            </p:cNvPr>
+            <p:cNvSpPr/>
+            <p:nvPr/>
+          </p:nvSpPr>
+          <p:spPr>
+            <a:xfrm>
+              <a:off x="8242524" y="2815380"/>
+              <a:ext cx="764651" cy="301950"/>
+            </a:xfrm>
+            <a:prstGeom prst="roundRect">
+              <a:avLst/>
+            </a:prstGeom>
+          </p:spPr>
+          <p:style>
+            <a:lnRef idx="2">
+              <a:schemeClr val="accent1">
+                <a:shade val="15000"/>
+              </a:schemeClr>
+            </a:lnRef>
+            <a:fillRef idx="1">
+              <a:schemeClr val="accent1"/>
+            </a:fillRef>
+            <a:effectRef idx="0">
+              <a:schemeClr val="accent1"/>
+            </a:effectRef>
+            <a:fontRef idx="minor">
+              <a:schemeClr val="lt1"/>
+            </a:fontRef>
+          </p:style>
+          <p:txBody>
+            <a:bodyPr rtlCol="0" anchor="ctr"/>
+            <a:lstStyle/>
+            <a:p>
+              <a:pPr algn="ctr"/>
+              <a:r>
+                <a:rPr lang="en-US" sz="1600" b="1" dirty="0"/>
+                <a:t>LSTM</a:t>
+              </a:r>
+            </a:p>
+          </p:txBody>
+        </p:sp>
+        <p:sp>
+          <p:nvSpPr>
+            <p:cNvPr id="50" name="Rectangle: Rounded Corners 49">
+              <a:extLst>
+                <a:ext uri="{FF2B5EF4-FFF2-40B4-BE49-F238E27FC236}">
+                  <a16:creationId xmlns:a16="http://schemas.microsoft.com/office/drawing/2014/main" id="{86B6914A-9013-E75B-F143-69887415C437}"/>
+                </a:ext>
+              </a:extLst>
+            </p:cNvPr>
+            <p:cNvSpPr/>
+            <p:nvPr/>
+          </p:nvSpPr>
+          <p:spPr>
+            <a:xfrm>
+              <a:off x="9266692" y="2815380"/>
+              <a:ext cx="764651" cy="301950"/>
+            </a:xfrm>
+            <a:prstGeom prst="roundRect">
+              <a:avLst/>
+            </a:prstGeom>
+          </p:spPr>
+          <p:style>
+            <a:lnRef idx="2">
+              <a:schemeClr val="accent1">
+                <a:shade val="15000"/>
+              </a:schemeClr>
+            </a:lnRef>
+            <a:fillRef idx="1">
+              <a:schemeClr val="accent1"/>
+            </a:fillRef>
+            <a:effectRef idx="0">
+              <a:schemeClr val="accent1"/>
+            </a:effectRef>
+            <a:fontRef idx="minor">
+              <a:schemeClr val="lt1"/>
+            </a:fontRef>
+          </p:style>
+          <p:txBody>
+            <a:bodyPr rtlCol="0" anchor="ctr"/>
+            <a:lstStyle/>
+            <a:p>
+              <a:pPr algn="ctr"/>
+              <a:r>
+                <a:rPr lang="en-US" sz="1600" b="1" dirty="0"/>
+                <a:t>LSTM</a:t>
+              </a:r>
+            </a:p>
+          </p:txBody>
+        </p:sp>
+        <p:sp>
+          <p:nvSpPr>
+            <p:cNvPr id="51" name="Rectangle: Rounded Corners 50">
+              <a:extLst>
+                <a:ext uri="{FF2B5EF4-FFF2-40B4-BE49-F238E27FC236}">
+                  <a16:creationId xmlns:a16="http://schemas.microsoft.com/office/drawing/2014/main" id="{E8A091D6-E807-373F-1E99-4D6BC0DD88C6}"/>
+                </a:ext>
+              </a:extLst>
+            </p:cNvPr>
+            <p:cNvSpPr/>
+            <p:nvPr/>
+          </p:nvSpPr>
+          <p:spPr>
+            <a:xfrm>
+              <a:off x="10290860" y="2813291"/>
+              <a:ext cx="764651" cy="301950"/>
+            </a:xfrm>
+            <a:prstGeom prst="roundRect">
+              <a:avLst/>
+            </a:prstGeom>
+          </p:spPr>
+          <p:style>
+            <a:lnRef idx="2">
+              <a:schemeClr val="accent1">
+                <a:shade val="15000"/>
+              </a:schemeClr>
+            </a:lnRef>
+            <a:fillRef idx="1">
+              <a:schemeClr val="accent1"/>
+            </a:fillRef>
+            <a:effectRef idx="0">
+              <a:schemeClr val="accent1"/>
+            </a:effectRef>
+            <a:fontRef idx="minor">
+              <a:schemeClr val="lt1"/>
+            </a:fontRef>
+          </p:style>
+          <p:txBody>
+            <a:bodyPr rtlCol="0" anchor="ctr"/>
+            <a:lstStyle/>
+            <a:p>
+              <a:pPr algn="ctr"/>
+              <a:r>
+                <a:rPr lang="en-US" sz="1600" b="1" dirty="0"/>
+                <a:t>…</a:t>
+              </a:r>
+            </a:p>
+          </p:txBody>
+        </p:sp>
+        <p:sp>
+          <p:nvSpPr>
+            <p:cNvPr id="52" name="Rectangle: Rounded Corners 51">
+              <a:extLst>
+                <a:ext uri="{FF2B5EF4-FFF2-40B4-BE49-F238E27FC236}">
+                  <a16:creationId xmlns:a16="http://schemas.microsoft.com/office/drawing/2014/main" id="{17251E13-01DF-C685-F5AD-B4F9766B917B}"/>
+                </a:ext>
+              </a:extLst>
+            </p:cNvPr>
+            <p:cNvSpPr/>
+            <p:nvPr/>
+          </p:nvSpPr>
+          <p:spPr>
+            <a:xfrm>
+              <a:off x="11315028" y="2816211"/>
+              <a:ext cx="764651" cy="301950"/>
+            </a:xfrm>
+            <a:prstGeom prst="roundRect">
+              <a:avLst/>
+            </a:prstGeom>
+          </p:spPr>
+          <p:style>
+            <a:lnRef idx="2">
+              <a:schemeClr val="accent1">
+                <a:shade val="15000"/>
+              </a:schemeClr>
+            </a:lnRef>
+            <a:fillRef idx="1">
+              <a:schemeClr val="accent1"/>
+            </a:fillRef>
+            <a:effectRef idx="0">
+              <a:schemeClr val="accent1"/>
+            </a:effectRef>
+            <a:fontRef idx="minor">
+              <a:schemeClr val="lt1"/>
+            </a:fontRef>
+          </p:style>
+          <p:txBody>
+            <a:bodyPr rtlCol="0" anchor="ctr"/>
+            <a:lstStyle/>
+            <a:p>
+              <a:pPr algn="ctr"/>
+              <a:r>
+                <a:rPr lang="en-US" sz="1600" b="1" dirty="0"/>
+                <a:t>LSTM</a:t>
+              </a:r>
+            </a:p>
+          </p:txBody>
+        </p:sp>
+        <p:sp>
+          <p:nvSpPr>
+            <p:cNvPr id="53" name="Rectangle: Rounded Corners 52">
+              <a:extLst>
+                <a:ext uri="{FF2B5EF4-FFF2-40B4-BE49-F238E27FC236}">
+                  <a16:creationId xmlns:a16="http://schemas.microsoft.com/office/drawing/2014/main" id="{F176E8BD-3AE9-1E8B-322F-B0B915CC69E2}"/>
+                </a:ext>
+              </a:extLst>
+            </p:cNvPr>
+            <p:cNvSpPr/>
+            <p:nvPr/>
+          </p:nvSpPr>
+          <p:spPr>
+            <a:xfrm>
+              <a:off x="12339196" y="2819056"/>
+              <a:ext cx="764651" cy="301950"/>
+            </a:xfrm>
+            <a:prstGeom prst="roundRect">
+              <a:avLst/>
+            </a:prstGeom>
+          </p:spPr>
+          <p:style>
+            <a:lnRef idx="2">
+              <a:schemeClr val="accent1">
+                <a:shade val="15000"/>
+              </a:schemeClr>
+            </a:lnRef>
+            <a:fillRef idx="1">
+              <a:schemeClr val="accent1"/>
+            </a:fillRef>
+            <a:effectRef idx="0">
+              <a:schemeClr val="accent1"/>
+            </a:effectRef>
+            <a:fontRef idx="minor">
+              <a:schemeClr val="lt1"/>
+            </a:fontRef>
+          </p:style>
+          <p:txBody>
+            <a:bodyPr rtlCol="0" anchor="ctr"/>
+            <a:lstStyle/>
+            <a:p>
+              <a:pPr algn="ctr"/>
+              <a:r>
+                <a:rPr lang="en-US" sz="1600" b="1" dirty="0"/>
+                <a:t>LSTM</a:t>
+              </a:r>
+            </a:p>
+          </p:txBody>
+        </p:sp>
+        <p:cxnSp>
+          <p:nvCxnSpPr>
+            <p:cNvPr id="54" name="Straight Arrow Connector 53">
+              <a:extLst>
+                <a:ext uri="{FF2B5EF4-FFF2-40B4-BE49-F238E27FC236}">
+                  <a16:creationId xmlns:a16="http://schemas.microsoft.com/office/drawing/2014/main" id="{688F6970-13E8-A9FE-CCB5-4AFE99AF270F}"/>
+                </a:ext>
+              </a:extLst>
+            </p:cNvPr>
+            <p:cNvCxnSpPr>
+              <a:cxnSpLocks/>
+              <a:stCxn id="49" idx="3"/>
+              <a:endCxn id="50" idx="1"/>
+            </p:cNvCxnSpPr>
+            <p:nvPr/>
+          </p:nvCxnSpPr>
+          <p:spPr>
+            <a:xfrm>
+              <a:off x="9007175" y="2966355"/>
+              <a:ext cx="259517" cy="0"/>
+            </a:xfrm>
+            <a:prstGeom prst="straightConnector1">
+              <a:avLst/>
+            </a:prstGeom>
+            <a:ln w="28575">
+              <a:solidFill>
+                <a:schemeClr val="accent5"/>
+              </a:solidFill>
+              <a:tailEnd type="triangle"/>
+            </a:ln>
+          </p:spPr>
+          <p:style>
+            <a:lnRef idx="2">
+              <a:schemeClr val="accent1"/>
+            </a:lnRef>
+            <a:fillRef idx="0">
+              <a:schemeClr val="accent1"/>
+            </a:fillRef>
+            <a:effectRef idx="1">
+              <a:schemeClr val="accent1"/>
+            </a:effectRef>
+            <a:fontRef idx="minor">
+              <a:schemeClr val="tx1"/>
+            </a:fontRef>
+          </p:style>
+        </p:cxnSp>
+        <p:cxnSp>
+          <p:nvCxnSpPr>
+            <p:cNvPr id="55" name="Straight Arrow Connector 54">
+              <a:extLst>
+                <a:ext uri="{FF2B5EF4-FFF2-40B4-BE49-F238E27FC236}">
+                  <a16:creationId xmlns:a16="http://schemas.microsoft.com/office/drawing/2014/main" id="{32CFF806-25CE-0D46-91CC-2A38F2CC6EA9}"/>
+                </a:ext>
+              </a:extLst>
+            </p:cNvPr>
+            <p:cNvCxnSpPr>
+              <a:cxnSpLocks/>
+              <a:endCxn id="51" idx="1"/>
+            </p:cNvCxnSpPr>
+            <p:nvPr/>
+          </p:nvCxnSpPr>
+          <p:spPr>
+            <a:xfrm>
+              <a:off x="10031343" y="2964266"/>
+              <a:ext cx="259517" cy="0"/>
+            </a:xfrm>
+            <a:prstGeom prst="straightConnector1">
+              <a:avLst/>
+            </a:prstGeom>
+            <a:ln w="28575">
+              <a:solidFill>
+                <a:schemeClr val="accent5"/>
+              </a:solidFill>
+              <a:tailEnd type="triangle"/>
+            </a:ln>
+          </p:spPr>
+          <p:style>
+            <a:lnRef idx="2">
+              <a:schemeClr val="accent1"/>
+            </a:lnRef>
+            <a:fillRef idx="0">
+              <a:schemeClr val="accent1"/>
+            </a:fillRef>
+            <a:effectRef idx="1">
+              <a:schemeClr val="accent1"/>
+            </a:effectRef>
+            <a:fontRef idx="minor">
+              <a:schemeClr val="tx1"/>
+            </a:fontRef>
+          </p:style>
+        </p:cxnSp>
+        <p:cxnSp>
+          <p:nvCxnSpPr>
+            <p:cNvPr id="56" name="Straight Arrow Connector 55">
+              <a:extLst>
+                <a:ext uri="{FF2B5EF4-FFF2-40B4-BE49-F238E27FC236}">
+                  <a16:creationId xmlns:a16="http://schemas.microsoft.com/office/drawing/2014/main" id="{FFAADCB5-B5D9-9FD3-938B-95E4E68A05AB}"/>
+                </a:ext>
+              </a:extLst>
+            </p:cNvPr>
+            <p:cNvCxnSpPr>
+              <a:cxnSpLocks/>
+              <a:stCxn id="51" idx="3"/>
+              <a:endCxn id="52" idx="1"/>
+            </p:cNvCxnSpPr>
+            <p:nvPr/>
+          </p:nvCxnSpPr>
+          <p:spPr>
+            <a:xfrm>
+              <a:off x="11055511" y="2964266"/>
+              <a:ext cx="259517" cy="2920"/>
+            </a:xfrm>
+            <a:prstGeom prst="straightConnector1">
+              <a:avLst/>
+            </a:prstGeom>
+            <a:ln w="28575">
+              <a:solidFill>
+                <a:schemeClr val="accent5"/>
+              </a:solidFill>
+              <a:tailEnd type="triangle"/>
+            </a:ln>
+          </p:spPr>
+          <p:style>
+            <a:lnRef idx="2">
+              <a:schemeClr val="accent1"/>
+            </a:lnRef>
+            <a:fillRef idx="0">
+              <a:schemeClr val="accent1"/>
+            </a:fillRef>
+            <a:effectRef idx="1">
+              <a:schemeClr val="accent1"/>
+            </a:effectRef>
+            <a:fontRef idx="minor">
+              <a:schemeClr val="tx1"/>
+            </a:fontRef>
+          </p:style>
+        </p:cxnSp>
+        <p:cxnSp>
+          <p:nvCxnSpPr>
+            <p:cNvPr id="57" name="Straight Arrow Connector 56">
+              <a:extLst>
+                <a:ext uri="{FF2B5EF4-FFF2-40B4-BE49-F238E27FC236}">
+                  <a16:creationId xmlns:a16="http://schemas.microsoft.com/office/drawing/2014/main" id="{80149048-608C-BBEB-407D-34ADFD96198D}"/>
+                </a:ext>
+              </a:extLst>
+            </p:cNvPr>
+            <p:cNvCxnSpPr>
+              <a:cxnSpLocks/>
+              <a:stCxn id="52" idx="3"/>
+              <a:endCxn id="53" idx="1"/>
+            </p:cNvCxnSpPr>
+            <p:nvPr/>
+          </p:nvCxnSpPr>
+          <p:spPr>
+            <a:xfrm>
+              <a:off x="12079679" y="2967188"/>
+              <a:ext cx="259517" cy="2845"/>
+            </a:xfrm>
+            <a:prstGeom prst="straightConnector1">
+              <a:avLst/>
+            </a:prstGeom>
+            <a:ln w="28575">
+              <a:solidFill>
+                <a:schemeClr val="accent5"/>
+              </a:solidFill>
+              <a:tailEnd type="triangle"/>
+            </a:ln>
+          </p:spPr>
+          <p:style>
+            <a:lnRef idx="2">
+              <a:schemeClr val="accent1"/>
+            </a:lnRef>
+            <a:fillRef idx="0">
+              <a:schemeClr val="accent1"/>
+            </a:fillRef>
+            <a:effectRef idx="1">
+              <a:schemeClr val="accent1"/>
+            </a:effectRef>
+            <a:fontRef idx="minor">
+              <a:schemeClr val="tx1"/>
+            </a:fontRef>
+          </p:style>
+        </p:cxnSp>
+        <p:cxnSp>
+          <p:nvCxnSpPr>
+            <p:cNvPr id="58" name="Straight Arrow Connector 57">
+              <a:extLst>
+                <a:ext uri="{FF2B5EF4-FFF2-40B4-BE49-F238E27FC236}">
+                  <a16:creationId xmlns:a16="http://schemas.microsoft.com/office/drawing/2014/main" id="{7B17458C-B391-0D58-704D-B07ADE1A9B06}"/>
+                </a:ext>
+              </a:extLst>
+            </p:cNvPr>
+            <p:cNvCxnSpPr>
+              <a:cxnSpLocks/>
+              <a:stCxn id="39" idx="0"/>
+              <a:endCxn id="16" idx="2"/>
+            </p:cNvCxnSpPr>
+            <p:nvPr/>
+          </p:nvCxnSpPr>
+          <p:spPr>
+            <a:xfrm flipV="1">
+              <a:off x="8624849" y="4498111"/>
+              <a:ext cx="0" cy="987487"/>
+            </a:xfrm>
+            <a:prstGeom prst="straightConnector1">
+              <a:avLst/>
+            </a:prstGeom>
+            <a:ln w="28575">
+              <a:solidFill>
+                <a:schemeClr val="accent5"/>
+              </a:solidFill>
+              <a:tailEnd type="triangle"/>
+            </a:ln>
+          </p:spPr>
+          <p:style>
+            <a:lnRef idx="2">
+              <a:schemeClr val="accent1"/>
+            </a:lnRef>
+            <a:fillRef idx="0">
+              <a:schemeClr val="accent1"/>
+            </a:fillRef>
+            <a:effectRef idx="1">
+              <a:schemeClr val="accent1"/>
+            </a:effectRef>
+            <a:fontRef idx="minor">
+              <a:schemeClr val="tx1"/>
+            </a:fontRef>
+          </p:style>
+        </p:cxnSp>
+        <p:cxnSp>
+          <p:nvCxnSpPr>
+            <p:cNvPr id="61" name="Straight Arrow Connector 60">
+              <a:extLst>
+                <a:ext uri="{FF2B5EF4-FFF2-40B4-BE49-F238E27FC236}">
+                  <a16:creationId xmlns:a16="http://schemas.microsoft.com/office/drawing/2014/main" id="{4DEF3455-C375-ABDA-FFB7-E7682C445C09}"/>
+                </a:ext>
+              </a:extLst>
+            </p:cNvPr>
+            <p:cNvCxnSpPr>
+              <a:cxnSpLocks/>
+              <a:stCxn id="40" idx="0"/>
+              <a:endCxn id="18" idx="2"/>
+            </p:cNvCxnSpPr>
+            <p:nvPr/>
+          </p:nvCxnSpPr>
+          <p:spPr>
+            <a:xfrm flipV="1">
+              <a:off x="9649017" y="4498111"/>
+              <a:ext cx="0" cy="987487"/>
+            </a:xfrm>
+            <a:prstGeom prst="straightConnector1">
+              <a:avLst/>
+            </a:prstGeom>
+            <a:ln w="28575">
+              <a:solidFill>
+                <a:schemeClr val="accent5"/>
+              </a:solidFill>
+              <a:tailEnd type="triangle"/>
+            </a:ln>
+          </p:spPr>
+          <p:style>
+            <a:lnRef idx="2">
+              <a:schemeClr val="accent1"/>
+            </a:lnRef>
+            <a:fillRef idx="0">
+              <a:schemeClr val="accent1"/>
+            </a:fillRef>
+            <a:effectRef idx="1">
+              <a:schemeClr val="accent1"/>
+            </a:effectRef>
+            <a:fontRef idx="minor">
+              <a:schemeClr val="tx1"/>
+            </a:fontRef>
+          </p:style>
+        </p:cxnSp>
+        <p:cxnSp>
+          <p:nvCxnSpPr>
+            <p:cNvPr id="64" name="Straight Arrow Connector 63">
+              <a:extLst>
+                <a:ext uri="{FF2B5EF4-FFF2-40B4-BE49-F238E27FC236}">
+                  <a16:creationId xmlns:a16="http://schemas.microsoft.com/office/drawing/2014/main" id="{E8D2335C-E0EF-A950-5243-BA2E95EDB0A9}"/>
+                </a:ext>
+              </a:extLst>
+            </p:cNvPr>
+            <p:cNvCxnSpPr>
+              <a:cxnSpLocks/>
+              <a:endCxn id="19" idx="2"/>
+            </p:cNvCxnSpPr>
+            <p:nvPr/>
+          </p:nvCxnSpPr>
+          <p:spPr>
+            <a:xfrm flipV="1">
+              <a:off x="10673185" y="4496023"/>
+              <a:ext cx="0" cy="987487"/>
+            </a:xfrm>
+            <a:prstGeom prst="straightConnector1">
+              <a:avLst/>
+            </a:prstGeom>
+            <a:ln w="28575">
+              <a:solidFill>
+                <a:schemeClr val="accent5"/>
+              </a:solidFill>
+              <a:tailEnd type="triangle"/>
+            </a:ln>
+          </p:spPr>
+          <p:style>
+            <a:lnRef idx="2">
+              <a:schemeClr val="accent1"/>
+            </a:lnRef>
+            <a:fillRef idx="0">
+              <a:schemeClr val="accent1"/>
+            </a:fillRef>
+            <a:effectRef idx="1">
+              <a:schemeClr val="accent1"/>
+            </a:effectRef>
+            <a:fontRef idx="minor">
+              <a:schemeClr val="tx1"/>
+            </a:fontRef>
+          </p:style>
+        </p:cxnSp>
+        <p:cxnSp>
+          <p:nvCxnSpPr>
+            <p:cNvPr id="67" name="Straight Arrow Connector 66">
+              <a:extLst>
+                <a:ext uri="{FF2B5EF4-FFF2-40B4-BE49-F238E27FC236}">
+                  <a16:creationId xmlns:a16="http://schemas.microsoft.com/office/drawing/2014/main" id="{038F7DFE-8B5A-F34A-9834-81F94AC54260}"/>
+                </a:ext>
+              </a:extLst>
+            </p:cNvPr>
+            <p:cNvCxnSpPr>
+              <a:cxnSpLocks/>
+              <a:endCxn id="20" idx="2"/>
+            </p:cNvCxnSpPr>
+            <p:nvPr/>
+          </p:nvCxnSpPr>
+          <p:spPr>
+            <a:xfrm flipV="1">
+              <a:off x="11697351" y="4498943"/>
+              <a:ext cx="2" cy="984567"/>
+            </a:xfrm>
+            <a:prstGeom prst="straightConnector1">
+              <a:avLst/>
+            </a:prstGeom>
+            <a:ln w="28575">
+              <a:solidFill>
+                <a:schemeClr val="accent5"/>
+              </a:solidFill>
+              <a:tailEnd type="triangle"/>
+            </a:ln>
+          </p:spPr>
+          <p:style>
+            <a:lnRef idx="2">
+              <a:schemeClr val="accent1"/>
+            </a:lnRef>
+            <a:fillRef idx="0">
+              <a:schemeClr val="accent1"/>
+            </a:fillRef>
+            <a:effectRef idx="1">
+              <a:schemeClr val="accent1"/>
+            </a:effectRef>
+            <a:fontRef idx="minor">
+              <a:schemeClr val="tx1"/>
+            </a:fontRef>
+          </p:style>
+        </p:cxnSp>
+        <p:cxnSp>
+          <p:nvCxnSpPr>
+            <p:cNvPr id="70" name="Straight Arrow Connector 69">
+              <a:extLst>
+                <a:ext uri="{FF2B5EF4-FFF2-40B4-BE49-F238E27FC236}">
+                  <a16:creationId xmlns:a16="http://schemas.microsoft.com/office/drawing/2014/main" id="{943C4CC1-C2F2-456C-033C-F0F3A9B2E0A6}"/>
+                </a:ext>
+              </a:extLst>
+            </p:cNvPr>
+            <p:cNvCxnSpPr>
+              <a:cxnSpLocks/>
+              <a:stCxn id="43" idx="0"/>
+              <a:endCxn id="22" idx="2"/>
+            </p:cNvCxnSpPr>
+            <p:nvPr/>
+          </p:nvCxnSpPr>
+          <p:spPr>
+            <a:xfrm flipV="1">
+              <a:off x="12721521" y="4501787"/>
+              <a:ext cx="0" cy="987487"/>
+            </a:xfrm>
+            <a:prstGeom prst="straightConnector1">
+              <a:avLst/>
+            </a:prstGeom>
+            <a:ln w="28575">
+              <a:solidFill>
+                <a:schemeClr val="accent5"/>
+              </a:solidFill>
+              <a:tailEnd type="triangle"/>
+            </a:ln>
+          </p:spPr>
+          <p:style>
+            <a:lnRef idx="2">
+              <a:schemeClr val="accent1"/>
+            </a:lnRef>
+            <a:fillRef idx="0">
+              <a:schemeClr val="accent1"/>
+            </a:fillRef>
+            <a:effectRef idx="1">
+              <a:schemeClr val="accent1"/>
+            </a:effectRef>
+            <a:fontRef idx="minor">
+              <a:schemeClr val="tx1"/>
+            </a:fontRef>
+          </p:style>
+        </p:cxnSp>
+        <p:cxnSp>
+          <p:nvCxnSpPr>
+            <p:cNvPr id="73" name="Straight Arrow Connector 72">
+              <a:extLst>
+                <a:ext uri="{FF2B5EF4-FFF2-40B4-BE49-F238E27FC236}">
+                  <a16:creationId xmlns:a16="http://schemas.microsoft.com/office/drawing/2014/main" id="{A9122D99-0244-4ED9-4BEB-0E1484FA1CF0}"/>
+                </a:ext>
+              </a:extLst>
+            </p:cNvPr>
+            <p:cNvCxnSpPr>
+              <a:cxnSpLocks/>
+              <a:stCxn id="16" idx="0"/>
+              <a:endCxn id="49" idx="2"/>
+            </p:cNvCxnSpPr>
+            <p:nvPr/>
+          </p:nvCxnSpPr>
+          <p:spPr>
+            <a:xfrm flipV="1">
+              <a:off x="8624849" y="3117330"/>
+              <a:ext cx="0" cy="1078830"/>
+            </a:xfrm>
+            <a:prstGeom prst="straightConnector1">
+              <a:avLst/>
+            </a:prstGeom>
+            <a:ln w="28575">
+              <a:solidFill>
+                <a:schemeClr val="accent5"/>
+              </a:solidFill>
+              <a:tailEnd type="triangle"/>
+            </a:ln>
+          </p:spPr>
+          <p:style>
+            <a:lnRef idx="2">
+              <a:schemeClr val="accent1"/>
+            </a:lnRef>
+            <a:fillRef idx="0">
+              <a:schemeClr val="accent1"/>
+            </a:fillRef>
+            <a:effectRef idx="1">
+              <a:schemeClr val="accent1"/>
+            </a:effectRef>
+            <a:fontRef idx="minor">
+              <a:schemeClr val="tx1"/>
+            </a:fontRef>
+          </p:style>
+        </p:cxnSp>
+        <p:cxnSp>
+          <p:nvCxnSpPr>
+            <p:cNvPr id="76" name="Straight Arrow Connector 75">
+              <a:extLst>
+                <a:ext uri="{FF2B5EF4-FFF2-40B4-BE49-F238E27FC236}">
+                  <a16:creationId xmlns:a16="http://schemas.microsoft.com/office/drawing/2014/main" id="{D65C053D-198F-FD3E-987D-8EDAC2C78DFB}"/>
+                </a:ext>
+              </a:extLst>
+            </p:cNvPr>
+            <p:cNvCxnSpPr>
+              <a:cxnSpLocks/>
+              <a:stCxn id="18" idx="0"/>
+            </p:cNvCxnSpPr>
+            <p:nvPr/>
+          </p:nvCxnSpPr>
+          <p:spPr>
+            <a:xfrm flipV="1">
+              <a:off x="9649017" y="3115243"/>
+              <a:ext cx="0" cy="1080919"/>
+            </a:xfrm>
+            <a:prstGeom prst="straightConnector1">
+              <a:avLst/>
+            </a:prstGeom>
+            <a:ln w="28575">
+              <a:solidFill>
+                <a:schemeClr val="accent5"/>
+              </a:solidFill>
+              <a:tailEnd type="triangle"/>
+            </a:ln>
+          </p:spPr>
+          <p:style>
+            <a:lnRef idx="2">
+              <a:schemeClr val="accent1"/>
+            </a:lnRef>
+            <a:fillRef idx="0">
+              <a:schemeClr val="accent1"/>
+            </a:fillRef>
+            <a:effectRef idx="1">
+              <a:schemeClr val="accent1"/>
+            </a:effectRef>
+            <a:fontRef idx="minor">
+              <a:schemeClr val="tx1"/>
+            </a:fontRef>
+          </p:style>
+        </p:cxnSp>
+        <p:cxnSp>
+          <p:nvCxnSpPr>
+            <p:cNvPr id="79" name="Straight Arrow Connector 78">
+              <a:extLst>
+                <a:ext uri="{FF2B5EF4-FFF2-40B4-BE49-F238E27FC236}">
+                  <a16:creationId xmlns:a16="http://schemas.microsoft.com/office/drawing/2014/main" id="{08EF3064-8665-A47B-9A8B-97AF2B69A5C2}"/>
+                </a:ext>
+              </a:extLst>
+            </p:cNvPr>
+            <p:cNvCxnSpPr>
+              <a:cxnSpLocks/>
+              <a:stCxn id="19" idx="0"/>
+              <a:endCxn id="51" idx="2"/>
+            </p:cNvCxnSpPr>
+            <p:nvPr/>
+          </p:nvCxnSpPr>
+          <p:spPr>
+            <a:xfrm flipV="1">
+              <a:off x="10673185" y="3115241"/>
+              <a:ext cx="0" cy="1078830"/>
+            </a:xfrm>
+            <a:prstGeom prst="straightConnector1">
+              <a:avLst/>
+            </a:prstGeom>
+            <a:ln w="28575">
+              <a:solidFill>
+                <a:schemeClr val="accent5"/>
+              </a:solidFill>
+              <a:tailEnd type="triangle"/>
+            </a:ln>
+          </p:spPr>
+          <p:style>
+            <a:lnRef idx="2">
+              <a:schemeClr val="accent1"/>
+            </a:lnRef>
+            <a:fillRef idx="0">
+              <a:schemeClr val="accent1"/>
+            </a:fillRef>
+            <a:effectRef idx="1">
+              <a:schemeClr val="accent1"/>
+            </a:effectRef>
+            <a:fontRef idx="minor">
+              <a:schemeClr val="tx1"/>
+            </a:fontRef>
+          </p:style>
+        </p:cxnSp>
+        <p:cxnSp>
+          <p:nvCxnSpPr>
+            <p:cNvPr id="82" name="Straight Arrow Connector 81">
+              <a:extLst>
+                <a:ext uri="{FF2B5EF4-FFF2-40B4-BE49-F238E27FC236}">
+                  <a16:creationId xmlns:a16="http://schemas.microsoft.com/office/drawing/2014/main" id="{54F5CBB5-F25B-AC5D-6837-4E5AC25494F3}"/>
+                </a:ext>
+              </a:extLst>
+            </p:cNvPr>
+            <p:cNvCxnSpPr>
+              <a:cxnSpLocks/>
+              <a:stCxn id="20" idx="0"/>
+            </p:cNvCxnSpPr>
+            <p:nvPr/>
+          </p:nvCxnSpPr>
+          <p:spPr>
+            <a:xfrm flipH="1" flipV="1">
+              <a:off x="11697351" y="3115241"/>
+              <a:ext cx="2" cy="1081750"/>
+            </a:xfrm>
+            <a:prstGeom prst="straightConnector1">
+              <a:avLst/>
+            </a:prstGeom>
+            <a:ln w="28575">
+              <a:solidFill>
+                <a:schemeClr val="accent5"/>
+              </a:solidFill>
+              <a:tailEnd type="triangle"/>
+            </a:ln>
+          </p:spPr>
+          <p:style>
+            <a:lnRef idx="2">
+              <a:schemeClr val="accent1"/>
+            </a:lnRef>
+            <a:fillRef idx="0">
+              <a:schemeClr val="accent1"/>
+            </a:fillRef>
+            <a:effectRef idx="1">
+              <a:schemeClr val="accent1"/>
+            </a:effectRef>
+            <a:fontRef idx="minor">
+              <a:schemeClr val="tx1"/>
+            </a:fontRef>
+          </p:style>
+        </p:cxnSp>
+        <p:cxnSp>
+          <p:nvCxnSpPr>
+            <p:cNvPr id="85" name="Straight Arrow Connector 84">
+              <a:extLst>
+                <a:ext uri="{FF2B5EF4-FFF2-40B4-BE49-F238E27FC236}">
+                  <a16:creationId xmlns:a16="http://schemas.microsoft.com/office/drawing/2014/main" id="{804F2F81-EF90-C793-B7DC-CB2D22AC9C98}"/>
+                </a:ext>
+              </a:extLst>
+            </p:cNvPr>
+            <p:cNvCxnSpPr>
+              <a:cxnSpLocks/>
+              <a:stCxn id="22" idx="0"/>
+            </p:cNvCxnSpPr>
+            <p:nvPr/>
+          </p:nvCxnSpPr>
+          <p:spPr>
+            <a:xfrm flipH="1" flipV="1">
+              <a:off x="12721519" y="3121006"/>
+              <a:ext cx="3" cy="1078830"/>
+            </a:xfrm>
+            <a:prstGeom prst="straightConnector1">
+              <a:avLst/>
+            </a:prstGeom>
+            <a:ln w="28575">
+              <a:solidFill>
+                <a:schemeClr val="accent5"/>
+              </a:solidFill>
+              <a:tailEnd type="triangle"/>
+            </a:ln>
+          </p:spPr>
+          <p:style>
+            <a:lnRef idx="2">
+              <a:schemeClr val="accent1"/>
+            </a:lnRef>
+            <a:fillRef idx="0">
+              <a:schemeClr val="accent1"/>
+            </a:fillRef>
+            <a:effectRef idx="1">
+              <a:schemeClr val="accent1"/>
+            </a:effectRef>
+            <a:fontRef idx="minor">
+              <a:schemeClr val="tx1"/>
+            </a:fontRef>
+          </p:style>
+        </p:cxnSp>
+        <p:sp>
+          <p:nvSpPr>
+            <p:cNvPr id="88" name="TextBox 87">
+              <a:extLst>
+                <a:ext uri="{FF2B5EF4-FFF2-40B4-BE49-F238E27FC236}">
+                  <a16:creationId xmlns:a16="http://schemas.microsoft.com/office/drawing/2014/main" id="{56FA5AC0-15E7-6B80-6C0F-C965BE935B61}"/>
+                </a:ext>
+              </a:extLst>
+            </p:cNvPr>
+            <p:cNvSpPr txBox="1"/>
+            <p:nvPr/>
+          </p:nvSpPr>
+          <p:spPr>
+            <a:xfrm>
+              <a:off x="7582566" y="2452367"/>
+              <a:ext cx="1047594" cy="276999"/>
+            </a:xfrm>
+            <a:prstGeom prst="rect">
+              <a:avLst/>
+            </a:prstGeom>
+            <a:noFill/>
+          </p:spPr>
+          <p:txBody>
+            <a:bodyPr wrap="square" rtlCol="0">
+              <a:spAutoFit/>
+            </a:bodyPr>
+            <a:lstStyle/>
+            <a:p>
+              <a:r>
+                <a:rPr lang="en-US" sz="1200" dirty="0"/>
+                <a:t>LSTM Layer 3</a:t>
+              </a:r>
+            </a:p>
+          </p:txBody>
+        </p:sp>
+        <p:sp>
+          <p:nvSpPr>
+            <p:cNvPr id="7" name="TextBox 6">
+              <a:extLst>
+                <a:ext uri="{FF2B5EF4-FFF2-40B4-BE49-F238E27FC236}">
+                  <a16:creationId xmlns:a16="http://schemas.microsoft.com/office/drawing/2014/main" id="{8EDE89A0-EC50-B209-1C90-44EDCA5C7CC1}"/>
+                </a:ext>
+              </a:extLst>
+            </p:cNvPr>
+            <p:cNvSpPr txBox="1"/>
+            <p:nvPr/>
+          </p:nvSpPr>
+          <p:spPr>
+            <a:xfrm>
+              <a:off x="7600682" y="5127691"/>
+              <a:ext cx="1047594" cy="276999"/>
+            </a:xfrm>
+            <a:prstGeom prst="rect">
+              <a:avLst/>
+            </a:prstGeom>
+            <a:noFill/>
+          </p:spPr>
+          <p:txBody>
+            <a:bodyPr wrap="none" rtlCol="0">
+              <a:spAutoFit/>
+            </a:bodyPr>
+            <a:lstStyle>
+              <a:defPPr>
+                <a:defRPr lang="en-US"/>
+              </a:defPPr>
+              <a:lvl1pPr>
+                <a:defRPr sz="1200"/>
+              </a:lvl1pPr>
+            </a:lstStyle>
+            <a:p>
+              <a:r>
+                <a:rPr lang="en-US" dirty="0"/>
+                <a:t>LSTM Layer 1</a:t>
+              </a:r>
+            </a:p>
+          </p:txBody>
+        </p:sp>
+        <p:sp>
+          <p:nvSpPr>
+            <p:cNvPr id="2" name="TextBox 1">
+              <a:extLst>
+                <a:ext uri="{FF2B5EF4-FFF2-40B4-BE49-F238E27FC236}">
+                  <a16:creationId xmlns:a16="http://schemas.microsoft.com/office/drawing/2014/main" id="{2045D170-6F9F-5F7E-7A2F-FB620F8892AF}"/>
+                </a:ext>
+              </a:extLst>
+            </p:cNvPr>
+            <p:cNvSpPr txBox="1"/>
+            <p:nvPr/>
+          </p:nvSpPr>
+          <p:spPr>
+            <a:xfrm>
+              <a:off x="9869594" y="2091299"/>
+              <a:ext cx="1607181" cy="369332"/>
+            </a:xfrm>
+            <a:prstGeom prst="rect">
+              <a:avLst/>
+            </a:prstGeom>
+            <a:noFill/>
+          </p:spPr>
+          <p:txBody>
+            <a:bodyPr wrap="square" rtlCol="0">
+              <a:spAutoFit/>
+            </a:bodyPr>
+            <a:lstStyle/>
+            <a:p>
+              <a:r>
+                <a:rPr lang="en-US" b="1" dirty="0"/>
+                <a:t>LSTM Model</a:t>
+              </a:r>
+            </a:p>
+          </p:txBody>
+        </p:sp>
+      </p:grpSp>
+      <p:sp>
+        <p:nvSpPr>
+          <p:cNvPr id="14" name="Rectangle: Rounded Corners 13">
+            <a:extLst>
+              <a:ext uri="{FF2B5EF4-FFF2-40B4-BE49-F238E27FC236}">
+                <a16:creationId xmlns:a16="http://schemas.microsoft.com/office/drawing/2014/main" id="{6B0403AD-0045-1BD2-503F-6E6970348DC4}"/>
               </a:ext>
             </a:extLst>
           </p:cNvPr>
@@ -3387,16 +6401,332 @@
         </p:nvSpPr>
         <p:spPr>
           <a:xfrm>
-            <a:off x="2202512" y="2075291"/>
-            <a:ext cx="5939624" cy="1017766"/>
+            <a:off x="7671290" y="3912719"/>
+            <a:ext cx="1878495" cy="791851"/>
           </a:xfrm>
           <a:prstGeom prst="roundRect">
             <a:avLst/>
           </a:prstGeom>
           <a:solidFill>
-            <a:schemeClr val="tx2">
-              <a:lumMod val="10000"/>
-              <a:lumOff val="90000"/>
+            <a:schemeClr val="bg2"/>
+          </a:solidFill>
+        </p:spPr>
+        <p:style>
+          <a:lnRef idx="2">
+            <a:schemeClr val="accent1">
+              <a:shade val="15000"/>
+            </a:schemeClr>
+          </a:lnRef>
+          <a:fillRef idx="1">
+            <a:schemeClr val="accent1"/>
+          </a:fillRef>
+          <a:effectRef idx="0">
+            <a:schemeClr val="accent1"/>
+          </a:effectRef>
+          <a:fontRef idx="minor">
+            <a:schemeClr val="lt1"/>
+          </a:fontRef>
+        </p:style>
+        <p:txBody>
+          <a:bodyPr rtlCol="0" anchor="ctr"/>
+          <a:lstStyle/>
+          <a:p>
+            <a:pPr algn="ctr"/>
+            <a:r>
+              <a:rPr lang="en-US" sz="1500" b="1" dirty="0">
+                <a:solidFill>
+                  <a:schemeClr val="tx1"/>
+                </a:solidFill>
+              </a:rPr>
+              <a:t>Exploratory Data Analysis Model</a:t>
+            </a:r>
+          </a:p>
+        </p:txBody>
+      </p:sp>
+      <p:sp>
+        <p:nvSpPr>
+          <p:cNvPr id="23" name="Rectangle: Rounded Corners 22">
+            <a:extLst>
+              <a:ext uri="{FF2B5EF4-FFF2-40B4-BE49-F238E27FC236}">
+                <a16:creationId xmlns:a16="http://schemas.microsoft.com/office/drawing/2014/main" id="{E24D5C3C-D757-2377-32E6-02F93866FE98}"/>
+              </a:ext>
+            </a:extLst>
+          </p:cNvPr>
+          <p:cNvSpPr/>
+          <p:nvPr/>
+        </p:nvSpPr>
+        <p:spPr>
+          <a:xfrm>
+            <a:off x="5444160" y="3441378"/>
+            <a:ext cx="1878495" cy="791851"/>
+          </a:xfrm>
+          <a:prstGeom prst="roundRect">
+            <a:avLst/>
+          </a:prstGeom>
+          <a:solidFill>
+            <a:schemeClr val="bg2"/>
+          </a:solidFill>
+        </p:spPr>
+        <p:style>
+          <a:lnRef idx="2">
+            <a:schemeClr val="accent1">
+              <a:shade val="15000"/>
+            </a:schemeClr>
+          </a:lnRef>
+          <a:fillRef idx="1">
+            <a:schemeClr val="accent1"/>
+          </a:fillRef>
+          <a:effectRef idx="0">
+            <a:schemeClr val="accent1"/>
+          </a:effectRef>
+          <a:fontRef idx="minor">
+            <a:schemeClr val="lt1"/>
+          </a:fontRef>
+        </p:style>
+        <p:txBody>
+          <a:bodyPr rtlCol="0" anchor="ctr"/>
+          <a:lstStyle/>
+          <a:p>
+            <a:pPr algn="ctr"/>
+            <a:r>
+              <a:rPr lang="en-US" sz="1500" b="1" dirty="0">
+                <a:solidFill>
+                  <a:schemeClr val="tx1"/>
+                </a:solidFill>
+              </a:rPr>
+              <a:t>Data Preprocessor</a:t>
+            </a:r>
+          </a:p>
+        </p:txBody>
+      </p:sp>
+      <p:pic>
+        <p:nvPicPr>
+          <p:cNvPr id="25" name="Graphic 24" descr="Document with solid fill">
+            <a:extLst>
+              <a:ext uri="{FF2B5EF4-FFF2-40B4-BE49-F238E27FC236}">
+                <a16:creationId xmlns:a16="http://schemas.microsoft.com/office/drawing/2014/main" id="{B1EB7A3D-66EE-D036-22E7-C3AAC528BDC6}"/>
+              </a:ext>
+            </a:extLst>
+          </p:cNvPr>
+          <p:cNvPicPr>
+            <a:picLocks noChangeAspect="1"/>
+          </p:cNvPicPr>
+          <p:nvPr/>
+        </p:nvPicPr>
+        <p:blipFill>
+          <a:blip r:embed="rId2">
+            <a:extLst>
+              <a:ext uri="{28A0092B-C50C-407E-A947-70E740481C1C}">
+                <a14:useLocalDpi xmlns:a14="http://schemas.microsoft.com/office/drawing/2010/main" val="0"/>
+              </a:ext>
+              <a:ext uri="{96DAC541-7B7A-43D3-8B79-37D633B846F1}">
+                <asvg:svgBlip xmlns:asvg="http://schemas.microsoft.com/office/drawing/2016/SVG/main" r:embed="rId3"/>
+              </a:ext>
+            </a:extLst>
+          </a:blip>
+          <a:stretch>
+            <a:fillRect/>
+          </a:stretch>
+        </p:blipFill>
+        <p:spPr>
+          <a:xfrm>
+            <a:off x="8286315" y="5056568"/>
+            <a:ext cx="712820" cy="712820"/>
+          </a:xfrm>
+          <a:prstGeom prst="rect">
+            <a:avLst/>
+          </a:prstGeom>
+        </p:spPr>
+      </p:pic>
+      <p:sp>
+        <p:nvSpPr>
+          <p:cNvPr id="27" name="TextBox 26">
+            <a:extLst>
+              <a:ext uri="{FF2B5EF4-FFF2-40B4-BE49-F238E27FC236}">
+                <a16:creationId xmlns:a16="http://schemas.microsoft.com/office/drawing/2014/main" id="{7022244D-A23A-0827-C05E-93E96E95695D}"/>
+              </a:ext>
+            </a:extLst>
+          </p:cNvPr>
+          <p:cNvSpPr txBox="1"/>
+          <p:nvPr/>
+        </p:nvSpPr>
+        <p:spPr>
+          <a:xfrm>
+            <a:off x="8049407" y="5769946"/>
+            <a:ext cx="1186637" cy="307777"/>
+          </a:xfrm>
+          <a:prstGeom prst="rect">
+            <a:avLst/>
+          </a:prstGeom>
+          <a:noFill/>
+        </p:spPr>
+        <p:txBody>
+          <a:bodyPr wrap="square" rtlCol="0">
+            <a:spAutoFit/>
+          </a:bodyPr>
+          <a:lstStyle/>
+          <a:p>
+            <a:r>
+              <a:rPr lang="en-US" sz="1400" b="1" dirty="0"/>
+              <a:t>EDA Report</a:t>
+            </a:r>
+          </a:p>
+        </p:txBody>
+      </p:sp>
+      <p:pic>
+        <p:nvPicPr>
+          <p:cNvPr id="30" name="Graphic 29" descr="Database with solid fill">
+            <a:extLst>
+              <a:ext uri="{FF2B5EF4-FFF2-40B4-BE49-F238E27FC236}">
+                <a16:creationId xmlns:a16="http://schemas.microsoft.com/office/drawing/2014/main" id="{54EA5ACD-4AEC-CEE7-0007-AED1B5D974EB}"/>
+              </a:ext>
+            </a:extLst>
+          </p:cNvPr>
+          <p:cNvPicPr>
+            <a:picLocks noChangeAspect="1"/>
+          </p:cNvPicPr>
+          <p:nvPr/>
+        </p:nvPicPr>
+        <p:blipFill>
+          <a:blip r:embed="rId4">
+            <a:extLst>
+              <a:ext uri="{28A0092B-C50C-407E-A947-70E740481C1C}">
+                <a14:useLocalDpi xmlns:a14="http://schemas.microsoft.com/office/drawing/2010/main" val="0"/>
+              </a:ext>
+              <a:ext uri="{96DAC541-7B7A-43D3-8B79-37D633B846F1}">
+                <asvg:svgBlip xmlns:asvg="http://schemas.microsoft.com/office/drawing/2016/SVG/main" r:embed="rId5"/>
+              </a:ext>
+            </a:extLst>
+          </a:blip>
+          <a:stretch>
+            <a:fillRect/>
+          </a:stretch>
+        </p:blipFill>
+        <p:spPr>
+          <a:xfrm>
+            <a:off x="2243641" y="3309966"/>
+            <a:ext cx="796639" cy="796639"/>
+          </a:xfrm>
+          <a:prstGeom prst="rect">
+            <a:avLst/>
+          </a:prstGeom>
+        </p:spPr>
+      </p:pic>
+      <p:sp>
+        <p:nvSpPr>
+          <p:cNvPr id="33" name="TextBox 32">
+            <a:extLst>
+              <a:ext uri="{FF2B5EF4-FFF2-40B4-BE49-F238E27FC236}">
+                <a16:creationId xmlns:a16="http://schemas.microsoft.com/office/drawing/2014/main" id="{C934AAC1-FC4B-4AE6-8BFE-9474020CE8AB}"/>
+              </a:ext>
+            </a:extLst>
+          </p:cNvPr>
+          <p:cNvSpPr txBox="1"/>
+          <p:nvPr/>
+        </p:nvSpPr>
+        <p:spPr>
+          <a:xfrm>
+            <a:off x="2155423" y="4106605"/>
+            <a:ext cx="973073" cy="307777"/>
+          </a:xfrm>
+          <a:prstGeom prst="rect">
+            <a:avLst/>
+          </a:prstGeom>
+          <a:noFill/>
+        </p:spPr>
+        <p:txBody>
+          <a:bodyPr wrap="square" rtlCol="0">
+            <a:spAutoFit/>
+          </a:bodyPr>
+          <a:lstStyle/>
+          <a:p>
+            <a:r>
+              <a:rPr lang="en-US" sz="1400" b="1" dirty="0"/>
+              <a:t>Raw Data</a:t>
+            </a:r>
+          </a:p>
+        </p:txBody>
+      </p:sp>
+      <p:sp>
+        <p:nvSpPr>
+          <p:cNvPr id="34" name="Rectangle: Rounded Corners 33">
+            <a:extLst>
+              <a:ext uri="{FF2B5EF4-FFF2-40B4-BE49-F238E27FC236}">
+                <a16:creationId xmlns:a16="http://schemas.microsoft.com/office/drawing/2014/main" id="{4C15483F-9213-4224-8F74-234500348009}"/>
+              </a:ext>
+            </a:extLst>
+          </p:cNvPr>
+          <p:cNvSpPr/>
+          <p:nvPr/>
+        </p:nvSpPr>
+        <p:spPr>
+          <a:xfrm>
+            <a:off x="3633925" y="3439310"/>
+            <a:ext cx="1478138" cy="791851"/>
+          </a:xfrm>
+          <a:prstGeom prst="roundRect">
+            <a:avLst/>
+          </a:prstGeom>
+          <a:solidFill>
+            <a:schemeClr val="bg2"/>
+          </a:solidFill>
+        </p:spPr>
+        <p:style>
+          <a:lnRef idx="2">
+            <a:schemeClr val="accent1">
+              <a:shade val="15000"/>
+            </a:schemeClr>
+          </a:lnRef>
+          <a:fillRef idx="1">
+            <a:schemeClr val="accent1"/>
+          </a:fillRef>
+          <a:effectRef idx="0">
+            <a:schemeClr val="accent1"/>
+          </a:effectRef>
+          <a:fontRef idx="minor">
+            <a:schemeClr val="lt1"/>
+          </a:fontRef>
+        </p:style>
+        <p:txBody>
+          <a:bodyPr rtlCol="0" anchor="ctr"/>
+          <a:lstStyle/>
+          <a:p>
+            <a:pPr algn="ctr"/>
+            <a:r>
+              <a:rPr lang="en-US" sz="1500" b="1" dirty="0">
+                <a:solidFill>
+                  <a:schemeClr val="tx1"/>
+                </a:solidFill>
+              </a:rPr>
+              <a:t>Data Selector</a:t>
+            </a:r>
+          </a:p>
+        </p:txBody>
+      </p:sp>
+      <p:sp>
+        <p:nvSpPr>
+          <p:cNvPr id="37" name="Rectangle: Rounded Corners 36">
+            <a:extLst>
+              <a:ext uri="{FF2B5EF4-FFF2-40B4-BE49-F238E27FC236}">
+                <a16:creationId xmlns:a16="http://schemas.microsoft.com/office/drawing/2014/main" id="{4A45012C-F96A-11AD-2B2D-1276413BA8DD}"/>
+              </a:ext>
+            </a:extLst>
+          </p:cNvPr>
+          <p:cNvSpPr/>
+          <p:nvPr/>
+        </p:nvSpPr>
+        <p:spPr>
+          <a:xfrm>
+            <a:off x="7684651" y="2936107"/>
+            <a:ext cx="1878495" cy="791851"/>
+          </a:xfrm>
+          <a:prstGeom prst="roundRect">
+            <a:avLst/>
+          </a:prstGeom>
+          <a:solidFill>
+            <a:schemeClr val="accent3">
+              <a:lumMod val="40000"/>
+              <a:lumOff val="60000"/>
             </a:schemeClr>
           </a:solidFill>
         </p:spPr>
@@ -3421,51 +6751,23 @@
           <a:lstStyle/>
           <a:p>
             <a:pPr algn="ctr"/>
-            <a:endParaRPr lang="en-US"/>
-          </a:p>
-        </p:txBody>
-      </p:sp>
-      <p:sp>
-        <p:nvSpPr>
-          <p:cNvPr id="9" name="TextBox 8">
+            <a:r>
+              <a:rPr lang="en-US" sz="1500" b="1" dirty="0">
+                <a:solidFill>
+                  <a:schemeClr val="tx1"/>
+                </a:solidFill>
+              </a:rPr>
+              <a:t>Feature Selection Model</a:t>
+            </a:r>
+          </a:p>
+        </p:txBody>
+      </p:sp>
+      <p:sp>
+        <p:nvSpPr>
+          <p:cNvPr id="59" name="Rectangle 58">
             <a:extLst>
               <a:ext uri="{FF2B5EF4-FFF2-40B4-BE49-F238E27FC236}">
-                <a16:creationId xmlns:a16="http://schemas.microsoft.com/office/drawing/2014/main" id="{36CB70F2-4709-E644-1AAA-ECC908C83A6F}"/>
-              </a:ext>
-            </a:extLst>
-          </p:cNvPr>
-          <p:cNvSpPr txBox="1"/>
-          <p:nvPr/>
-        </p:nvSpPr>
-        <p:spPr>
-          <a:xfrm>
-            <a:off x="2202512" y="2070185"/>
-            <a:ext cx="1047594" cy="276999"/>
-          </a:xfrm>
-          <a:prstGeom prst="rect">
-            <a:avLst/>
-          </a:prstGeom>
-          <a:noFill/>
-        </p:spPr>
-        <p:txBody>
-          <a:bodyPr wrap="none" rtlCol="0">
-            <a:spAutoFit/>
-          </a:bodyPr>
-          <a:lstStyle/>
-          <a:p>
-            <a:r>
-              <a:rPr lang="en-US" sz="1200" dirty="0"/>
-              <a:t>LSTM Layer 2</a:t>
-            </a:r>
-          </a:p>
-        </p:txBody>
-      </p:sp>
-      <p:sp>
-        <p:nvSpPr>
-          <p:cNvPr id="16" name="Rectangle: Rounded Corners 15">
-            <a:extLst>
-              <a:ext uri="{FF2B5EF4-FFF2-40B4-BE49-F238E27FC236}">
-                <a16:creationId xmlns:a16="http://schemas.microsoft.com/office/drawing/2014/main" id="{B3815866-D8DF-9D02-CF2E-1B9F0382B6FA}"/>
+                <a16:creationId xmlns:a16="http://schemas.microsoft.com/office/drawing/2014/main" id="{D13B20C4-9D5C-64B9-CD48-A4F5B7798576}"/>
               </a:ext>
             </a:extLst>
           </p:cNvPr>
@@ -3474,10 +6776,10 @@
         </p:nvSpPr>
         <p:spPr>
           <a:xfrm>
-            <a:off x="2862469" y="2433199"/>
-            <a:ext cx="764651" cy="301950"/>
+            <a:off x="10039640" y="3642019"/>
+            <a:ext cx="493270" cy="497874"/>
           </a:xfrm>
-          <a:prstGeom prst="roundRect">
+          <a:prstGeom prst="rect">
             <a:avLst/>
           </a:prstGeom>
         </p:spPr>
@@ -3502,19 +6804,16 @@
           <a:lstStyle/>
           <a:p>
             <a:pPr algn="ctr"/>
-            <a:r>
-              <a:rPr lang="en-US" sz="1600" b="1" dirty="0"/>
-              <a:t>LSTM</a:t>
-            </a:r>
-          </a:p>
-        </p:txBody>
-      </p:sp>
-      <p:sp>
-        <p:nvSpPr>
-          <p:cNvPr id="18" name="Rectangle: Rounded Corners 17">
+            <a:endParaRPr lang="en-US"/>
+          </a:p>
+        </p:txBody>
+      </p:sp>
+      <p:sp>
+        <p:nvSpPr>
+          <p:cNvPr id="60" name="Rectangle 59">
             <a:extLst>
               <a:ext uri="{FF2B5EF4-FFF2-40B4-BE49-F238E27FC236}">
-                <a16:creationId xmlns:a16="http://schemas.microsoft.com/office/drawing/2014/main" id="{C6137D57-26F3-11EC-A453-82F77799104C}"/>
+                <a16:creationId xmlns:a16="http://schemas.microsoft.com/office/drawing/2014/main" id="{451FD7A4-B534-332E-BBC6-9D28AB8CAB92}"/>
               </a:ext>
             </a:extLst>
           </p:cNvPr>
@@ -3523,10 +6822,10 @@
         </p:nvSpPr>
         <p:spPr>
           <a:xfrm>
-            <a:off x="3886637" y="2433199"/>
-            <a:ext cx="764651" cy="301950"/>
+            <a:off x="10112342" y="3573728"/>
+            <a:ext cx="493270" cy="497874"/>
           </a:xfrm>
-          <a:prstGeom prst="roundRect">
+          <a:prstGeom prst="rect">
             <a:avLst/>
           </a:prstGeom>
         </p:spPr>
@@ -3551,19 +6850,16 @@
           <a:lstStyle/>
           <a:p>
             <a:pPr algn="ctr"/>
-            <a:r>
-              <a:rPr lang="en-US" sz="1600" b="1" dirty="0"/>
-              <a:t>LSTM</a:t>
-            </a:r>
-          </a:p>
-        </p:txBody>
-      </p:sp>
-      <p:sp>
-        <p:nvSpPr>
-          <p:cNvPr id="19" name="Rectangle: Rounded Corners 18">
+            <a:endParaRPr lang="en-US"/>
+          </a:p>
+        </p:txBody>
+      </p:sp>
+      <p:sp>
+        <p:nvSpPr>
+          <p:cNvPr id="62" name="Rectangle 61">
             <a:extLst>
               <a:ext uri="{FF2B5EF4-FFF2-40B4-BE49-F238E27FC236}">
-                <a16:creationId xmlns:a16="http://schemas.microsoft.com/office/drawing/2014/main" id="{76312629-BBD3-849D-FF45-193C097935E3}"/>
+                <a16:creationId xmlns:a16="http://schemas.microsoft.com/office/drawing/2014/main" id="{874085CF-860C-E4FC-5E70-B2CDC64081A1}"/>
               </a:ext>
             </a:extLst>
           </p:cNvPr>
@@ -3572,10 +6868,10 @@
         </p:nvSpPr>
         <p:spPr>
           <a:xfrm>
-            <a:off x="4910805" y="2431110"/>
-            <a:ext cx="764651" cy="301950"/>
+            <a:off x="10194572" y="3488489"/>
+            <a:ext cx="493270" cy="497874"/>
           </a:xfrm>
-          <a:prstGeom prst="roundRect">
+          <a:prstGeom prst="rect">
             <a:avLst/>
           </a:prstGeom>
         </p:spPr>
@@ -3600,19 +6896,16 @@
           <a:lstStyle/>
           <a:p>
             <a:pPr algn="ctr"/>
-            <a:r>
-              <a:rPr lang="en-US" sz="1600" b="1" dirty="0"/>
-              <a:t>…</a:t>
-            </a:r>
-          </a:p>
-        </p:txBody>
-      </p:sp>
-      <p:sp>
-        <p:nvSpPr>
-          <p:cNvPr id="20" name="Rectangle: Rounded Corners 19">
+            <a:endParaRPr lang="en-US"/>
+          </a:p>
+        </p:txBody>
+      </p:sp>
+      <p:sp>
+        <p:nvSpPr>
+          <p:cNvPr id="63" name="Rectangle 62">
             <a:extLst>
               <a:ext uri="{FF2B5EF4-FFF2-40B4-BE49-F238E27FC236}">
-                <a16:creationId xmlns:a16="http://schemas.microsoft.com/office/drawing/2014/main" id="{F165AAC3-9585-DDF2-82BD-F33DEC962ED4}"/>
+                <a16:creationId xmlns:a16="http://schemas.microsoft.com/office/drawing/2014/main" id="{E4DD5D99-32C2-663A-61F8-16250CEAD4AE}"/>
               </a:ext>
             </a:extLst>
           </p:cNvPr>
@@ -3621,10 +6914,10 @@
         </p:nvSpPr>
         <p:spPr>
           <a:xfrm>
-            <a:off x="5934973" y="2434030"/>
-            <a:ext cx="764651" cy="301950"/>
+            <a:off x="10276548" y="3414845"/>
+            <a:ext cx="493270" cy="497874"/>
           </a:xfrm>
-          <a:prstGeom prst="roundRect">
+          <a:prstGeom prst="rect">
             <a:avLst/>
           </a:prstGeom>
         </p:spPr>
@@ -3649,1666 +6942,16 @@
           <a:lstStyle/>
           <a:p>
             <a:pPr algn="ctr"/>
-            <a:r>
-              <a:rPr lang="en-US" sz="1600" b="1" dirty="0"/>
-              <a:t>LSTM</a:t>
-            </a:r>
-          </a:p>
-        </p:txBody>
-      </p:sp>
-      <p:sp>
-        <p:nvSpPr>
-          <p:cNvPr id="22" name="Rectangle: Rounded Corners 21">
+            <a:endParaRPr lang="en-US"/>
+          </a:p>
+        </p:txBody>
+      </p:sp>
+      <p:sp>
+        <p:nvSpPr>
+          <p:cNvPr id="65" name="TextBox 64">
             <a:extLst>
               <a:ext uri="{FF2B5EF4-FFF2-40B4-BE49-F238E27FC236}">
-                <a16:creationId xmlns:a16="http://schemas.microsoft.com/office/drawing/2014/main" id="{F41F3E19-6A30-5E31-D7EC-F7E7B46BCDA1}"/>
-              </a:ext>
-            </a:extLst>
-          </p:cNvPr>
-          <p:cNvSpPr/>
-          <p:nvPr/>
-        </p:nvSpPr>
-        <p:spPr>
-          <a:xfrm>
-            <a:off x="6959141" y="2436875"/>
-            <a:ext cx="764651" cy="301950"/>
-          </a:xfrm>
-          <a:prstGeom prst="roundRect">
-            <a:avLst/>
-          </a:prstGeom>
-        </p:spPr>
-        <p:style>
-          <a:lnRef idx="2">
-            <a:schemeClr val="accent1">
-              <a:shade val="15000"/>
-            </a:schemeClr>
-          </a:lnRef>
-          <a:fillRef idx="1">
-            <a:schemeClr val="accent1"/>
-          </a:fillRef>
-          <a:effectRef idx="0">
-            <a:schemeClr val="accent1"/>
-          </a:effectRef>
-          <a:fontRef idx="minor">
-            <a:schemeClr val="lt1"/>
-          </a:fontRef>
-        </p:style>
-        <p:txBody>
-          <a:bodyPr rtlCol="0" anchor="ctr"/>
-          <a:lstStyle/>
-          <a:p>
-            <a:pPr algn="ctr"/>
-            <a:r>
-              <a:rPr lang="en-US" sz="1600" b="1" dirty="0"/>
-              <a:t>LSTM</a:t>
-            </a:r>
-          </a:p>
-        </p:txBody>
-      </p:sp>
-      <p:cxnSp>
-        <p:nvCxnSpPr>
-          <p:cNvPr id="26" name="Straight Arrow Connector 25">
-            <a:extLst>
-              <a:ext uri="{FF2B5EF4-FFF2-40B4-BE49-F238E27FC236}">
-                <a16:creationId xmlns:a16="http://schemas.microsoft.com/office/drawing/2014/main" id="{213AA27B-57FB-9D42-6D0B-BF76BCA24822}"/>
-              </a:ext>
-            </a:extLst>
-          </p:cNvPr>
-          <p:cNvCxnSpPr>
-            <a:cxnSpLocks/>
-            <a:stCxn id="16" idx="3"/>
-            <a:endCxn id="18" idx="1"/>
-          </p:cNvCxnSpPr>
-          <p:nvPr/>
-        </p:nvCxnSpPr>
-        <p:spPr>
-          <a:xfrm>
-            <a:off x="3627120" y="2584174"/>
-            <a:ext cx="259517" cy="0"/>
-          </a:xfrm>
-          <a:prstGeom prst="straightConnector1">
-            <a:avLst/>
-          </a:prstGeom>
-          <a:ln w="28575">
-            <a:solidFill>
-              <a:schemeClr val="accent5"/>
-            </a:solidFill>
-            <a:tailEnd type="triangle"/>
-          </a:ln>
-        </p:spPr>
-        <p:style>
-          <a:lnRef idx="2">
-            <a:schemeClr val="accent1"/>
-          </a:lnRef>
-          <a:fillRef idx="0">
-            <a:schemeClr val="accent1"/>
-          </a:fillRef>
-          <a:effectRef idx="1">
-            <a:schemeClr val="accent1"/>
-          </a:effectRef>
-          <a:fontRef idx="minor">
-            <a:schemeClr val="tx1"/>
-          </a:fontRef>
-        </p:style>
-      </p:cxnSp>
-      <p:cxnSp>
-        <p:nvCxnSpPr>
-          <p:cNvPr id="29" name="Straight Arrow Connector 28">
-            <a:extLst>
-              <a:ext uri="{FF2B5EF4-FFF2-40B4-BE49-F238E27FC236}">
-                <a16:creationId xmlns:a16="http://schemas.microsoft.com/office/drawing/2014/main" id="{76350A0A-200F-A8DC-49AD-83168FFA6CF5}"/>
-              </a:ext>
-            </a:extLst>
-          </p:cNvPr>
-          <p:cNvCxnSpPr>
-            <a:cxnSpLocks/>
-            <a:endCxn id="19" idx="1"/>
-          </p:cNvCxnSpPr>
-          <p:nvPr/>
-        </p:nvCxnSpPr>
-        <p:spPr>
-          <a:xfrm>
-            <a:off x="4651288" y="2582085"/>
-            <a:ext cx="259517" cy="0"/>
-          </a:xfrm>
-          <a:prstGeom prst="straightConnector1">
-            <a:avLst/>
-          </a:prstGeom>
-          <a:ln w="28575">
-            <a:solidFill>
-              <a:schemeClr val="accent5"/>
-            </a:solidFill>
-            <a:tailEnd type="triangle"/>
-          </a:ln>
-        </p:spPr>
-        <p:style>
-          <a:lnRef idx="2">
-            <a:schemeClr val="accent1"/>
-          </a:lnRef>
-          <a:fillRef idx="0">
-            <a:schemeClr val="accent1"/>
-          </a:fillRef>
-          <a:effectRef idx="1">
-            <a:schemeClr val="accent1"/>
-          </a:effectRef>
-          <a:fontRef idx="minor">
-            <a:schemeClr val="tx1"/>
-          </a:fontRef>
-        </p:style>
-      </p:cxnSp>
-      <p:cxnSp>
-        <p:nvCxnSpPr>
-          <p:cNvPr id="32" name="Straight Arrow Connector 31">
-            <a:extLst>
-              <a:ext uri="{FF2B5EF4-FFF2-40B4-BE49-F238E27FC236}">
-                <a16:creationId xmlns:a16="http://schemas.microsoft.com/office/drawing/2014/main" id="{A593EA80-5CB4-6D27-A75B-6BFA9A47A99D}"/>
-              </a:ext>
-            </a:extLst>
-          </p:cNvPr>
-          <p:cNvCxnSpPr>
-            <a:cxnSpLocks/>
-            <a:stCxn id="19" idx="3"/>
-            <a:endCxn id="20" idx="1"/>
-          </p:cNvCxnSpPr>
-          <p:nvPr/>
-        </p:nvCxnSpPr>
-        <p:spPr>
-          <a:xfrm>
-            <a:off x="5675456" y="2582085"/>
-            <a:ext cx="259517" cy="2920"/>
-          </a:xfrm>
-          <a:prstGeom prst="straightConnector1">
-            <a:avLst/>
-          </a:prstGeom>
-          <a:ln w="28575">
-            <a:solidFill>
-              <a:schemeClr val="accent5"/>
-            </a:solidFill>
-            <a:tailEnd type="triangle"/>
-          </a:ln>
-        </p:spPr>
-        <p:style>
-          <a:lnRef idx="2">
-            <a:schemeClr val="accent1"/>
-          </a:lnRef>
-          <a:fillRef idx="0">
-            <a:schemeClr val="accent1"/>
-          </a:fillRef>
-          <a:effectRef idx="1">
-            <a:schemeClr val="accent1"/>
-          </a:effectRef>
-          <a:fontRef idx="minor">
-            <a:schemeClr val="tx1"/>
-          </a:fontRef>
-        </p:style>
-      </p:cxnSp>
-      <p:cxnSp>
-        <p:nvCxnSpPr>
-          <p:cNvPr id="35" name="Straight Arrow Connector 34">
-            <a:extLst>
-              <a:ext uri="{FF2B5EF4-FFF2-40B4-BE49-F238E27FC236}">
-                <a16:creationId xmlns:a16="http://schemas.microsoft.com/office/drawing/2014/main" id="{F441F17C-4ECB-3EB5-0F9E-602A9371A400}"/>
-              </a:ext>
-            </a:extLst>
-          </p:cNvPr>
-          <p:cNvCxnSpPr>
-            <a:cxnSpLocks/>
-            <a:stCxn id="20" idx="3"/>
-            <a:endCxn id="22" idx="1"/>
-          </p:cNvCxnSpPr>
-          <p:nvPr/>
-        </p:nvCxnSpPr>
-        <p:spPr>
-          <a:xfrm>
-            <a:off x="6699624" y="2585005"/>
-            <a:ext cx="259517" cy="2845"/>
-          </a:xfrm>
-          <a:prstGeom prst="straightConnector1">
-            <a:avLst/>
-          </a:prstGeom>
-          <a:ln w="28575">
-            <a:solidFill>
-              <a:schemeClr val="accent5"/>
-            </a:solidFill>
-            <a:tailEnd type="triangle"/>
-          </a:ln>
-        </p:spPr>
-        <p:style>
-          <a:lnRef idx="2">
-            <a:schemeClr val="accent1"/>
-          </a:lnRef>
-          <a:fillRef idx="0">
-            <a:schemeClr val="accent1"/>
-          </a:fillRef>
-          <a:effectRef idx="1">
-            <a:schemeClr val="accent1"/>
-          </a:effectRef>
-          <a:fontRef idx="minor">
-            <a:schemeClr val="tx1"/>
-          </a:fontRef>
-        </p:style>
-      </p:cxnSp>
-      <p:sp>
-        <p:nvSpPr>
-          <p:cNvPr id="38" name="Rectangle: Rounded Corners 37">
-            <a:extLst>
-              <a:ext uri="{FF2B5EF4-FFF2-40B4-BE49-F238E27FC236}">
-                <a16:creationId xmlns:a16="http://schemas.microsoft.com/office/drawing/2014/main" id="{A2F28705-1B01-DC4D-D8DE-F5B3011B7A50}"/>
-              </a:ext>
-            </a:extLst>
-          </p:cNvPr>
-          <p:cNvSpPr/>
-          <p:nvPr/>
-        </p:nvSpPr>
-        <p:spPr>
-          <a:xfrm>
-            <a:off x="2202512" y="3364728"/>
-            <a:ext cx="5939624" cy="1017766"/>
-          </a:xfrm>
-          <a:prstGeom prst="roundRect">
-            <a:avLst/>
-          </a:prstGeom>
-          <a:solidFill>
-            <a:schemeClr val="tx2">
-              <a:lumMod val="10000"/>
-              <a:lumOff val="90000"/>
-            </a:schemeClr>
-          </a:solidFill>
-        </p:spPr>
-        <p:style>
-          <a:lnRef idx="2">
-            <a:schemeClr val="accent1">
-              <a:shade val="15000"/>
-            </a:schemeClr>
-          </a:lnRef>
-          <a:fillRef idx="1">
-            <a:schemeClr val="accent1"/>
-          </a:fillRef>
-          <a:effectRef idx="0">
-            <a:schemeClr val="accent1"/>
-          </a:effectRef>
-          <a:fontRef idx="minor">
-            <a:schemeClr val="lt1"/>
-          </a:fontRef>
-        </p:style>
-        <p:txBody>
-          <a:bodyPr rtlCol="0" anchor="ctr"/>
-          <a:lstStyle/>
-          <a:p>
-            <a:pPr algn="ctr"/>
-            <a:endParaRPr lang="en-US"/>
-          </a:p>
-        </p:txBody>
-      </p:sp>
-      <p:sp>
-        <p:nvSpPr>
-          <p:cNvPr id="39" name="Rectangle: Rounded Corners 38">
-            <a:extLst>
-              <a:ext uri="{FF2B5EF4-FFF2-40B4-BE49-F238E27FC236}">
-                <a16:creationId xmlns:a16="http://schemas.microsoft.com/office/drawing/2014/main" id="{7AA67A05-634A-1C5F-154B-119A4E1659D8}"/>
-              </a:ext>
-            </a:extLst>
-          </p:cNvPr>
-          <p:cNvSpPr/>
-          <p:nvPr/>
-        </p:nvSpPr>
-        <p:spPr>
-          <a:xfrm>
-            <a:off x="2862469" y="3722636"/>
-            <a:ext cx="764651" cy="301950"/>
-          </a:xfrm>
-          <a:prstGeom prst="roundRect">
-            <a:avLst/>
-          </a:prstGeom>
-        </p:spPr>
-        <p:style>
-          <a:lnRef idx="2">
-            <a:schemeClr val="accent1">
-              <a:shade val="15000"/>
-            </a:schemeClr>
-          </a:lnRef>
-          <a:fillRef idx="1">
-            <a:schemeClr val="accent1"/>
-          </a:fillRef>
-          <a:effectRef idx="0">
-            <a:schemeClr val="accent1"/>
-          </a:effectRef>
-          <a:fontRef idx="minor">
-            <a:schemeClr val="lt1"/>
-          </a:fontRef>
-        </p:style>
-        <p:txBody>
-          <a:bodyPr rtlCol="0" anchor="ctr"/>
-          <a:lstStyle/>
-          <a:p>
-            <a:pPr algn="ctr"/>
-            <a:r>
-              <a:rPr lang="en-US" sz="1600" b="1" dirty="0"/>
-              <a:t>LSTM</a:t>
-            </a:r>
-          </a:p>
-        </p:txBody>
-      </p:sp>
-      <p:sp>
-        <p:nvSpPr>
-          <p:cNvPr id="40" name="Rectangle: Rounded Corners 39">
-            <a:extLst>
-              <a:ext uri="{FF2B5EF4-FFF2-40B4-BE49-F238E27FC236}">
-                <a16:creationId xmlns:a16="http://schemas.microsoft.com/office/drawing/2014/main" id="{9392A933-5179-FDAC-C5D5-149302C3E84C}"/>
-              </a:ext>
-            </a:extLst>
-          </p:cNvPr>
-          <p:cNvSpPr/>
-          <p:nvPr/>
-        </p:nvSpPr>
-        <p:spPr>
-          <a:xfrm>
-            <a:off x="3886637" y="3722636"/>
-            <a:ext cx="764651" cy="301950"/>
-          </a:xfrm>
-          <a:prstGeom prst="roundRect">
-            <a:avLst/>
-          </a:prstGeom>
-        </p:spPr>
-        <p:style>
-          <a:lnRef idx="2">
-            <a:schemeClr val="accent1">
-              <a:shade val="15000"/>
-            </a:schemeClr>
-          </a:lnRef>
-          <a:fillRef idx="1">
-            <a:schemeClr val="accent1"/>
-          </a:fillRef>
-          <a:effectRef idx="0">
-            <a:schemeClr val="accent1"/>
-          </a:effectRef>
-          <a:fontRef idx="minor">
-            <a:schemeClr val="lt1"/>
-          </a:fontRef>
-        </p:style>
-        <p:txBody>
-          <a:bodyPr rtlCol="0" anchor="ctr"/>
-          <a:lstStyle/>
-          <a:p>
-            <a:pPr algn="ctr"/>
-            <a:r>
-              <a:rPr lang="en-US" sz="1600" b="1" dirty="0"/>
-              <a:t>LSTM</a:t>
-            </a:r>
-          </a:p>
-        </p:txBody>
-      </p:sp>
-      <p:sp>
-        <p:nvSpPr>
-          <p:cNvPr id="41" name="Rectangle: Rounded Corners 40">
-            <a:extLst>
-              <a:ext uri="{FF2B5EF4-FFF2-40B4-BE49-F238E27FC236}">
-                <a16:creationId xmlns:a16="http://schemas.microsoft.com/office/drawing/2014/main" id="{6955052F-BB96-3D6F-7882-4871BCE438A7}"/>
-              </a:ext>
-            </a:extLst>
-          </p:cNvPr>
-          <p:cNvSpPr/>
-          <p:nvPr/>
-        </p:nvSpPr>
-        <p:spPr>
-          <a:xfrm>
-            <a:off x="4910805" y="3720547"/>
-            <a:ext cx="764651" cy="301950"/>
-          </a:xfrm>
-          <a:prstGeom prst="roundRect">
-            <a:avLst/>
-          </a:prstGeom>
-        </p:spPr>
-        <p:style>
-          <a:lnRef idx="2">
-            <a:schemeClr val="accent1">
-              <a:shade val="15000"/>
-            </a:schemeClr>
-          </a:lnRef>
-          <a:fillRef idx="1">
-            <a:schemeClr val="accent1"/>
-          </a:fillRef>
-          <a:effectRef idx="0">
-            <a:schemeClr val="accent1"/>
-          </a:effectRef>
-          <a:fontRef idx="minor">
-            <a:schemeClr val="lt1"/>
-          </a:fontRef>
-        </p:style>
-        <p:txBody>
-          <a:bodyPr rtlCol="0" anchor="ctr"/>
-          <a:lstStyle/>
-          <a:p>
-            <a:pPr algn="ctr"/>
-            <a:r>
-              <a:rPr lang="en-US" sz="1600" b="1" dirty="0"/>
-              <a:t>…</a:t>
-            </a:r>
-          </a:p>
-        </p:txBody>
-      </p:sp>
-      <p:sp>
-        <p:nvSpPr>
-          <p:cNvPr id="42" name="Rectangle: Rounded Corners 41">
-            <a:extLst>
-              <a:ext uri="{FF2B5EF4-FFF2-40B4-BE49-F238E27FC236}">
-                <a16:creationId xmlns:a16="http://schemas.microsoft.com/office/drawing/2014/main" id="{348C4BBF-B513-F47E-C34B-170DD88D851A}"/>
-              </a:ext>
-            </a:extLst>
-          </p:cNvPr>
-          <p:cNvSpPr/>
-          <p:nvPr/>
-        </p:nvSpPr>
-        <p:spPr>
-          <a:xfrm>
-            <a:off x="5934973" y="3723467"/>
-            <a:ext cx="764651" cy="301950"/>
-          </a:xfrm>
-          <a:prstGeom prst="roundRect">
-            <a:avLst/>
-          </a:prstGeom>
-        </p:spPr>
-        <p:style>
-          <a:lnRef idx="2">
-            <a:schemeClr val="accent1">
-              <a:shade val="15000"/>
-            </a:schemeClr>
-          </a:lnRef>
-          <a:fillRef idx="1">
-            <a:schemeClr val="accent1"/>
-          </a:fillRef>
-          <a:effectRef idx="0">
-            <a:schemeClr val="accent1"/>
-          </a:effectRef>
-          <a:fontRef idx="minor">
-            <a:schemeClr val="lt1"/>
-          </a:fontRef>
-        </p:style>
-        <p:txBody>
-          <a:bodyPr rtlCol="0" anchor="ctr"/>
-          <a:lstStyle/>
-          <a:p>
-            <a:pPr algn="ctr"/>
-            <a:r>
-              <a:rPr lang="en-US" sz="1600" b="1" dirty="0"/>
-              <a:t>LSTM</a:t>
-            </a:r>
-          </a:p>
-        </p:txBody>
-      </p:sp>
-      <p:sp>
-        <p:nvSpPr>
-          <p:cNvPr id="43" name="Rectangle: Rounded Corners 42">
-            <a:extLst>
-              <a:ext uri="{FF2B5EF4-FFF2-40B4-BE49-F238E27FC236}">
-                <a16:creationId xmlns:a16="http://schemas.microsoft.com/office/drawing/2014/main" id="{5475036F-EC6B-D04A-510B-C08DEFAFB88E}"/>
-              </a:ext>
-            </a:extLst>
-          </p:cNvPr>
-          <p:cNvSpPr/>
-          <p:nvPr/>
-        </p:nvSpPr>
-        <p:spPr>
-          <a:xfrm>
-            <a:off x="6959141" y="3726312"/>
-            <a:ext cx="764651" cy="301950"/>
-          </a:xfrm>
-          <a:prstGeom prst="roundRect">
-            <a:avLst/>
-          </a:prstGeom>
-        </p:spPr>
-        <p:style>
-          <a:lnRef idx="2">
-            <a:schemeClr val="accent1">
-              <a:shade val="15000"/>
-            </a:schemeClr>
-          </a:lnRef>
-          <a:fillRef idx="1">
-            <a:schemeClr val="accent1"/>
-          </a:fillRef>
-          <a:effectRef idx="0">
-            <a:schemeClr val="accent1"/>
-          </a:effectRef>
-          <a:fontRef idx="minor">
-            <a:schemeClr val="lt1"/>
-          </a:fontRef>
-        </p:style>
-        <p:txBody>
-          <a:bodyPr rtlCol="0" anchor="ctr"/>
-          <a:lstStyle/>
-          <a:p>
-            <a:pPr algn="ctr"/>
-            <a:r>
-              <a:rPr lang="en-US" sz="1600" b="1" dirty="0"/>
-              <a:t>LSTM</a:t>
-            </a:r>
-          </a:p>
-        </p:txBody>
-      </p:sp>
-      <p:cxnSp>
-        <p:nvCxnSpPr>
-          <p:cNvPr id="44" name="Straight Arrow Connector 43">
-            <a:extLst>
-              <a:ext uri="{FF2B5EF4-FFF2-40B4-BE49-F238E27FC236}">
-                <a16:creationId xmlns:a16="http://schemas.microsoft.com/office/drawing/2014/main" id="{2F3CAF24-EFFD-3177-2C36-E21B98124014}"/>
-              </a:ext>
-            </a:extLst>
-          </p:cNvPr>
-          <p:cNvCxnSpPr>
-            <a:cxnSpLocks/>
-            <a:stCxn id="39" idx="3"/>
-            <a:endCxn id="40" idx="1"/>
-          </p:cNvCxnSpPr>
-          <p:nvPr/>
-        </p:nvCxnSpPr>
-        <p:spPr>
-          <a:xfrm>
-            <a:off x="3627120" y="3873611"/>
-            <a:ext cx="259517" cy="0"/>
-          </a:xfrm>
-          <a:prstGeom prst="straightConnector1">
-            <a:avLst/>
-          </a:prstGeom>
-          <a:ln w="28575">
-            <a:solidFill>
-              <a:schemeClr val="accent5"/>
-            </a:solidFill>
-            <a:tailEnd type="triangle"/>
-          </a:ln>
-        </p:spPr>
-        <p:style>
-          <a:lnRef idx="2">
-            <a:schemeClr val="accent1"/>
-          </a:lnRef>
-          <a:fillRef idx="0">
-            <a:schemeClr val="accent1"/>
-          </a:fillRef>
-          <a:effectRef idx="1">
-            <a:schemeClr val="accent1"/>
-          </a:effectRef>
-          <a:fontRef idx="minor">
-            <a:schemeClr val="tx1"/>
-          </a:fontRef>
-        </p:style>
-      </p:cxnSp>
-      <p:cxnSp>
-        <p:nvCxnSpPr>
-          <p:cNvPr id="45" name="Straight Arrow Connector 44">
-            <a:extLst>
-              <a:ext uri="{FF2B5EF4-FFF2-40B4-BE49-F238E27FC236}">
-                <a16:creationId xmlns:a16="http://schemas.microsoft.com/office/drawing/2014/main" id="{66C3957A-2808-3475-3B53-37099B5F1C27}"/>
-              </a:ext>
-            </a:extLst>
-          </p:cNvPr>
-          <p:cNvCxnSpPr>
-            <a:cxnSpLocks/>
-            <a:endCxn id="41" idx="1"/>
-          </p:cNvCxnSpPr>
-          <p:nvPr/>
-        </p:nvCxnSpPr>
-        <p:spPr>
-          <a:xfrm>
-            <a:off x="4651288" y="3871522"/>
-            <a:ext cx="259517" cy="0"/>
-          </a:xfrm>
-          <a:prstGeom prst="straightConnector1">
-            <a:avLst/>
-          </a:prstGeom>
-          <a:ln w="28575">
-            <a:solidFill>
-              <a:schemeClr val="accent5"/>
-            </a:solidFill>
-            <a:tailEnd type="triangle"/>
-          </a:ln>
-        </p:spPr>
-        <p:style>
-          <a:lnRef idx="2">
-            <a:schemeClr val="accent1"/>
-          </a:lnRef>
-          <a:fillRef idx="0">
-            <a:schemeClr val="accent1"/>
-          </a:fillRef>
-          <a:effectRef idx="1">
-            <a:schemeClr val="accent1"/>
-          </a:effectRef>
-          <a:fontRef idx="minor">
-            <a:schemeClr val="tx1"/>
-          </a:fontRef>
-        </p:style>
-      </p:cxnSp>
-      <p:cxnSp>
-        <p:nvCxnSpPr>
-          <p:cNvPr id="46" name="Straight Arrow Connector 45">
-            <a:extLst>
-              <a:ext uri="{FF2B5EF4-FFF2-40B4-BE49-F238E27FC236}">
-                <a16:creationId xmlns:a16="http://schemas.microsoft.com/office/drawing/2014/main" id="{2D64EBEA-0367-0EBF-D7B7-DDD2A5C1801F}"/>
-              </a:ext>
-            </a:extLst>
-          </p:cNvPr>
-          <p:cNvCxnSpPr>
-            <a:cxnSpLocks/>
-            <a:stCxn id="41" idx="3"/>
-            <a:endCxn id="42" idx="1"/>
-          </p:cNvCxnSpPr>
-          <p:nvPr/>
-        </p:nvCxnSpPr>
-        <p:spPr>
-          <a:xfrm>
-            <a:off x="5675456" y="3871522"/>
-            <a:ext cx="259517" cy="2920"/>
-          </a:xfrm>
-          <a:prstGeom prst="straightConnector1">
-            <a:avLst/>
-          </a:prstGeom>
-          <a:ln w="28575">
-            <a:solidFill>
-              <a:schemeClr val="accent5"/>
-            </a:solidFill>
-            <a:tailEnd type="triangle"/>
-          </a:ln>
-        </p:spPr>
-        <p:style>
-          <a:lnRef idx="2">
-            <a:schemeClr val="accent1"/>
-          </a:lnRef>
-          <a:fillRef idx="0">
-            <a:schemeClr val="accent1"/>
-          </a:fillRef>
-          <a:effectRef idx="1">
-            <a:schemeClr val="accent1"/>
-          </a:effectRef>
-          <a:fontRef idx="minor">
-            <a:schemeClr val="tx1"/>
-          </a:fontRef>
-        </p:style>
-      </p:cxnSp>
-      <p:cxnSp>
-        <p:nvCxnSpPr>
-          <p:cNvPr id="47" name="Straight Arrow Connector 46">
-            <a:extLst>
-              <a:ext uri="{FF2B5EF4-FFF2-40B4-BE49-F238E27FC236}">
-                <a16:creationId xmlns:a16="http://schemas.microsoft.com/office/drawing/2014/main" id="{AE8DC3E9-3745-01BE-ABD8-4ABA650041F6}"/>
-              </a:ext>
-            </a:extLst>
-          </p:cNvPr>
-          <p:cNvCxnSpPr>
-            <a:cxnSpLocks/>
-            <a:stCxn id="42" idx="3"/>
-            <a:endCxn id="43" idx="1"/>
-          </p:cNvCxnSpPr>
-          <p:nvPr/>
-        </p:nvCxnSpPr>
-        <p:spPr>
-          <a:xfrm>
-            <a:off x="6699624" y="3874442"/>
-            <a:ext cx="259517" cy="2845"/>
-          </a:xfrm>
-          <a:prstGeom prst="straightConnector1">
-            <a:avLst/>
-          </a:prstGeom>
-          <a:ln w="28575">
-            <a:solidFill>
-              <a:schemeClr val="accent5"/>
-            </a:solidFill>
-            <a:tailEnd type="triangle"/>
-          </a:ln>
-        </p:spPr>
-        <p:style>
-          <a:lnRef idx="2">
-            <a:schemeClr val="accent1"/>
-          </a:lnRef>
-          <a:fillRef idx="0">
-            <a:schemeClr val="accent1"/>
-          </a:fillRef>
-          <a:effectRef idx="1">
-            <a:schemeClr val="accent1"/>
-          </a:effectRef>
-          <a:fontRef idx="minor">
-            <a:schemeClr val="tx1"/>
-          </a:fontRef>
-        </p:style>
-      </p:cxnSp>
-      <p:sp>
-        <p:nvSpPr>
-          <p:cNvPr id="48" name="Rectangle: Rounded Corners 47">
-            <a:extLst>
-              <a:ext uri="{FF2B5EF4-FFF2-40B4-BE49-F238E27FC236}">
-                <a16:creationId xmlns:a16="http://schemas.microsoft.com/office/drawing/2014/main" id="{37350477-4A02-DB21-2AD0-FE53360117A1}"/>
-              </a:ext>
-            </a:extLst>
-          </p:cNvPr>
-          <p:cNvSpPr/>
-          <p:nvPr/>
-        </p:nvSpPr>
-        <p:spPr>
-          <a:xfrm>
-            <a:off x="2202512" y="694511"/>
-            <a:ext cx="5939624" cy="1017766"/>
-          </a:xfrm>
-          <a:prstGeom prst="roundRect">
-            <a:avLst/>
-          </a:prstGeom>
-          <a:solidFill>
-            <a:schemeClr val="tx2">
-              <a:lumMod val="10000"/>
-              <a:lumOff val="90000"/>
-            </a:schemeClr>
-          </a:solidFill>
-        </p:spPr>
-        <p:style>
-          <a:lnRef idx="2">
-            <a:schemeClr val="accent1">
-              <a:shade val="15000"/>
-            </a:schemeClr>
-          </a:lnRef>
-          <a:fillRef idx="1">
-            <a:schemeClr val="accent1"/>
-          </a:fillRef>
-          <a:effectRef idx="0">
-            <a:schemeClr val="accent1"/>
-          </a:effectRef>
-          <a:fontRef idx="minor">
-            <a:schemeClr val="lt1"/>
-          </a:fontRef>
-        </p:style>
-        <p:txBody>
-          <a:bodyPr rtlCol="0" anchor="ctr"/>
-          <a:lstStyle/>
-          <a:p>
-            <a:pPr algn="ctr"/>
-            <a:endParaRPr lang="en-US"/>
-          </a:p>
-        </p:txBody>
-      </p:sp>
-      <p:sp>
-        <p:nvSpPr>
-          <p:cNvPr id="49" name="Rectangle: Rounded Corners 48">
-            <a:extLst>
-              <a:ext uri="{FF2B5EF4-FFF2-40B4-BE49-F238E27FC236}">
-                <a16:creationId xmlns:a16="http://schemas.microsoft.com/office/drawing/2014/main" id="{5F6A67D9-9B5B-05F3-86A0-2618F2714322}"/>
-              </a:ext>
-            </a:extLst>
-          </p:cNvPr>
-          <p:cNvSpPr/>
-          <p:nvPr/>
-        </p:nvSpPr>
-        <p:spPr>
-          <a:xfrm>
-            <a:off x="2862469" y="1052419"/>
-            <a:ext cx="764651" cy="301950"/>
-          </a:xfrm>
-          <a:prstGeom prst="roundRect">
-            <a:avLst/>
-          </a:prstGeom>
-        </p:spPr>
-        <p:style>
-          <a:lnRef idx="2">
-            <a:schemeClr val="accent1">
-              <a:shade val="15000"/>
-            </a:schemeClr>
-          </a:lnRef>
-          <a:fillRef idx="1">
-            <a:schemeClr val="accent1"/>
-          </a:fillRef>
-          <a:effectRef idx="0">
-            <a:schemeClr val="accent1"/>
-          </a:effectRef>
-          <a:fontRef idx="minor">
-            <a:schemeClr val="lt1"/>
-          </a:fontRef>
-        </p:style>
-        <p:txBody>
-          <a:bodyPr rtlCol="0" anchor="ctr"/>
-          <a:lstStyle/>
-          <a:p>
-            <a:pPr algn="ctr"/>
-            <a:r>
-              <a:rPr lang="en-US" sz="1600" b="1" dirty="0"/>
-              <a:t>LSTM</a:t>
-            </a:r>
-          </a:p>
-        </p:txBody>
-      </p:sp>
-      <p:sp>
-        <p:nvSpPr>
-          <p:cNvPr id="50" name="Rectangle: Rounded Corners 49">
-            <a:extLst>
-              <a:ext uri="{FF2B5EF4-FFF2-40B4-BE49-F238E27FC236}">
-                <a16:creationId xmlns:a16="http://schemas.microsoft.com/office/drawing/2014/main" id="{86B6914A-9013-E75B-F143-69887415C437}"/>
-              </a:ext>
-            </a:extLst>
-          </p:cNvPr>
-          <p:cNvSpPr/>
-          <p:nvPr/>
-        </p:nvSpPr>
-        <p:spPr>
-          <a:xfrm>
-            <a:off x="3886637" y="1052419"/>
-            <a:ext cx="764651" cy="301950"/>
-          </a:xfrm>
-          <a:prstGeom prst="roundRect">
-            <a:avLst/>
-          </a:prstGeom>
-        </p:spPr>
-        <p:style>
-          <a:lnRef idx="2">
-            <a:schemeClr val="accent1">
-              <a:shade val="15000"/>
-            </a:schemeClr>
-          </a:lnRef>
-          <a:fillRef idx="1">
-            <a:schemeClr val="accent1"/>
-          </a:fillRef>
-          <a:effectRef idx="0">
-            <a:schemeClr val="accent1"/>
-          </a:effectRef>
-          <a:fontRef idx="minor">
-            <a:schemeClr val="lt1"/>
-          </a:fontRef>
-        </p:style>
-        <p:txBody>
-          <a:bodyPr rtlCol="0" anchor="ctr"/>
-          <a:lstStyle/>
-          <a:p>
-            <a:pPr algn="ctr"/>
-            <a:r>
-              <a:rPr lang="en-US" sz="1600" b="1" dirty="0"/>
-              <a:t>LSTM</a:t>
-            </a:r>
-          </a:p>
-        </p:txBody>
-      </p:sp>
-      <p:sp>
-        <p:nvSpPr>
-          <p:cNvPr id="51" name="Rectangle: Rounded Corners 50">
-            <a:extLst>
-              <a:ext uri="{FF2B5EF4-FFF2-40B4-BE49-F238E27FC236}">
-                <a16:creationId xmlns:a16="http://schemas.microsoft.com/office/drawing/2014/main" id="{E8A091D6-E807-373F-1E99-4D6BC0DD88C6}"/>
-              </a:ext>
-            </a:extLst>
-          </p:cNvPr>
-          <p:cNvSpPr/>
-          <p:nvPr/>
-        </p:nvSpPr>
-        <p:spPr>
-          <a:xfrm>
-            <a:off x="4910805" y="1050330"/>
-            <a:ext cx="764651" cy="301950"/>
-          </a:xfrm>
-          <a:prstGeom prst="roundRect">
-            <a:avLst/>
-          </a:prstGeom>
-        </p:spPr>
-        <p:style>
-          <a:lnRef idx="2">
-            <a:schemeClr val="accent1">
-              <a:shade val="15000"/>
-            </a:schemeClr>
-          </a:lnRef>
-          <a:fillRef idx="1">
-            <a:schemeClr val="accent1"/>
-          </a:fillRef>
-          <a:effectRef idx="0">
-            <a:schemeClr val="accent1"/>
-          </a:effectRef>
-          <a:fontRef idx="minor">
-            <a:schemeClr val="lt1"/>
-          </a:fontRef>
-        </p:style>
-        <p:txBody>
-          <a:bodyPr rtlCol="0" anchor="ctr"/>
-          <a:lstStyle/>
-          <a:p>
-            <a:pPr algn="ctr"/>
-            <a:r>
-              <a:rPr lang="en-US" sz="1600" b="1" dirty="0"/>
-              <a:t>…</a:t>
-            </a:r>
-          </a:p>
-        </p:txBody>
-      </p:sp>
-      <p:sp>
-        <p:nvSpPr>
-          <p:cNvPr id="52" name="Rectangle: Rounded Corners 51">
-            <a:extLst>
-              <a:ext uri="{FF2B5EF4-FFF2-40B4-BE49-F238E27FC236}">
-                <a16:creationId xmlns:a16="http://schemas.microsoft.com/office/drawing/2014/main" id="{17251E13-01DF-C685-F5AD-B4F9766B917B}"/>
-              </a:ext>
-            </a:extLst>
-          </p:cNvPr>
-          <p:cNvSpPr/>
-          <p:nvPr/>
-        </p:nvSpPr>
-        <p:spPr>
-          <a:xfrm>
-            <a:off x="5934973" y="1053250"/>
-            <a:ext cx="764651" cy="301950"/>
-          </a:xfrm>
-          <a:prstGeom prst="roundRect">
-            <a:avLst/>
-          </a:prstGeom>
-        </p:spPr>
-        <p:style>
-          <a:lnRef idx="2">
-            <a:schemeClr val="accent1">
-              <a:shade val="15000"/>
-            </a:schemeClr>
-          </a:lnRef>
-          <a:fillRef idx="1">
-            <a:schemeClr val="accent1"/>
-          </a:fillRef>
-          <a:effectRef idx="0">
-            <a:schemeClr val="accent1"/>
-          </a:effectRef>
-          <a:fontRef idx="minor">
-            <a:schemeClr val="lt1"/>
-          </a:fontRef>
-        </p:style>
-        <p:txBody>
-          <a:bodyPr rtlCol="0" anchor="ctr"/>
-          <a:lstStyle/>
-          <a:p>
-            <a:pPr algn="ctr"/>
-            <a:r>
-              <a:rPr lang="en-US" sz="1600" b="1" dirty="0"/>
-              <a:t>LSTM</a:t>
-            </a:r>
-          </a:p>
-        </p:txBody>
-      </p:sp>
-      <p:sp>
-        <p:nvSpPr>
-          <p:cNvPr id="53" name="Rectangle: Rounded Corners 52">
-            <a:extLst>
-              <a:ext uri="{FF2B5EF4-FFF2-40B4-BE49-F238E27FC236}">
-                <a16:creationId xmlns:a16="http://schemas.microsoft.com/office/drawing/2014/main" id="{F176E8BD-3AE9-1E8B-322F-B0B915CC69E2}"/>
-              </a:ext>
-            </a:extLst>
-          </p:cNvPr>
-          <p:cNvSpPr/>
-          <p:nvPr/>
-        </p:nvSpPr>
-        <p:spPr>
-          <a:xfrm>
-            <a:off x="6959141" y="1056095"/>
-            <a:ext cx="764651" cy="301950"/>
-          </a:xfrm>
-          <a:prstGeom prst="roundRect">
-            <a:avLst/>
-          </a:prstGeom>
-        </p:spPr>
-        <p:style>
-          <a:lnRef idx="2">
-            <a:schemeClr val="accent1">
-              <a:shade val="15000"/>
-            </a:schemeClr>
-          </a:lnRef>
-          <a:fillRef idx="1">
-            <a:schemeClr val="accent1"/>
-          </a:fillRef>
-          <a:effectRef idx="0">
-            <a:schemeClr val="accent1"/>
-          </a:effectRef>
-          <a:fontRef idx="minor">
-            <a:schemeClr val="lt1"/>
-          </a:fontRef>
-        </p:style>
-        <p:txBody>
-          <a:bodyPr rtlCol="0" anchor="ctr"/>
-          <a:lstStyle/>
-          <a:p>
-            <a:pPr algn="ctr"/>
-            <a:r>
-              <a:rPr lang="en-US" sz="1600" b="1" dirty="0"/>
-              <a:t>LSTM</a:t>
-            </a:r>
-          </a:p>
-        </p:txBody>
-      </p:sp>
-      <p:cxnSp>
-        <p:nvCxnSpPr>
-          <p:cNvPr id="54" name="Straight Arrow Connector 53">
-            <a:extLst>
-              <a:ext uri="{FF2B5EF4-FFF2-40B4-BE49-F238E27FC236}">
-                <a16:creationId xmlns:a16="http://schemas.microsoft.com/office/drawing/2014/main" id="{688F6970-13E8-A9FE-CCB5-4AFE99AF270F}"/>
-              </a:ext>
-            </a:extLst>
-          </p:cNvPr>
-          <p:cNvCxnSpPr>
-            <a:cxnSpLocks/>
-            <a:stCxn id="49" idx="3"/>
-            <a:endCxn id="50" idx="1"/>
-          </p:cNvCxnSpPr>
-          <p:nvPr/>
-        </p:nvCxnSpPr>
-        <p:spPr>
-          <a:xfrm>
-            <a:off x="3627120" y="1203394"/>
-            <a:ext cx="259517" cy="0"/>
-          </a:xfrm>
-          <a:prstGeom prst="straightConnector1">
-            <a:avLst/>
-          </a:prstGeom>
-          <a:ln w="28575">
-            <a:solidFill>
-              <a:schemeClr val="accent5"/>
-            </a:solidFill>
-            <a:tailEnd type="triangle"/>
-          </a:ln>
-        </p:spPr>
-        <p:style>
-          <a:lnRef idx="2">
-            <a:schemeClr val="accent1"/>
-          </a:lnRef>
-          <a:fillRef idx="0">
-            <a:schemeClr val="accent1"/>
-          </a:fillRef>
-          <a:effectRef idx="1">
-            <a:schemeClr val="accent1"/>
-          </a:effectRef>
-          <a:fontRef idx="minor">
-            <a:schemeClr val="tx1"/>
-          </a:fontRef>
-        </p:style>
-      </p:cxnSp>
-      <p:cxnSp>
-        <p:nvCxnSpPr>
-          <p:cNvPr id="55" name="Straight Arrow Connector 54">
-            <a:extLst>
-              <a:ext uri="{FF2B5EF4-FFF2-40B4-BE49-F238E27FC236}">
-                <a16:creationId xmlns:a16="http://schemas.microsoft.com/office/drawing/2014/main" id="{32CFF806-25CE-0D46-91CC-2A38F2CC6EA9}"/>
-              </a:ext>
-            </a:extLst>
-          </p:cNvPr>
-          <p:cNvCxnSpPr>
-            <a:cxnSpLocks/>
-            <a:endCxn id="51" idx="1"/>
-          </p:cNvCxnSpPr>
-          <p:nvPr/>
-        </p:nvCxnSpPr>
-        <p:spPr>
-          <a:xfrm>
-            <a:off x="4651288" y="1201305"/>
-            <a:ext cx="259517" cy="0"/>
-          </a:xfrm>
-          <a:prstGeom prst="straightConnector1">
-            <a:avLst/>
-          </a:prstGeom>
-          <a:ln w="28575">
-            <a:solidFill>
-              <a:schemeClr val="accent5"/>
-            </a:solidFill>
-            <a:tailEnd type="triangle"/>
-          </a:ln>
-        </p:spPr>
-        <p:style>
-          <a:lnRef idx="2">
-            <a:schemeClr val="accent1"/>
-          </a:lnRef>
-          <a:fillRef idx="0">
-            <a:schemeClr val="accent1"/>
-          </a:fillRef>
-          <a:effectRef idx="1">
-            <a:schemeClr val="accent1"/>
-          </a:effectRef>
-          <a:fontRef idx="minor">
-            <a:schemeClr val="tx1"/>
-          </a:fontRef>
-        </p:style>
-      </p:cxnSp>
-      <p:cxnSp>
-        <p:nvCxnSpPr>
-          <p:cNvPr id="56" name="Straight Arrow Connector 55">
-            <a:extLst>
-              <a:ext uri="{FF2B5EF4-FFF2-40B4-BE49-F238E27FC236}">
-                <a16:creationId xmlns:a16="http://schemas.microsoft.com/office/drawing/2014/main" id="{FFAADCB5-B5D9-9FD3-938B-95E4E68A05AB}"/>
-              </a:ext>
-            </a:extLst>
-          </p:cNvPr>
-          <p:cNvCxnSpPr>
-            <a:cxnSpLocks/>
-            <a:stCxn id="51" idx="3"/>
-            <a:endCxn id="52" idx="1"/>
-          </p:cNvCxnSpPr>
-          <p:nvPr/>
-        </p:nvCxnSpPr>
-        <p:spPr>
-          <a:xfrm>
-            <a:off x="5675456" y="1201305"/>
-            <a:ext cx="259517" cy="2920"/>
-          </a:xfrm>
-          <a:prstGeom prst="straightConnector1">
-            <a:avLst/>
-          </a:prstGeom>
-          <a:ln w="28575">
-            <a:solidFill>
-              <a:schemeClr val="accent5"/>
-            </a:solidFill>
-            <a:tailEnd type="triangle"/>
-          </a:ln>
-        </p:spPr>
-        <p:style>
-          <a:lnRef idx="2">
-            <a:schemeClr val="accent1"/>
-          </a:lnRef>
-          <a:fillRef idx="0">
-            <a:schemeClr val="accent1"/>
-          </a:fillRef>
-          <a:effectRef idx="1">
-            <a:schemeClr val="accent1"/>
-          </a:effectRef>
-          <a:fontRef idx="minor">
-            <a:schemeClr val="tx1"/>
-          </a:fontRef>
-        </p:style>
-      </p:cxnSp>
-      <p:cxnSp>
-        <p:nvCxnSpPr>
-          <p:cNvPr id="57" name="Straight Arrow Connector 56">
-            <a:extLst>
-              <a:ext uri="{FF2B5EF4-FFF2-40B4-BE49-F238E27FC236}">
-                <a16:creationId xmlns:a16="http://schemas.microsoft.com/office/drawing/2014/main" id="{80149048-608C-BBEB-407D-34ADFD96198D}"/>
-              </a:ext>
-            </a:extLst>
-          </p:cNvPr>
-          <p:cNvCxnSpPr>
-            <a:cxnSpLocks/>
-            <a:stCxn id="52" idx="3"/>
-            <a:endCxn id="53" idx="1"/>
-          </p:cNvCxnSpPr>
-          <p:nvPr/>
-        </p:nvCxnSpPr>
-        <p:spPr>
-          <a:xfrm>
-            <a:off x="6699624" y="1204225"/>
-            <a:ext cx="259517" cy="2845"/>
-          </a:xfrm>
-          <a:prstGeom prst="straightConnector1">
-            <a:avLst/>
-          </a:prstGeom>
-          <a:ln w="28575">
-            <a:solidFill>
-              <a:schemeClr val="accent5"/>
-            </a:solidFill>
-            <a:tailEnd type="triangle"/>
-          </a:ln>
-        </p:spPr>
-        <p:style>
-          <a:lnRef idx="2">
-            <a:schemeClr val="accent1"/>
-          </a:lnRef>
-          <a:fillRef idx="0">
-            <a:schemeClr val="accent1"/>
-          </a:fillRef>
-          <a:effectRef idx="1">
-            <a:schemeClr val="accent1"/>
-          </a:effectRef>
-          <a:fontRef idx="minor">
-            <a:schemeClr val="tx1"/>
-          </a:fontRef>
-        </p:style>
-      </p:cxnSp>
-      <p:cxnSp>
-        <p:nvCxnSpPr>
-          <p:cNvPr id="58" name="Straight Arrow Connector 57">
-            <a:extLst>
-              <a:ext uri="{FF2B5EF4-FFF2-40B4-BE49-F238E27FC236}">
-                <a16:creationId xmlns:a16="http://schemas.microsoft.com/office/drawing/2014/main" id="{7B17458C-B391-0D58-704D-B07ADE1A9B06}"/>
-              </a:ext>
-            </a:extLst>
-          </p:cNvPr>
-          <p:cNvCxnSpPr>
-            <a:cxnSpLocks/>
-            <a:stCxn id="39" idx="0"/>
-            <a:endCxn id="16" idx="2"/>
-          </p:cNvCxnSpPr>
-          <p:nvPr/>
-        </p:nvCxnSpPr>
-        <p:spPr>
-          <a:xfrm flipV="1">
-            <a:off x="3244795" y="2735149"/>
-            <a:ext cx="0" cy="987487"/>
-          </a:xfrm>
-          <a:prstGeom prst="straightConnector1">
-            <a:avLst/>
-          </a:prstGeom>
-          <a:ln w="28575">
-            <a:solidFill>
-              <a:schemeClr val="accent5"/>
-            </a:solidFill>
-            <a:tailEnd type="triangle"/>
-          </a:ln>
-        </p:spPr>
-        <p:style>
-          <a:lnRef idx="2">
-            <a:schemeClr val="accent1"/>
-          </a:lnRef>
-          <a:fillRef idx="0">
-            <a:schemeClr val="accent1"/>
-          </a:fillRef>
-          <a:effectRef idx="1">
-            <a:schemeClr val="accent1"/>
-          </a:effectRef>
-          <a:fontRef idx="minor">
-            <a:schemeClr val="tx1"/>
-          </a:fontRef>
-        </p:style>
-      </p:cxnSp>
-      <p:cxnSp>
-        <p:nvCxnSpPr>
-          <p:cNvPr id="61" name="Straight Arrow Connector 60">
-            <a:extLst>
-              <a:ext uri="{FF2B5EF4-FFF2-40B4-BE49-F238E27FC236}">
-                <a16:creationId xmlns:a16="http://schemas.microsoft.com/office/drawing/2014/main" id="{4DEF3455-C375-ABDA-FFB7-E7682C445C09}"/>
-              </a:ext>
-            </a:extLst>
-          </p:cNvPr>
-          <p:cNvCxnSpPr>
-            <a:cxnSpLocks/>
-            <a:stCxn id="40" idx="0"/>
-            <a:endCxn id="18" idx="2"/>
-          </p:cNvCxnSpPr>
-          <p:nvPr/>
-        </p:nvCxnSpPr>
-        <p:spPr>
-          <a:xfrm flipV="1">
-            <a:off x="4268963" y="2735149"/>
-            <a:ext cx="0" cy="987487"/>
-          </a:xfrm>
-          <a:prstGeom prst="straightConnector1">
-            <a:avLst/>
-          </a:prstGeom>
-          <a:ln w="28575">
-            <a:solidFill>
-              <a:schemeClr val="accent5"/>
-            </a:solidFill>
-            <a:tailEnd type="triangle"/>
-          </a:ln>
-        </p:spPr>
-        <p:style>
-          <a:lnRef idx="2">
-            <a:schemeClr val="accent1"/>
-          </a:lnRef>
-          <a:fillRef idx="0">
-            <a:schemeClr val="accent1"/>
-          </a:fillRef>
-          <a:effectRef idx="1">
-            <a:schemeClr val="accent1"/>
-          </a:effectRef>
-          <a:fontRef idx="minor">
-            <a:schemeClr val="tx1"/>
-          </a:fontRef>
-        </p:style>
-      </p:cxnSp>
-      <p:cxnSp>
-        <p:nvCxnSpPr>
-          <p:cNvPr id="64" name="Straight Arrow Connector 63">
-            <a:extLst>
-              <a:ext uri="{FF2B5EF4-FFF2-40B4-BE49-F238E27FC236}">
-                <a16:creationId xmlns:a16="http://schemas.microsoft.com/office/drawing/2014/main" id="{E8D2335C-E0EF-A950-5243-BA2E95EDB0A9}"/>
-              </a:ext>
-            </a:extLst>
-          </p:cNvPr>
-          <p:cNvCxnSpPr>
-            <a:cxnSpLocks/>
-            <a:endCxn id="19" idx="2"/>
-          </p:cNvCxnSpPr>
-          <p:nvPr/>
-        </p:nvCxnSpPr>
-        <p:spPr>
-          <a:xfrm flipV="1">
-            <a:off x="5293131" y="2733060"/>
-            <a:ext cx="0" cy="987487"/>
-          </a:xfrm>
-          <a:prstGeom prst="straightConnector1">
-            <a:avLst/>
-          </a:prstGeom>
-          <a:ln w="28575">
-            <a:solidFill>
-              <a:schemeClr val="accent5"/>
-            </a:solidFill>
-            <a:tailEnd type="triangle"/>
-          </a:ln>
-        </p:spPr>
-        <p:style>
-          <a:lnRef idx="2">
-            <a:schemeClr val="accent1"/>
-          </a:lnRef>
-          <a:fillRef idx="0">
-            <a:schemeClr val="accent1"/>
-          </a:fillRef>
-          <a:effectRef idx="1">
-            <a:schemeClr val="accent1"/>
-          </a:effectRef>
-          <a:fontRef idx="minor">
-            <a:schemeClr val="tx1"/>
-          </a:fontRef>
-        </p:style>
-      </p:cxnSp>
-      <p:cxnSp>
-        <p:nvCxnSpPr>
-          <p:cNvPr id="67" name="Straight Arrow Connector 66">
-            <a:extLst>
-              <a:ext uri="{FF2B5EF4-FFF2-40B4-BE49-F238E27FC236}">
-                <a16:creationId xmlns:a16="http://schemas.microsoft.com/office/drawing/2014/main" id="{038F7DFE-8B5A-F34A-9834-81F94AC54260}"/>
-              </a:ext>
-            </a:extLst>
-          </p:cNvPr>
-          <p:cNvCxnSpPr>
-            <a:cxnSpLocks/>
-            <a:endCxn id="20" idx="2"/>
-          </p:cNvCxnSpPr>
-          <p:nvPr/>
-        </p:nvCxnSpPr>
-        <p:spPr>
-          <a:xfrm flipV="1">
-            <a:off x="6317297" y="2735980"/>
-            <a:ext cx="2" cy="984567"/>
-          </a:xfrm>
-          <a:prstGeom prst="straightConnector1">
-            <a:avLst/>
-          </a:prstGeom>
-          <a:ln w="28575">
-            <a:solidFill>
-              <a:schemeClr val="accent5"/>
-            </a:solidFill>
-            <a:tailEnd type="triangle"/>
-          </a:ln>
-        </p:spPr>
-        <p:style>
-          <a:lnRef idx="2">
-            <a:schemeClr val="accent1"/>
-          </a:lnRef>
-          <a:fillRef idx="0">
-            <a:schemeClr val="accent1"/>
-          </a:fillRef>
-          <a:effectRef idx="1">
-            <a:schemeClr val="accent1"/>
-          </a:effectRef>
-          <a:fontRef idx="minor">
-            <a:schemeClr val="tx1"/>
-          </a:fontRef>
-        </p:style>
-      </p:cxnSp>
-      <p:cxnSp>
-        <p:nvCxnSpPr>
-          <p:cNvPr id="70" name="Straight Arrow Connector 69">
-            <a:extLst>
-              <a:ext uri="{FF2B5EF4-FFF2-40B4-BE49-F238E27FC236}">
-                <a16:creationId xmlns:a16="http://schemas.microsoft.com/office/drawing/2014/main" id="{943C4CC1-C2F2-456C-033C-F0F3A9B2E0A6}"/>
-              </a:ext>
-            </a:extLst>
-          </p:cNvPr>
-          <p:cNvCxnSpPr>
-            <a:cxnSpLocks/>
-            <a:stCxn id="43" idx="0"/>
-            <a:endCxn id="22" idx="2"/>
-          </p:cNvCxnSpPr>
-          <p:nvPr/>
-        </p:nvCxnSpPr>
-        <p:spPr>
-          <a:xfrm flipV="1">
-            <a:off x="7341467" y="2738825"/>
-            <a:ext cx="0" cy="987487"/>
-          </a:xfrm>
-          <a:prstGeom prst="straightConnector1">
-            <a:avLst/>
-          </a:prstGeom>
-          <a:ln w="28575">
-            <a:solidFill>
-              <a:schemeClr val="accent5"/>
-            </a:solidFill>
-            <a:tailEnd type="triangle"/>
-          </a:ln>
-        </p:spPr>
-        <p:style>
-          <a:lnRef idx="2">
-            <a:schemeClr val="accent1"/>
-          </a:lnRef>
-          <a:fillRef idx="0">
-            <a:schemeClr val="accent1"/>
-          </a:fillRef>
-          <a:effectRef idx="1">
-            <a:schemeClr val="accent1"/>
-          </a:effectRef>
-          <a:fontRef idx="minor">
-            <a:schemeClr val="tx1"/>
-          </a:fontRef>
-        </p:style>
-      </p:cxnSp>
-      <p:cxnSp>
-        <p:nvCxnSpPr>
-          <p:cNvPr id="73" name="Straight Arrow Connector 72">
-            <a:extLst>
-              <a:ext uri="{FF2B5EF4-FFF2-40B4-BE49-F238E27FC236}">
-                <a16:creationId xmlns:a16="http://schemas.microsoft.com/office/drawing/2014/main" id="{A9122D99-0244-4ED9-4BEB-0E1484FA1CF0}"/>
-              </a:ext>
-            </a:extLst>
-          </p:cNvPr>
-          <p:cNvCxnSpPr>
-            <a:cxnSpLocks/>
-            <a:stCxn id="16" idx="0"/>
-            <a:endCxn id="49" idx="2"/>
-          </p:cNvCxnSpPr>
-          <p:nvPr/>
-        </p:nvCxnSpPr>
-        <p:spPr>
-          <a:xfrm flipV="1">
-            <a:off x="3244795" y="1354369"/>
-            <a:ext cx="0" cy="1078830"/>
-          </a:xfrm>
-          <a:prstGeom prst="straightConnector1">
-            <a:avLst/>
-          </a:prstGeom>
-          <a:ln w="28575">
-            <a:solidFill>
-              <a:schemeClr val="accent5"/>
-            </a:solidFill>
-            <a:tailEnd type="triangle"/>
-          </a:ln>
-        </p:spPr>
-        <p:style>
-          <a:lnRef idx="2">
-            <a:schemeClr val="accent1"/>
-          </a:lnRef>
-          <a:fillRef idx="0">
-            <a:schemeClr val="accent1"/>
-          </a:fillRef>
-          <a:effectRef idx="1">
-            <a:schemeClr val="accent1"/>
-          </a:effectRef>
-          <a:fontRef idx="minor">
-            <a:schemeClr val="tx1"/>
-          </a:fontRef>
-        </p:style>
-      </p:cxnSp>
-      <p:cxnSp>
-        <p:nvCxnSpPr>
-          <p:cNvPr id="76" name="Straight Arrow Connector 75">
-            <a:extLst>
-              <a:ext uri="{FF2B5EF4-FFF2-40B4-BE49-F238E27FC236}">
-                <a16:creationId xmlns:a16="http://schemas.microsoft.com/office/drawing/2014/main" id="{D65C053D-198F-FD3E-987D-8EDAC2C78DFB}"/>
-              </a:ext>
-            </a:extLst>
-          </p:cNvPr>
-          <p:cNvCxnSpPr>
-            <a:cxnSpLocks/>
-            <a:stCxn id="18" idx="0"/>
-          </p:cNvCxnSpPr>
-          <p:nvPr/>
-        </p:nvCxnSpPr>
-        <p:spPr>
-          <a:xfrm flipV="1">
-            <a:off x="4268963" y="1352280"/>
-            <a:ext cx="0" cy="1080919"/>
-          </a:xfrm>
-          <a:prstGeom prst="straightConnector1">
-            <a:avLst/>
-          </a:prstGeom>
-          <a:ln w="28575">
-            <a:solidFill>
-              <a:schemeClr val="accent5"/>
-            </a:solidFill>
-            <a:tailEnd type="triangle"/>
-          </a:ln>
-        </p:spPr>
-        <p:style>
-          <a:lnRef idx="2">
-            <a:schemeClr val="accent1"/>
-          </a:lnRef>
-          <a:fillRef idx="0">
-            <a:schemeClr val="accent1"/>
-          </a:fillRef>
-          <a:effectRef idx="1">
-            <a:schemeClr val="accent1"/>
-          </a:effectRef>
-          <a:fontRef idx="minor">
-            <a:schemeClr val="tx1"/>
-          </a:fontRef>
-        </p:style>
-      </p:cxnSp>
-      <p:cxnSp>
-        <p:nvCxnSpPr>
-          <p:cNvPr id="79" name="Straight Arrow Connector 78">
-            <a:extLst>
-              <a:ext uri="{FF2B5EF4-FFF2-40B4-BE49-F238E27FC236}">
-                <a16:creationId xmlns:a16="http://schemas.microsoft.com/office/drawing/2014/main" id="{08EF3064-8665-A47B-9A8B-97AF2B69A5C2}"/>
-              </a:ext>
-            </a:extLst>
-          </p:cNvPr>
-          <p:cNvCxnSpPr>
-            <a:cxnSpLocks/>
-            <a:stCxn id="19" idx="0"/>
-            <a:endCxn id="51" idx="2"/>
-          </p:cNvCxnSpPr>
-          <p:nvPr/>
-        </p:nvCxnSpPr>
-        <p:spPr>
-          <a:xfrm flipV="1">
-            <a:off x="5293131" y="1352280"/>
-            <a:ext cx="0" cy="1078830"/>
-          </a:xfrm>
-          <a:prstGeom prst="straightConnector1">
-            <a:avLst/>
-          </a:prstGeom>
-          <a:ln w="28575">
-            <a:solidFill>
-              <a:schemeClr val="accent5"/>
-            </a:solidFill>
-            <a:tailEnd type="triangle"/>
-          </a:ln>
-        </p:spPr>
-        <p:style>
-          <a:lnRef idx="2">
-            <a:schemeClr val="accent1"/>
-          </a:lnRef>
-          <a:fillRef idx="0">
-            <a:schemeClr val="accent1"/>
-          </a:fillRef>
-          <a:effectRef idx="1">
-            <a:schemeClr val="accent1"/>
-          </a:effectRef>
-          <a:fontRef idx="minor">
-            <a:schemeClr val="tx1"/>
-          </a:fontRef>
-        </p:style>
-      </p:cxnSp>
-      <p:cxnSp>
-        <p:nvCxnSpPr>
-          <p:cNvPr id="82" name="Straight Arrow Connector 81">
-            <a:extLst>
-              <a:ext uri="{FF2B5EF4-FFF2-40B4-BE49-F238E27FC236}">
-                <a16:creationId xmlns:a16="http://schemas.microsoft.com/office/drawing/2014/main" id="{54F5CBB5-F25B-AC5D-6837-4E5AC25494F3}"/>
-              </a:ext>
-            </a:extLst>
-          </p:cNvPr>
-          <p:cNvCxnSpPr>
-            <a:cxnSpLocks/>
-            <a:stCxn id="20" idx="0"/>
-          </p:cNvCxnSpPr>
-          <p:nvPr/>
-        </p:nvCxnSpPr>
-        <p:spPr>
-          <a:xfrm flipH="1" flipV="1">
-            <a:off x="6317297" y="1352280"/>
-            <a:ext cx="2" cy="1081750"/>
-          </a:xfrm>
-          <a:prstGeom prst="straightConnector1">
-            <a:avLst/>
-          </a:prstGeom>
-          <a:ln w="28575">
-            <a:solidFill>
-              <a:schemeClr val="accent5"/>
-            </a:solidFill>
-            <a:tailEnd type="triangle"/>
-          </a:ln>
-        </p:spPr>
-        <p:style>
-          <a:lnRef idx="2">
-            <a:schemeClr val="accent1"/>
-          </a:lnRef>
-          <a:fillRef idx="0">
-            <a:schemeClr val="accent1"/>
-          </a:fillRef>
-          <a:effectRef idx="1">
-            <a:schemeClr val="accent1"/>
-          </a:effectRef>
-          <a:fontRef idx="minor">
-            <a:schemeClr val="tx1"/>
-          </a:fontRef>
-        </p:style>
-      </p:cxnSp>
-      <p:cxnSp>
-        <p:nvCxnSpPr>
-          <p:cNvPr id="85" name="Straight Arrow Connector 84">
-            <a:extLst>
-              <a:ext uri="{FF2B5EF4-FFF2-40B4-BE49-F238E27FC236}">
-                <a16:creationId xmlns:a16="http://schemas.microsoft.com/office/drawing/2014/main" id="{804F2F81-EF90-C793-B7DC-CB2D22AC9C98}"/>
-              </a:ext>
-            </a:extLst>
-          </p:cNvPr>
-          <p:cNvCxnSpPr>
-            <a:cxnSpLocks/>
-            <a:stCxn id="22" idx="0"/>
-          </p:cNvCxnSpPr>
-          <p:nvPr/>
-        </p:nvCxnSpPr>
-        <p:spPr>
-          <a:xfrm flipH="1" flipV="1">
-            <a:off x="7341464" y="1358045"/>
-            <a:ext cx="3" cy="1078830"/>
-          </a:xfrm>
-          <a:prstGeom prst="straightConnector1">
-            <a:avLst/>
-          </a:prstGeom>
-          <a:ln w="28575">
-            <a:solidFill>
-              <a:schemeClr val="accent5"/>
-            </a:solidFill>
-            <a:tailEnd type="triangle"/>
-          </a:ln>
-        </p:spPr>
-        <p:style>
-          <a:lnRef idx="2">
-            <a:schemeClr val="accent1"/>
-          </a:lnRef>
-          <a:fillRef idx="0">
-            <a:schemeClr val="accent1"/>
-          </a:fillRef>
-          <a:effectRef idx="1">
-            <a:schemeClr val="accent1"/>
-          </a:effectRef>
-          <a:fontRef idx="minor">
-            <a:schemeClr val="tx1"/>
-          </a:fontRef>
-        </p:style>
-      </p:cxnSp>
-      <p:sp>
-        <p:nvSpPr>
-          <p:cNvPr id="88" name="TextBox 87">
-            <a:extLst>
-              <a:ext uri="{FF2B5EF4-FFF2-40B4-BE49-F238E27FC236}">
-                <a16:creationId xmlns:a16="http://schemas.microsoft.com/office/drawing/2014/main" id="{56FA5AC0-15E7-6B80-6C0F-C965BE935B61}"/>
+                <a16:creationId xmlns:a16="http://schemas.microsoft.com/office/drawing/2014/main" id="{95F05CAA-9471-38F0-27DB-4F15648C4823}"/>
               </a:ext>
             </a:extLst>
           </p:cNvPr>
@@ -5317,8 +6960,8 @@
         </p:nvSpPr>
         <p:spPr>
           <a:xfrm>
-            <a:off x="2202512" y="689405"/>
-            <a:ext cx="1047594" cy="276999"/>
+            <a:off x="10018749" y="2959426"/>
+            <a:ext cx="973073" cy="307777"/>
           </a:xfrm>
           <a:prstGeom prst="rect">
             <a:avLst/>
@@ -5332,50 +6975,8 @@
           <a:lstStyle/>
           <a:p>
             <a:r>
-              <a:rPr lang="en-US" sz="1200" dirty="0"/>
-              <a:t>LSTM Layer 3</a:t>
-            </a:r>
-          </a:p>
-        </p:txBody>
-      </p:sp>
-      <p:sp>
-        <p:nvSpPr>
-          <p:cNvPr id="7" name="TextBox 6">
-            <a:extLst>
-              <a:ext uri="{FF2B5EF4-FFF2-40B4-BE49-F238E27FC236}">
-                <a16:creationId xmlns:a16="http://schemas.microsoft.com/office/drawing/2014/main" id="{8EDE89A0-EC50-B209-1C90-44EDCA5C7CC1}"/>
-              </a:ext>
-            </a:extLst>
-          </p:cNvPr>
-          <p:cNvSpPr txBox="1"/>
-          <p:nvPr/>
-        </p:nvSpPr>
-        <p:spPr>
-          <a:xfrm>
-            <a:off x="2220628" y="3364728"/>
-            <a:ext cx="1047594" cy="276999"/>
-          </a:xfrm>
-          <a:prstGeom prst="rect">
-            <a:avLst/>
-          </a:prstGeom>
-          <a:noFill/>
-        </p:spPr>
-        <p:txBody>
-          <a:bodyPr wrap="none" rtlCol="0">
-            <a:spAutoFit/>
-          </a:bodyPr>
-          <a:lstStyle>
-            <a:defPPr>
-              <a:defRPr lang="en-US"/>
-            </a:defPPr>
-            <a:lvl1pPr>
-              <a:defRPr sz="1200"/>
-            </a:lvl1pPr>
-          </a:lstStyle>
-          <a:p>
-            <a:r>
-              <a:rPr lang="en-US" dirty="0"/>
-              <a:t>LSTM Layer 1</a:t>
+              <a:rPr lang="en-US" sz="1400" b="1" dirty="0"/>
+              <a:t>Datasets</a:t>
             </a:r>
           </a:p>
         </p:txBody>
@@ -5396,7 +6997,7 @@
 <file path=ppt/theme/theme1.xml><?xml version="1.0" encoding="utf-8"?>
 <a:theme xmlns:a="http://schemas.openxmlformats.org/drawingml/2006/main" name="Office Theme">
   <a:themeElements>
-    <a:clrScheme name="Office">
+    <a:clrScheme name="Office Theme">
       <a:dk1>
         <a:sysClr val="windowText" lastClr="000000"/>
       </a:dk1>
@@ -5434,7 +7035,7 @@
         <a:srgbClr val="96607D"/>
       </a:folHlink>
     </a:clrScheme>
-    <a:fontScheme name="Office">
+    <a:fontScheme name="Office Theme">
       <a:majorFont>
         <a:latin typeface="Aptos Display" panose="02110004020202020204"/>
         <a:ea typeface=""/>
@@ -5540,7 +7141,7 @@
         <a:font script="Tfng" typeface="Ebrima"/>
       </a:minorFont>
     </a:fontScheme>
-    <a:fmtScheme name="Office">
+    <a:fmtScheme name="Office Theme">
       <a:fillStyleLst>
         <a:solidFill>
           <a:schemeClr val="phClr"/>

--- a/LSTM_Writeup.pptx
+++ b/LSTM_Writeup.pptx
@@ -6,6 +6,7 @@
   </p:sldMasterIdLst>
   <p:sldIdLst>
     <p:sldId id="256" r:id="rId2"/>
+    <p:sldId id="257" r:id="rId3"/>
   </p:sldIdLst>
   <p:sldSz cx="23774400" cy="10880725"/>
   <p:notesSz cx="6858000" cy="9144000"/>
@@ -1490,7 +1491,7 @@
           <a:p>
             <a:fld id="{8598BF27-7BCD-44DC-986D-6AEE74084B09}" type="datetimeFigureOut">
               <a:rPr lang="en-US" smtClean="0"/>
-              <a:t>1/11/2024</a:t>
+              <a:t>1/11/24</a:t>
             </a:fld>
             <a:endParaRPr lang="en-US"/>
           </a:p>
@@ -1660,7 +1661,7 @@
           <a:p>
             <a:fld id="{8598BF27-7BCD-44DC-986D-6AEE74084B09}" type="datetimeFigureOut">
               <a:rPr lang="en-US" smtClean="0"/>
-              <a:t>1/11/2024</a:t>
+              <a:t>1/11/24</a:t>
             </a:fld>
             <a:endParaRPr lang="en-US"/>
           </a:p>
@@ -1840,7 +1841,7 @@
           <a:p>
             <a:fld id="{8598BF27-7BCD-44DC-986D-6AEE74084B09}" type="datetimeFigureOut">
               <a:rPr lang="en-US" smtClean="0"/>
-              <a:t>1/11/2024</a:t>
+              <a:t>1/11/24</a:t>
             </a:fld>
             <a:endParaRPr lang="en-US"/>
           </a:p>
@@ -2010,7 +2011,7 @@
           <a:p>
             <a:fld id="{8598BF27-7BCD-44DC-986D-6AEE74084B09}" type="datetimeFigureOut">
               <a:rPr lang="en-US" smtClean="0"/>
-              <a:t>1/11/2024</a:t>
+              <a:t>1/11/24</a:t>
             </a:fld>
             <a:endParaRPr lang="en-US"/>
           </a:p>
@@ -2256,7 +2257,7 @@
           <a:p>
             <a:fld id="{8598BF27-7BCD-44DC-986D-6AEE74084B09}" type="datetimeFigureOut">
               <a:rPr lang="en-US" smtClean="0"/>
-              <a:t>1/11/2024</a:t>
+              <a:t>1/11/24</a:t>
             </a:fld>
             <a:endParaRPr lang="en-US"/>
           </a:p>
@@ -2488,7 +2489,7 @@
           <a:p>
             <a:fld id="{8598BF27-7BCD-44DC-986D-6AEE74084B09}" type="datetimeFigureOut">
               <a:rPr lang="en-US" smtClean="0"/>
-              <a:t>1/11/2024</a:t>
+              <a:t>1/11/24</a:t>
             </a:fld>
             <a:endParaRPr lang="en-US"/>
           </a:p>
@@ -2855,7 +2856,7 @@
           <a:p>
             <a:fld id="{8598BF27-7BCD-44DC-986D-6AEE74084B09}" type="datetimeFigureOut">
               <a:rPr lang="en-US" smtClean="0"/>
-              <a:t>1/11/2024</a:t>
+              <a:t>1/11/24</a:t>
             </a:fld>
             <a:endParaRPr lang="en-US"/>
           </a:p>
@@ -2973,7 +2974,7 @@
           <a:p>
             <a:fld id="{8598BF27-7BCD-44DC-986D-6AEE74084B09}" type="datetimeFigureOut">
               <a:rPr lang="en-US" smtClean="0"/>
-              <a:t>1/11/2024</a:t>
+              <a:t>1/11/24</a:t>
             </a:fld>
             <a:endParaRPr lang="en-US"/>
           </a:p>
@@ -3068,7 +3069,7 @@
           <a:p>
             <a:fld id="{8598BF27-7BCD-44DC-986D-6AEE74084B09}" type="datetimeFigureOut">
               <a:rPr lang="en-US" smtClean="0"/>
-              <a:t>1/11/2024</a:t>
+              <a:t>1/11/24</a:t>
             </a:fld>
             <a:endParaRPr lang="en-US"/>
           </a:p>
@@ -3345,7 +3346,7 @@
           <a:p>
             <a:fld id="{8598BF27-7BCD-44DC-986D-6AEE74084B09}" type="datetimeFigureOut">
               <a:rPr lang="en-US" smtClean="0"/>
-              <a:t>1/11/2024</a:t>
+              <a:t>1/11/24</a:t>
             </a:fld>
             <a:endParaRPr lang="en-US"/>
           </a:p>
@@ -3602,7 +3603,7 @@
           <a:p>
             <a:fld id="{8598BF27-7BCD-44DC-986D-6AEE74084B09}" type="datetimeFigureOut">
               <a:rPr lang="en-US" smtClean="0"/>
-              <a:t>1/11/2024</a:t>
+              <a:t>1/11/24</a:t>
             </a:fld>
             <a:endParaRPr lang="en-US"/>
           </a:p>
@@ -3815,7 +3816,7 @@
           <a:p>
             <a:fld id="{8598BF27-7BCD-44DC-986D-6AEE74084B09}" type="datetimeFigureOut">
               <a:rPr lang="en-US" smtClean="0"/>
-              <a:t>1/11/2024</a:t>
+              <a:t>1/11/24</a:t>
             </a:fld>
             <a:endParaRPr lang="en-US"/>
           </a:p>
@@ -4220,64 +4221,12 @@
           <a:chExt cx="0" cy="0"/>
         </a:xfrm>
       </p:grpSpPr>
-      <p:sp>
-        <p:nvSpPr>
-          <p:cNvPr id="122" name="Rectangle: Rounded Corners 121">
+      <p:grpSp>
+        <p:nvGrpSpPr>
+          <p:cNvPr id="271" name="Group 270">
             <a:extLst>
               <a:ext uri="{FF2B5EF4-FFF2-40B4-BE49-F238E27FC236}">
-                <a16:creationId xmlns:a16="http://schemas.microsoft.com/office/drawing/2014/main" id="{90A73C0C-8F50-25BD-E58C-8D31C4ADE47A}"/>
-              </a:ext>
-            </a:extLst>
-          </p:cNvPr>
-          <p:cNvSpPr/>
-          <p:nvPr/>
-        </p:nvSpPr>
-        <p:spPr>
-          <a:xfrm>
-            <a:off x="1761247" y="2091299"/>
-            <a:ext cx="9572349" cy="4314668"/>
-          </a:xfrm>
-          <a:prstGeom prst="roundRect">
-            <a:avLst/>
-          </a:prstGeom>
-          <a:solidFill>
-            <a:schemeClr val="accent1">
-              <a:lumMod val="20000"/>
-              <a:lumOff val="80000"/>
-            </a:schemeClr>
-          </a:solidFill>
-        </p:spPr>
-        <p:style>
-          <a:lnRef idx="2">
-            <a:schemeClr val="accent1">
-              <a:shade val="15000"/>
-            </a:schemeClr>
-          </a:lnRef>
-          <a:fillRef idx="1">
-            <a:schemeClr val="accent1"/>
-          </a:fillRef>
-          <a:effectRef idx="0">
-            <a:schemeClr val="accent1"/>
-          </a:effectRef>
-          <a:fontRef idx="minor">
-            <a:schemeClr val="lt1"/>
-          </a:fontRef>
-        </p:style>
-        <p:txBody>
-          <a:bodyPr rtlCol="0" anchor="ctr"/>
-          <a:lstStyle/>
-          <a:p>
-            <a:pPr algn="ctr"/>
-            <a:endParaRPr lang="en-US" sz="5183" dirty="0"/>
-          </a:p>
-        </p:txBody>
-      </p:sp>
-      <p:grpSp>
-        <p:nvGrpSpPr>
-          <p:cNvPr id="66" name="Group 65">
-            <a:extLst>
-              <a:ext uri="{FF2B5EF4-FFF2-40B4-BE49-F238E27FC236}">
-                <a16:creationId xmlns:a16="http://schemas.microsoft.com/office/drawing/2014/main" id="{40997883-3EF5-CEFD-EA8D-16C8851EEF28}"/>
+                <a16:creationId xmlns:a16="http://schemas.microsoft.com/office/drawing/2014/main" id="{B79CFA5C-364C-68CA-008D-903B32117EDC}"/>
               </a:ext>
             </a:extLst>
           </p:cNvPr>
@@ -4286,12 +4235,64 @@
         </p:nvGrpSpPr>
         <p:grpSpPr>
           <a:xfrm>
-            <a:off x="11695593" y="2081015"/>
-            <a:ext cx="7267492" cy="4325510"/>
-            <a:chOff x="6938510" y="2081015"/>
-            <a:chExt cx="7267492" cy="4325510"/>
+            <a:off x="372388" y="353355"/>
+            <a:ext cx="22079336" cy="8126906"/>
+            <a:chOff x="372388" y="353355"/>
+            <a:chExt cx="22079336" cy="8126906"/>
           </a:xfrm>
         </p:grpSpPr>
+        <p:sp>
+          <p:nvSpPr>
+            <p:cNvPr id="122" name="Rectangle: Rounded Corners 121">
+              <a:extLst>
+                <a:ext uri="{FF2B5EF4-FFF2-40B4-BE49-F238E27FC236}">
+                  <a16:creationId xmlns:a16="http://schemas.microsoft.com/office/drawing/2014/main" id="{90A73C0C-8F50-25BD-E58C-8D31C4ADE47A}"/>
+                </a:ext>
+              </a:extLst>
+            </p:cNvPr>
+            <p:cNvSpPr/>
+            <p:nvPr/>
+          </p:nvSpPr>
+          <p:spPr>
+            <a:xfrm>
+              <a:off x="6286324" y="353355"/>
+              <a:ext cx="9617299" cy="3011616"/>
+            </a:xfrm>
+            <a:prstGeom prst="roundRect">
+              <a:avLst/>
+            </a:prstGeom>
+            <a:solidFill>
+              <a:schemeClr val="accent1">
+                <a:lumMod val="20000"/>
+                <a:lumOff val="80000"/>
+              </a:schemeClr>
+            </a:solidFill>
+          </p:spPr>
+          <p:style>
+            <a:lnRef idx="2">
+              <a:schemeClr val="accent1">
+                <a:shade val="15000"/>
+              </a:schemeClr>
+            </a:lnRef>
+            <a:fillRef idx="1">
+              <a:schemeClr val="accent1"/>
+            </a:fillRef>
+            <a:effectRef idx="0">
+              <a:schemeClr val="accent1"/>
+            </a:effectRef>
+            <a:fontRef idx="minor">
+              <a:schemeClr val="lt1"/>
+            </a:fontRef>
+          </p:style>
+          <p:txBody>
+            <a:bodyPr rtlCol="0" anchor="ctr"/>
+            <a:lstStyle/>
+            <a:p>
+              <a:pPr algn="ctr"/>
+              <a:endParaRPr lang="en-US" sz="5183" dirty="0"/>
+            </a:p>
+          </p:txBody>
+        </p:sp>
         <p:sp>
           <p:nvSpPr>
             <p:cNvPr id="89" name="Rectangle: Rounded Corners 88">
@@ -4306,8 +4307,8 @@
           </p:nvSpPr>
           <p:spPr>
             <a:xfrm>
-              <a:off x="6938510" y="2081015"/>
-              <a:ext cx="7267492" cy="4325510"/>
+              <a:off x="8080927" y="4009981"/>
+              <a:ext cx="6961801" cy="4429826"/>
             </a:xfrm>
             <a:prstGeom prst="roundRect">
               <a:avLst/>
@@ -4358,8 +4359,8 @@
           </p:nvSpPr>
           <p:spPr>
             <a:xfrm>
-              <a:off x="7582566" y="3838252"/>
-              <a:ext cx="5939624" cy="1017766"/>
+              <a:off x="8437409" y="5030962"/>
+              <a:ext cx="6401056" cy="1017766"/>
             </a:xfrm>
             <a:prstGeom prst="roundRect">
               <a:avLst/>
@@ -4410,8 +4411,8 @@
           </p:nvSpPr>
           <p:spPr>
             <a:xfrm>
-              <a:off x="7582566" y="3833147"/>
-              <a:ext cx="1047594" cy="276999"/>
+              <a:off x="8437409" y="5025857"/>
+              <a:ext cx="1064715" cy="276999"/>
             </a:xfrm>
             <a:prstGeom prst="rect">
               <a:avLst/>
@@ -4426,7 +4427,7 @@
             <a:p>
               <a:r>
                 <a:rPr lang="en-US" sz="1200" dirty="0"/>
-                <a:t>LSTM Layer 2</a:t>
+                <a:t>MLP Model 1</a:t>
               </a:r>
             </a:p>
           </p:txBody>
@@ -4445,8 +4446,8 @@
           </p:nvSpPr>
           <p:spPr>
             <a:xfrm>
-              <a:off x="8242524" y="4196160"/>
-              <a:ext cx="764651" cy="301950"/>
+              <a:off x="8736773" y="5382343"/>
+              <a:ext cx="1608955" cy="301950"/>
             </a:xfrm>
             <a:prstGeom prst="roundRect">
               <a:avLst/>
@@ -4474,18 +4475,53 @@
             <a:p>
               <a:pPr algn="ctr"/>
               <a:r>
-                <a:rPr lang="en-US" sz="1600" b="1" dirty="0"/>
-                <a:t>LSTM</a:t>
+                <a:rPr lang="en-US" sz="1400" b="1" dirty="0"/>
+                <a:t>Fully Connected</a:t>
               </a:r>
             </a:p>
           </p:txBody>
         </p:sp>
         <p:sp>
           <p:nvSpPr>
-            <p:cNvPr id="18" name="Rectangle: Rounded Corners 17">
+            <p:cNvPr id="2" name="TextBox 1">
               <a:extLst>
                 <a:ext uri="{FF2B5EF4-FFF2-40B4-BE49-F238E27FC236}">
-                  <a16:creationId xmlns:a16="http://schemas.microsoft.com/office/drawing/2014/main" id="{C6137D57-26F3-11EC-A453-82F77799104C}"/>
+                  <a16:creationId xmlns:a16="http://schemas.microsoft.com/office/drawing/2014/main" id="{2045D170-6F9F-5F7E-7A2F-FB620F8892AF}"/>
+                </a:ext>
+              </a:extLst>
+            </p:cNvPr>
+            <p:cNvSpPr txBox="1"/>
+            <p:nvPr/>
+          </p:nvSpPr>
+          <p:spPr>
+            <a:xfrm>
+              <a:off x="8501585" y="4115482"/>
+              <a:ext cx="1607181" cy="369332"/>
+            </a:xfrm>
+            <a:prstGeom prst="rect">
+              <a:avLst/>
+            </a:prstGeom>
+            <a:noFill/>
+          </p:spPr>
+          <p:txBody>
+            <a:bodyPr wrap="square" rtlCol="0">
+              <a:spAutoFit/>
+            </a:bodyPr>
+            <a:lstStyle/>
+            <a:p>
+              <a:r>
+                <a:rPr lang="en-US" b="1" dirty="0"/>
+                <a:t>MLP Models </a:t>
+              </a:r>
+            </a:p>
+          </p:txBody>
+        </p:sp>
+        <p:sp>
+          <p:nvSpPr>
+            <p:cNvPr id="14" name="Rectangle: Rounded Corners 13">
+              <a:extLst>
+                <a:ext uri="{FF2B5EF4-FFF2-40B4-BE49-F238E27FC236}">
+                  <a16:creationId xmlns:a16="http://schemas.microsoft.com/office/drawing/2014/main" id="{6B0403AD-0045-1BD2-503F-6E6970348DC4}"/>
                 </a:ext>
               </a:extLst>
             </p:cNvPr>
@@ -4494,8 +4530,2759 @@
           </p:nvSpPr>
           <p:spPr>
             <a:xfrm>
-              <a:off x="9266692" y="4196160"/>
-              <a:ext cx="764651" cy="301950"/>
+              <a:off x="13173060" y="743917"/>
+              <a:ext cx="1889893" cy="791851"/>
+            </a:xfrm>
+            <a:prstGeom prst="roundRect">
+              <a:avLst/>
+            </a:prstGeom>
+            <a:solidFill>
+              <a:schemeClr val="bg2"/>
+            </a:solidFill>
+          </p:spPr>
+          <p:style>
+            <a:lnRef idx="2">
+              <a:schemeClr val="accent1">
+                <a:shade val="15000"/>
+              </a:schemeClr>
+            </a:lnRef>
+            <a:fillRef idx="1">
+              <a:schemeClr val="accent1"/>
+            </a:fillRef>
+            <a:effectRef idx="0">
+              <a:schemeClr val="accent1"/>
+            </a:effectRef>
+            <a:fontRef idx="minor">
+              <a:schemeClr val="lt1"/>
+            </a:fontRef>
+          </p:style>
+          <p:txBody>
+            <a:bodyPr rtlCol="0" anchor="ctr"/>
+            <a:lstStyle/>
+            <a:p>
+              <a:pPr algn="ctr"/>
+              <a:r>
+                <a:rPr lang="en-US" sz="1500" b="1" dirty="0">
+                  <a:solidFill>
+                    <a:schemeClr val="tx1"/>
+                  </a:solidFill>
+                </a:rPr>
+                <a:t>Exploratory Data Analysis Model</a:t>
+              </a:r>
+            </a:p>
+          </p:txBody>
+        </p:sp>
+        <p:sp>
+          <p:nvSpPr>
+            <p:cNvPr id="23" name="Rectangle: Rounded Corners 22">
+              <a:extLst>
+                <a:ext uri="{FF2B5EF4-FFF2-40B4-BE49-F238E27FC236}">
+                  <a16:creationId xmlns:a16="http://schemas.microsoft.com/office/drawing/2014/main" id="{E24D5C3C-D757-2377-32E6-02F93866FE98}"/>
+                </a:ext>
+              </a:extLst>
+            </p:cNvPr>
+            <p:cNvSpPr/>
+            <p:nvPr/>
+          </p:nvSpPr>
+          <p:spPr>
+            <a:xfrm>
+              <a:off x="10897406" y="743918"/>
+              <a:ext cx="1654510" cy="791851"/>
+            </a:xfrm>
+            <a:prstGeom prst="roundRect">
+              <a:avLst/>
+            </a:prstGeom>
+            <a:solidFill>
+              <a:schemeClr val="bg2"/>
+            </a:solidFill>
+          </p:spPr>
+          <p:style>
+            <a:lnRef idx="2">
+              <a:schemeClr val="accent1">
+                <a:shade val="15000"/>
+              </a:schemeClr>
+            </a:lnRef>
+            <a:fillRef idx="1">
+              <a:schemeClr val="accent1"/>
+            </a:fillRef>
+            <a:effectRef idx="0">
+              <a:schemeClr val="accent1"/>
+            </a:effectRef>
+            <a:fontRef idx="minor">
+              <a:schemeClr val="lt1"/>
+            </a:fontRef>
+          </p:style>
+          <p:txBody>
+            <a:bodyPr rtlCol="0" anchor="ctr"/>
+            <a:lstStyle/>
+            <a:p>
+              <a:pPr algn="ctr"/>
+              <a:r>
+                <a:rPr lang="en-US" sz="1500" b="1" dirty="0">
+                  <a:solidFill>
+                    <a:schemeClr val="tx1"/>
+                  </a:solidFill>
+                </a:rPr>
+                <a:t>Data Preprocessor</a:t>
+              </a:r>
+            </a:p>
+          </p:txBody>
+        </p:sp>
+        <p:pic>
+          <p:nvPicPr>
+            <p:cNvPr id="30" name="Graphic 29" descr="Database with solid fill">
+              <a:extLst>
+                <a:ext uri="{FF2B5EF4-FFF2-40B4-BE49-F238E27FC236}">
+                  <a16:creationId xmlns:a16="http://schemas.microsoft.com/office/drawing/2014/main" id="{54EA5ACD-4AEC-CEE7-0007-AED1B5D974EB}"/>
+                </a:ext>
+              </a:extLst>
+            </p:cNvPr>
+            <p:cNvPicPr>
+              <a:picLocks noChangeAspect="1"/>
+            </p:cNvPicPr>
+            <p:nvPr/>
+          </p:nvPicPr>
+          <p:blipFill>
+            <a:blip r:embed="rId2">
+              <a:extLst>
+                <a:ext uri="{28A0092B-C50C-407E-A947-70E740481C1C}">
+                  <a14:useLocalDpi xmlns:a14="http://schemas.microsoft.com/office/drawing/2010/main" val="0"/>
+                </a:ext>
+                <a:ext uri="{96DAC541-7B7A-43D3-8B79-37D633B846F1}">
+                  <asvg:svgBlip xmlns:asvg="http://schemas.microsoft.com/office/drawing/2016/SVG/main" r:embed="rId3"/>
+                </a:ext>
+              </a:extLst>
+            </a:blip>
+            <a:stretch>
+              <a:fillRect/>
+            </a:stretch>
+          </p:blipFill>
+          <p:spPr>
+            <a:xfrm>
+              <a:off x="7057256" y="777308"/>
+              <a:ext cx="796639" cy="796639"/>
+            </a:xfrm>
+            <a:prstGeom prst="rect">
+              <a:avLst/>
+            </a:prstGeom>
+          </p:spPr>
+        </p:pic>
+        <p:sp>
+          <p:nvSpPr>
+            <p:cNvPr id="33" name="TextBox 32">
+              <a:extLst>
+                <a:ext uri="{FF2B5EF4-FFF2-40B4-BE49-F238E27FC236}">
+                  <a16:creationId xmlns:a16="http://schemas.microsoft.com/office/drawing/2014/main" id="{C934AAC1-FC4B-4AE6-8BFE-9474020CE8AB}"/>
+                </a:ext>
+              </a:extLst>
+            </p:cNvPr>
+            <p:cNvSpPr txBox="1"/>
+            <p:nvPr/>
+          </p:nvSpPr>
+          <p:spPr>
+            <a:xfrm>
+              <a:off x="6956068" y="1554909"/>
+              <a:ext cx="973073" cy="307777"/>
+            </a:xfrm>
+            <a:prstGeom prst="rect">
+              <a:avLst/>
+            </a:prstGeom>
+            <a:noFill/>
+          </p:spPr>
+          <p:txBody>
+            <a:bodyPr wrap="square" rtlCol="0">
+              <a:spAutoFit/>
+            </a:bodyPr>
+            <a:lstStyle/>
+            <a:p>
+              <a:r>
+                <a:rPr lang="en-US" sz="1400" b="1" dirty="0"/>
+                <a:t>Raw Data</a:t>
+              </a:r>
+            </a:p>
+          </p:txBody>
+        </p:sp>
+        <p:sp>
+          <p:nvSpPr>
+            <p:cNvPr id="34" name="Rectangle: Rounded Corners 33">
+              <a:extLst>
+                <a:ext uri="{FF2B5EF4-FFF2-40B4-BE49-F238E27FC236}">
+                  <a16:creationId xmlns:a16="http://schemas.microsoft.com/office/drawing/2014/main" id="{4C15483F-9213-4224-8F74-234500348009}"/>
+                </a:ext>
+              </a:extLst>
+            </p:cNvPr>
+            <p:cNvSpPr/>
+            <p:nvPr/>
+          </p:nvSpPr>
+          <p:spPr>
+            <a:xfrm>
+              <a:off x="8612445" y="743919"/>
+              <a:ext cx="1478138" cy="791851"/>
+            </a:xfrm>
+            <a:prstGeom prst="roundRect">
+              <a:avLst/>
+            </a:prstGeom>
+            <a:solidFill>
+              <a:schemeClr val="bg2"/>
+            </a:solidFill>
+          </p:spPr>
+          <p:style>
+            <a:lnRef idx="2">
+              <a:schemeClr val="accent1">
+                <a:shade val="15000"/>
+              </a:schemeClr>
+            </a:lnRef>
+            <a:fillRef idx="1">
+              <a:schemeClr val="accent1"/>
+            </a:fillRef>
+            <a:effectRef idx="0">
+              <a:schemeClr val="accent1"/>
+            </a:effectRef>
+            <a:fontRef idx="minor">
+              <a:schemeClr val="lt1"/>
+            </a:fontRef>
+          </p:style>
+          <p:txBody>
+            <a:bodyPr rtlCol="0" anchor="ctr"/>
+            <a:lstStyle/>
+            <a:p>
+              <a:pPr algn="ctr"/>
+              <a:r>
+                <a:rPr lang="en-US" sz="1500" b="1" dirty="0">
+                  <a:solidFill>
+                    <a:schemeClr val="tx1"/>
+                  </a:solidFill>
+                </a:rPr>
+                <a:t>Data Selector</a:t>
+              </a:r>
+            </a:p>
+          </p:txBody>
+        </p:sp>
+        <p:sp>
+          <p:nvSpPr>
+            <p:cNvPr id="37" name="Rectangle: Rounded Corners 36">
+              <a:extLst>
+                <a:ext uri="{FF2B5EF4-FFF2-40B4-BE49-F238E27FC236}">
+                  <a16:creationId xmlns:a16="http://schemas.microsoft.com/office/drawing/2014/main" id="{4A45012C-F96A-11AD-2B2D-1276413BA8DD}"/>
+                </a:ext>
+              </a:extLst>
+            </p:cNvPr>
+            <p:cNvSpPr/>
+            <p:nvPr/>
+          </p:nvSpPr>
+          <p:spPr>
+            <a:xfrm>
+              <a:off x="13170660" y="1952102"/>
+              <a:ext cx="1889893" cy="791851"/>
+            </a:xfrm>
+            <a:prstGeom prst="roundRect">
+              <a:avLst/>
+            </a:prstGeom>
+            <a:solidFill>
+              <a:schemeClr val="accent3">
+                <a:lumMod val="40000"/>
+                <a:lumOff val="60000"/>
+              </a:schemeClr>
+            </a:solidFill>
+          </p:spPr>
+          <p:style>
+            <a:lnRef idx="2">
+              <a:schemeClr val="accent1">
+                <a:shade val="15000"/>
+              </a:schemeClr>
+            </a:lnRef>
+            <a:fillRef idx="1">
+              <a:schemeClr val="accent1"/>
+            </a:fillRef>
+            <a:effectRef idx="0">
+              <a:schemeClr val="accent1"/>
+            </a:effectRef>
+            <a:fontRef idx="minor">
+              <a:schemeClr val="lt1"/>
+            </a:fontRef>
+          </p:style>
+          <p:txBody>
+            <a:bodyPr rtlCol="0" anchor="ctr"/>
+            <a:lstStyle/>
+            <a:p>
+              <a:pPr algn="ctr"/>
+              <a:r>
+                <a:rPr lang="en-US" sz="1500" b="1" dirty="0">
+                  <a:solidFill>
+                    <a:schemeClr val="tx1"/>
+                  </a:solidFill>
+                </a:rPr>
+                <a:t>Feature Selection Model</a:t>
+              </a:r>
+            </a:p>
+          </p:txBody>
+        </p:sp>
+        <p:sp>
+          <p:nvSpPr>
+            <p:cNvPr id="59" name="Rectangle 58">
+              <a:extLst>
+                <a:ext uri="{FF2B5EF4-FFF2-40B4-BE49-F238E27FC236}">
+                  <a16:creationId xmlns:a16="http://schemas.microsoft.com/office/drawing/2014/main" id="{D13B20C4-9D5C-64B9-CD48-A4F5B7798576}"/>
+                </a:ext>
+              </a:extLst>
+            </p:cNvPr>
+            <p:cNvSpPr/>
+            <p:nvPr/>
+          </p:nvSpPr>
+          <p:spPr>
+            <a:xfrm>
+              <a:off x="11340436" y="2161870"/>
+              <a:ext cx="542597" cy="497874"/>
+            </a:xfrm>
+            <a:prstGeom prst="rect">
+              <a:avLst/>
+            </a:prstGeom>
+          </p:spPr>
+          <p:style>
+            <a:lnRef idx="2">
+              <a:schemeClr val="accent1">
+                <a:shade val="15000"/>
+              </a:schemeClr>
+            </a:lnRef>
+            <a:fillRef idx="1">
+              <a:schemeClr val="accent1"/>
+            </a:fillRef>
+            <a:effectRef idx="0">
+              <a:schemeClr val="accent1"/>
+            </a:effectRef>
+            <a:fontRef idx="minor">
+              <a:schemeClr val="lt1"/>
+            </a:fontRef>
+          </p:style>
+          <p:txBody>
+            <a:bodyPr rtlCol="0" anchor="ctr"/>
+            <a:lstStyle/>
+            <a:p>
+              <a:pPr algn="ctr"/>
+              <a:endParaRPr lang="en-US"/>
+            </a:p>
+          </p:txBody>
+        </p:sp>
+        <p:sp>
+          <p:nvSpPr>
+            <p:cNvPr id="60" name="Rectangle 59">
+              <a:extLst>
+                <a:ext uri="{FF2B5EF4-FFF2-40B4-BE49-F238E27FC236}">
+                  <a16:creationId xmlns:a16="http://schemas.microsoft.com/office/drawing/2014/main" id="{451FD7A4-B534-332E-BBC6-9D28AB8CAB92}"/>
+                </a:ext>
+              </a:extLst>
+            </p:cNvPr>
+            <p:cNvSpPr/>
+            <p:nvPr/>
+          </p:nvSpPr>
+          <p:spPr>
+            <a:xfrm>
+              <a:off x="11413138" y="2093579"/>
+              <a:ext cx="542597" cy="497874"/>
+            </a:xfrm>
+            <a:prstGeom prst="rect">
+              <a:avLst/>
+            </a:prstGeom>
+          </p:spPr>
+          <p:style>
+            <a:lnRef idx="2">
+              <a:schemeClr val="accent1">
+                <a:shade val="15000"/>
+              </a:schemeClr>
+            </a:lnRef>
+            <a:fillRef idx="1">
+              <a:schemeClr val="accent1"/>
+            </a:fillRef>
+            <a:effectRef idx="0">
+              <a:schemeClr val="accent1"/>
+            </a:effectRef>
+            <a:fontRef idx="minor">
+              <a:schemeClr val="lt1"/>
+            </a:fontRef>
+          </p:style>
+          <p:txBody>
+            <a:bodyPr rtlCol="0" anchor="ctr"/>
+            <a:lstStyle/>
+            <a:p>
+              <a:pPr algn="ctr"/>
+              <a:endParaRPr lang="en-US"/>
+            </a:p>
+          </p:txBody>
+        </p:sp>
+        <p:sp>
+          <p:nvSpPr>
+            <p:cNvPr id="62" name="Rectangle 61">
+              <a:extLst>
+                <a:ext uri="{FF2B5EF4-FFF2-40B4-BE49-F238E27FC236}">
+                  <a16:creationId xmlns:a16="http://schemas.microsoft.com/office/drawing/2014/main" id="{874085CF-860C-E4FC-5E70-B2CDC64081A1}"/>
+                </a:ext>
+              </a:extLst>
+            </p:cNvPr>
+            <p:cNvSpPr/>
+            <p:nvPr/>
+          </p:nvSpPr>
+          <p:spPr>
+            <a:xfrm>
+              <a:off x="11495368" y="2008340"/>
+              <a:ext cx="542597" cy="497874"/>
+            </a:xfrm>
+            <a:prstGeom prst="rect">
+              <a:avLst/>
+            </a:prstGeom>
+          </p:spPr>
+          <p:style>
+            <a:lnRef idx="2">
+              <a:schemeClr val="accent1">
+                <a:shade val="15000"/>
+              </a:schemeClr>
+            </a:lnRef>
+            <a:fillRef idx="1">
+              <a:schemeClr val="accent1"/>
+            </a:fillRef>
+            <a:effectRef idx="0">
+              <a:schemeClr val="accent1"/>
+            </a:effectRef>
+            <a:fontRef idx="minor">
+              <a:schemeClr val="lt1"/>
+            </a:fontRef>
+          </p:style>
+          <p:txBody>
+            <a:bodyPr rtlCol="0" anchor="ctr"/>
+            <a:lstStyle/>
+            <a:p>
+              <a:pPr algn="ctr"/>
+              <a:endParaRPr lang="en-US"/>
+            </a:p>
+          </p:txBody>
+        </p:sp>
+        <p:sp>
+          <p:nvSpPr>
+            <p:cNvPr id="63" name="Rectangle 62">
+              <a:extLst>
+                <a:ext uri="{FF2B5EF4-FFF2-40B4-BE49-F238E27FC236}">
+                  <a16:creationId xmlns:a16="http://schemas.microsoft.com/office/drawing/2014/main" id="{E4DD5D99-32C2-663A-61F8-16250CEAD4AE}"/>
+                </a:ext>
+              </a:extLst>
+            </p:cNvPr>
+            <p:cNvSpPr/>
+            <p:nvPr/>
+          </p:nvSpPr>
+          <p:spPr>
+            <a:xfrm>
+              <a:off x="11577344" y="1934696"/>
+              <a:ext cx="542597" cy="497874"/>
+            </a:xfrm>
+            <a:prstGeom prst="rect">
+              <a:avLst/>
+            </a:prstGeom>
+          </p:spPr>
+          <p:style>
+            <a:lnRef idx="2">
+              <a:schemeClr val="accent1">
+                <a:shade val="15000"/>
+              </a:schemeClr>
+            </a:lnRef>
+            <a:fillRef idx="1">
+              <a:schemeClr val="accent1"/>
+            </a:fillRef>
+            <a:effectRef idx="0">
+              <a:schemeClr val="accent1"/>
+            </a:effectRef>
+            <a:fontRef idx="minor">
+              <a:schemeClr val="lt1"/>
+            </a:fontRef>
+          </p:style>
+          <p:txBody>
+            <a:bodyPr rtlCol="0" anchor="ctr"/>
+            <a:lstStyle/>
+            <a:p>
+              <a:pPr algn="ctr"/>
+              <a:endParaRPr lang="en-US"/>
+            </a:p>
+          </p:txBody>
+        </p:sp>
+        <p:sp>
+          <p:nvSpPr>
+            <p:cNvPr id="65" name="TextBox 64">
+              <a:extLst>
+                <a:ext uri="{FF2B5EF4-FFF2-40B4-BE49-F238E27FC236}">
+                  <a16:creationId xmlns:a16="http://schemas.microsoft.com/office/drawing/2014/main" id="{95F05CAA-9471-38F0-27DB-4F15648C4823}"/>
+                </a:ext>
+              </a:extLst>
+            </p:cNvPr>
+            <p:cNvSpPr txBox="1"/>
+            <p:nvPr/>
+          </p:nvSpPr>
+          <p:spPr>
+            <a:xfrm>
+              <a:off x="11167261" y="2729352"/>
+              <a:ext cx="1070380" cy="307777"/>
+            </a:xfrm>
+            <a:prstGeom prst="rect">
+              <a:avLst/>
+            </a:prstGeom>
+            <a:noFill/>
+          </p:spPr>
+          <p:txBody>
+            <a:bodyPr wrap="square" rtlCol="0">
+              <a:spAutoFit/>
+            </a:bodyPr>
+            <a:lstStyle/>
+            <a:p>
+              <a:r>
+                <a:rPr lang="en-US" sz="1400" b="1" dirty="0"/>
+                <a:t>Datasets</a:t>
+              </a:r>
+            </a:p>
+          </p:txBody>
+        </p:sp>
+        <p:sp>
+          <p:nvSpPr>
+            <p:cNvPr id="108" name="Rectangle: Rounded Corners 36">
+              <a:extLst>
+                <a:ext uri="{FF2B5EF4-FFF2-40B4-BE49-F238E27FC236}">
+                  <a16:creationId xmlns:a16="http://schemas.microsoft.com/office/drawing/2014/main" id="{74AB3D6D-E6B5-F006-11F9-1440D922A04C}"/>
+                </a:ext>
+              </a:extLst>
+            </p:cNvPr>
+            <p:cNvSpPr/>
+            <p:nvPr/>
+          </p:nvSpPr>
+          <p:spPr>
+            <a:xfrm>
+              <a:off x="8606124" y="1903365"/>
+              <a:ext cx="1478138" cy="749720"/>
+            </a:xfrm>
+            <a:prstGeom prst="roundRect">
+              <a:avLst/>
+            </a:prstGeom>
+            <a:solidFill>
+              <a:schemeClr val="accent3">
+                <a:lumMod val="40000"/>
+                <a:lumOff val="60000"/>
+              </a:schemeClr>
+            </a:solidFill>
+          </p:spPr>
+          <p:style>
+            <a:lnRef idx="2">
+              <a:schemeClr val="accent1">
+                <a:shade val="15000"/>
+              </a:schemeClr>
+            </a:lnRef>
+            <a:fillRef idx="1">
+              <a:schemeClr val="accent1"/>
+            </a:fillRef>
+            <a:effectRef idx="0">
+              <a:schemeClr val="accent1"/>
+            </a:effectRef>
+            <a:fontRef idx="minor">
+              <a:schemeClr val="lt1"/>
+            </a:fontRef>
+          </p:style>
+          <p:txBody>
+            <a:bodyPr rtlCol="0" anchor="ctr"/>
+            <a:lstStyle/>
+            <a:p>
+              <a:pPr algn="ctr"/>
+              <a:r>
+                <a:rPr lang="en-US" sz="1500" b="1" dirty="0">
+                  <a:solidFill>
+                    <a:schemeClr val="tx1"/>
+                  </a:solidFill>
+                </a:rPr>
+                <a:t>Autoencoder</a:t>
+              </a:r>
+            </a:p>
+          </p:txBody>
+        </p:sp>
+        <p:sp>
+          <p:nvSpPr>
+            <p:cNvPr id="109" name="TextBox 108">
+              <a:extLst>
+                <a:ext uri="{FF2B5EF4-FFF2-40B4-BE49-F238E27FC236}">
+                  <a16:creationId xmlns:a16="http://schemas.microsoft.com/office/drawing/2014/main" id="{42BBBE47-BE40-065A-A80F-BD751FCDF9C8}"/>
+                </a:ext>
+              </a:extLst>
+            </p:cNvPr>
+            <p:cNvSpPr txBox="1"/>
+            <p:nvPr/>
+          </p:nvSpPr>
+          <p:spPr>
+            <a:xfrm>
+              <a:off x="14296442" y="2927824"/>
+              <a:ext cx="1607181" cy="369332"/>
+            </a:xfrm>
+            <a:prstGeom prst="rect">
+              <a:avLst/>
+            </a:prstGeom>
+            <a:noFill/>
+          </p:spPr>
+          <p:txBody>
+            <a:bodyPr wrap="square" rtlCol="0">
+              <a:spAutoFit/>
+            </a:bodyPr>
+            <a:lstStyle/>
+            <a:p>
+              <a:r>
+                <a:rPr lang="en-US" b="1" dirty="0"/>
+                <a:t>Data Model</a:t>
+              </a:r>
+            </a:p>
+          </p:txBody>
+        </p:sp>
+        <p:grpSp>
+          <p:nvGrpSpPr>
+            <p:cNvPr id="110" name="Group 109">
+              <a:extLst>
+                <a:ext uri="{FF2B5EF4-FFF2-40B4-BE49-F238E27FC236}">
+                  <a16:creationId xmlns:a16="http://schemas.microsoft.com/office/drawing/2014/main" id="{B3DBC9B0-55DE-8E1C-4169-E3DE18A6772D}"/>
+                </a:ext>
+              </a:extLst>
+            </p:cNvPr>
+            <p:cNvGrpSpPr/>
+            <p:nvPr/>
+          </p:nvGrpSpPr>
+          <p:grpSpPr>
+            <a:xfrm>
+              <a:off x="372388" y="4009981"/>
+              <a:ext cx="7267492" cy="4470280"/>
+              <a:chOff x="6938510" y="2081015"/>
+              <a:chExt cx="7267492" cy="4470280"/>
+            </a:xfrm>
+          </p:grpSpPr>
+          <p:sp>
+            <p:nvSpPr>
+              <p:cNvPr id="111" name="Rectangle: Rounded Corners 88">
+                <a:extLst>
+                  <a:ext uri="{FF2B5EF4-FFF2-40B4-BE49-F238E27FC236}">
+                    <a16:creationId xmlns:a16="http://schemas.microsoft.com/office/drawing/2014/main" id="{8A15AB7E-6B3B-1BD1-93E3-9A13CDC4C80D}"/>
+                  </a:ext>
+                </a:extLst>
+              </p:cNvPr>
+              <p:cNvSpPr/>
+              <p:nvPr/>
+            </p:nvSpPr>
+            <p:spPr>
+              <a:xfrm>
+                <a:off x="6938510" y="2081015"/>
+                <a:ext cx="7267492" cy="4429826"/>
+              </a:xfrm>
+              <a:prstGeom prst="roundRect">
+                <a:avLst/>
+              </a:prstGeom>
+              <a:solidFill>
+                <a:schemeClr val="accent1">
+                  <a:lumMod val="20000"/>
+                  <a:lumOff val="80000"/>
+                </a:schemeClr>
+              </a:solidFill>
+            </p:spPr>
+            <p:style>
+              <a:lnRef idx="2">
+                <a:schemeClr val="accent1">
+                  <a:shade val="15000"/>
+                </a:schemeClr>
+              </a:lnRef>
+              <a:fillRef idx="1">
+                <a:schemeClr val="accent1"/>
+              </a:fillRef>
+              <a:effectRef idx="0">
+                <a:schemeClr val="accent1"/>
+              </a:effectRef>
+              <a:fontRef idx="minor">
+                <a:schemeClr val="lt1"/>
+              </a:fontRef>
+            </p:style>
+            <p:txBody>
+              <a:bodyPr rtlCol="0" anchor="ctr"/>
+              <a:lstStyle/>
+              <a:p>
+                <a:pPr algn="ctr"/>
+                <a:endParaRPr lang="en-US" sz="5183" dirty="0"/>
+              </a:p>
+            </p:txBody>
+          </p:sp>
+          <p:sp>
+            <p:nvSpPr>
+              <p:cNvPr id="112" name="Rectangle: Rounded Corners 3">
+                <a:extLst>
+                  <a:ext uri="{FF2B5EF4-FFF2-40B4-BE49-F238E27FC236}">
+                    <a16:creationId xmlns:a16="http://schemas.microsoft.com/office/drawing/2014/main" id="{46037FDA-AA27-10A0-31DA-9159F79EE58C}"/>
+                  </a:ext>
+                </a:extLst>
+              </p:cNvPr>
+              <p:cNvSpPr/>
+              <p:nvPr/>
+            </p:nvSpPr>
+            <p:spPr>
+              <a:xfrm>
+                <a:off x="7582566" y="3838252"/>
+                <a:ext cx="5939624" cy="1017766"/>
+              </a:xfrm>
+              <a:prstGeom prst="roundRect">
+                <a:avLst/>
+              </a:prstGeom>
+              <a:solidFill>
+                <a:schemeClr val="tx2">
+                  <a:lumMod val="10000"/>
+                  <a:lumOff val="90000"/>
+                </a:schemeClr>
+              </a:solidFill>
+            </p:spPr>
+            <p:style>
+              <a:lnRef idx="2">
+                <a:schemeClr val="accent1">
+                  <a:shade val="15000"/>
+                </a:schemeClr>
+              </a:lnRef>
+              <a:fillRef idx="1">
+                <a:schemeClr val="accent1"/>
+              </a:fillRef>
+              <a:effectRef idx="0">
+                <a:schemeClr val="accent1"/>
+              </a:effectRef>
+              <a:fontRef idx="minor">
+                <a:schemeClr val="lt1"/>
+              </a:fontRef>
+            </p:style>
+            <p:txBody>
+              <a:bodyPr rtlCol="0" anchor="ctr"/>
+              <a:lstStyle/>
+              <a:p>
+                <a:pPr algn="ctr"/>
+                <a:endParaRPr lang="en-US" sz="5183"/>
+              </a:p>
+            </p:txBody>
+          </p:sp>
+          <p:sp>
+            <p:nvSpPr>
+              <p:cNvPr id="113" name="TextBox 112">
+                <a:extLst>
+                  <a:ext uri="{FF2B5EF4-FFF2-40B4-BE49-F238E27FC236}">
+                    <a16:creationId xmlns:a16="http://schemas.microsoft.com/office/drawing/2014/main" id="{DFF0C4F9-AE02-AA7E-418D-5C34E8783EB9}"/>
+                  </a:ext>
+                </a:extLst>
+              </p:cNvPr>
+              <p:cNvSpPr txBox="1"/>
+              <p:nvPr/>
+            </p:nvSpPr>
+            <p:spPr>
+              <a:xfrm>
+                <a:off x="7582566" y="3833147"/>
+                <a:ext cx="1047594" cy="276999"/>
+              </a:xfrm>
+              <a:prstGeom prst="rect">
+                <a:avLst/>
+              </a:prstGeom>
+              <a:noFill/>
+            </p:spPr>
+            <p:txBody>
+              <a:bodyPr wrap="none" rtlCol="0">
+                <a:spAutoFit/>
+              </a:bodyPr>
+              <a:lstStyle/>
+              <a:p>
+                <a:r>
+                  <a:rPr lang="en-US" sz="1200" dirty="0"/>
+                  <a:t>LSTM Layer 2</a:t>
+                </a:r>
+              </a:p>
+            </p:txBody>
+          </p:sp>
+          <p:sp>
+            <p:nvSpPr>
+              <p:cNvPr id="114" name="Rectangle: Rounded Corners 15">
+                <a:extLst>
+                  <a:ext uri="{FF2B5EF4-FFF2-40B4-BE49-F238E27FC236}">
+                    <a16:creationId xmlns:a16="http://schemas.microsoft.com/office/drawing/2014/main" id="{8450D668-A318-5AC9-B4A4-1269C8582FFF}"/>
+                  </a:ext>
+                </a:extLst>
+              </p:cNvPr>
+              <p:cNvSpPr/>
+              <p:nvPr/>
+            </p:nvSpPr>
+            <p:spPr>
+              <a:xfrm>
+                <a:off x="8242524" y="4196160"/>
+                <a:ext cx="764651" cy="301950"/>
+              </a:xfrm>
+              <a:prstGeom prst="roundRect">
+                <a:avLst/>
+              </a:prstGeom>
+            </p:spPr>
+            <p:style>
+              <a:lnRef idx="2">
+                <a:schemeClr val="accent1">
+                  <a:shade val="15000"/>
+                </a:schemeClr>
+              </a:lnRef>
+              <a:fillRef idx="1">
+                <a:schemeClr val="accent1"/>
+              </a:fillRef>
+              <a:effectRef idx="0">
+                <a:schemeClr val="accent1"/>
+              </a:effectRef>
+              <a:fontRef idx="minor">
+                <a:schemeClr val="lt1"/>
+              </a:fontRef>
+            </p:style>
+            <p:txBody>
+              <a:bodyPr rtlCol="0" anchor="ctr"/>
+              <a:lstStyle/>
+              <a:p>
+                <a:pPr algn="ctr"/>
+                <a:r>
+                  <a:rPr lang="en-US" sz="1600" b="1" dirty="0"/>
+                  <a:t>LSTM</a:t>
+                </a:r>
+              </a:p>
+            </p:txBody>
+          </p:sp>
+          <p:sp>
+            <p:nvSpPr>
+              <p:cNvPr id="115" name="Rectangle: Rounded Corners 17">
+                <a:extLst>
+                  <a:ext uri="{FF2B5EF4-FFF2-40B4-BE49-F238E27FC236}">
+                    <a16:creationId xmlns:a16="http://schemas.microsoft.com/office/drawing/2014/main" id="{00FFB126-8D23-04C9-DF22-800B737922C1}"/>
+                  </a:ext>
+                </a:extLst>
+              </p:cNvPr>
+              <p:cNvSpPr/>
+              <p:nvPr/>
+            </p:nvSpPr>
+            <p:spPr>
+              <a:xfrm>
+                <a:off x="9266692" y="4196160"/>
+                <a:ext cx="764651" cy="301950"/>
+              </a:xfrm>
+              <a:prstGeom prst="roundRect">
+                <a:avLst/>
+              </a:prstGeom>
+            </p:spPr>
+            <p:style>
+              <a:lnRef idx="2">
+                <a:schemeClr val="accent1">
+                  <a:shade val="15000"/>
+                </a:schemeClr>
+              </a:lnRef>
+              <a:fillRef idx="1">
+                <a:schemeClr val="accent1"/>
+              </a:fillRef>
+              <a:effectRef idx="0">
+                <a:schemeClr val="accent1"/>
+              </a:effectRef>
+              <a:fontRef idx="minor">
+                <a:schemeClr val="lt1"/>
+              </a:fontRef>
+            </p:style>
+            <p:txBody>
+              <a:bodyPr rtlCol="0" anchor="ctr"/>
+              <a:lstStyle/>
+              <a:p>
+                <a:pPr algn="ctr"/>
+                <a:r>
+                  <a:rPr lang="en-US" sz="1600" b="1" dirty="0"/>
+                  <a:t>LSTM</a:t>
+                </a:r>
+              </a:p>
+            </p:txBody>
+          </p:sp>
+          <p:sp>
+            <p:nvSpPr>
+              <p:cNvPr id="116" name="Rectangle: Rounded Corners 18">
+                <a:extLst>
+                  <a:ext uri="{FF2B5EF4-FFF2-40B4-BE49-F238E27FC236}">
+                    <a16:creationId xmlns:a16="http://schemas.microsoft.com/office/drawing/2014/main" id="{F98929FF-D0E7-5294-C230-9708AE514507}"/>
+                  </a:ext>
+                </a:extLst>
+              </p:cNvPr>
+              <p:cNvSpPr/>
+              <p:nvPr/>
+            </p:nvSpPr>
+            <p:spPr>
+              <a:xfrm>
+                <a:off x="10290860" y="4194071"/>
+                <a:ext cx="764651" cy="301950"/>
+              </a:xfrm>
+              <a:prstGeom prst="roundRect">
+                <a:avLst/>
+              </a:prstGeom>
+            </p:spPr>
+            <p:style>
+              <a:lnRef idx="2">
+                <a:schemeClr val="accent1">
+                  <a:shade val="15000"/>
+                </a:schemeClr>
+              </a:lnRef>
+              <a:fillRef idx="1">
+                <a:schemeClr val="accent1"/>
+              </a:fillRef>
+              <a:effectRef idx="0">
+                <a:schemeClr val="accent1"/>
+              </a:effectRef>
+              <a:fontRef idx="minor">
+                <a:schemeClr val="lt1"/>
+              </a:fontRef>
+            </p:style>
+            <p:txBody>
+              <a:bodyPr rtlCol="0" anchor="ctr"/>
+              <a:lstStyle/>
+              <a:p>
+                <a:pPr algn="ctr"/>
+                <a:r>
+                  <a:rPr lang="en-US" sz="1600" b="1" dirty="0"/>
+                  <a:t>…</a:t>
+                </a:r>
+              </a:p>
+            </p:txBody>
+          </p:sp>
+          <p:sp>
+            <p:nvSpPr>
+              <p:cNvPr id="117" name="Rectangle: Rounded Corners 19">
+                <a:extLst>
+                  <a:ext uri="{FF2B5EF4-FFF2-40B4-BE49-F238E27FC236}">
+                    <a16:creationId xmlns:a16="http://schemas.microsoft.com/office/drawing/2014/main" id="{9E1A50D4-4D28-9663-A981-DFDD56D40236}"/>
+                  </a:ext>
+                </a:extLst>
+              </p:cNvPr>
+              <p:cNvSpPr/>
+              <p:nvPr/>
+            </p:nvSpPr>
+            <p:spPr>
+              <a:xfrm>
+                <a:off x="11315028" y="4196991"/>
+                <a:ext cx="764651" cy="301950"/>
+              </a:xfrm>
+              <a:prstGeom prst="roundRect">
+                <a:avLst/>
+              </a:prstGeom>
+            </p:spPr>
+            <p:style>
+              <a:lnRef idx="2">
+                <a:schemeClr val="accent1">
+                  <a:shade val="15000"/>
+                </a:schemeClr>
+              </a:lnRef>
+              <a:fillRef idx="1">
+                <a:schemeClr val="accent1"/>
+              </a:fillRef>
+              <a:effectRef idx="0">
+                <a:schemeClr val="accent1"/>
+              </a:effectRef>
+              <a:fontRef idx="minor">
+                <a:schemeClr val="lt1"/>
+              </a:fontRef>
+            </p:style>
+            <p:txBody>
+              <a:bodyPr rtlCol="0" anchor="ctr"/>
+              <a:lstStyle/>
+              <a:p>
+                <a:pPr algn="ctr"/>
+                <a:r>
+                  <a:rPr lang="en-US" sz="1600" b="1" dirty="0"/>
+                  <a:t>LSTM</a:t>
+                </a:r>
+              </a:p>
+            </p:txBody>
+          </p:sp>
+          <p:sp>
+            <p:nvSpPr>
+              <p:cNvPr id="118" name="Rectangle: Rounded Corners 21">
+                <a:extLst>
+                  <a:ext uri="{FF2B5EF4-FFF2-40B4-BE49-F238E27FC236}">
+                    <a16:creationId xmlns:a16="http://schemas.microsoft.com/office/drawing/2014/main" id="{79B20B2B-1601-D564-5669-186B61F275F7}"/>
+                  </a:ext>
+                </a:extLst>
+              </p:cNvPr>
+              <p:cNvSpPr/>
+              <p:nvPr/>
+            </p:nvSpPr>
+            <p:spPr>
+              <a:xfrm>
+                <a:off x="12339196" y="4199836"/>
+                <a:ext cx="764651" cy="301950"/>
+              </a:xfrm>
+              <a:prstGeom prst="roundRect">
+                <a:avLst/>
+              </a:prstGeom>
+            </p:spPr>
+            <p:style>
+              <a:lnRef idx="2">
+                <a:schemeClr val="accent1">
+                  <a:shade val="15000"/>
+                </a:schemeClr>
+              </a:lnRef>
+              <a:fillRef idx="1">
+                <a:schemeClr val="accent1"/>
+              </a:fillRef>
+              <a:effectRef idx="0">
+                <a:schemeClr val="accent1"/>
+              </a:effectRef>
+              <a:fontRef idx="minor">
+                <a:schemeClr val="lt1"/>
+              </a:fontRef>
+            </p:style>
+            <p:txBody>
+              <a:bodyPr rtlCol="0" anchor="ctr"/>
+              <a:lstStyle/>
+              <a:p>
+                <a:pPr algn="ctr"/>
+                <a:r>
+                  <a:rPr lang="en-US" sz="1600" b="1" dirty="0"/>
+                  <a:t>LSTM</a:t>
+                </a:r>
+              </a:p>
+            </p:txBody>
+          </p:sp>
+          <p:cxnSp>
+            <p:nvCxnSpPr>
+              <p:cNvPr id="119" name="Straight Arrow Connector 118">
+                <a:extLst>
+                  <a:ext uri="{FF2B5EF4-FFF2-40B4-BE49-F238E27FC236}">
+                    <a16:creationId xmlns:a16="http://schemas.microsoft.com/office/drawing/2014/main" id="{8D43BBE6-E275-4776-A14A-FA315C7E056F}"/>
+                  </a:ext>
+                </a:extLst>
+              </p:cNvPr>
+              <p:cNvCxnSpPr>
+                <a:cxnSpLocks/>
+                <a:stCxn id="114" idx="3"/>
+                <a:endCxn id="115" idx="1"/>
+              </p:cNvCxnSpPr>
+              <p:nvPr/>
+            </p:nvCxnSpPr>
+            <p:spPr>
+              <a:xfrm>
+                <a:off x="9007175" y="4347135"/>
+                <a:ext cx="259517" cy="0"/>
+              </a:xfrm>
+              <a:prstGeom prst="straightConnector1">
+                <a:avLst/>
+              </a:prstGeom>
+              <a:ln w="28575">
+                <a:solidFill>
+                  <a:srgbClr val="00B050"/>
+                </a:solidFill>
+                <a:headEnd type="none" w="med" len="med"/>
+                <a:tailEnd type="triangle" w="med" len="med"/>
+              </a:ln>
+            </p:spPr>
+            <p:style>
+              <a:lnRef idx="2">
+                <a:schemeClr val="accent1"/>
+              </a:lnRef>
+              <a:fillRef idx="0">
+                <a:schemeClr val="accent1"/>
+              </a:fillRef>
+              <a:effectRef idx="1">
+                <a:schemeClr val="accent1"/>
+              </a:effectRef>
+              <a:fontRef idx="minor">
+                <a:schemeClr val="tx1"/>
+              </a:fontRef>
+            </p:style>
+          </p:cxnSp>
+          <p:cxnSp>
+            <p:nvCxnSpPr>
+              <p:cNvPr id="120" name="Straight Arrow Connector 119">
+                <a:extLst>
+                  <a:ext uri="{FF2B5EF4-FFF2-40B4-BE49-F238E27FC236}">
+                    <a16:creationId xmlns:a16="http://schemas.microsoft.com/office/drawing/2014/main" id="{C55A39A0-BEF6-7AF9-65D0-5D4A74F34740}"/>
+                  </a:ext>
+                </a:extLst>
+              </p:cNvPr>
+              <p:cNvCxnSpPr>
+                <a:cxnSpLocks/>
+                <a:endCxn id="116" idx="1"/>
+              </p:cNvCxnSpPr>
+              <p:nvPr/>
+            </p:nvCxnSpPr>
+            <p:spPr>
+              <a:xfrm>
+                <a:off x="10031343" y="4345046"/>
+                <a:ext cx="259517" cy="0"/>
+              </a:xfrm>
+              <a:prstGeom prst="straightConnector1">
+                <a:avLst/>
+              </a:prstGeom>
+              <a:ln w="28575">
+                <a:solidFill>
+                  <a:srgbClr val="00B050"/>
+                </a:solidFill>
+                <a:headEnd type="none" w="med" len="med"/>
+                <a:tailEnd type="triangle" w="med" len="med"/>
+              </a:ln>
+            </p:spPr>
+            <p:style>
+              <a:lnRef idx="2">
+                <a:schemeClr val="accent1"/>
+              </a:lnRef>
+              <a:fillRef idx="0">
+                <a:schemeClr val="accent1"/>
+              </a:fillRef>
+              <a:effectRef idx="1">
+                <a:schemeClr val="accent1"/>
+              </a:effectRef>
+              <a:fontRef idx="minor">
+                <a:schemeClr val="tx1"/>
+              </a:fontRef>
+            </p:style>
+          </p:cxnSp>
+          <p:cxnSp>
+            <p:nvCxnSpPr>
+              <p:cNvPr id="121" name="Straight Arrow Connector 120">
+                <a:extLst>
+                  <a:ext uri="{FF2B5EF4-FFF2-40B4-BE49-F238E27FC236}">
+                    <a16:creationId xmlns:a16="http://schemas.microsoft.com/office/drawing/2014/main" id="{A04A029E-DE10-7BCA-34C6-0DC55B2C3834}"/>
+                  </a:ext>
+                </a:extLst>
+              </p:cNvPr>
+              <p:cNvCxnSpPr>
+                <a:cxnSpLocks/>
+                <a:stCxn id="116" idx="3"/>
+                <a:endCxn id="117" idx="1"/>
+              </p:cNvCxnSpPr>
+              <p:nvPr/>
+            </p:nvCxnSpPr>
+            <p:spPr>
+              <a:xfrm>
+                <a:off x="11055511" y="4345046"/>
+                <a:ext cx="259517" cy="2920"/>
+              </a:xfrm>
+              <a:prstGeom prst="straightConnector1">
+                <a:avLst/>
+              </a:prstGeom>
+              <a:ln w="28575">
+                <a:solidFill>
+                  <a:srgbClr val="00B050"/>
+                </a:solidFill>
+                <a:headEnd type="none" w="med" len="med"/>
+                <a:tailEnd type="triangle" w="med" len="med"/>
+              </a:ln>
+            </p:spPr>
+            <p:style>
+              <a:lnRef idx="2">
+                <a:schemeClr val="accent1"/>
+              </a:lnRef>
+              <a:fillRef idx="0">
+                <a:schemeClr val="accent1"/>
+              </a:fillRef>
+              <a:effectRef idx="1">
+                <a:schemeClr val="accent1"/>
+              </a:effectRef>
+              <a:fontRef idx="minor">
+                <a:schemeClr val="tx1"/>
+              </a:fontRef>
+            </p:style>
+          </p:cxnSp>
+          <p:cxnSp>
+            <p:nvCxnSpPr>
+              <p:cNvPr id="123" name="Straight Arrow Connector 122">
+                <a:extLst>
+                  <a:ext uri="{FF2B5EF4-FFF2-40B4-BE49-F238E27FC236}">
+                    <a16:creationId xmlns:a16="http://schemas.microsoft.com/office/drawing/2014/main" id="{A358B412-D901-1F5B-35DD-2660358D6EF7}"/>
+                  </a:ext>
+                </a:extLst>
+              </p:cNvPr>
+              <p:cNvCxnSpPr>
+                <a:cxnSpLocks/>
+                <a:stCxn id="117" idx="3"/>
+                <a:endCxn id="118" idx="1"/>
+              </p:cNvCxnSpPr>
+              <p:nvPr/>
+            </p:nvCxnSpPr>
+            <p:spPr>
+              <a:xfrm>
+                <a:off x="12079679" y="4347968"/>
+                <a:ext cx="259517" cy="2845"/>
+              </a:xfrm>
+              <a:prstGeom prst="straightConnector1">
+                <a:avLst/>
+              </a:prstGeom>
+              <a:ln w="28575">
+                <a:solidFill>
+                  <a:srgbClr val="00B050"/>
+                </a:solidFill>
+                <a:headEnd type="none" w="med" len="med"/>
+                <a:tailEnd type="triangle" w="med" len="med"/>
+              </a:ln>
+            </p:spPr>
+            <p:style>
+              <a:lnRef idx="2">
+                <a:schemeClr val="accent1"/>
+              </a:lnRef>
+              <a:fillRef idx="0">
+                <a:schemeClr val="accent1"/>
+              </a:fillRef>
+              <a:effectRef idx="1">
+                <a:schemeClr val="accent1"/>
+              </a:effectRef>
+              <a:fontRef idx="minor">
+                <a:schemeClr val="tx1"/>
+              </a:fontRef>
+            </p:style>
+          </p:cxnSp>
+          <p:sp>
+            <p:nvSpPr>
+              <p:cNvPr id="124" name="Rectangle: Rounded Corners 37">
+                <a:extLst>
+                  <a:ext uri="{FF2B5EF4-FFF2-40B4-BE49-F238E27FC236}">
+                    <a16:creationId xmlns:a16="http://schemas.microsoft.com/office/drawing/2014/main" id="{28A236B7-7442-524B-FA97-F9EB764C8139}"/>
+                  </a:ext>
+                </a:extLst>
+              </p:cNvPr>
+              <p:cNvSpPr/>
+              <p:nvPr/>
+            </p:nvSpPr>
+            <p:spPr>
+              <a:xfrm>
+                <a:off x="7582566" y="5127689"/>
+                <a:ext cx="5939624" cy="1017766"/>
+              </a:xfrm>
+              <a:prstGeom prst="roundRect">
+                <a:avLst/>
+              </a:prstGeom>
+              <a:solidFill>
+                <a:schemeClr val="tx2">
+                  <a:lumMod val="10000"/>
+                  <a:lumOff val="90000"/>
+                </a:schemeClr>
+              </a:solidFill>
+            </p:spPr>
+            <p:style>
+              <a:lnRef idx="2">
+                <a:schemeClr val="accent1">
+                  <a:shade val="15000"/>
+                </a:schemeClr>
+              </a:lnRef>
+              <a:fillRef idx="1">
+                <a:schemeClr val="accent1"/>
+              </a:fillRef>
+              <a:effectRef idx="0">
+                <a:schemeClr val="accent1"/>
+              </a:effectRef>
+              <a:fontRef idx="minor">
+                <a:schemeClr val="lt1"/>
+              </a:fontRef>
+            </p:style>
+            <p:txBody>
+              <a:bodyPr rtlCol="0" anchor="ctr"/>
+              <a:lstStyle/>
+              <a:p>
+                <a:pPr algn="ctr"/>
+                <a:endParaRPr lang="en-US" sz="5183"/>
+              </a:p>
+            </p:txBody>
+          </p:sp>
+          <p:sp>
+            <p:nvSpPr>
+              <p:cNvPr id="125" name="Rectangle: Rounded Corners 38">
+                <a:extLst>
+                  <a:ext uri="{FF2B5EF4-FFF2-40B4-BE49-F238E27FC236}">
+                    <a16:creationId xmlns:a16="http://schemas.microsoft.com/office/drawing/2014/main" id="{AF025022-B2A4-F130-7C21-C4481C9FA2A4}"/>
+                  </a:ext>
+                </a:extLst>
+              </p:cNvPr>
+              <p:cNvSpPr/>
+              <p:nvPr/>
+            </p:nvSpPr>
+            <p:spPr>
+              <a:xfrm>
+                <a:off x="8242524" y="5485597"/>
+                <a:ext cx="764651" cy="301950"/>
+              </a:xfrm>
+              <a:prstGeom prst="roundRect">
+                <a:avLst/>
+              </a:prstGeom>
+            </p:spPr>
+            <p:style>
+              <a:lnRef idx="2">
+                <a:schemeClr val="accent1">
+                  <a:shade val="15000"/>
+                </a:schemeClr>
+              </a:lnRef>
+              <a:fillRef idx="1">
+                <a:schemeClr val="accent1"/>
+              </a:fillRef>
+              <a:effectRef idx="0">
+                <a:schemeClr val="accent1"/>
+              </a:effectRef>
+              <a:fontRef idx="minor">
+                <a:schemeClr val="lt1"/>
+              </a:fontRef>
+            </p:style>
+            <p:txBody>
+              <a:bodyPr rtlCol="0" anchor="ctr"/>
+              <a:lstStyle/>
+              <a:p>
+                <a:pPr algn="ctr"/>
+                <a:r>
+                  <a:rPr lang="en-US" sz="1600" b="1" dirty="0"/>
+                  <a:t>LSTM</a:t>
+                </a:r>
+              </a:p>
+            </p:txBody>
+          </p:sp>
+          <p:sp>
+            <p:nvSpPr>
+              <p:cNvPr id="126" name="Rectangle: Rounded Corners 39">
+                <a:extLst>
+                  <a:ext uri="{FF2B5EF4-FFF2-40B4-BE49-F238E27FC236}">
+                    <a16:creationId xmlns:a16="http://schemas.microsoft.com/office/drawing/2014/main" id="{0508A8D1-EBC1-B986-9507-9839F6A73CD2}"/>
+                  </a:ext>
+                </a:extLst>
+              </p:cNvPr>
+              <p:cNvSpPr/>
+              <p:nvPr/>
+            </p:nvSpPr>
+            <p:spPr>
+              <a:xfrm>
+                <a:off x="9266692" y="5485597"/>
+                <a:ext cx="764651" cy="301950"/>
+              </a:xfrm>
+              <a:prstGeom prst="roundRect">
+                <a:avLst/>
+              </a:prstGeom>
+            </p:spPr>
+            <p:style>
+              <a:lnRef idx="2">
+                <a:schemeClr val="accent1">
+                  <a:shade val="15000"/>
+                </a:schemeClr>
+              </a:lnRef>
+              <a:fillRef idx="1">
+                <a:schemeClr val="accent1"/>
+              </a:fillRef>
+              <a:effectRef idx="0">
+                <a:schemeClr val="accent1"/>
+              </a:effectRef>
+              <a:fontRef idx="minor">
+                <a:schemeClr val="lt1"/>
+              </a:fontRef>
+            </p:style>
+            <p:txBody>
+              <a:bodyPr rtlCol="0" anchor="ctr"/>
+              <a:lstStyle/>
+              <a:p>
+                <a:pPr algn="ctr"/>
+                <a:r>
+                  <a:rPr lang="en-US" sz="1600" b="1" dirty="0"/>
+                  <a:t>LSTM</a:t>
+                </a:r>
+              </a:p>
+            </p:txBody>
+          </p:sp>
+          <p:sp>
+            <p:nvSpPr>
+              <p:cNvPr id="127" name="Rectangle: Rounded Corners 40">
+                <a:extLst>
+                  <a:ext uri="{FF2B5EF4-FFF2-40B4-BE49-F238E27FC236}">
+                    <a16:creationId xmlns:a16="http://schemas.microsoft.com/office/drawing/2014/main" id="{55B31E4A-0FDC-42A2-5DDE-62C0C4DA290B}"/>
+                  </a:ext>
+                </a:extLst>
+              </p:cNvPr>
+              <p:cNvSpPr/>
+              <p:nvPr/>
+            </p:nvSpPr>
+            <p:spPr>
+              <a:xfrm>
+                <a:off x="10290860" y="5483508"/>
+                <a:ext cx="764651" cy="301950"/>
+              </a:xfrm>
+              <a:prstGeom prst="roundRect">
+                <a:avLst/>
+              </a:prstGeom>
+            </p:spPr>
+            <p:style>
+              <a:lnRef idx="2">
+                <a:schemeClr val="accent1">
+                  <a:shade val="15000"/>
+                </a:schemeClr>
+              </a:lnRef>
+              <a:fillRef idx="1">
+                <a:schemeClr val="accent1"/>
+              </a:fillRef>
+              <a:effectRef idx="0">
+                <a:schemeClr val="accent1"/>
+              </a:effectRef>
+              <a:fontRef idx="minor">
+                <a:schemeClr val="lt1"/>
+              </a:fontRef>
+            </p:style>
+            <p:txBody>
+              <a:bodyPr rtlCol="0" anchor="ctr"/>
+              <a:lstStyle/>
+              <a:p>
+                <a:pPr algn="ctr"/>
+                <a:r>
+                  <a:rPr lang="en-US" sz="1600" b="1" dirty="0"/>
+                  <a:t>…</a:t>
+                </a:r>
+              </a:p>
+            </p:txBody>
+          </p:sp>
+          <p:sp>
+            <p:nvSpPr>
+              <p:cNvPr id="128" name="Rectangle: Rounded Corners 41">
+                <a:extLst>
+                  <a:ext uri="{FF2B5EF4-FFF2-40B4-BE49-F238E27FC236}">
+                    <a16:creationId xmlns:a16="http://schemas.microsoft.com/office/drawing/2014/main" id="{E51CA061-57EC-404B-7D64-987E1045B053}"/>
+                  </a:ext>
+                </a:extLst>
+              </p:cNvPr>
+              <p:cNvSpPr/>
+              <p:nvPr/>
+            </p:nvSpPr>
+            <p:spPr>
+              <a:xfrm>
+                <a:off x="11315028" y="5486428"/>
+                <a:ext cx="764651" cy="301950"/>
+              </a:xfrm>
+              <a:prstGeom prst="roundRect">
+                <a:avLst/>
+              </a:prstGeom>
+            </p:spPr>
+            <p:style>
+              <a:lnRef idx="2">
+                <a:schemeClr val="accent1">
+                  <a:shade val="15000"/>
+                </a:schemeClr>
+              </a:lnRef>
+              <a:fillRef idx="1">
+                <a:schemeClr val="accent1"/>
+              </a:fillRef>
+              <a:effectRef idx="0">
+                <a:schemeClr val="accent1"/>
+              </a:effectRef>
+              <a:fontRef idx="minor">
+                <a:schemeClr val="lt1"/>
+              </a:fontRef>
+            </p:style>
+            <p:txBody>
+              <a:bodyPr rtlCol="0" anchor="ctr"/>
+              <a:lstStyle/>
+              <a:p>
+                <a:pPr algn="ctr"/>
+                <a:r>
+                  <a:rPr lang="en-US" sz="1600" b="1" dirty="0"/>
+                  <a:t>LSTM</a:t>
+                </a:r>
+              </a:p>
+            </p:txBody>
+          </p:sp>
+          <p:sp>
+            <p:nvSpPr>
+              <p:cNvPr id="129" name="Rectangle: Rounded Corners 42">
+                <a:extLst>
+                  <a:ext uri="{FF2B5EF4-FFF2-40B4-BE49-F238E27FC236}">
+                    <a16:creationId xmlns:a16="http://schemas.microsoft.com/office/drawing/2014/main" id="{9A7DA476-390A-51C7-28A1-D0C1AA027E4B}"/>
+                  </a:ext>
+                </a:extLst>
+              </p:cNvPr>
+              <p:cNvSpPr/>
+              <p:nvPr/>
+            </p:nvSpPr>
+            <p:spPr>
+              <a:xfrm>
+                <a:off x="12339196" y="5489273"/>
+                <a:ext cx="764651" cy="301950"/>
+              </a:xfrm>
+              <a:prstGeom prst="roundRect">
+                <a:avLst/>
+              </a:prstGeom>
+            </p:spPr>
+            <p:style>
+              <a:lnRef idx="2">
+                <a:schemeClr val="accent1">
+                  <a:shade val="15000"/>
+                </a:schemeClr>
+              </a:lnRef>
+              <a:fillRef idx="1">
+                <a:schemeClr val="accent1"/>
+              </a:fillRef>
+              <a:effectRef idx="0">
+                <a:schemeClr val="accent1"/>
+              </a:effectRef>
+              <a:fontRef idx="minor">
+                <a:schemeClr val="lt1"/>
+              </a:fontRef>
+            </p:style>
+            <p:txBody>
+              <a:bodyPr rtlCol="0" anchor="ctr"/>
+              <a:lstStyle/>
+              <a:p>
+                <a:pPr algn="ctr"/>
+                <a:r>
+                  <a:rPr lang="en-US" sz="1600" b="1" dirty="0"/>
+                  <a:t>LSTM</a:t>
+                </a:r>
+              </a:p>
+            </p:txBody>
+          </p:sp>
+          <p:cxnSp>
+            <p:nvCxnSpPr>
+              <p:cNvPr id="130" name="Straight Arrow Connector 129">
+                <a:extLst>
+                  <a:ext uri="{FF2B5EF4-FFF2-40B4-BE49-F238E27FC236}">
+                    <a16:creationId xmlns:a16="http://schemas.microsoft.com/office/drawing/2014/main" id="{958B9ABA-F271-D54D-C3FB-305C895FEF1F}"/>
+                  </a:ext>
+                </a:extLst>
+              </p:cNvPr>
+              <p:cNvCxnSpPr>
+                <a:cxnSpLocks/>
+                <a:stCxn id="125" idx="3"/>
+                <a:endCxn id="126" idx="1"/>
+              </p:cNvCxnSpPr>
+              <p:nvPr/>
+            </p:nvCxnSpPr>
+            <p:spPr>
+              <a:xfrm>
+                <a:off x="9007175" y="5636572"/>
+                <a:ext cx="259517" cy="0"/>
+              </a:xfrm>
+              <a:prstGeom prst="straightConnector1">
+                <a:avLst/>
+              </a:prstGeom>
+              <a:ln w="28575">
+                <a:solidFill>
+                  <a:srgbClr val="00B050"/>
+                </a:solidFill>
+                <a:headEnd type="none" w="med" len="med"/>
+                <a:tailEnd type="triangle" w="med" len="med"/>
+              </a:ln>
+            </p:spPr>
+            <p:style>
+              <a:lnRef idx="2">
+                <a:schemeClr val="accent1"/>
+              </a:lnRef>
+              <a:fillRef idx="0">
+                <a:schemeClr val="accent1"/>
+              </a:fillRef>
+              <a:effectRef idx="1">
+                <a:schemeClr val="accent1"/>
+              </a:effectRef>
+              <a:fontRef idx="minor">
+                <a:schemeClr val="tx1"/>
+              </a:fontRef>
+            </p:style>
+          </p:cxnSp>
+          <p:cxnSp>
+            <p:nvCxnSpPr>
+              <p:cNvPr id="131" name="Straight Arrow Connector 130">
+                <a:extLst>
+                  <a:ext uri="{FF2B5EF4-FFF2-40B4-BE49-F238E27FC236}">
+                    <a16:creationId xmlns:a16="http://schemas.microsoft.com/office/drawing/2014/main" id="{50D10C71-FAC0-BDD4-E1B9-FAFE972732DE}"/>
+                  </a:ext>
+                </a:extLst>
+              </p:cNvPr>
+              <p:cNvCxnSpPr>
+                <a:cxnSpLocks/>
+                <a:endCxn id="127" idx="1"/>
+              </p:cNvCxnSpPr>
+              <p:nvPr/>
+            </p:nvCxnSpPr>
+            <p:spPr>
+              <a:xfrm>
+                <a:off x="10031343" y="5634483"/>
+                <a:ext cx="259517" cy="0"/>
+              </a:xfrm>
+              <a:prstGeom prst="straightConnector1">
+                <a:avLst/>
+              </a:prstGeom>
+              <a:ln w="28575">
+                <a:solidFill>
+                  <a:srgbClr val="00B050"/>
+                </a:solidFill>
+                <a:headEnd type="none" w="med" len="med"/>
+                <a:tailEnd type="triangle" w="med" len="med"/>
+              </a:ln>
+            </p:spPr>
+            <p:style>
+              <a:lnRef idx="2">
+                <a:schemeClr val="accent1"/>
+              </a:lnRef>
+              <a:fillRef idx="0">
+                <a:schemeClr val="accent1"/>
+              </a:fillRef>
+              <a:effectRef idx="1">
+                <a:schemeClr val="accent1"/>
+              </a:effectRef>
+              <a:fontRef idx="minor">
+                <a:schemeClr val="tx1"/>
+              </a:fontRef>
+            </p:style>
+          </p:cxnSp>
+          <p:cxnSp>
+            <p:nvCxnSpPr>
+              <p:cNvPr id="132" name="Straight Arrow Connector 131">
+                <a:extLst>
+                  <a:ext uri="{FF2B5EF4-FFF2-40B4-BE49-F238E27FC236}">
+                    <a16:creationId xmlns:a16="http://schemas.microsoft.com/office/drawing/2014/main" id="{2FB50F7A-6ABE-CD80-6637-612838D691C9}"/>
+                  </a:ext>
+                </a:extLst>
+              </p:cNvPr>
+              <p:cNvCxnSpPr>
+                <a:cxnSpLocks/>
+                <a:stCxn id="127" idx="3"/>
+                <a:endCxn id="128" idx="1"/>
+              </p:cNvCxnSpPr>
+              <p:nvPr/>
+            </p:nvCxnSpPr>
+            <p:spPr>
+              <a:xfrm>
+                <a:off x="11055511" y="5634483"/>
+                <a:ext cx="259517" cy="2920"/>
+              </a:xfrm>
+              <a:prstGeom prst="straightConnector1">
+                <a:avLst/>
+              </a:prstGeom>
+              <a:ln w="28575">
+                <a:solidFill>
+                  <a:srgbClr val="00B050"/>
+                </a:solidFill>
+                <a:headEnd type="none" w="med" len="med"/>
+                <a:tailEnd type="triangle" w="med" len="med"/>
+              </a:ln>
+            </p:spPr>
+            <p:style>
+              <a:lnRef idx="2">
+                <a:schemeClr val="accent1"/>
+              </a:lnRef>
+              <a:fillRef idx="0">
+                <a:schemeClr val="accent1"/>
+              </a:fillRef>
+              <a:effectRef idx="1">
+                <a:schemeClr val="accent1"/>
+              </a:effectRef>
+              <a:fontRef idx="minor">
+                <a:schemeClr val="tx1"/>
+              </a:fontRef>
+            </p:style>
+          </p:cxnSp>
+          <p:cxnSp>
+            <p:nvCxnSpPr>
+              <p:cNvPr id="133" name="Straight Arrow Connector 132">
+                <a:extLst>
+                  <a:ext uri="{FF2B5EF4-FFF2-40B4-BE49-F238E27FC236}">
+                    <a16:creationId xmlns:a16="http://schemas.microsoft.com/office/drawing/2014/main" id="{13CB8B01-5500-AC5A-8427-8F07D649FA30}"/>
+                  </a:ext>
+                </a:extLst>
+              </p:cNvPr>
+              <p:cNvCxnSpPr>
+                <a:cxnSpLocks/>
+                <a:stCxn id="128" idx="3"/>
+                <a:endCxn id="129" idx="1"/>
+              </p:cNvCxnSpPr>
+              <p:nvPr/>
+            </p:nvCxnSpPr>
+            <p:spPr>
+              <a:xfrm>
+                <a:off x="12079679" y="5637405"/>
+                <a:ext cx="259517" cy="2845"/>
+              </a:xfrm>
+              <a:prstGeom prst="straightConnector1">
+                <a:avLst/>
+              </a:prstGeom>
+              <a:ln w="28575">
+                <a:solidFill>
+                  <a:srgbClr val="00B050"/>
+                </a:solidFill>
+                <a:headEnd type="none" w="med" len="med"/>
+                <a:tailEnd type="triangle" w="med" len="med"/>
+              </a:ln>
+            </p:spPr>
+            <p:style>
+              <a:lnRef idx="2">
+                <a:schemeClr val="accent1"/>
+              </a:lnRef>
+              <a:fillRef idx="0">
+                <a:schemeClr val="accent1"/>
+              </a:fillRef>
+              <a:effectRef idx="1">
+                <a:schemeClr val="accent1"/>
+              </a:effectRef>
+              <a:fontRef idx="minor">
+                <a:schemeClr val="tx1"/>
+              </a:fontRef>
+            </p:style>
+          </p:cxnSp>
+          <p:sp>
+            <p:nvSpPr>
+              <p:cNvPr id="134" name="Rectangle: Rounded Corners 47">
+                <a:extLst>
+                  <a:ext uri="{FF2B5EF4-FFF2-40B4-BE49-F238E27FC236}">
+                    <a16:creationId xmlns:a16="http://schemas.microsoft.com/office/drawing/2014/main" id="{88703780-AB3B-80DC-B0A1-F92489E57241}"/>
+                  </a:ext>
+                </a:extLst>
+              </p:cNvPr>
+              <p:cNvSpPr/>
+              <p:nvPr/>
+            </p:nvSpPr>
+            <p:spPr>
+              <a:xfrm>
+                <a:off x="7582566" y="2457472"/>
+                <a:ext cx="5939624" cy="1017766"/>
+              </a:xfrm>
+              <a:prstGeom prst="roundRect">
+                <a:avLst/>
+              </a:prstGeom>
+              <a:solidFill>
+                <a:schemeClr val="tx2">
+                  <a:lumMod val="10000"/>
+                  <a:lumOff val="90000"/>
+                </a:schemeClr>
+              </a:solidFill>
+            </p:spPr>
+            <p:style>
+              <a:lnRef idx="2">
+                <a:schemeClr val="accent1">
+                  <a:shade val="15000"/>
+                </a:schemeClr>
+              </a:lnRef>
+              <a:fillRef idx="1">
+                <a:schemeClr val="accent1"/>
+              </a:fillRef>
+              <a:effectRef idx="0">
+                <a:schemeClr val="accent1"/>
+              </a:effectRef>
+              <a:fontRef idx="minor">
+                <a:schemeClr val="lt1"/>
+              </a:fontRef>
+            </p:style>
+            <p:txBody>
+              <a:bodyPr rtlCol="0" anchor="ctr"/>
+              <a:lstStyle/>
+              <a:p>
+                <a:pPr algn="ctr"/>
+                <a:endParaRPr lang="en-US" sz="5183"/>
+              </a:p>
+            </p:txBody>
+          </p:sp>
+          <p:sp>
+            <p:nvSpPr>
+              <p:cNvPr id="135" name="Rectangle: Rounded Corners 48">
+                <a:extLst>
+                  <a:ext uri="{FF2B5EF4-FFF2-40B4-BE49-F238E27FC236}">
+                    <a16:creationId xmlns:a16="http://schemas.microsoft.com/office/drawing/2014/main" id="{D1E58E55-686E-C390-FF01-865CCAE11619}"/>
+                  </a:ext>
+                </a:extLst>
+              </p:cNvPr>
+              <p:cNvSpPr/>
+              <p:nvPr/>
+            </p:nvSpPr>
+            <p:spPr>
+              <a:xfrm>
+                <a:off x="8242524" y="2815380"/>
+                <a:ext cx="764651" cy="301950"/>
+              </a:xfrm>
+              <a:prstGeom prst="roundRect">
+                <a:avLst/>
+              </a:prstGeom>
+            </p:spPr>
+            <p:style>
+              <a:lnRef idx="2">
+                <a:schemeClr val="accent1">
+                  <a:shade val="15000"/>
+                </a:schemeClr>
+              </a:lnRef>
+              <a:fillRef idx="1">
+                <a:schemeClr val="accent1"/>
+              </a:fillRef>
+              <a:effectRef idx="0">
+                <a:schemeClr val="accent1"/>
+              </a:effectRef>
+              <a:fontRef idx="minor">
+                <a:schemeClr val="lt1"/>
+              </a:fontRef>
+            </p:style>
+            <p:txBody>
+              <a:bodyPr rtlCol="0" anchor="ctr"/>
+              <a:lstStyle/>
+              <a:p>
+                <a:pPr algn="ctr"/>
+                <a:r>
+                  <a:rPr lang="en-US" sz="1600" b="1" dirty="0"/>
+                  <a:t>LSTM</a:t>
+                </a:r>
+              </a:p>
+            </p:txBody>
+          </p:sp>
+          <p:sp>
+            <p:nvSpPr>
+              <p:cNvPr id="136" name="Rectangle: Rounded Corners 49">
+                <a:extLst>
+                  <a:ext uri="{FF2B5EF4-FFF2-40B4-BE49-F238E27FC236}">
+                    <a16:creationId xmlns:a16="http://schemas.microsoft.com/office/drawing/2014/main" id="{E005C442-8FD2-C14F-8642-5030D271BA88}"/>
+                  </a:ext>
+                </a:extLst>
+              </p:cNvPr>
+              <p:cNvSpPr/>
+              <p:nvPr/>
+            </p:nvSpPr>
+            <p:spPr>
+              <a:xfrm>
+                <a:off x="9266692" y="2815380"/>
+                <a:ext cx="764651" cy="301950"/>
+              </a:xfrm>
+              <a:prstGeom prst="roundRect">
+                <a:avLst/>
+              </a:prstGeom>
+            </p:spPr>
+            <p:style>
+              <a:lnRef idx="2">
+                <a:schemeClr val="accent1">
+                  <a:shade val="15000"/>
+                </a:schemeClr>
+              </a:lnRef>
+              <a:fillRef idx="1">
+                <a:schemeClr val="accent1"/>
+              </a:fillRef>
+              <a:effectRef idx="0">
+                <a:schemeClr val="accent1"/>
+              </a:effectRef>
+              <a:fontRef idx="minor">
+                <a:schemeClr val="lt1"/>
+              </a:fontRef>
+            </p:style>
+            <p:txBody>
+              <a:bodyPr rtlCol="0" anchor="ctr"/>
+              <a:lstStyle/>
+              <a:p>
+                <a:pPr algn="ctr"/>
+                <a:r>
+                  <a:rPr lang="en-US" sz="1600" b="1" dirty="0"/>
+                  <a:t>LSTM</a:t>
+                </a:r>
+              </a:p>
+            </p:txBody>
+          </p:sp>
+          <p:sp>
+            <p:nvSpPr>
+              <p:cNvPr id="137" name="Rectangle: Rounded Corners 50">
+                <a:extLst>
+                  <a:ext uri="{FF2B5EF4-FFF2-40B4-BE49-F238E27FC236}">
+                    <a16:creationId xmlns:a16="http://schemas.microsoft.com/office/drawing/2014/main" id="{007D5346-3442-635D-15F0-CCFEA2C06325}"/>
+                  </a:ext>
+                </a:extLst>
+              </p:cNvPr>
+              <p:cNvSpPr/>
+              <p:nvPr/>
+            </p:nvSpPr>
+            <p:spPr>
+              <a:xfrm>
+                <a:off x="10290860" y="2813291"/>
+                <a:ext cx="764651" cy="301950"/>
+              </a:xfrm>
+              <a:prstGeom prst="roundRect">
+                <a:avLst/>
+              </a:prstGeom>
+            </p:spPr>
+            <p:style>
+              <a:lnRef idx="2">
+                <a:schemeClr val="accent1">
+                  <a:shade val="15000"/>
+                </a:schemeClr>
+              </a:lnRef>
+              <a:fillRef idx="1">
+                <a:schemeClr val="accent1"/>
+              </a:fillRef>
+              <a:effectRef idx="0">
+                <a:schemeClr val="accent1"/>
+              </a:effectRef>
+              <a:fontRef idx="minor">
+                <a:schemeClr val="lt1"/>
+              </a:fontRef>
+            </p:style>
+            <p:txBody>
+              <a:bodyPr rtlCol="0" anchor="ctr"/>
+              <a:lstStyle/>
+              <a:p>
+                <a:pPr algn="ctr"/>
+                <a:r>
+                  <a:rPr lang="en-US" sz="1600" b="1" dirty="0"/>
+                  <a:t>…</a:t>
+                </a:r>
+              </a:p>
+            </p:txBody>
+          </p:sp>
+          <p:sp>
+            <p:nvSpPr>
+              <p:cNvPr id="138" name="Rectangle: Rounded Corners 51">
+                <a:extLst>
+                  <a:ext uri="{FF2B5EF4-FFF2-40B4-BE49-F238E27FC236}">
+                    <a16:creationId xmlns:a16="http://schemas.microsoft.com/office/drawing/2014/main" id="{560783D7-ED94-9A9A-1E75-4527D9E6DC7A}"/>
+                  </a:ext>
+                </a:extLst>
+              </p:cNvPr>
+              <p:cNvSpPr/>
+              <p:nvPr/>
+            </p:nvSpPr>
+            <p:spPr>
+              <a:xfrm>
+                <a:off x="11315028" y="2816211"/>
+                <a:ext cx="764651" cy="301950"/>
+              </a:xfrm>
+              <a:prstGeom prst="roundRect">
+                <a:avLst/>
+              </a:prstGeom>
+            </p:spPr>
+            <p:style>
+              <a:lnRef idx="2">
+                <a:schemeClr val="accent1">
+                  <a:shade val="15000"/>
+                </a:schemeClr>
+              </a:lnRef>
+              <a:fillRef idx="1">
+                <a:schemeClr val="accent1"/>
+              </a:fillRef>
+              <a:effectRef idx="0">
+                <a:schemeClr val="accent1"/>
+              </a:effectRef>
+              <a:fontRef idx="minor">
+                <a:schemeClr val="lt1"/>
+              </a:fontRef>
+            </p:style>
+            <p:txBody>
+              <a:bodyPr rtlCol="0" anchor="ctr"/>
+              <a:lstStyle/>
+              <a:p>
+                <a:pPr algn="ctr"/>
+                <a:r>
+                  <a:rPr lang="en-US" sz="1600" b="1" dirty="0"/>
+                  <a:t>LSTM</a:t>
+                </a:r>
+              </a:p>
+            </p:txBody>
+          </p:sp>
+          <p:sp>
+            <p:nvSpPr>
+              <p:cNvPr id="139" name="Rectangle: Rounded Corners 52">
+                <a:extLst>
+                  <a:ext uri="{FF2B5EF4-FFF2-40B4-BE49-F238E27FC236}">
+                    <a16:creationId xmlns:a16="http://schemas.microsoft.com/office/drawing/2014/main" id="{949D0970-9D72-D7F6-494A-1346D1154D47}"/>
+                  </a:ext>
+                </a:extLst>
+              </p:cNvPr>
+              <p:cNvSpPr/>
+              <p:nvPr/>
+            </p:nvSpPr>
+            <p:spPr>
+              <a:xfrm>
+                <a:off x="12339196" y="2819056"/>
+                <a:ext cx="764651" cy="301950"/>
+              </a:xfrm>
+              <a:prstGeom prst="roundRect">
+                <a:avLst/>
+              </a:prstGeom>
+            </p:spPr>
+            <p:style>
+              <a:lnRef idx="2">
+                <a:schemeClr val="accent1">
+                  <a:shade val="15000"/>
+                </a:schemeClr>
+              </a:lnRef>
+              <a:fillRef idx="1">
+                <a:schemeClr val="accent1"/>
+              </a:fillRef>
+              <a:effectRef idx="0">
+                <a:schemeClr val="accent1"/>
+              </a:effectRef>
+              <a:fontRef idx="minor">
+                <a:schemeClr val="lt1"/>
+              </a:fontRef>
+            </p:style>
+            <p:txBody>
+              <a:bodyPr rtlCol="0" anchor="ctr"/>
+              <a:lstStyle/>
+              <a:p>
+                <a:pPr algn="ctr"/>
+                <a:r>
+                  <a:rPr lang="en-US" sz="1600" b="1" dirty="0"/>
+                  <a:t>LSTM</a:t>
+                </a:r>
+              </a:p>
+            </p:txBody>
+          </p:sp>
+          <p:cxnSp>
+            <p:nvCxnSpPr>
+              <p:cNvPr id="140" name="Straight Arrow Connector 139">
+                <a:extLst>
+                  <a:ext uri="{FF2B5EF4-FFF2-40B4-BE49-F238E27FC236}">
+                    <a16:creationId xmlns:a16="http://schemas.microsoft.com/office/drawing/2014/main" id="{D0F9A56C-EC89-4E60-600D-86FCF0A1DEAE}"/>
+                  </a:ext>
+                </a:extLst>
+              </p:cNvPr>
+              <p:cNvCxnSpPr>
+                <a:cxnSpLocks/>
+                <a:stCxn id="135" idx="3"/>
+                <a:endCxn id="136" idx="1"/>
+              </p:cNvCxnSpPr>
+              <p:nvPr/>
+            </p:nvCxnSpPr>
+            <p:spPr>
+              <a:xfrm>
+                <a:off x="9007175" y="2966355"/>
+                <a:ext cx="259517" cy="0"/>
+              </a:xfrm>
+              <a:prstGeom prst="straightConnector1">
+                <a:avLst/>
+              </a:prstGeom>
+              <a:ln w="28575">
+                <a:solidFill>
+                  <a:srgbClr val="00B050"/>
+                </a:solidFill>
+                <a:headEnd type="none" w="med" len="med"/>
+                <a:tailEnd type="triangle" w="med" len="med"/>
+              </a:ln>
+            </p:spPr>
+            <p:style>
+              <a:lnRef idx="2">
+                <a:schemeClr val="accent1"/>
+              </a:lnRef>
+              <a:fillRef idx="0">
+                <a:schemeClr val="accent1"/>
+              </a:fillRef>
+              <a:effectRef idx="1">
+                <a:schemeClr val="accent1"/>
+              </a:effectRef>
+              <a:fontRef idx="minor">
+                <a:schemeClr val="tx1"/>
+              </a:fontRef>
+            </p:style>
+          </p:cxnSp>
+          <p:cxnSp>
+            <p:nvCxnSpPr>
+              <p:cNvPr id="141" name="Straight Arrow Connector 140">
+                <a:extLst>
+                  <a:ext uri="{FF2B5EF4-FFF2-40B4-BE49-F238E27FC236}">
+                    <a16:creationId xmlns:a16="http://schemas.microsoft.com/office/drawing/2014/main" id="{FC8680CC-EA67-DC7D-4B86-90198B271F5B}"/>
+                  </a:ext>
+                </a:extLst>
+              </p:cNvPr>
+              <p:cNvCxnSpPr>
+                <a:cxnSpLocks/>
+                <a:endCxn id="137" idx="1"/>
+              </p:cNvCxnSpPr>
+              <p:nvPr/>
+            </p:nvCxnSpPr>
+            <p:spPr>
+              <a:xfrm>
+                <a:off x="10031343" y="2964266"/>
+                <a:ext cx="259517" cy="0"/>
+              </a:xfrm>
+              <a:prstGeom prst="straightConnector1">
+                <a:avLst/>
+              </a:prstGeom>
+              <a:ln w="28575">
+                <a:solidFill>
+                  <a:srgbClr val="00B050"/>
+                </a:solidFill>
+                <a:headEnd type="none" w="med" len="med"/>
+                <a:tailEnd type="triangle" w="med" len="med"/>
+              </a:ln>
+            </p:spPr>
+            <p:style>
+              <a:lnRef idx="2">
+                <a:schemeClr val="accent1"/>
+              </a:lnRef>
+              <a:fillRef idx="0">
+                <a:schemeClr val="accent1"/>
+              </a:fillRef>
+              <a:effectRef idx="1">
+                <a:schemeClr val="accent1"/>
+              </a:effectRef>
+              <a:fontRef idx="minor">
+                <a:schemeClr val="tx1"/>
+              </a:fontRef>
+            </p:style>
+          </p:cxnSp>
+          <p:cxnSp>
+            <p:nvCxnSpPr>
+              <p:cNvPr id="142" name="Straight Arrow Connector 141">
+                <a:extLst>
+                  <a:ext uri="{FF2B5EF4-FFF2-40B4-BE49-F238E27FC236}">
+                    <a16:creationId xmlns:a16="http://schemas.microsoft.com/office/drawing/2014/main" id="{A97CF645-785E-AEE0-2499-B3C21E6C9E72}"/>
+                  </a:ext>
+                </a:extLst>
+              </p:cNvPr>
+              <p:cNvCxnSpPr>
+                <a:cxnSpLocks/>
+                <a:stCxn id="137" idx="3"/>
+                <a:endCxn id="138" idx="1"/>
+              </p:cNvCxnSpPr>
+              <p:nvPr/>
+            </p:nvCxnSpPr>
+            <p:spPr>
+              <a:xfrm>
+                <a:off x="11055511" y="2964266"/>
+                <a:ext cx="259517" cy="2920"/>
+              </a:xfrm>
+              <a:prstGeom prst="straightConnector1">
+                <a:avLst/>
+              </a:prstGeom>
+              <a:ln w="28575">
+                <a:solidFill>
+                  <a:srgbClr val="00B050"/>
+                </a:solidFill>
+                <a:headEnd type="none" w="med" len="med"/>
+                <a:tailEnd type="triangle" w="med" len="med"/>
+              </a:ln>
+            </p:spPr>
+            <p:style>
+              <a:lnRef idx="2">
+                <a:schemeClr val="accent1"/>
+              </a:lnRef>
+              <a:fillRef idx="0">
+                <a:schemeClr val="accent1"/>
+              </a:fillRef>
+              <a:effectRef idx="1">
+                <a:schemeClr val="accent1"/>
+              </a:effectRef>
+              <a:fontRef idx="minor">
+                <a:schemeClr val="tx1"/>
+              </a:fontRef>
+            </p:style>
+          </p:cxnSp>
+          <p:cxnSp>
+            <p:nvCxnSpPr>
+              <p:cNvPr id="143" name="Straight Arrow Connector 142">
+                <a:extLst>
+                  <a:ext uri="{FF2B5EF4-FFF2-40B4-BE49-F238E27FC236}">
+                    <a16:creationId xmlns:a16="http://schemas.microsoft.com/office/drawing/2014/main" id="{34ABCB66-9E85-0F81-1A55-3C19CBEAD561}"/>
+                  </a:ext>
+                </a:extLst>
+              </p:cNvPr>
+              <p:cNvCxnSpPr>
+                <a:cxnSpLocks/>
+                <a:stCxn id="138" idx="3"/>
+                <a:endCxn id="139" idx="1"/>
+              </p:cNvCxnSpPr>
+              <p:nvPr/>
+            </p:nvCxnSpPr>
+            <p:spPr>
+              <a:xfrm>
+                <a:off x="12079679" y="2967188"/>
+                <a:ext cx="259517" cy="2845"/>
+              </a:xfrm>
+              <a:prstGeom prst="straightConnector1">
+                <a:avLst/>
+              </a:prstGeom>
+              <a:ln w="28575">
+                <a:solidFill>
+                  <a:srgbClr val="00B050"/>
+                </a:solidFill>
+                <a:headEnd type="none" w="med" len="med"/>
+                <a:tailEnd type="triangle" w="med" len="med"/>
+              </a:ln>
+            </p:spPr>
+            <p:style>
+              <a:lnRef idx="2">
+                <a:schemeClr val="accent1"/>
+              </a:lnRef>
+              <a:fillRef idx="0">
+                <a:schemeClr val="accent1"/>
+              </a:fillRef>
+              <a:effectRef idx="1">
+                <a:schemeClr val="accent1"/>
+              </a:effectRef>
+              <a:fontRef idx="minor">
+                <a:schemeClr val="tx1"/>
+              </a:fontRef>
+            </p:style>
+          </p:cxnSp>
+          <p:cxnSp>
+            <p:nvCxnSpPr>
+              <p:cNvPr id="144" name="Straight Arrow Connector 143">
+                <a:extLst>
+                  <a:ext uri="{FF2B5EF4-FFF2-40B4-BE49-F238E27FC236}">
+                    <a16:creationId xmlns:a16="http://schemas.microsoft.com/office/drawing/2014/main" id="{645DE604-0527-37AC-59F7-6A2DC897F503}"/>
+                  </a:ext>
+                </a:extLst>
+              </p:cNvPr>
+              <p:cNvCxnSpPr>
+                <a:cxnSpLocks/>
+                <a:stCxn id="125" idx="0"/>
+                <a:endCxn id="114" idx="2"/>
+              </p:cNvCxnSpPr>
+              <p:nvPr/>
+            </p:nvCxnSpPr>
+            <p:spPr>
+              <a:xfrm flipV="1">
+                <a:off x="8624849" y="4498111"/>
+                <a:ext cx="0" cy="987487"/>
+              </a:xfrm>
+              <a:prstGeom prst="straightConnector1">
+                <a:avLst/>
+              </a:prstGeom>
+              <a:ln w="28575">
+                <a:solidFill>
+                  <a:srgbClr val="00B050"/>
+                </a:solidFill>
+                <a:headEnd type="triangle" w="med" len="med"/>
+                <a:tailEnd type="none" w="med" len="med"/>
+              </a:ln>
+            </p:spPr>
+            <p:style>
+              <a:lnRef idx="2">
+                <a:schemeClr val="accent1"/>
+              </a:lnRef>
+              <a:fillRef idx="0">
+                <a:schemeClr val="accent1"/>
+              </a:fillRef>
+              <a:effectRef idx="1">
+                <a:schemeClr val="accent1"/>
+              </a:effectRef>
+              <a:fontRef idx="minor">
+                <a:schemeClr val="tx1"/>
+              </a:fontRef>
+            </p:style>
+          </p:cxnSp>
+          <p:cxnSp>
+            <p:nvCxnSpPr>
+              <p:cNvPr id="145" name="Straight Arrow Connector 144">
+                <a:extLst>
+                  <a:ext uri="{FF2B5EF4-FFF2-40B4-BE49-F238E27FC236}">
+                    <a16:creationId xmlns:a16="http://schemas.microsoft.com/office/drawing/2014/main" id="{8ADE40B0-2495-DCD6-F6D9-59A880CEA74A}"/>
+                  </a:ext>
+                </a:extLst>
+              </p:cNvPr>
+              <p:cNvCxnSpPr>
+                <a:cxnSpLocks/>
+                <a:stCxn id="126" idx="0"/>
+                <a:endCxn id="115" idx="2"/>
+              </p:cNvCxnSpPr>
+              <p:nvPr/>
+            </p:nvCxnSpPr>
+            <p:spPr>
+              <a:xfrm flipV="1">
+                <a:off x="9649017" y="4498111"/>
+                <a:ext cx="0" cy="987487"/>
+              </a:xfrm>
+              <a:prstGeom prst="straightConnector1">
+                <a:avLst/>
+              </a:prstGeom>
+              <a:ln w="28575">
+                <a:solidFill>
+                  <a:srgbClr val="00B050"/>
+                </a:solidFill>
+                <a:headEnd type="triangle" w="med" len="med"/>
+                <a:tailEnd type="none" w="med" len="med"/>
+              </a:ln>
+            </p:spPr>
+            <p:style>
+              <a:lnRef idx="2">
+                <a:schemeClr val="accent1"/>
+              </a:lnRef>
+              <a:fillRef idx="0">
+                <a:schemeClr val="accent1"/>
+              </a:fillRef>
+              <a:effectRef idx="1">
+                <a:schemeClr val="accent1"/>
+              </a:effectRef>
+              <a:fontRef idx="minor">
+                <a:schemeClr val="tx1"/>
+              </a:fontRef>
+            </p:style>
+          </p:cxnSp>
+          <p:cxnSp>
+            <p:nvCxnSpPr>
+              <p:cNvPr id="146" name="Straight Arrow Connector 145">
+                <a:extLst>
+                  <a:ext uri="{FF2B5EF4-FFF2-40B4-BE49-F238E27FC236}">
+                    <a16:creationId xmlns:a16="http://schemas.microsoft.com/office/drawing/2014/main" id="{7E898DF4-140B-EFCB-1923-854048586FD2}"/>
+                  </a:ext>
+                </a:extLst>
+              </p:cNvPr>
+              <p:cNvCxnSpPr>
+                <a:cxnSpLocks/>
+                <a:endCxn id="116" idx="2"/>
+              </p:cNvCxnSpPr>
+              <p:nvPr/>
+            </p:nvCxnSpPr>
+            <p:spPr>
+              <a:xfrm flipV="1">
+                <a:off x="10673185" y="4496023"/>
+                <a:ext cx="0" cy="987487"/>
+              </a:xfrm>
+              <a:prstGeom prst="straightConnector1">
+                <a:avLst/>
+              </a:prstGeom>
+              <a:ln w="28575">
+                <a:solidFill>
+                  <a:srgbClr val="00B050"/>
+                </a:solidFill>
+                <a:headEnd type="triangle" w="med" len="med"/>
+                <a:tailEnd type="none" w="med" len="med"/>
+              </a:ln>
+            </p:spPr>
+            <p:style>
+              <a:lnRef idx="2">
+                <a:schemeClr val="accent1"/>
+              </a:lnRef>
+              <a:fillRef idx="0">
+                <a:schemeClr val="accent1"/>
+              </a:fillRef>
+              <a:effectRef idx="1">
+                <a:schemeClr val="accent1"/>
+              </a:effectRef>
+              <a:fontRef idx="minor">
+                <a:schemeClr val="tx1"/>
+              </a:fontRef>
+            </p:style>
+          </p:cxnSp>
+          <p:cxnSp>
+            <p:nvCxnSpPr>
+              <p:cNvPr id="147" name="Straight Arrow Connector 146">
+                <a:extLst>
+                  <a:ext uri="{FF2B5EF4-FFF2-40B4-BE49-F238E27FC236}">
+                    <a16:creationId xmlns:a16="http://schemas.microsoft.com/office/drawing/2014/main" id="{7443FE69-6909-E335-5C8C-039157EEA42F}"/>
+                  </a:ext>
+                </a:extLst>
+              </p:cNvPr>
+              <p:cNvCxnSpPr>
+                <a:cxnSpLocks/>
+                <a:endCxn id="117" idx="2"/>
+              </p:cNvCxnSpPr>
+              <p:nvPr/>
+            </p:nvCxnSpPr>
+            <p:spPr>
+              <a:xfrm flipV="1">
+                <a:off x="11697351" y="4498943"/>
+                <a:ext cx="2" cy="984567"/>
+              </a:xfrm>
+              <a:prstGeom prst="straightConnector1">
+                <a:avLst/>
+              </a:prstGeom>
+              <a:ln w="28575">
+                <a:solidFill>
+                  <a:srgbClr val="00B050"/>
+                </a:solidFill>
+                <a:headEnd type="triangle" w="med" len="med"/>
+                <a:tailEnd type="none" w="med" len="med"/>
+              </a:ln>
+            </p:spPr>
+            <p:style>
+              <a:lnRef idx="2">
+                <a:schemeClr val="accent1"/>
+              </a:lnRef>
+              <a:fillRef idx="0">
+                <a:schemeClr val="accent1"/>
+              </a:fillRef>
+              <a:effectRef idx="1">
+                <a:schemeClr val="accent1"/>
+              </a:effectRef>
+              <a:fontRef idx="minor">
+                <a:schemeClr val="tx1"/>
+              </a:fontRef>
+            </p:style>
+          </p:cxnSp>
+          <p:cxnSp>
+            <p:nvCxnSpPr>
+              <p:cNvPr id="148" name="Straight Arrow Connector 147">
+                <a:extLst>
+                  <a:ext uri="{FF2B5EF4-FFF2-40B4-BE49-F238E27FC236}">
+                    <a16:creationId xmlns:a16="http://schemas.microsoft.com/office/drawing/2014/main" id="{20207C82-4122-CB5C-C67E-ACF22484E8AE}"/>
+                  </a:ext>
+                </a:extLst>
+              </p:cNvPr>
+              <p:cNvCxnSpPr>
+                <a:cxnSpLocks/>
+                <a:stCxn id="129" idx="0"/>
+                <a:endCxn id="118" idx="2"/>
+              </p:cNvCxnSpPr>
+              <p:nvPr/>
+            </p:nvCxnSpPr>
+            <p:spPr>
+              <a:xfrm flipV="1">
+                <a:off x="12721521" y="4501787"/>
+                <a:ext cx="0" cy="987487"/>
+              </a:xfrm>
+              <a:prstGeom prst="straightConnector1">
+                <a:avLst/>
+              </a:prstGeom>
+              <a:ln w="28575">
+                <a:solidFill>
+                  <a:srgbClr val="00B050"/>
+                </a:solidFill>
+                <a:headEnd type="triangle" w="med" len="med"/>
+                <a:tailEnd type="none" w="med" len="med"/>
+              </a:ln>
+            </p:spPr>
+            <p:style>
+              <a:lnRef idx="2">
+                <a:schemeClr val="accent1"/>
+              </a:lnRef>
+              <a:fillRef idx="0">
+                <a:schemeClr val="accent1"/>
+              </a:fillRef>
+              <a:effectRef idx="1">
+                <a:schemeClr val="accent1"/>
+              </a:effectRef>
+              <a:fontRef idx="minor">
+                <a:schemeClr val="tx1"/>
+              </a:fontRef>
+            </p:style>
+          </p:cxnSp>
+          <p:cxnSp>
+            <p:nvCxnSpPr>
+              <p:cNvPr id="149" name="Straight Arrow Connector 148">
+                <a:extLst>
+                  <a:ext uri="{FF2B5EF4-FFF2-40B4-BE49-F238E27FC236}">
+                    <a16:creationId xmlns:a16="http://schemas.microsoft.com/office/drawing/2014/main" id="{F181BD2A-1ACA-F49F-845D-17253FA23AAC}"/>
+                  </a:ext>
+                </a:extLst>
+              </p:cNvPr>
+              <p:cNvCxnSpPr>
+                <a:cxnSpLocks/>
+                <a:stCxn id="114" idx="0"/>
+                <a:endCxn id="135" idx="2"/>
+              </p:cNvCxnSpPr>
+              <p:nvPr/>
+            </p:nvCxnSpPr>
+            <p:spPr>
+              <a:xfrm flipV="1">
+                <a:off x="8624849" y="3117330"/>
+                <a:ext cx="0" cy="1078830"/>
+              </a:xfrm>
+              <a:prstGeom prst="straightConnector1">
+                <a:avLst/>
+              </a:prstGeom>
+              <a:ln w="28575">
+                <a:solidFill>
+                  <a:srgbClr val="00B050"/>
+                </a:solidFill>
+                <a:headEnd type="triangle" w="med" len="med"/>
+                <a:tailEnd type="none" w="med" len="med"/>
+              </a:ln>
+            </p:spPr>
+            <p:style>
+              <a:lnRef idx="2">
+                <a:schemeClr val="accent1"/>
+              </a:lnRef>
+              <a:fillRef idx="0">
+                <a:schemeClr val="accent1"/>
+              </a:fillRef>
+              <a:effectRef idx="1">
+                <a:schemeClr val="accent1"/>
+              </a:effectRef>
+              <a:fontRef idx="minor">
+                <a:schemeClr val="tx1"/>
+              </a:fontRef>
+            </p:style>
+          </p:cxnSp>
+          <p:cxnSp>
+            <p:nvCxnSpPr>
+              <p:cNvPr id="150" name="Straight Arrow Connector 149">
+                <a:extLst>
+                  <a:ext uri="{FF2B5EF4-FFF2-40B4-BE49-F238E27FC236}">
+                    <a16:creationId xmlns:a16="http://schemas.microsoft.com/office/drawing/2014/main" id="{ABADE998-F1EF-31D3-1393-806AC4A9635A}"/>
+                  </a:ext>
+                </a:extLst>
+              </p:cNvPr>
+              <p:cNvCxnSpPr>
+                <a:cxnSpLocks/>
+                <a:stCxn id="115" idx="0"/>
+              </p:cNvCxnSpPr>
+              <p:nvPr/>
+            </p:nvCxnSpPr>
+            <p:spPr>
+              <a:xfrm flipV="1">
+                <a:off x="9649017" y="3115243"/>
+                <a:ext cx="0" cy="1080919"/>
+              </a:xfrm>
+              <a:prstGeom prst="straightConnector1">
+                <a:avLst/>
+              </a:prstGeom>
+              <a:ln w="28575">
+                <a:solidFill>
+                  <a:srgbClr val="00B050"/>
+                </a:solidFill>
+                <a:headEnd type="triangle" w="med" len="med"/>
+                <a:tailEnd type="none" w="med" len="med"/>
+              </a:ln>
+            </p:spPr>
+            <p:style>
+              <a:lnRef idx="2">
+                <a:schemeClr val="accent1"/>
+              </a:lnRef>
+              <a:fillRef idx="0">
+                <a:schemeClr val="accent1"/>
+              </a:fillRef>
+              <a:effectRef idx="1">
+                <a:schemeClr val="accent1"/>
+              </a:effectRef>
+              <a:fontRef idx="minor">
+                <a:schemeClr val="tx1"/>
+              </a:fontRef>
+            </p:style>
+          </p:cxnSp>
+          <p:cxnSp>
+            <p:nvCxnSpPr>
+              <p:cNvPr id="151" name="Straight Arrow Connector 150">
+                <a:extLst>
+                  <a:ext uri="{FF2B5EF4-FFF2-40B4-BE49-F238E27FC236}">
+                    <a16:creationId xmlns:a16="http://schemas.microsoft.com/office/drawing/2014/main" id="{93C36629-4892-DEB6-C290-072BE5AD69CF}"/>
+                  </a:ext>
+                </a:extLst>
+              </p:cNvPr>
+              <p:cNvCxnSpPr>
+                <a:cxnSpLocks/>
+                <a:stCxn id="116" idx="0"/>
+                <a:endCxn id="137" idx="2"/>
+              </p:cNvCxnSpPr>
+              <p:nvPr/>
+            </p:nvCxnSpPr>
+            <p:spPr>
+              <a:xfrm flipV="1">
+                <a:off x="10673185" y="3115241"/>
+                <a:ext cx="0" cy="1078830"/>
+              </a:xfrm>
+              <a:prstGeom prst="straightConnector1">
+                <a:avLst/>
+              </a:prstGeom>
+              <a:ln w="28575">
+                <a:solidFill>
+                  <a:srgbClr val="00B050"/>
+                </a:solidFill>
+                <a:headEnd type="triangle" w="med" len="med"/>
+                <a:tailEnd type="none" w="med" len="med"/>
+              </a:ln>
+            </p:spPr>
+            <p:style>
+              <a:lnRef idx="2">
+                <a:schemeClr val="accent1"/>
+              </a:lnRef>
+              <a:fillRef idx="0">
+                <a:schemeClr val="accent1"/>
+              </a:fillRef>
+              <a:effectRef idx="1">
+                <a:schemeClr val="accent1"/>
+              </a:effectRef>
+              <a:fontRef idx="minor">
+                <a:schemeClr val="tx1"/>
+              </a:fontRef>
+            </p:style>
+          </p:cxnSp>
+          <p:cxnSp>
+            <p:nvCxnSpPr>
+              <p:cNvPr id="152" name="Straight Arrow Connector 151">
+                <a:extLst>
+                  <a:ext uri="{FF2B5EF4-FFF2-40B4-BE49-F238E27FC236}">
+                    <a16:creationId xmlns:a16="http://schemas.microsoft.com/office/drawing/2014/main" id="{4E3BFC35-AA6C-E6BA-8601-85611C34CB36}"/>
+                  </a:ext>
+                </a:extLst>
+              </p:cNvPr>
+              <p:cNvCxnSpPr>
+                <a:cxnSpLocks/>
+                <a:stCxn id="117" idx="0"/>
+              </p:cNvCxnSpPr>
+              <p:nvPr/>
+            </p:nvCxnSpPr>
+            <p:spPr>
+              <a:xfrm flipH="1" flipV="1">
+                <a:off x="11697351" y="3115241"/>
+                <a:ext cx="2" cy="1081750"/>
+              </a:xfrm>
+              <a:prstGeom prst="straightConnector1">
+                <a:avLst/>
+              </a:prstGeom>
+              <a:ln w="28575">
+                <a:solidFill>
+                  <a:srgbClr val="00B050"/>
+                </a:solidFill>
+                <a:headEnd type="triangle" w="med" len="med"/>
+                <a:tailEnd type="none" w="med" len="med"/>
+              </a:ln>
+            </p:spPr>
+            <p:style>
+              <a:lnRef idx="2">
+                <a:schemeClr val="accent1"/>
+              </a:lnRef>
+              <a:fillRef idx="0">
+                <a:schemeClr val="accent1"/>
+              </a:fillRef>
+              <a:effectRef idx="1">
+                <a:schemeClr val="accent1"/>
+              </a:effectRef>
+              <a:fontRef idx="minor">
+                <a:schemeClr val="tx1"/>
+              </a:fontRef>
+            </p:style>
+          </p:cxnSp>
+          <p:cxnSp>
+            <p:nvCxnSpPr>
+              <p:cNvPr id="153" name="Straight Arrow Connector 152">
+                <a:extLst>
+                  <a:ext uri="{FF2B5EF4-FFF2-40B4-BE49-F238E27FC236}">
+                    <a16:creationId xmlns:a16="http://schemas.microsoft.com/office/drawing/2014/main" id="{FF322CAF-D77A-1EF9-827C-DA68C50D9404}"/>
+                  </a:ext>
+                </a:extLst>
+              </p:cNvPr>
+              <p:cNvCxnSpPr>
+                <a:cxnSpLocks/>
+                <a:stCxn id="118" idx="0"/>
+              </p:cNvCxnSpPr>
+              <p:nvPr/>
+            </p:nvCxnSpPr>
+            <p:spPr>
+              <a:xfrm flipH="1" flipV="1">
+                <a:off x="12721519" y="3121006"/>
+                <a:ext cx="3" cy="1078830"/>
+              </a:xfrm>
+              <a:prstGeom prst="straightConnector1">
+                <a:avLst/>
+              </a:prstGeom>
+              <a:ln w="28575">
+                <a:solidFill>
+                  <a:srgbClr val="00B050"/>
+                </a:solidFill>
+                <a:headEnd type="triangle" w="med" len="med"/>
+                <a:tailEnd type="none" w="med" len="med"/>
+              </a:ln>
+            </p:spPr>
+            <p:style>
+              <a:lnRef idx="2">
+                <a:schemeClr val="accent1"/>
+              </a:lnRef>
+              <a:fillRef idx="0">
+                <a:schemeClr val="accent1"/>
+              </a:fillRef>
+              <a:effectRef idx="1">
+                <a:schemeClr val="accent1"/>
+              </a:effectRef>
+              <a:fontRef idx="minor">
+                <a:schemeClr val="tx1"/>
+              </a:fontRef>
+            </p:style>
+          </p:cxnSp>
+          <p:sp>
+            <p:nvSpPr>
+              <p:cNvPr id="154" name="TextBox 153">
+                <a:extLst>
+                  <a:ext uri="{FF2B5EF4-FFF2-40B4-BE49-F238E27FC236}">
+                    <a16:creationId xmlns:a16="http://schemas.microsoft.com/office/drawing/2014/main" id="{E373945B-89DC-3537-4C8A-30470E5B3B85}"/>
+                  </a:ext>
+                </a:extLst>
+              </p:cNvPr>
+              <p:cNvSpPr txBox="1"/>
+              <p:nvPr/>
+            </p:nvSpPr>
+            <p:spPr>
+              <a:xfrm>
+                <a:off x="7582566" y="2452367"/>
+                <a:ext cx="1047594" cy="276999"/>
+              </a:xfrm>
+              <a:prstGeom prst="rect">
+                <a:avLst/>
+              </a:prstGeom>
+              <a:noFill/>
+            </p:spPr>
+            <p:txBody>
+              <a:bodyPr wrap="square" rtlCol="0">
+                <a:spAutoFit/>
+              </a:bodyPr>
+              <a:lstStyle/>
+              <a:p>
+                <a:r>
+                  <a:rPr lang="en-US" sz="1200" dirty="0"/>
+                  <a:t>LSTM Layer 1</a:t>
+                </a:r>
+              </a:p>
+            </p:txBody>
+          </p:sp>
+          <p:sp>
+            <p:nvSpPr>
+              <p:cNvPr id="155" name="TextBox 154">
+                <a:extLst>
+                  <a:ext uri="{FF2B5EF4-FFF2-40B4-BE49-F238E27FC236}">
+                    <a16:creationId xmlns:a16="http://schemas.microsoft.com/office/drawing/2014/main" id="{941EC1F4-5371-36FA-EE5B-51DBFF9BBF7F}"/>
+                  </a:ext>
+                </a:extLst>
+              </p:cNvPr>
+              <p:cNvSpPr txBox="1"/>
+              <p:nvPr/>
+            </p:nvSpPr>
+            <p:spPr>
+              <a:xfrm>
+                <a:off x="7600682" y="5127691"/>
+                <a:ext cx="1047594" cy="276999"/>
+              </a:xfrm>
+              <a:prstGeom prst="rect">
+                <a:avLst/>
+              </a:prstGeom>
+              <a:noFill/>
+            </p:spPr>
+            <p:txBody>
+              <a:bodyPr wrap="none" rtlCol="0">
+                <a:spAutoFit/>
+              </a:bodyPr>
+              <a:lstStyle>
+                <a:defPPr>
+                  <a:defRPr lang="en-US"/>
+                </a:defPPr>
+                <a:lvl1pPr>
+                  <a:defRPr sz="1200"/>
+                </a:lvl1pPr>
+              </a:lstStyle>
+              <a:p>
+                <a:r>
+                  <a:rPr lang="en-US" dirty="0"/>
+                  <a:t>LSTM Layer 3</a:t>
+                </a:r>
+              </a:p>
+            </p:txBody>
+          </p:sp>
+          <p:sp>
+            <p:nvSpPr>
+              <p:cNvPr id="156" name="TextBox 155">
+                <a:extLst>
+                  <a:ext uri="{FF2B5EF4-FFF2-40B4-BE49-F238E27FC236}">
+                    <a16:creationId xmlns:a16="http://schemas.microsoft.com/office/drawing/2014/main" id="{4805488F-CD02-220F-FFCD-D0245382D6E8}"/>
+                  </a:ext>
+                </a:extLst>
+              </p:cNvPr>
+              <p:cNvSpPr txBox="1"/>
+              <p:nvPr/>
+            </p:nvSpPr>
+            <p:spPr>
+              <a:xfrm>
+                <a:off x="7582566" y="6181963"/>
+                <a:ext cx="1607181" cy="369332"/>
+              </a:xfrm>
+              <a:prstGeom prst="rect">
+                <a:avLst/>
+              </a:prstGeom>
+              <a:noFill/>
+            </p:spPr>
+            <p:txBody>
+              <a:bodyPr wrap="square" rtlCol="0">
+                <a:spAutoFit/>
+              </a:bodyPr>
+              <a:lstStyle/>
+              <a:p>
+                <a:r>
+                  <a:rPr lang="en-US" b="1" dirty="0"/>
+                  <a:t>LSTM Model</a:t>
+                </a:r>
+              </a:p>
+            </p:txBody>
+          </p:sp>
+        </p:grpSp>
+        <p:sp>
+          <p:nvSpPr>
+            <p:cNvPr id="160" name="Rectangle: Rounded Corners 15">
+              <a:extLst>
+                <a:ext uri="{FF2B5EF4-FFF2-40B4-BE49-F238E27FC236}">
+                  <a16:creationId xmlns:a16="http://schemas.microsoft.com/office/drawing/2014/main" id="{4717AAAA-A215-E5A4-2790-146815CC8B44}"/>
+                </a:ext>
+              </a:extLst>
+            </p:cNvPr>
+            <p:cNvSpPr/>
+            <p:nvPr/>
+          </p:nvSpPr>
+          <p:spPr>
+            <a:xfrm>
+              <a:off x="10840477" y="5382003"/>
+              <a:ext cx="1608955" cy="301950"/>
             </a:xfrm>
             <a:prstGeom prst="roundRect">
               <a:avLst/>
@@ -4523,18 +7310,18 @@
             <a:p>
               <a:pPr algn="ctr"/>
               <a:r>
-                <a:rPr lang="en-US" sz="1600" b="1" dirty="0"/>
-                <a:t>LSTM</a:t>
+                <a:rPr lang="en-US" sz="1400" b="1" dirty="0"/>
+                <a:t>LeakyReLu</a:t>
               </a:r>
             </a:p>
           </p:txBody>
         </p:sp>
         <p:sp>
           <p:nvSpPr>
-            <p:cNvPr id="19" name="Rectangle: Rounded Corners 18">
+            <p:cNvPr id="161" name="Rectangle: Rounded Corners 15">
               <a:extLst>
                 <a:ext uri="{FF2B5EF4-FFF2-40B4-BE49-F238E27FC236}">
-                  <a16:creationId xmlns:a16="http://schemas.microsoft.com/office/drawing/2014/main" id="{76312629-BBD3-849D-FF45-193C097935E3}"/>
+                  <a16:creationId xmlns:a16="http://schemas.microsoft.com/office/drawing/2014/main" id="{A5AA6849-F4AB-29A8-36D3-6DE41624421F}"/>
                 </a:ext>
               </a:extLst>
             </p:cNvPr>
@@ -4543,8 +7330,8 @@
           </p:nvSpPr>
           <p:spPr>
             <a:xfrm>
-              <a:off x="10290860" y="4194071"/>
-              <a:ext cx="764651" cy="301950"/>
+              <a:off x="12839471" y="5382003"/>
+              <a:ext cx="1608955" cy="301950"/>
             </a:xfrm>
             <a:prstGeom prst="roundRect">
               <a:avLst/>
@@ -4572,18 +7359,18 @@
             <a:p>
               <a:pPr algn="ctr"/>
               <a:r>
-                <a:rPr lang="en-US" sz="1600" b="1" dirty="0"/>
-                <a:t>…</a:t>
+                <a:rPr lang="en-US" sz="1400" b="1" dirty="0"/>
+                <a:t>Dropout</a:t>
               </a:r>
             </a:p>
           </p:txBody>
         </p:sp>
         <p:sp>
           <p:nvSpPr>
-            <p:cNvPr id="20" name="Rectangle: Rounded Corners 19">
+            <p:cNvPr id="162" name="Rectangle: Rounded Corners 3">
               <a:extLst>
                 <a:ext uri="{FF2B5EF4-FFF2-40B4-BE49-F238E27FC236}">
-                  <a16:creationId xmlns:a16="http://schemas.microsoft.com/office/drawing/2014/main" id="{F165AAC3-9585-DDF2-82BD-F33DEC962ED4}"/>
+                  <a16:creationId xmlns:a16="http://schemas.microsoft.com/office/drawing/2014/main" id="{1D6C6597-1AA9-DD42-72F6-2BFB1C8545CB}"/>
                 </a:ext>
               </a:extLst>
             </p:cNvPr>
@@ -4592,289 +7379,8 @@
           </p:nvSpPr>
           <p:spPr>
             <a:xfrm>
-              <a:off x="11315028" y="4196991"/>
-              <a:ext cx="764651" cy="301950"/>
-            </a:xfrm>
-            <a:prstGeom prst="roundRect">
-              <a:avLst/>
-            </a:prstGeom>
-          </p:spPr>
-          <p:style>
-            <a:lnRef idx="2">
-              <a:schemeClr val="accent1">
-                <a:shade val="15000"/>
-              </a:schemeClr>
-            </a:lnRef>
-            <a:fillRef idx="1">
-              <a:schemeClr val="accent1"/>
-            </a:fillRef>
-            <a:effectRef idx="0">
-              <a:schemeClr val="accent1"/>
-            </a:effectRef>
-            <a:fontRef idx="minor">
-              <a:schemeClr val="lt1"/>
-            </a:fontRef>
-          </p:style>
-          <p:txBody>
-            <a:bodyPr rtlCol="0" anchor="ctr"/>
-            <a:lstStyle/>
-            <a:p>
-              <a:pPr algn="ctr"/>
-              <a:r>
-                <a:rPr lang="en-US" sz="1600" b="1" dirty="0"/>
-                <a:t>LSTM</a:t>
-              </a:r>
-            </a:p>
-          </p:txBody>
-        </p:sp>
-        <p:sp>
-          <p:nvSpPr>
-            <p:cNvPr id="22" name="Rectangle: Rounded Corners 21">
-              <a:extLst>
-                <a:ext uri="{FF2B5EF4-FFF2-40B4-BE49-F238E27FC236}">
-                  <a16:creationId xmlns:a16="http://schemas.microsoft.com/office/drawing/2014/main" id="{F41F3E19-6A30-5E31-D7EC-F7E7B46BCDA1}"/>
-                </a:ext>
-              </a:extLst>
-            </p:cNvPr>
-            <p:cNvSpPr/>
-            <p:nvPr/>
-          </p:nvSpPr>
-          <p:spPr>
-            <a:xfrm>
-              <a:off x="12339196" y="4199836"/>
-              <a:ext cx="764651" cy="301950"/>
-            </a:xfrm>
-            <a:prstGeom prst="roundRect">
-              <a:avLst/>
-            </a:prstGeom>
-          </p:spPr>
-          <p:style>
-            <a:lnRef idx="2">
-              <a:schemeClr val="accent1">
-                <a:shade val="15000"/>
-              </a:schemeClr>
-            </a:lnRef>
-            <a:fillRef idx="1">
-              <a:schemeClr val="accent1"/>
-            </a:fillRef>
-            <a:effectRef idx="0">
-              <a:schemeClr val="accent1"/>
-            </a:effectRef>
-            <a:fontRef idx="minor">
-              <a:schemeClr val="lt1"/>
-            </a:fontRef>
-          </p:style>
-          <p:txBody>
-            <a:bodyPr rtlCol="0" anchor="ctr"/>
-            <a:lstStyle/>
-            <a:p>
-              <a:pPr algn="ctr"/>
-              <a:r>
-                <a:rPr lang="en-US" sz="1600" b="1" dirty="0"/>
-                <a:t>LSTM</a:t>
-              </a:r>
-            </a:p>
-          </p:txBody>
-        </p:sp>
-        <p:cxnSp>
-          <p:nvCxnSpPr>
-            <p:cNvPr id="26" name="Straight Arrow Connector 25">
-              <a:extLst>
-                <a:ext uri="{FF2B5EF4-FFF2-40B4-BE49-F238E27FC236}">
-                  <a16:creationId xmlns:a16="http://schemas.microsoft.com/office/drawing/2014/main" id="{213AA27B-57FB-9D42-6D0B-BF76BCA24822}"/>
-                </a:ext>
-              </a:extLst>
-            </p:cNvPr>
-            <p:cNvCxnSpPr>
-              <a:cxnSpLocks/>
-              <a:stCxn id="16" idx="3"/>
-              <a:endCxn id="18" idx="1"/>
-            </p:cNvCxnSpPr>
-            <p:nvPr/>
-          </p:nvCxnSpPr>
-          <p:spPr>
-            <a:xfrm>
-              <a:off x="9007175" y="4347135"/>
-              <a:ext cx="259517" cy="0"/>
-            </a:xfrm>
-            <a:prstGeom prst="straightConnector1">
-              <a:avLst/>
-            </a:prstGeom>
-            <a:ln w="28575">
-              <a:solidFill>
-                <a:schemeClr val="accent5"/>
-              </a:solidFill>
-              <a:tailEnd type="triangle"/>
-            </a:ln>
-          </p:spPr>
-          <p:style>
-            <a:lnRef idx="2">
-              <a:schemeClr val="accent1"/>
-            </a:lnRef>
-            <a:fillRef idx="0">
-              <a:schemeClr val="accent1"/>
-            </a:fillRef>
-            <a:effectRef idx="1">
-              <a:schemeClr val="accent1"/>
-            </a:effectRef>
-            <a:fontRef idx="minor">
-              <a:schemeClr val="tx1"/>
-            </a:fontRef>
-          </p:style>
-        </p:cxnSp>
-        <p:cxnSp>
-          <p:nvCxnSpPr>
-            <p:cNvPr id="29" name="Straight Arrow Connector 28">
-              <a:extLst>
-                <a:ext uri="{FF2B5EF4-FFF2-40B4-BE49-F238E27FC236}">
-                  <a16:creationId xmlns:a16="http://schemas.microsoft.com/office/drawing/2014/main" id="{76350A0A-200F-A8DC-49AD-83168FFA6CF5}"/>
-                </a:ext>
-              </a:extLst>
-            </p:cNvPr>
-            <p:cNvCxnSpPr>
-              <a:cxnSpLocks/>
-              <a:endCxn id="19" idx="1"/>
-            </p:cNvCxnSpPr>
-            <p:nvPr/>
-          </p:nvCxnSpPr>
-          <p:spPr>
-            <a:xfrm>
-              <a:off x="10031343" y="4345046"/>
-              <a:ext cx="259517" cy="0"/>
-            </a:xfrm>
-            <a:prstGeom prst="straightConnector1">
-              <a:avLst/>
-            </a:prstGeom>
-            <a:ln w="28575">
-              <a:solidFill>
-                <a:schemeClr val="accent5"/>
-              </a:solidFill>
-              <a:tailEnd type="triangle"/>
-            </a:ln>
-          </p:spPr>
-          <p:style>
-            <a:lnRef idx="2">
-              <a:schemeClr val="accent1"/>
-            </a:lnRef>
-            <a:fillRef idx="0">
-              <a:schemeClr val="accent1"/>
-            </a:fillRef>
-            <a:effectRef idx="1">
-              <a:schemeClr val="accent1"/>
-            </a:effectRef>
-            <a:fontRef idx="minor">
-              <a:schemeClr val="tx1"/>
-            </a:fontRef>
-          </p:style>
-        </p:cxnSp>
-        <p:cxnSp>
-          <p:nvCxnSpPr>
-            <p:cNvPr id="32" name="Straight Arrow Connector 31">
-              <a:extLst>
-                <a:ext uri="{FF2B5EF4-FFF2-40B4-BE49-F238E27FC236}">
-                  <a16:creationId xmlns:a16="http://schemas.microsoft.com/office/drawing/2014/main" id="{A593EA80-5CB4-6D27-A75B-6BFA9A47A99D}"/>
-                </a:ext>
-              </a:extLst>
-            </p:cNvPr>
-            <p:cNvCxnSpPr>
-              <a:cxnSpLocks/>
-              <a:stCxn id="19" idx="3"/>
-              <a:endCxn id="20" idx="1"/>
-            </p:cNvCxnSpPr>
-            <p:nvPr/>
-          </p:nvCxnSpPr>
-          <p:spPr>
-            <a:xfrm>
-              <a:off x="11055511" y="4345046"/>
-              <a:ext cx="259517" cy="2920"/>
-            </a:xfrm>
-            <a:prstGeom prst="straightConnector1">
-              <a:avLst/>
-            </a:prstGeom>
-            <a:ln w="28575">
-              <a:solidFill>
-                <a:schemeClr val="accent5"/>
-              </a:solidFill>
-              <a:tailEnd type="triangle"/>
-            </a:ln>
-          </p:spPr>
-          <p:style>
-            <a:lnRef idx="2">
-              <a:schemeClr val="accent1"/>
-            </a:lnRef>
-            <a:fillRef idx="0">
-              <a:schemeClr val="accent1"/>
-            </a:fillRef>
-            <a:effectRef idx="1">
-              <a:schemeClr val="accent1"/>
-            </a:effectRef>
-            <a:fontRef idx="minor">
-              <a:schemeClr val="tx1"/>
-            </a:fontRef>
-          </p:style>
-        </p:cxnSp>
-        <p:cxnSp>
-          <p:nvCxnSpPr>
-            <p:cNvPr id="35" name="Straight Arrow Connector 34">
-              <a:extLst>
-                <a:ext uri="{FF2B5EF4-FFF2-40B4-BE49-F238E27FC236}">
-                  <a16:creationId xmlns:a16="http://schemas.microsoft.com/office/drawing/2014/main" id="{F441F17C-4ECB-3EB5-0F9E-602A9371A400}"/>
-                </a:ext>
-              </a:extLst>
-            </p:cNvPr>
-            <p:cNvCxnSpPr>
-              <a:cxnSpLocks/>
-              <a:stCxn id="20" idx="3"/>
-              <a:endCxn id="22" idx="1"/>
-            </p:cNvCxnSpPr>
-            <p:nvPr/>
-          </p:nvCxnSpPr>
-          <p:spPr>
-            <a:xfrm>
-              <a:off x="12079679" y="4347968"/>
-              <a:ext cx="259517" cy="2845"/>
-            </a:xfrm>
-            <a:prstGeom prst="straightConnector1">
-              <a:avLst/>
-            </a:prstGeom>
-            <a:ln w="28575">
-              <a:solidFill>
-                <a:schemeClr val="accent5"/>
-              </a:solidFill>
-              <a:tailEnd type="triangle"/>
-            </a:ln>
-          </p:spPr>
-          <p:style>
-            <a:lnRef idx="2">
-              <a:schemeClr val="accent1"/>
-            </a:lnRef>
-            <a:fillRef idx="0">
-              <a:schemeClr val="accent1"/>
-            </a:fillRef>
-            <a:effectRef idx="1">
-              <a:schemeClr val="accent1"/>
-            </a:effectRef>
-            <a:fontRef idx="minor">
-              <a:schemeClr val="tx1"/>
-            </a:fontRef>
-          </p:style>
-        </p:cxnSp>
-        <p:sp>
-          <p:nvSpPr>
-            <p:cNvPr id="38" name="Rectangle: Rounded Corners 37">
-              <a:extLst>
-                <a:ext uri="{FF2B5EF4-FFF2-40B4-BE49-F238E27FC236}">
-                  <a16:creationId xmlns:a16="http://schemas.microsoft.com/office/drawing/2014/main" id="{A2F28705-1B01-DC4D-D8DE-F5B3011B7A50}"/>
-                </a:ext>
-              </a:extLst>
-            </p:cNvPr>
-            <p:cNvSpPr/>
-            <p:nvPr/>
-          </p:nvSpPr>
-          <p:spPr>
-            <a:xfrm>
-              <a:off x="7582566" y="5127689"/>
-              <a:ext cx="5939624" cy="1017766"/>
+              <a:off x="8437409" y="6667696"/>
+              <a:ext cx="6401056" cy="1017766"/>
             </a:xfrm>
             <a:prstGeom prst="roundRect">
               <a:avLst/>
@@ -4913,10 +7419,45 @@
         </p:sp>
         <p:sp>
           <p:nvSpPr>
-            <p:cNvPr id="39" name="Rectangle: Rounded Corners 38">
+            <p:cNvPr id="163" name="TextBox 162">
               <a:extLst>
                 <a:ext uri="{FF2B5EF4-FFF2-40B4-BE49-F238E27FC236}">
-                  <a16:creationId xmlns:a16="http://schemas.microsoft.com/office/drawing/2014/main" id="{7AA67A05-634A-1C5F-154B-119A4E1659D8}"/>
+                  <a16:creationId xmlns:a16="http://schemas.microsoft.com/office/drawing/2014/main" id="{8C19D5F8-A723-F9CE-8306-1D5491A3E4AE}"/>
+                </a:ext>
+              </a:extLst>
+            </p:cNvPr>
+            <p:cNvSpPr txBox="1"/>
+            <p:nvPr/>
+          </p:nvSpPr>
+          <p:spPr>
+            <a:xfrm>
+              <a:off x="8437409" y="6662591"/>
+              <a:ext cx="1032655" cy="276999"/>
+            </a:xfrm>
+            <a:prstGeom prst="rect">
+              <a:avLst/>
+            </a:prstGeom>
+            <a:noFill/>
+          </p:spPr>
+          <p:txBody>
+            <a:bodyPr wrap="none" rtlCol="0">
+              <a:spAutoFit/>
+            </a:bodyPr>
+            <a:lstStyle/>
+            <a:p>
+              <a:r>
+                <a:rPr lang="en-US" sz="1200" dirty="0"/>
+                <a:t>MLP Model 2</a:t>
+              </a:r>
+            </a:p>
+          </p:txBody>
+        </p:sp>
+        <p:sp>
+          <p:nvSpPr>
+            <p:cNvPr id="164" name="Rectangle: Rounded Corners 15">
+              <a:extLst>
+                <a:ext uri="{FF2B5EF4-FFF2-40B4-BE49-F238E27FC236}">
+                  <a16:creationId xmlns:a16="http://schemas.microsoft.com/office/drawing/2014/main" id="{7D98CEE9-D418-11E8-159C-CF4FD7B62262}"/>
                 </a:ext>
               </a:extLst>
             </p:cNvPr>
@@ -4925,8 +7466,8 @@
           </p:nvSpPr>
           <p:spPr>
             <a:xfrm>
-              <a:off x="8242524" y="5485597"/>
-              <a:ext cx="764651" cy="301950"/>
+              <a:off x="8736773" y="7019077"/>
+              <a:ext cx="1608955" cy="301950"/>
             </a:xfrm>
             <a:prstGeom prst="roundRect">
               <a:avLst/>
@@ -4954,18 +7495,18 @@
             <a:p>
               <a:pPr algn="ctr"/>
               <a:r>
-                <a:rPr lang="en-US" sz="1600" b="1" dirty="0"/>
-                <a:t>LSTM</a:t>
+                <a:rPr lang="en-US" sz="1400" b="1" dirty="0"/>
+                <a:t>Fully Connected</a:t>
               </a:r>
             </a:p>
           </p:txBody>
         </p:sp>
         <p:sp>
           <p:nvSpPr>
-            <p:cNvPr id="40" name="Rectangle: Rounded Corners 39">
+            <p:cNvPr id="165" name="Rectangle: Rounded Corners 15">
               <a:extLst>
                 <a:ext uri="{FF2B5EF4-FFF2-40B4-BE49-F238E27FC236}">
-                  <a16:creationId xmlns:a16="http://schemas.microsoft.com/office/drawing/2014/main" id="{9392A933-5179-FDAC-C5D5-149302C3E84C}"/>
+                  <a16:creationId xmlns:a16="http://schemas.microsoft.com/office/drawing/2014/main" id="{0787A227-8046-231E-D16A-EF812BCDE36F}"/>
                 </a:ext>
               </a:extLst>
             </p:cNvPr>
@@ -4974,8 +7515,8 @@
           </p:nvSpPr>
           <p:spPr>
             <a:xfrm>
-              <a:off x="9266692" y="5485597"/>
-              <a:ext cx="764651" cy="301950"/>
+              <a:off x="10840477" y="7018737"/>
+              <a:ext cx="1608955" cy="301950"/>
             </a:xfrm>
             <a:prstGeom prst="roundRect">
               <a:avLst/>
@@ -5003,18 +7544,18 @@
             <a:p>
               <a:pPr algn="ctr"/>
               <a:r>
-                <a:rPr lang="en-US" sz="1600" b="1" dirty="0"/>
-                <a:t>LSTM</a:t>
+                <a:rPr lang="en-US" sz="1400" b="1" dirty="0"/>
+                <a:t>LeakyReLu</a:t>
               </a:r>
             </a:p>
           </p:txBody>
         </p:sp>
         <p:sp>
           <p:nvSpPr>
-            <p:cNvPr id="41" name="Rectangle: Rounded Corners 40">
+            <p:cNvPr id="166" name="Rectangle: Rounded Corners 15">
               <a:extLst>
                 <a:ext uri="{FF2B5EF4-FFF2-40B4-BE49-F238E27FC236}">
-                  <a16:creationId xmlns:a16="http://schemas.microsoft.com/office/drawing/2014/main" id="{6955052F-BB96-3D6F-7882-4871BCE438A7}"/>
+                  <a16:creationId xmlns:a16="http://schemas.microsoft.com/office/drawing/2014/main" id="{B0700E3C-EEA5-677B-D3BC-15A9565CA660}"/>
                 </a:ext>
               </a:extLst>
             </p:cNvPr>
@@ -5023,8 +7564,8 @@
           </p:nvSpPr>
           <p:spPr>
             <a:xfrm>
-              <a:off x="10290860" y="5483508"/>
-              <a:ext cx="764651" cy="301950"/>
+              <a:off x="12839471" y="7018737"/>
+              <a:ext cx="1608955" cy="301950"/>
             </a:xfrm>
             <a:prstGeom prst="roundRect">
               <a:avLst/>
@@ -5052,18 +7593,18 @@
             <a:p>
               <a:pPr algn="ctr"/>
               <a:r>
-                <a:rPr lang="en-US" sz="1600" b="1" dirty="0"/>
-                <a:t>…</a:t>
+                <a:rPr lang="en-US" sz="1400" b="1" dirty="0"/>
+                <a:t>Dropout</a:t>
               </a:r>
             </a:p>
           </p:txBody>
         </p:sp>
         <p:sp>
           <p:nvSpPr>
-            <p:cNvPr id="42" name="Rectangle: Rounded Corners 41">
+            <p:cNvPr id="167" name="Rectangle: Rounded Corners 88">
               <a:extLst>
                 <a:ext uri="{FF2B5EF4-FFF2-40B4-BE49-F238E27FC236}">
-                  <a16:creationId xmlns:a16="http://schemas.microsoft.com/office/drawing/2014/main" id="{348C4BBF-B513-F47E-C34B-170DD88D851A}"/>
+                  <a16:creationId xmlns:a16="http://schemas.microsoft.com/office/drawing/2014/main" id="{6175A36E-73E5-4E02-3887-7C09D947EB53}"/>
                 </a:ext>
               </a:extLst>
             </p:cNvPr>
@@ -5072,12 +7613,18 @@
           </p:nvSpPr>
           <p:spPr>
             <a:xfrm>
-              <a:off x="11315028" y="5486428"/>
-              <a:ext cx="764651" cy="301950"/>
+              <a:off x="15489923" y="4009980"/>
+              <a:ext cx="6961801" cy="4429825"/>
             </a:xfrm>
             <a:prstGeom prst="roundRect">
               <a:avLst/>
             </a:prstGeom>
+            <a:solidFill>
+              <a:schemeClr val="accent1">
+                <a:lumMod val="20000"/>
+                <a:lumOff val="80000"/>
+              </a:schemeClr>
+            </a:solidFill>
           </p:spPr>
           <p:style>
             <a:lnRef idx="2">
@@ -5100,19 +7647,51 @@
             <a:lstStyle/>
             <a:p>
               <a:pPr algn="ctr"/>
+              <a:endParaRPr lang="en-US" sz="5183" dirty="0"/>
+            </a:p>
+          </p:txBody>
+        </p:sp>
+        <p:sp>
+          <p:nvSpPr>
+            <p:cNvPr id="171" name="TextBox 170">
+              <a:extLst>
+                <a:ext uri="{FF2B5EF4-FFF2-40B4-BE49-F238E27FC236}">
+                  <a16:creationId xmlns:a16="http://schemas.microsoft.com/office/drawing/2014/main" id="{9AAB1945-B40C-30B7-AA9C-BE441026161E}"/>
+                </a:ext>
+              </a:extLst>
+            </p:cNvPr>
+            <p:cNvSpPr txBox="1"/>
+            <p:nvPr/>
+          </p:nvSpPr>
+          <p:spPr>
+            <a:xfrm>
+              <a:off x="15925990" y="4073373"/>
+              <a:ext cx="2133150" cy="369332"/>
+            </a:xfrm>
+            <a:prstGeom prst="rect">
+              <a:avLst/>
+            </a:prstGeom>
+            <a:noFill/>
+          </p:spPr>
+          <p:txBody>
+            <a:bodyPr wrap="square" rtlCol="0">
+              <a:spAutoFit/>
+            </a:bodyPr>
+            <a:lstStyle/>
+            <a:p>
               <a:r>
-                <a:rPr lang="en-US" sz="1600" b="1" dirty="0"/>
-                <a:t>LSTM</a:t>
+                <a:rPr lang="en-US" b="1" dirty="0"/>
+                <a:t>Validation  Model </a:t>
               </a:r>
             </a:p>
           </p:txBody>
         </p:sp>
         <p:sp>
           <p:nvSpPr>
-            <p:cNvPr id="43" name="Rectangle: Rounded Corners 42">
+            <p:cNvPr id="179" name="Rectangle: Rounded Corners 3">
               <a:extLst>
                 <a:ext uri="{FF2B5EF4-FFF2-40B4-BE49-F238E27FC236}">
-                  <a16:creationId xmlns:a16="http://schemas.microsoft.com/office/drawing/2014/main" id="{5475036F-EC6B-D04A-510B-C08DEFAFB88E}"/>
+                  <a16:creationId xmlns:a16="http://schemas.microsoft.com/office/drawing/2014/main" id="{E26724F1-236E-BAD0-A40E-EC83039EE382}"/>
                 </a:ext>
               </a:extLst>
             </p:cNvPr>
@@ -5121,240 +7700,8 @@
           </p:nvSpPr>
           <p:spPr>
             <a:xfrm>
-              <a:off x="12339196" y="5489273"/>
-              <a:ext cx="764651" cy="301950"/>
-            </a:xfrm>
-            <a:prstGeom prst="roundRect">
-              <a:avLst/>
-            </a:prstGeom>
-          </p:spPr>
-          <p:style>
-            <a:lnRef idx="2">
-              <a:schemeClr val="accent1">
-                <a:shade val="15000"/>
-              </a:schemeClr>
-            </a:lnRef>
-            <a:fillRef idx="1">
-              <a:schemeClr val="accent1"/>
-            </a:fillRef>
-            <a:effectRef idx="0">
-              <a:schemeClr val="accent1"/>
-            </a:effectRef>
-            <a:fontRef idx="minor">
-              <a:schemeClr val="lt1"/>
-            </a:fontRef>
-          </p:style>
-          <p:txBody>
-            <a:bodyPr rtlCol="0" anchor="ctr"/>
-            <a:lstStyle/>
-            <a:p>
-              <a:pPr algn="ctr"/>
-              <a:r>
-                <a:rPr lang="en-US" sz="1600" b="1" dirty="0"/>
-                <a:t>LSTM</a:t>
-              </a:r>
-            </a:p>
-          </p:txBody>
-        </p:sp>
-        <p:cxnSp>
-          <p:nvCxnSpPr>
-            <p:cNvPr id="44" name="Straight Arrow Connector 43">
-              <a:extLst>
-                <a:ext uri="{FF2B5EF4-FFF2-40B4-BE49-F238E27FC236}">
-                  <a16:creationId xmlns:a16="http://schemas.microsoft.com/office/drawing/2014/main" id="{2F3CAF24-EFFD-3177-2C36-E21B98124014}"/>
-                </a:ext>
-              </a:extLst>
-            </p:cNvPr>
-            <p:cNvCxnSpPr>
-              <a:cxnSpLocks/>
-              <a:stCxn id="39" idx="3"/>
-              <a:endCxn id="40" idx="1"/>
-            </p:cNvCxnSpPr>
-            <p:nvPr/>
-          </p:nvCxnSpPr>
-          <p:spPr>
-            <a:xfrm>
-              <a:off x="9007175" y="5636572"/>
-              <a:ext cx="259517" cy="0"/>
-            </a:xfrm>
-            <a:prstGeom prst="straightConnector1">
-              <a:avLst/>
-            </a:prstGeom>
-            <a:ln w="28575">
-              <a:solidFill>
-                <a:schemeClr val="accent5"/>
-              </a:solidFill>
-              <a:tailEnd type="triangle"/>
-            </a:ln>
-          </p:spPr>
-          <p:style>
-            <a:lnRef idx="2">
-              <a:schemeClr val="accent1"/>
-            </a:lnRef>
-            <a:fillRef idx="0">
-              <a:schemeClr val="accent1"/>
-            </a:fillRef>
-            <a:effectRef idx="1">
-              <a:schemeClr val="accent1"/>
-            </a:effectRef>
-            <a:fontRef idx="minor">
-              <a:schemeClr val="tx1"/>
-            </a:fontRef>
-          </p:style>
-        </p:cxnSp>
-        <p:cxnSp>
-          <p:nvCxnSpPr>
-            <p:cNvPr id="45" name="Straight Arrow Connector 44">
-              <a:extLst>
-                <a:ext uri="{FF2B5EF4-FFF2-40B4-BE49-F238E27FC236}">
-                  <a16:creationId xmlns:a16="http://schemas.microsoft.com/office/drawing/2014/main" id="{66C3957A-2808-3475-3B53-37099B5F1C27}"/>
-                </a:ext>
-              </a:extLst>
-            </p:cNvPr>
-            <p:cNvCxnSpPr>
-              <a:cxnSpLocks/>
-              <a:endCxn id="41" idx="1"/>
-            </p:cNvCxnSpPr>
-            <p:nvPr/>
-          </p:nvCxnSpPr>
-          <p:spPr>
-            <a:xfrm>
-              <a:off x="10031343" y="5634483"/>
-              <a:ext cx="259517" cy="0"/>
-            </a:xfrm>
-            <a:prstGeom prst="straightConnector1">
-              <a:avLst/>
-            </a:prstGeom>
-            <a:ln w="28575">
-              <a:solidFill>
-                <a:schemeClr val="accent5"/>
-              </a:solidFill>
-              <a:tailEnd type="triangle"/>
-            </a:ln>
-          </p:spPr>
-          <p:style>
-            <a:lnRef idx="2">
-              <a:schemeClr val="accent1"/>
-            </a:lnRef>
-            <a:fillRef idx="0">
-              <a:schemeClr val="accent1"/>
-            </a:fillRef>
-            <a:effectRef idx="1">
-              <a:schemeClr val="accent1"/>
-            </a:effectRef>
-            <a:fontRef idx="minor">
-              <a:schemeClr val="tx1"/>
-            </a:fontRef>
-          </p:style>
-        </p:cxnSp>
-        <p:cxnSp>
-          <p:nvCxnSpPr>
-            <p:cNvPr id="46" name="Straight Arrow Connector 45">
-              <a:extLst>
-                <a:ext uri="{FF2B5EF4-FFF2-40B4-BE49-F238E27FC236}">
-                  <a16:creationId xmlns:a16="http://schemas.microsoft.com/office/drawing/2014/main" id="{2D64EBEA-0367-0EBF-D7B7-DDD2A5C1801F}"/>
-                </a:ext>
-              </a:extLst>
-            </p:cNvPr>
-            <p:cNvCxnSpPr>
-              <a:cxnSpLocks/>
-              <a:stCxn id="41" idx="3"/>
-              <a:endCxn id="42" idx="1"/>
-            </p:cNvCxnSpPr>
-            <p:nvPr/>
-          </p:nvCxnSpPr>
-          <p:spPr>
-            <a:xfrm>
-              <a:off x="11055511" y="5634483"/>
-              <a:ext cx="259517" cy="2920"/>
-            </a:xfrm>
-            <a:prstGeom prst="straightConnector1">
-              <a:avLst/>
-            </a:prstGeom>
-            <a:ln w="28575">
-              <a:solidFill>
-                <a:schemeClr val="accent5"/>
-              </a:solidFill>
-              <a:tailEnd type="triangle"/>
-            </a:ln>
-          </p:spPr>
-          <p:style>
-            <a:lnRef idx="2">
-              <a:schemeClr val="accent1"/>
-            </a:lnRef>
-            <a:fillRef idx="0">
-              <a:schemeClr val="accent1"/>
-            </a:fillRef>
-            <a:effectRef idx="1">
-              <a:schemeClr val="accent1"/>
-            </a:effectRef>
-            <a:fontRef idx="minor">
-              <a:schemeClr val="tx1"/>
-            </a:fontRef>
-          </p:style>
-        </p:cxnSp>
-        <p:cxnSp>
-          <p:nvCxnSpPr>
-            <p:cNvPr id="47" name="Straight Arrow Connector 46">
-              <a:extLst>
-                <a:ext uri="{FF2B5EF4-FFF2-40B4-BE49-F238E27FC236}">
-                  <a16:creationId xmlns:a16="http://schemas.microsoft.com/office/drawing/2014/main" id="{AE8DC3E9-3745-01BE-ABD8-4ABA650041F6}"/>
-                </a:ext>
-              </a:extLst>
-            </p:cNvPr>
-            <p:cNvCxnSpPr>
-              <a:cxnSpLocks/>
-              <a:stCxn id="42" idx="3"/>
-              <a:endCxn id="43" idx="1"/>
-            </p:cNvCxnSpPr>
-            <p:nvPr/>
-          </p:nvCxnSpPr>
-          <p:spPr>
-            <a:xfrm>
-              <a:off x="12079679" y="5637405"/>
-              <a:ext cx="259517" cy="2845"/>
-            </a:xfrm>
-            <a:prstGeom prst="straightConnector1">
-              <a:avLst/>
-            </a:prstGeom>
-            <a:ln w="28575">
-              <a:solidFill>
-                <a:schemeClr val="accent5"/>
-              </a:solidFill>
-              <a:tailEnd type="triangle"/>
-            </a:ln>
-          </p:spPr>
-          <p:style>
-            <a:lnRef idx="2">
-              <a:schemeClr val="accent1"/>
-            </a:lnRef>
-            <a:fillRef idx="0">
-              <a:schemeClr val="accent1"/>
-            </a:fillRef>
-            <a:effectRef idx="1">
-              <a:schemeClr val="accent1"/>
-            </a:effectRef>
-            <a:fontRef idx="minor">
-              <a:schemeClr val="tx1"/>
-            </a:fontRef>
-          </p:style>
-        </p:cxnSp>
-        <p:sp>
-          <p:nvSpPr>
-            <p:cNvPr id="48" name="Rectangle: Rounded Corners 47">
-              <a:extLst>
-                <a:ext uri="{FF2B5EF4-FFF2-40B4-BE49-F238E27FC236}">
-                  <a16:creationId xmlns:a16="http://schemas.microsoft.com/office/drawing/2014/main" id="{37350477-4A02-DB21-2AD0-FE53360117A1}"/>
-                </a:ext>
-              </a:extLst>
-            </p:cNvPr>
-            <p:cNvSpPr/>
-            <p:nvPr/>
-          </p:nvSpPr>
-          <p:spPr>
-            <a:xfrm>
-              <a:off x="7582566" y="2457472"/>
-              <a:ext cx="5939624" cy="1017766"/>
+              <a:off x="15770295" y="5025857"/>
+              <a:ext cx="6401056" cy="1017766"/>
             </a:xfrm>
             <a:prstGeom prst="roundRect">
               <a:avLst/>
@@ -5393,10 +7740,45 @@
         </p:sp>
         <p:sp>
           <p:nvSpPr>
-            <p:cNvPr id="49" name="Rectangle: Rounded Corners 48">
+            <p:cNvPr id="180" name="TextBox 179">
               <a:extLst>
                 <a:ext uri="{FF2B5EF4-FFF2-40B4-BE49-F238E27FC236}">
-                  <a16:creationId xmlns:a16="http://schemas.microsoft.com/office/drawing/2014/main" id="{5F6A67D9-9B5B-05F3-86A0-2618F2714322}"/>
+                  <a16:creationId xmlns:a16="http://schemas.microsoft.com/office/drawing/2014/main" id="{4A9A76B3-F943-FCAA-DC58-E5EA19D209C6}"/>
+                </a:ext>
+              </a:extLst>
+            </p:cNvPr>
+            <p:cNvSpPr txBox="1"/>
+            <p:nvPr/>
+          </p:nvSpPr>
+          <p:spPr>
+            <a:xfrm>
+              <a:off x="15903623" y="5049849"/>
+              <a:ext cx="1966757" cy="276999"/>
+            </a:xfrm>
+            <a:prstGeom prst="rect">
+              <a:avLst/>
+            </a:prstGeom>
+            <a:noFill/>
+          </p:spPr>
+          <p:txBody>
+            <a:bodyPr wrap="none" rtlCol="0">
+              <a:spAutoFit/>
+            </a:bodyPr>
+            <a:lstStyle/>
+            <a:p>
+              <a:r>
+                <a:rPr lang="en-US" sz="1200" dirty="0"/>
+                <a:t>Ego Vehicle Steering Angle </a:t>
+              </a:r>
+            </a:p>
+          </p:txBody>
+        </p:sp>
+        <p:sp>
+          <p:nvSpPr>
+            <p:cNvPr id="181" name="Rectangle: Rounded Corners 15">
+              <a:extLst>
+                <a:ext uri="{FF2B5EF4-FFF2-40B4-BE49-F238E27FC236}">
+                  <a16:creationId xmlns:a16="http://schemas.microsoft.com/office/drawing/2014/main" id="{09DAAF3C-B042-3A3E-C6A1-750BD4C616CF}"/>
                 </a:ext>
               </a:extLst>
             </p:cNvPr>
@@ -5405,8 +7787,8 @@
           </p:nvSpPr>
           <p:spPr>
             <a:xfrm>
-              <a:off x="8242524" y="2815380"/>
-              <a:ext cx="764651" cy="301950"/>
+              <a:off x="16061827" y="5388870"/>
+              <a:ext cx="1608955" cy="301950"/>
             </a:xfrm>
             <a:prstGeom prst="roundRect">
               <a:avLst/>
@@ -5434,18 +7816,18 @@
             <a:p>
               <a:pPr algn="ctr"/>
               <a:r>
-                <a:rPr lang="en-US" sz="1600" b="1" dirty="0"/>
-                <a:t>LSTM</a:t>
+                <a:rPr lang="en-US" sz="1400" b="1" dirty="0"/>
+                <a:t>Prediction</a:t>
               </a:r>
             </a:p>
           </p:txBody>
         </p:sp>
         <p:sp>
           <p:nvSpPr>
-            <p:cNvPr id="50" name="Rectangle: Rounded Corners 49">
+            <p:cNvPr id="182" name="Rectangle: Rounded Corners 15">
               <a:extLst>
                 <a:ext uri="{FF2B5EF4-FFF2-40B4-BE49-F238E27FC236}">
-                  <a16:creationId xmlns:a16="http://schemas.microsoft.com/office/drawing/2014/main" id="{86B6914A-9013-E75B-F143-69887415C437}"/>
+                  <a16:creationId xmlns:a16="http://schemas.microsoft.com/office/drawing/2014/main" id="{1732610A-71A5-4AFB-0E90-0C94BC0717AB}"/>
                 </a:ext>
               </a:extLst>
             </p:cNvPr>
@@ -5454,8 +7836,8 @@
           </p:nvSpPr>
           <p:spPr>
             <a:xfrm>
-              <a:off x="9266692" y="2815380"/>
-              <a:ext cx="764651" cy="301950"/>
+              <a:off x="20178478" y="5382003"/>
+              <a:ext cx="1608955" cy="301950"/>
             </a:xfrm>
             <a:prstGeom prst="roundRect">
               <a:avLst/>
@@ -5483,18 +7865,99 @@
             <a:p>
               <a:pPr algn="ctr"/>
               <a:r>
-                <a:rPr lang="en-US" sz="1600" b="1" dirty="0"/>
-                <a:t>LSTM</a:t>
+                <a:rPr lang="en-US" sz="1400" b="1" dirty="0"/>
+                <a:t>Target</a:t>
+              </a:r>
+            </a:p>
+          </p:txBody>
+        </p:sp>
+        <p:cxnSp>
+          <p:nvCxnSpPr>
+            <p:cNvPr id="183" name="Straight Arrow Connector 182">
+              <a:extLst>
+                <a:ext uri="{FF2B5EF4-FFF2-40B4-BE49-F238E27FC236}">
+                  <a16:creationId xmlns:a16="http://schemas.microsoft.com/office/drawing/2014/main" id="{49D99CC3-DDDC-7C78-306B-39B09576F01E}"/>
+                </a:ext>
+              </a:extLst>
+            </p:cNvPr>
+            <p:cNvCxnSpPr>
+              <a:cxnSpLocks/>
+              <a:endCxn id="181" idx="3"/>
+            </p:cNvCxnSpPr>
+            <p:nvPr/>
+          </p:nvCxnSpPr>
+          <p:spPr>
+            <a:xfrm flipH="1">
+              <a:off x="17670782" y="5539845"/>
+              <a:ext cx="2507696" cy="0"/>
+            </a:xfrm>
+            <a:prstGeom prst="straightConnector1">
+              <a:avLst/>
+            </a:prstGeom>
+            <a:ln w="28575">
+              <a:solidFill>
+                <a:schemeClr val="accent2"/>
+              </a:solidFill>
+              <a:headEnd type="none" w="med" len="med"/>
+              <a:tailEnd type="none" w="med" len="med"/>
+            </a:ln>
+          </p:spPr>
+          <p:style>
+            <a:lnRef idx="2">
+              <a:schemeClr val="accent1"/>
+            </a:lnRef>
+            <a:fillRef idx="0">
+              <a:schemeClr val="accent1"/>
+            </a:fillRef>
+            <a:effectRef idx="1">
+              <a:schemeClr val="accent1"/>
+            </a:effectRef>
+            <a:fontRef idx="minor">
+              <a:schemeClr val="tx1"/>
+            </a:fontRef>
+          </p:style>
+        </p:cxnSp>
+        <p:sp>
+          <p:nvSpPr>
+            <p:cNvPr id="186" name="TextBox 185">
+              <a:extLst>
+                <a:ext uri="{FF2B5EF4-FFF2-40B4-BE49-F238E27FC236}">
+                  <a16:creationId xmlns:a16="http://schemas.microsoft.com/office/drawing/2014/main" id="{080D40D7-D47B-5343-49C7-99BF3113A75A}"/>
+                </a:ext>
+              </a:extLst>
+            </p:cNvPr>
+            <p:cNvSpPr txBox="1"/>
+            <p:nvPr/>
+          </p:nvSpPr>
+          <p:spPr>
+            <a:xfrm>
+              <a:off x="18550955" y="5301862"/>
+              <a:ext cx="823046" cy="276999"/>
+            </a:xfrm>
+            <a:prstGeom prst="rect">
+              <a:avLst/>
+            </a:prstGeom>
+            <a:noFill/>
+          </p:spPr>
+          <p:txBody>
+            <a:bodyPr wrap="none" rtlCol="0">
+              <a:spAutoFit/>
+            </a:bodyPr>
+            <a:lstStyle/>
+            <a:p>
+              <a:r>
+                <a:rPr lang="en-US" sz="1200" dirty="0"/>
+                <a:t>MSE Loss</a:t>
               </a:r>
             </a:p>
           </p:txBody>
         </p:sp>
         <p:sp>
           <p:nvSpPr>
-            <p:cNvPr id="51" name="Rectangle: Rounded Corners 50">
+            <p:cNvPr id="187" name="Rectangle: Rounded Corners 3">
               <a:extLst>
                 <a:ext uri="{FF2B5EF4-FFF2-40B4-BE49-F238E27FC236}">
-                  <a16:creationId xmlns:a16="http://schemas.microsoft.com/office/drawing/2014/main" id="{E8A091D6-E807-373F-1E99-4D6BC0DD88C6}"/>
+                  <a16:creationId xmlns:a16="http://schemas.microsoft.com/office/drawing/2014/main" id="{7A10EB43-E1C4-EBDF-D891-9F8E34891C5B}"/>
                 </a:ext>
               </a:extLst>
             </p:cNvPr>
@@ -5503,8 +7966,95 @@
           </p:nvSpPr>
           <p:spPr>
             <a:xfrm>
-              <a:off x="10290860" y="2813291"/>
-              <a:ext cx="764651" cy="301950"/>
+              <a:off x="15770295" y="6655244"/>
+              <a:ext cx="6401056" cy="1017766"/>
+            </a:xfrm>
+            <a:prstGeom prst="roundRect">
+              <a:avLst/>
+            </a:prstGeom>
+            <a:solidFill>
+              <a:schemeClr val="tx2">
+                <a:lumMod val="10000"/>
+                <a:lumOff val="90000"/>
+              </a:schemeClr>
+            </a:solidFill>
+          </p:spPr>
+          <p:style>
+            <a:lnRef idx="2">
+              <a:schemeClr val="accent1">
+                <a:shade val="15000"/>
+              </a:schemeClr>
+            </a:lnRef>
+            <a:fillRef idx="1">
+              <a:schemeClr val="accent1"/>
+            </a:fillRef>
+            <a:effectRef idx="0">
+              <a:schemeClr val="accent1"/>
+            </a:effectRef>
+            <a:fontRef idx="minor">
+              <a:schemeClr val="lt1"/>
+            </a:fontRef>
+          </p:style>
+          <p:txBody>
+            <a:bodyPr rtlCol="0" anchor="ctr"/>
+            <a:lstStyle/>
+            <a:p>
+              <a:pPr algn="ctr"/>
+              <a:endParaRPr lang="en-US" sz="5183"/>
+            </a:p>
+          </p:txBody>
+        </p:sp>
+        <p:sp>
+          <p:nvSpPr>
+            <p:cNvPr id="188" name="TextBox 187">
+              <a:extLst>
+                <a:ext uri="{FF2B5EF4-FFF2-40B4-BE49-F238E27FC236}">
+                  <a16:creationId xmlns:a16="http://schemas.microsoft.com/office/drawing/2014/main" id="{A3684025-00D9-A750-09D3-A5F9BDD2474B}"/>
+                </a:ext>
+              </a:extLst>
+            </p:cNvPr>
+            <p:cNvSpPr txBox="1"/>
+            <p:nvPr/>
+          </p:nvSpPr>
+          <p:spPr>
+            <a:xfrm>
+              <a:off x="15903623" y="6679236"/>
+              <a:ext cx="1539396" cy="276999"/>
+            </a:xfrm>
+            <a:prstGeom prst="rect">
+              <a:avLst/>
+            </a:prstGeom>
+            <a:noFill/>
+          </p:spPr>
+          <p:txBody>
+            <a:bodyPr wrap="none" rtlCol="0">
+              <a:spAutoFit/>
+            </a:bodyPr>
+            <a:lstStyle/>
+            <a:p>
+              <a:r>
+                <a:rPr lang="en-US" sz="1200" dirty="0"/>
+                <a:t>Ego Vehicle Velocity</a:t>
+              </a:r>
+            </a:p>
+          </p:txBody>
+        </p:sp>
+        <p:sp>
+          <p:nvSpPr>
+            <p:cNvPr id="189" name="Rectangle: Rounded Corners 15">
+              <a:extLst>
+                <a:ext uri="{FF2B5EF4-FFF2-40B4-BE49-F238E27FC236}">
+                  <a16:creationId xmlns:a16="http://schemas.microsoft.com/office/drawing/2014/main" id="{1E534033-0C2A-1CD5-9B13-A76D229A85A7}"/>
+                </a:ext>
+              </a:extLst>
+            </p:cNvPr>
+            <p:cNvSpPr/>
+            <p:nvPr/>
+          </p:nvSpPr>
+          <p:spPr>
+            <a:xfrm>
+              <a:off x="16061827" y="7018257"/>
+              <a:ext cx="1608955" cy="301950"/>
             </a:xfrm>
             <a:prstGeom prst="roundRect">
               <a:avLst/>
@@ -5532,18 +8082,18 @@
             <a:p>
               <a:pPr algn="ctr"/>
               <a:r>
-                <a:rPr lang="en-US" sz="1600" b="1" dirty="0"/>
-                <a:t>…</a:t>
+                <a:rPr lang="en-US" sz="1400" b="1" dirty="0"/>
+                <a:t>Prediction</a:t>
               </a:r>
             </a:p>
           </p:txBody>
         </p:sp>
         <p:sp>
           <p:nvSpPr>
-            <p:cNvPr id="52" name="Rectangle: Rounded Corners 51">
+            <p:cNvPr id="190" name="Rectangle: Rounded Corners 15">
               <a:extLst>
                 <a:ext uri="{FF2B5EF4-FFF2-40B4-BE49-F238E27FC236}">
-                  <a16:creationId xmlns:a16="http://schemas.microsoft.com/office/drawing/2014/main" id="{17251E13-01DF-C685-F5AD-B4F9766B917B}"/>
+                  <a16:creationId xmlns:a16="http://schemas.microsoft.com/office/drawing/2014/main" id="{770AA28E-1126-BE48-2DF4-57B31BA76E27}"/>
                 </a:ext>
               </a:extLst>
             </p:cNvPr>
@@ -5552,8 +8102,8 @@
           </p:nvSpPr>
           <p:spPr>
             <a:xfrm>
-              <a:off x="11315028" y="2816211"/>
-              <a:ext cx="764651" cy="301950"/>
+              <a:off x="20178478" y="7011390"/>
+              <a:ext cx="1608955" cy="301950"/>
             </a:xfrm>
             <a:prstGeom prst="roundRect">
               <a:avLst/>
@@ -5581,682 +8131,41 @@
             <a:p>
               <a:pPr algn="ctr"/>
               <a:r>
-                <a:rPr lang="en-US" sz="1600" b="1" dirty="0"/>
-                <a:t>LSTM</a:t>
-              </a:r>
-            </a:p>
-          </p:txBody>
-        </p:sp>
-        <p:sp>
-          <p:nvSpPr>
-            <p:cNvPr id="53" name="Rectangle: Rounded Corners 52">
-              <a:extLst>
-                <a:ext uri="{FF2B5EF4-FFF2-40B4-BE49-F238E27FC236}">
-                  <a16:creationId xmlns:a16="http://schemas.microsoft.com/office/drawing/2014/main" id="{F176E8BD-3AE9-1E8B-322F-B0B915CC69E2}"/>
-                </a:ext>
-              </a:extLst>
-            </p:cNvPr>
-            <p:cNvSpPr/>
-            <p:nvPr/>
-          </p:nvSpPr>
-          <p:spPr>
-            <a:xfrm>
-              <a:off x="12339196" y="2819056"/>
-              <a:ext cx="764651" cy="301950"/>
-            </a:xfrm>
-            <a:prstGeom prst="roundRect">
-              <a:avLst/>
-            </a:prstGeom>
-          </p:spPr>
-          <p:style>
-            <a:lnRef idx="2">
-              <a:schemeClr val="accent1">
-                <a:shade val="15000"/>
-              </a:schemeClr>
-            </a:lnRef>
-            <a:fillRef idx="1">
-              <a:schemeClr val="accent1"/>
-            </a:fillRef>
-            <a:effectRef idx="0">
-              <a:schemeClr val="accent1"/>
-            </a:effectRef>
-            <a:fontRef idx="minor">
-              <a:schemeClr val="lt1"/>
-            </a:fontRef>
-          </p:style>
-          <p:txBody>
-            <a:bodyPr rtlCol="0" anchor="ctr"/>
-            <a:lstStyle/>
-            <a:p>
-              <a:pPr algn="ctr"/>
-              <a:r>
-                <a:rPr lang="en-US" sz="1600" b="1" dirty="0"/>
-                <a:t>LSTM</a:t>
+                <a:rPr lang="en-US" sz="1400" b="1" dirty="0"/>
+                <a:t>Target</a:t>
               </a:r>
             </a:p>
           </p:txBody>
         </p:sp>
         <p:cxnSp>
           <p:nvCxnSpPr>
-            <p:cNvPr id="54" name="Straight Arrow Connector 53">
+            <p:cNvPr id="191" name="Straight Arrow Connector 190">
               <a:extLst>
                 <a:ext uri="{FF2B5EF4-FFF2-40B4-BE49-F238E27FC236}">
-                  <a16:creationId xmlns:a16="http://schemas.microsoft.com/office/drawing/2014/main" id="{688F6970-13E8-A9FE-CCB5-4AFE99AF270F}"/>
+                  <a16:creationId xmlns:a16="http://schemas.microsoft.com/office/drawing/2014/main" id="{1C4E5735-A31D-5165-B1AC-2DA1BC919733}"/>
                 </a:ext>
               </a:extLst>
             </p:cNvPr>
             <p:cNvCxnSpPr>
               <a:cxnSpLocks/>
-              <a:stCxn id="49" idx="3"/>
-              <a:endCxn id="50" idx="1"/>
+              <a:endCxn id="189" idx="3"/>
             </p:cNvCxnSpPr>
             <p:nvPr/>
           </p:nvCxnSpPr>
           <p:spPr>
-            <a:xfrm>
-              <a:off x="9007175" y="2966355"/>
-              <a:ext cx="259517" cy="0"/>
+            <a:xfrm flipH="1">
+              <a:off x="17670782" y="7169232"/>
+              <a:ext cx="2507696" cy="0"/>
             </a:xfrm>
             <a:prstGeom prst="straightConnector1">
               <a:avLst/>
             </a:prstGeom>
             <a:ln w="28575">
               <a:solidFill>
-                <a:schemeClr val="accent5"/>
+                <a:schemeClr val="accent2"/>
               </a:solidFill>
-              <a:tailEnd type="triangle"/>
-            </a:ln>
-          </p:spPr>
-          <p:style>
-            <a:lnRef idx="2">
-              <a:schemeClr val="accent1"/>
-            </a:lnRef>
-            <a:fillRef idx="0">
-              <a:schemeClr val="accent1"/>
-            </a:fillRef>
-            <a:effectRef idx="1">
-              <a:schemeClr val="accent1"/>
-            </a:effectRef>
-            <a:fontRef idx="minor">
-              <a:schemeClr val="tx1"/>
-            </a:fontRef>
-          </p:style>
-        </p:cxnSp>
-        <p:cxnSp>
-          <p:nvCxnSpPr>
-            <p:cNvPr id="55" name="Straight Arrow Connector 54">
-              <a:extLst>
-                <a:ext uri="{FF2B5EF4-FFF2-40B4-BE49-F238E27FC236}">
-                  <a16:creationId xmlns:a16="http://schemas.microsoft.com/office/drawing/2014/main" id="{32CFF806-25CE-0D46-91CC-2A38F2CC6EA9}"/>
-                </a:ext>
-              </a:extLst>
-            </p:cNvPr>
-            <p:cNvCxnSpPr>
-              <a:cxnSpLocks/>
-              <a:endCxn id="51" idx="1"/>
-            </p:cNvCxnSpPr>
-            <p:nvPr/>
-          </p:nvCxnSpPr>
-          <p:spPr>
-            <a:xfrm>
-              <a:off x="10031343" y="2964266"/>
-              <a:ext cx="259517" cy="0"/>
-            </a:xfrm>
-            <a:prstGeom prst="straightConnector1">
-              <a:avLst/>
-            </a:prstGeom>
-            <a:ln w="28575">
-              <a:solidFill>
-                <a:schemeClr val="accent5"/>
-              </a:solidFill>
-              <a:tailEnd type="triangle"/>
-            </a:ln>
-          </p:spPr>
-          <p:style>
-            <a:lnRef idx="2">
-              <a:schemeClr val="accent1"/>
-            </a:lnRef>
-            <a:fillRef idx="0">
-              <a:schemeClr val="accent1"/>
-            </a:fillRef>
-            <a:effectRef idx="1">
-              <a:schemeClr val="accent1"/>
-            </a:effectRef>
-            <a:fontRef idx="minor">
-              <a:schemeClr val="tx1"/>
-            </a:fontRef>
-          </p:style>
-        </p:cxnSp>
-        <p:cxnSp>
-          <p:nvCxnSpPr>
-            <p:cNvPr id="56" name="Straight Arrow Connector 55">
-              <a:extLst>
-                <a:ext uri="{FF2B5EF4-FFF2-40B4-BE49-F238E27FC236}">
-                  <a16:creationId xmlns:a16="http://schemas.microsoft.com/office/drawing/2014/main" id="{FFAADCB5-B5D9-9FD3-938B-95E4E68A05AB}"/>
-                </a:ext>
-              </a:extLst>
-            </p:cNvPr>
-            <p:cNvCxnSpPr>
-              <a:cxnSpLocks/>
-              <a:stCxn id="51" idx="3"/>
-              <a:endCxn id="52" idx="1"/>
-            </p:cNvCxnSpPr>
-            <p:nvPr/>
-          </p:nvCxnSpPr>
-          <p:spPr>
-            <a:xfrm>
-              <a:off x="11055511" y="2964266"/>
-              <a:ext cx="259517" cy="2920"/>
-            </a:xfrm>
-            <a:prstGeom prst="straightConnector1">
-              <a:avLst/>
-            </a:prstGeom>
-            <a:ln w="28575">
-              <a:solidFill>
-                <a:schemeClr val="accent5"/>
-              </a:solidFill>
-              <a:tailEnd type="triangle"/>
-            </a:ln>
-          </p:spPr>
-          <p:style>
-            <a:lnRef idx="2">
-              <a:schemeClr val="accent1"/>
-            </a:lnRef>
-            <a:fillRef idx="0">
-              <a:schemeClr val="accent1"/>
-            </a:fillRef>
-            <a:effectRef idx="1">
-              <a:schemeClr val="accent1"/>
-            </a:effectRef>
-            <a:fontRef idx="minor">
-              <a:schemeClr val="tx1"/>
-            </a:fontRef>
-          </p:style>
-        </p:cxnSp>
-        <p:cxnSp>
-          <p:nvCxnSpPr>
-            <p:cNvPr id="57" name="Straight Arrow Connector 56">
-              <a:extLst>
-                <a:ext uri="{FF2B5EF4-FFF2-40B4-BE49-F238E27FC236}">
-                  <a16:creationId xmlns:a16="http://schemas.microsoft.com/office/drawing/2014/main" id="{80149048-608C-BBEB-407D-34ADFD96198D}"/>
-                </a:ext>
-              </a:extLst>
-            </p:cNvPr>
-            <p:cNvCxnSpPr>
-              <a:cxnSpLocks/>
-              <a:stCxn id="52" idx="3"/>
-              <a:endCxn id="53" idx="1"/>
-            </p:cNvCxnSpPr>
-            <p:nvPr/>
-          </p:nvCxnSpPr>
-          <p:spPr>
-            <a:xfrm>
-              <a:off x="12079679" y="2967188"/>
-              <a:ext cx="259517" cy="2845"/>
-            </a:xfrm>
-            <a:prstGeom prst="straightConnector1">
-              <a:avLst/>
-            </a:prstGeom>
-            <a:ln w="28575">
-              <a:solidFill>
-                <a:schemeClr val="accent5"/>
-              </a:solidFill>
-              <a:tailEnd type="triangle"/>
-            </a:ln>
-          </p:spPr>
-          <p:style>
-            <a:lnRef idx="2">
-              <a:schemeClr val="accent1"/>
-            </a:lnRef>
-            <a:fillRef idx="0">
-              <a:schemeClr val="accent1"/>
-            </a:fillRef>
-            <a:effectRef idx="1">
-              <a:schemeClr val="accent1"/>
-            </a:effectRef>
-            <a:fontRef idx="minor">
-              <a:schemeClr val="tx1"/>
-            </a:fontRef>
-          </p:style>
-        </p:cxnSp>
-        <p:cxnSp>
-          <p:nvCxnSpPr>
-            <p:cNvPr id="58" name="Straight Arrow Connector 57">
-              <a:extLst>
-                <a:ext uri="{FF2B5EF4-FFF2-40B4-BE49-F238E27FC236}">
-                  <a16:creationId xmlns:a16="http://schemas.microsoft.com/office/drawing/2014/main" id="{7B17458C-B391-0D58-704D-B07ADE1A9B06}"/>
-                </a:ext>
-              </a:extLst>
-            </p:cNvPr>
-            <p:cNvCxnSpPr>
-              <a:cxnSpLocks/>
-              <a:stCxn id="39" idx="0"/>
-              <a:endCxn id="16" idx="2"/>
-            </p:cNvCxnSpPr>
-            <p:nvPr/>
-          </p:nvCxnSpPr>
-          <p:spPr>
-            <a:xfrm flipV="1">
-              <a:off x="8624849" y="4498111"/>
-              <a:ext cx="0" cy="987487"/>
-            </a:xfrm>
-            <a:prstGeom prst="straightConnector1">
-              <a:avLst/>
-            </a:prstGeom>
-            <a:ln w="28575">
-              <a:solidFill>
-                <a:schemeClr val="accent5"/>
-              </a:solidFill>
-              <a:tailEnd type="triangle"/>
-            </a:ln>
-          </p:spPr>
-          <p:style>
-            <a:lnRef idx="2">
-              <a:schemeClr val="accent1"/>
-            </a:lnRef>
-            <a:fillRef idx="0">
-              <a:schemeClr val="accent1"/>
-            </a:fillRef>
-            <a:effectRef idx="1">
-              <a:schemeClr val="accent1"/>
-            </a:effectRef>
-            <a:fontRef idx="minor">
-              <a:schemeClr val="tx1"/>
-            </a:fontRef>
-          </p:style>
-        </p:cxnSp>
-        <p:cxnSp>
-          <p:nvCxnSpPr>
-            <p:cNvPr id="61" name="Straight Arrow Connector 60">
-              <a:extLst>
-                <a:ext uri="{FF2B5EF4-FFF2-40B4-BE49-F238E27FC236}">
-                  <a16:creationId xmlns:a16="http://schemas.microsoft.com/office/drawing/2014/main" id="{4DEF3455-C375-ABDA-FFB7-E7682C445C09}"/>
-                </a:ext>
-              </a:extLst>
-            </p:cNvPr>
-            <p:cNvCxnSpPr>
-              <a:cxnSpLocks/>
-              <a:stCxn id="40" idx="0"/>
-              <a:endCxn id="18" idx="2"/>
-            </p:cNvCxnSpPr>
-            <p:nvPr/>
-          </p:nvCxnSpPr>
-          <p:spPr>
-            <a:xfrm flipV="1">
-              <a:off x="9649017" y="4498111"/>
-              <a:ext cx="0" cy="987487"/>
-            </a:xfrm>
-            <a:prstGeom prst="straightConnector1">
-              <a:avLst/>
-            </a:prstGeom>
-            <a:ln w="28575">
-              <a:solidFill>
-                <a:schemeClr val="accent5"/>
-              </a:solidFill>
-              <a:tailEnd type="triangle"/>
-            </a:ln>
-          </p:spPr>
-          <p:style>
-            <a:lnRef idx="2">
-              <a:schemeClr val="accent1"/>
-            </a:lnRef>
-            <a:fillRef idx="0">
-              <a:schemeClr val="accent1"/>
-            </a:fillRef>
-            <a:effectRef idx="1">
-              <a:schemeClr val="accent1"/>
-            </a:effectRef>
-            <a:fontRef idx="minor">
-              <a:schemeClr val="tx1"/>
-            </a:fontRef>
-          </p:style>
-        </p:cxnSp>
-        <p:cxnSp>
-          <p:nvCxnSpPr>
-            <p:cNvPr id="64" name="Straight Arrow Connector 63">
-              <a:extLst>
-                <a:ext uri="{FF2B5EF4-FFF2-40B4-BE49-F238E27FC236}">
-                  <a16:creationId xmlns:a16="http://schemas.microsoft.com/office/drawing/2014/main" id="{E8D2335C-E0EF-A950-5243-BA2E95EDB0A9}"/>
-                </a:ext>
-              </a:extLst>
-            </p:cNvPr>
-            <p:cNvCxnSpPr>
-              <a:cxnSpLocks/>
-              <a:endCxn id="19" idx="2"/>
-            </p:cNvCxnSpPr>
-            <p:nvPr/>
-          </p:nvCxnSpPr>
-          <p:spPr>
-            <a:xfrm flipV="1">
-              <a:off x="10673185" y="4496023"/>
-              <a:ext cx="0" cy="987487"/>
-            </a:xfrm>
-            <a:prstGeom prst="straightConnector1">
-              <a:avLst/>
-            </a:prstGeom>
-            <a:ln w="28575">
-              <a:solidFill>
-                <a:schemeClr val="accent5"/>
-              </a:solidFill>
-              <a:tailEnd type="triangle"/>
-            </a:ln>
-          </p:spPr>
-          <p:style>
-            <a:lnRef idx="2">
-              <a:schemeClr val="accent1"/>
-            </a:lnRef>
-            <a:fillRef idx="0">
-              <a:schemeClr val="accent1"/>
-            </a:fillRef>
-            <a:effectRef idx="1">
-              <a:schemeClr val="accent1"/>
-            </a:effectRef>
-            <a:fontRef idx="minor">
-              <a:schemeClr val="tx1"/>
-            </a:fontRef>
-          </p:style>
-        </p:cxnSp>
-        <p:cxnSp>
-          <p:nvCxnSpPr>
-            <p:cNvPr id="67" name="Straight Arrow Connector 66">
-              <a:extLst>
-                <a:ext uri="{FF2B5EF4-FFF2-40B4-BE49-F238E27FC236}">
-                  <a16:creationId xmlns:a16="http://schemas.microsoft.com/office/drawing/2014/main" id="{038F7DFE-8B5A-F34A-9834-81F94AC54260}"/>
-                </a:ext>
-              </a:extLst>
-            </p:cNvPr>
-            <p:cNvCxnSpPr>
-              <a:cxnSpLocks/>
-              <a:endCxn id="20" idx="2"/>
-            </p:cNvCxnSpPr>
-            <p:nvPr/>
-          </p:nvCxnSpPr>
-          <p:spPr>
-            <a:xfrm flipV="1">
-              <a:off x="11697351" y="4498943"/>
-              <a:ext cx="2" cy="984567"/>
-            </a:xfrm>
-            <a:prstGeom prst="straightConnector1">
-              <a:avLst/>
-            </a:prstGeom>
-            <a:ln w="28575">
-              <a:solidFill>
-                <a:schemeClr val="accent5"/>
-              </a:solidFill>
-              <a:tailEnd type="triangle"/>
-            </a:ln>
-          </p:spPr>
-          <p:style>
-            <a:lnRef idx="2">
-              <a:schemeClr val="accent1"/>
-            </a:lnRef>
-            <a:fillRef idx="0">
-              <a:schemeClr val="accent1"/>
-            </a:fillRef>
-            <a:effectRef idx="1">
-              <a:schemeClr val="accent1"/>
-            </a:effectRef>
-            <a:fontRef idx="minor">
-              <a:schemeClr val="tx1"/>
-            </a:fontRef>
-          </p:style>
-        </p:cxnSp>
-        <p:cxnSp>
-          <p:nvCxnSpPr>
-            <p:cNvPr id="70" name="Straight Arrow Connector 69">
-              <a:extLst>
-                <a:ext uri="{FF2B5EF4-FFF2-40B4-BE49-F238E27FC236}">
-                  <a16:creationId xmlns:a16="http://schemas.microsoft.com/office/drawing/2014/main" id="{943C4CC1-C2F2-456C-033C-F0F3A9B2E0A6}"/>
-                </a:ext>
-              </a:extLst>
-            </p:cNvPr>
-            <p:cNvCxnSpPr>
-              <a:cxnSpLocks/>
-              <a:stCxn id="43" idx="0"/>
-              <a:endCxn id="22" idx="2"/>
-            </p:cNvCxnSpPr>
-            <p:nvPr/>
-          </p:nvCxnSpPr>
-          <p:spPr>
-            <a:xfrm flipV="1">
-              <a:off x="12721521" y="4501787"/>
-              <a:ext cx="0" cy="987487"/>
-            </a:xfrm>
-            <a:prstGeom prst="straightConnector1">
-              <a:avLst/>
-            </a:prstGeom>
-            <a:ln w="28575">
-              <a:solidFill>
-                <a:schemeClr val="accent5"/>
-              </a:solidFill>
-              <a:tailEnd type="triangle"/>
-            </a:ln>
-          </p:spPr>
-          <p:style>
-            <a:lnRef idx="2">
-              <a:schemeClr val="accent1"/>
-            </a:lnRef>
-            <a:fillRef idx="0">
-              <a:schemeClr val="accent1"/>
-            </a:fillRef>
-            <a:effectRef idx="1">
-              <a:schemeClr val="accent1"/>
-            </a:effectRef>
-            <a:fontRef idx="minor">
-              <a:schemeClr val="tx1"/>
-            </a:fontRef>
-          </p:style>
-        </p:cxnSp>
-        <p:cxnSp>
-          <p:nvCxnSpPr>
-            <p:cNvPr id="73" name="Straight Arrow Connector 72">
-              <a:extLst>
-                <a:ext uri="{FF2B5EF4-FFF2-40B4-BE49-F238E27FC236}">
-                  <a16:creationId xmlns:a16="http://schemas.microsoft.com/office/drawing/2014/main" id="{A9122D99-0244-4ED9-4BEB-0E1484FA1CF0}"/>
-                </a:ext>
-              </a:extLst>
-            </p:cNvPr>
-            <p:cNvCxnSpPr>
-              <a:cxnSpLocks/>
-              <a:stCxn id="16" idx="0"/>
-              <a:endCxn id="49" idx="2"/>
-            </p:cNvCxnSpPr>
-            <p:nvPr/>
-          </p:nvCxnSpPr>
-          <p:spPr>
-            <a:xfrm flipV="1">
-              <a:off x="8624849" y="3117330"/>
-              <a:ext cx="0" cy="1078830"/>
-            </a:xfrm>
-            <a:prstGeom prst="straightConnector1">
-              <a:avLst/>
-            </a:prstGeom>
-            <a:ln w="28575">
-              <a:solidFill>
-                <a:schemeClr val="accent5"/>
-              </a:solidFill>
-              <a:tailEnd type="triangle"/>
-            </a:ln>
-          </p:spPr>
-          <p:style>
-            <a:lnRef idx="2">
-              <a:schemeClr val="accent1"/>
-            </a:lnRef>
-            <a:fillRef idx="0">
-              <a:schemeClr val="accent1"/>
-            </a:fillRef>
-            <a:effectRef idx="1">
-              <a:schemeClr val="accent1"/>
-            </a:effectRef>
-            <a:fontRef idx="minor">
-              <a:schemeClr val="tx1"/>
-            </a:fontRef>
-          </p:style>
-        </p:cxnSp>
-        <p:cxnSp>
-          <p:nvCxnSpPr>
-            <p:cNvPr id="76" name="Straight Arrow Connector 75">
-              <a:extLst>
-                <a:ext uri="{FF2B5EF4-FFF2-40B4-BE49-F238E27FC236}">
-                  <a16:creationId xmlns:a16="http://schemas.microsoft.com/office/drawing/2014/main" id="{D65C053D-198F-FD3E-987D-8EDAC2C78DFB}"/>
-                </a:ext>
-              </a:extLst>
-            </p:cNvPr>
-            <p:cNvCxnSpPr>
-              <a:cxnSpLocks/>
-              <a:stCxn id="18" idx="0"/>
-            </p:cNvCxnSpPr>
-            <p:nvPr/>
-          </p:nvCxnSpPr>
-          <p:spPr>
-            <a:xfrm flipV="1">
-              <a:off x="9649017" y="3115243"/>
-              <a:ext cx="0" cy="1080919"/>
-            </a:xfrm>
-            <a:prstGeom prst="straightConnector1">
-              <a:avLst/>
-            </a:prstGeom>
-            <a:ln w="28575">
-              <a:solidFill>
-                <a:schemeClr val="accent5"/>
-              </a:solidFill>
-              <a:tailEnd type="triangle"/>
-            </a:ln>
-          </p:spPr>
-          <p:style>
-            <a:lnRef idx="2">
-              <a:schemeClr val="accent1"/>
-            </a:lnRef>
-            <a:fillRef idx="0">
-              <a:schemeClr val="accent1"/>
-            </a:fillRef>
-            <a:effectRef idx="1">
-              <a:schemeClr val="accent1"/>
-            </a:effectRef>
-            <a:fontRef idx="minor">
-              <a:schemeClr val="tx1"/>
-            </a:fontRef>
-          </p:style>
-        </p:cxnSp>
-        <p:cxnSp>
-          <p:nvCxnSpPr>
-            <p:cNvPr id="79" name="Straight Arrow Connector 78">
-              <a:extLst>
-                <a:ext uri="{FF2B5EF4-FFF2-40B4-BE49-F238E27FC236}">
-                  <a16:creationId xmlns:a16="http://schemas.microsoft.com/office/drawing/2014/main" id="{08EF3064-8665-A47B-9A8B-97AF2B69A5C2}"/>
-                </a:ext>
-              </a:extLst>
-            </p:cNvPr>
-            <p:cNvCxnSpPr>
-              <a:cxnSpLocks/>
-              <a:stCxn id="19" idx="0"/>
-              <a:endCxn id="51" idx="2"/>
-            </p:cNvCxnSpPr>
-            <p:nvPr/>
-          </p:nvCxnSpPr>
-          <p:spPr>
-            <a:xfrm flipV="1">
-              <a:off x="10673185" y="3115241"/>
-              <a:ext cx="0" cy="1078830"/>
-            </a:xfrm>
-            <a:prstGeom prst="straightConnector1">
-              <a:avLst/>
-            </a:prstGeom>
-            <a:ln w="28575">
-              <a:solidFill>
-                <a:schemeClr val="accent5"/>
-              </a:solidFill>
-              <a:tailEnd type="triangle"/>
-            </a:ln>
-          </p:spPr>
-          <p:style>
-            <a:lnRef idx="2">
-              <a:schemeClr val="accent1"/>
-            </a:lnRef>
-            <a:fillRef idx="0">
-              <a:schemeClr val="accent1"/>
-            </a:fillRef>
-            <a:effectRef idx="1">
-              <a:schemeClr val="accent1"/>
-            </a:effectRef>
-            <a:fontRef idx="minor">
-              <a:schemeClr val="tx1"/>
-            </a:fontRef>
-          </p:style>
-        </p:cxnSp>
-        <p:cxnSp>
-          <p:nvCxnSpPr>
-            <p:cNvPr id="82" name="Straight Arrow Connector 81">
-              <a:extLst>
-                <a:ext uri="{FF2B5EF4-FFF2-40B4-BE49-F238E27FC236}">
-                  <a16:creationId xmlns:a16="http://schemas.microsoft.com/office/drawing/2014/main" id="{54F5CBB5-F25B-AC5D-6837-4E5AC25494F3}"/>
-                </a:ext>
-              </a:extLst>
-            </p:cNvPr>
-            <p:cNvCxnSpPr>
-              <a:cxnSpLocks/>
-              <a:stCxn id="20" idx="0"/>
-            </p:cNvCxnSpPr>
-            <p:nvPr/>
-          </p:nvCxnSpPr>
-          <p:spPr>
-            <a:xfrm flipH="1" flipV="1">
-              <a:off x="11697351" y="3115241"/>
-              <a:ext cx="2" cy="1081750"/>
-            </a:xfrm>
-            <a:prstGeom prst="straightConnector1">
-              <a:avLst/>
-            </a:prstGeom>
-            <a:ln w="28575">
-              <a:solidFill>
-                <a:schemeClr val="accent5"/>
-              </a:solidFill>
-              <a:tailEnd type="triangle"/>
-            </a:ln>
-          </p:spPr>
-          <p:style>
-            <a:lnRef idx="2">
-              <a:schemeClr val="accent1"/>
-            </a:lnRef>
-            <a:fillRef idx="0">
-              <a:schemeClr val="accent1"/>
-            </a:fillRef>
-            <a:effectRef idx="1">
-              <a:schemeClr val="accent1"/>
-            </a:effectRef>
-            <a:fontRef idx="minor">
-              <a:schemeClr val="tx1"/>
-            </a:fontRef>
-          </p:style>
-        </p:cxnSp>
-        <p:cxnSp>
-          <p:nvCxnSpPr>
-            <p:cNvPr id="85" name="Straight Arrow Connector 84">
-              <a:extLst>
-                <a:ext uri="{FF2B5EF4-FFF2-40B4-BE49-F238E27FC236}">
-                  <a16:creationId xmlns:a16="http://schemas.microsoft.com/office/drawing/2014/main" id="{804F2F81-EF90-C793-B7DC-CB2D22AC9C98}"/>
-                </a:ext>
-              </a:extLst>
-            </p:cNvPr>
-            <p:cNvCxnSpPr>
-              <a:cxnSpLocks/>
-              <a:stCxn id="22" idx="0"/>
-            </p:cNvCxnSpPr>
-            <p:nvPr/>
-          </p:nvCxnSpPr>
-          <p:spPr>
-            <a:xfrm flipH="1" flipV="1">
-              <a:off x="12721519" y="3121006"/>
-              <a:ext cx="3" cy="1078830"/>
-            </a:xfrm>
-            <a:prstGeom prst="straightConnector1">
-              <a:avLst/>
-            </a:prstGeom>
-            <a:ln w="28575">
-              <a:solidFill>
-                <a:schemeClr val="accent5"/>
-              </a:solidFill>
-              <a:tailEnd type="triangle"/>
+              <a:headEnd type="none" w="med" len="med"/>
+              <a:tailEnd type="none" w="med" len="med"/>
             </a:ln>
           </p:spPr>
           <p:style>
@@ -6276,10 +8185,10 @@
         </p:cxnSp>
         <p:sp>
           <p:nvSpPr>
-            <p:cNvPr id="88" name="TextBox 87">
+            <p:cNvPr id="192" name="TextBox 191">
               <a:extLst>
                 <a:ext uri="{FF2B5EF4-FFF2-40B4-BE49-F238E27FC236}">
-                  <a16:creationId xmlns:a16="http://schemas.microsoft.com/office/drawing/2014/main" id="{56FA5AC0-15E7-6B80-6C0F-C965BE935B61}"/>
+                  <a16:creationId xmlns:a16="http://schemas.microsoft.com/office/drawing/2014/main" id="{03CC1F60-2ED9-6F79-0A81-233D05659893}"/>
                 </a:ext>
               </a:extLst>
             </p:cNvPr>
@@ -6288,43 +8197,8 @@
           </p:nvSpPr>
           <p:spPr>
             <a:xfrm>
-              <a:off x="7582566" y="2452367"/>
-              <a:ext cx="1047594" cy="276999"/>
-            </a:xfrm>
-            <a:prstGeom prst="rect">
-              <a:avLst/>
-            </a:prstGeom>
-            <a:noFill/>
-          </p:spPr>
-          <p:txBody>
-            <a:bodyPr wrap="square" rtlCol="0">
-              <a:spAutoFit/>
-            </a:bodyPr>
-            <a:lstStyle/>
-            <a:p>
-              <a:r>
-                <a:rPr lang="en-US" sz="1200" dirty="0"/>
-                <a:t>LSTM Layer 3</a:t>
-              </a:r>
-            </a:p>
-          </p:txBody>
-        </p:sp>
-        <p:sp>
-          <p:nvSpPr>
-            <p:cNvPr id="7" name="TextBox 6">
-              <a:extLst>
-                <a:ext uri="{FF2B5EF4-FFF2-40B4-BE49-F238E27FC236}">
-                  <a16:creationId xmlns:a16="http://schemas.microsoft.com/office/drawing/2014/main" id="{8EDE89A0-EC50-B209-1C90-44EDCA5C7CC1}"/>
-                </a:ext>
-              </a:extLst>
-            </p:cNvPr>
-            <p:cNvSpPr txBox="1"/>
-            <p:nvPr/>
-          </p:nvSpPr>
-          <p:spPr>
-            <a:xfrm>
-              <a:off x="7600682" y="5127691"/>
-              <a:ext cx="1047594" cy="276999"/>
+              <a:off x="18550955" y="6931249"/>
+              <a:ext cx="823046" cy="276999"/>
             </a:xfrm>
             <a:prstGeom prst="rect">
               <a:avLst/>
@@ -6335,176 +8209,934 @@
             <a:bodyPr wrap="none" rtlCol="0">
               <a:spAutoFit/>
             </a:bodyPr>
-            <a:lstStyle>
-              <a:defPPr>
-                <a:defRPr lang="en-US"/>
-              </a:defPPr>
-              <a:lvl1pPr>
-                <a:defRPr sz="1200"/>
-              </a:lvl1pPr>
-            </a:lstStyle>
+            <a:lstStyle/>
             <a:p>
               <a:r>
-                <a:rPr lang="en-US" dirty="0"/>
-                <a:t>LSTM Layer 1</a:t>
+                <a:rPr lang="en-US" sz="1200" dirty="0"/>
+                <a:t>MSE Loss</a:t>
               </a:r>
             </a:p>
           </p:txBody>
         </p:sp>
-        <p:sp>
-          <p:nvSpPr>
-            <p:cNvPr id="2" name="TextBox 1">
+        <p:cxnSp>
+          <p:nvCxnSpPr>
+            <p:cNvPr id="193" name="Straight Arrow Connector 192">
               <a:extLst>
                 <a:ext uri="{FF2B5EF4-FFF2-40B4-BE49-F238E27FC236}">
-                  <a16:creationId xmlns:a16="http://schemas.microsoft.com/office/drawing/2014/main" id="{2045D170-6F9F-5F7E-7A2F-FB620F8892AF}"/>
+                  <a16:creationId xmlns:a16="http://schemas.microsoft.com/office/drawing/2014/main" id="{ACA7C7C7-E4C2-130F-253A-777822864E81}"/>
                 </a:ext>
               </a:extLst>
             </p:cNvPr>
-            <p:cNvSpPr txBox="1"/>
+            <p:cNvCxnSpPr>
+              <a:cxnSpLocks/>
+              <a:stCxn id="34" idx="1"/>
+            </p:cNvCxnSpPr>
             <p:nvPr/>
-          </p:nvSpPr>
+          </p:nvCxnSpPr>
+          <p:spPr>
+            <a:xfrm flipH="1">
+              <a:off x="7730489" y="1139845"/>
+              <a:ext cx="881956" cy="8373"/>
+            </a:xfrm>
+            <a:prstGeom prst="straightConnector1">
+              <a:avLst/>
+            </a:prstGeom>
+            <a:ln w="28575">
+              <a:solidFill>
+                <a:schemeClr val="accent2"/>
+              </a:solidFill>
+              <a:headEnd type="triangle" w="med" len="med"/>
+              <a:tailEnd type="none" w="med" len="med"/>
+            </a:ln>
+          </p:spPr>
+          <p:style>
+            <a:lnRef idx="2">
+              <a:schemeClr val="accent1"/>
+            </a:lnRef>
+            <a:fillRef idx="0">
+              <a:schemeClr val="accent1"/>
+            </a:fillRef>
+            <a:effectRef idx="1">
+              <a:schemeClr val="accent1"/>
+            </a:effectRef>
+            <a:fontRef idx="minor">
+              <a:schemeClr val="tx1"/>
+            </a:fontRef>
+          </p:style>
+        </p:cxnSp>
+        <p:cxnSp>
+          <p:nvCxnSpPr>
+            <p:cNvPr id="197" name="Straight Arrow Connector 196">
+              <a:extLst>
+                <a:ext uri="{FF2B5EF4-FFF2-40B4-BE49-F238E27FC236}">
+                  <a16:creationId xmlns:a16="http://schemas.microsoft.com/office/drawing/2014/main" id="{37B7099A-D1B7-E56F-A34B-5E951AA265A4}"/>
+                </a:ext>
+              </a:extLst>
+            </p:cNvPr>
+            <p:cNvCxnSpPr>
+              <a:cxnSpLocks/>
+              <a:stCxn id="23" idx="1"/>
+              <a:endCxn id="34" idx="3"/>
+            </p:cNvCxnSpPr>
+            <p:nvPr/>
+          </p:nvCxnSpPr>
+          <p:spPr>
+            <a:xfrm flipH="1">
+              <a:off x="10090583" y="1139844"/>
+              <a:ext cx="806823" cy="1"/>
+            </a:xfrm>
+            <a:prstGeom prst="straightConnector1">
+              <a:avLst/>
+            </a:prstGeom>
+            <a:ln w="28575">
+              <a:solidFill>
+                <a:schemeClr val="accent2"/>
+              </a:solidFill>
+              <a:headEnd type="triangle" w="med" len="med"/>
+              <a:tailEnd type="none" w="med" len="med"/>
+            </a:ln>
+          </p:spPr>
+          <p:style>
+            <a:lnRef idx="2">
+              <a:schemeClr val="accent1"/>
+            </a:lnRef>
+            <a:fillRef idx="0">
+              <a:schemeClr val="accent1"/>
+            </a:fillRef>
+            <a:effectRef idx="1">
+              <a:schemeClr val="accent1"/>
+            </a:effectRef>
+            <a:fontRef idx="minor">
+              <a:schemeClr val="tx1"/>
+            </a:fontRef>
+          </p:style>
+        </p:cxnSp>
+        <p:cxnSp>
+          <p:nvCxnSpPr>
+            <p:cNvPr id="200" name="Straight Arrow Connector 199">
+              <a:extLst>
+                <a:ext uri="{FF2B5EF4-FFF2-40B4-BE49-F238E27FC236}">
+                  <a16:creationId xmlns:a16="http://schemas.microsoft.com/office/drawing/2014/main" id="{FCD862AE-64E5-A621-31C7-470EEE5C591C}"/>
+                </a:ext>
+              </a:extLst>
+            </p:cNvPr>
+            <p:cNvCxnSpPr>
+              <a:cxnSpLocks/>
+              <a:endCxn id="23" idx="3"/>
+            </p:cNvCxnSpPr>
+            <p:nvPr/>
+          </p:nvCxnSpPr>
+          <p:spPr>
+            <a:xfrm flipH="1">
+              <a:off x="12551916" y="1139844"/>
+              <a:ext cx="618745" cy="0"/>
+            </a:xfrm>
+            <a:prstGeom prst="straightConnector1">
+              <a:avLst/>
+            </a:prstGeom>
+            <a:ln w="28575">
+              <a:solidFill>
+                <a:schemeClr val="accent2"/>
+              </a:solidFill>
+              <a:headEnd type="triangle" w="med" len="med"/>
+              <a:tailEnd type="none" w="med" len="med"/>
+            </a:ln>
+          </p:spPr>
+          <p:style>
+            <a:lnRef idx="2">
+              <a:schemeClr val="accent1"/>
+            </a:lnRef>
+            <a:fillRef idx="0">
+              <a:schemeClr val="accent1"/>
+            </a:fillRef>
+            <a:effectRef idx="1">
+              <a:schemeClr val="accent1"/>
+            </a:effectRef>
+            <a:fontRef idx="minor">
+              <a:schemeClr val="tx1"/>
+            </a:fontRef>
+          </p:style>
+        </p:cxnSp>
+        <p:cxnSp>
+          <p:nvCxnSpPr>
+            <p:cNvPr id="203" name="Straight Arrow Connector 202">
+              <a:extLst>
+                <a:ext uri="{FF2B5EF4-FFF2-40B4-BE49-F238E27FC236}">
+                  <a16:creationId xmlns:a16="http://schemas.microsoft.com/office/drawing/2014/main" id="{86D580D6-FE2D-950C-F411-0A3E8A50D401}"/>
+                </a:ext>
+              </a:extLst>
+            </p:cNvPr>
+            <p:cNvCxnSpPr>
+              <a:cxnSpLocks/>
+              <a:stCxn id="37" idx="0"/>
+              <a:endCxn id="14" idx="2"/>
+            </p:cNvCxnSpPr>
+            <p:nvPr/>
+          </p:nvCxnSpPr>
+          <p:spPr>
+            <a:xfrm flipV="1">
+              <a:off x="14115607" y="1535768"/>
+              <a:ext cx="2400" cy="416334"/>
+            </a:xfrm>
+            <a:prstGeom prst="straightConnector1">
+              <a:avLst/>
+            </a:prstGeom>
+            <a:ln w="28575">
+              <a:solidFill>
+                <a:schemeClr val="accent2"/>
+              </a:solidFill>
+              <a:headEnd type="triangle" w="med" len="med"/>
+              <a:tailEnd type="none" w="med" len="med"/>
+            </a:ln>
+          </p:spPr>
+          <p:style>
+            <a:lnRef idx="2">
+              <a:schemeClr val="accent1"/>
+            </a:lnRef>
+            <a:fillRef idx="0">
+              <a:schemeClr val="accent1"/>
+            </a:fillRef>
+            <a:effectRef idx="1">
+              <a:schemeClr val="accent1"/>
+            </a:effectRef>
+            <a:fontRef idx="minor">
+              <a:schemeClr val="tx1"/>
+            </a:fontRef>
+          </p:style>
+        </p:cxnSp>
+        <p:cxnSp>
+          <p:nvCxnSpPr>
+            <p:cNvPr id="206" name="Straight Arrow Connector 205">
+              <a:extLst>
+                <a:ext uri="{FF2B5EF4-FFF2-40B4-BE49-F238E27FC236}">
+                  <a16:creationId xmlns:a16="http://schemas.microsoft.com/office/drawing/2014/main" id="{BC79A6FA-A57E-5FDD-2E78-C104BCCEA179}"/>
+                </a:ext>
+              </a:extLst>
+            </p:cNvPr>
+            <p:cNvCxnSpPr>
+              <a:cxnSpLocks/>
+              <a:endCxn id="37" idx="1"/>
+            </p:cNvCxnSpPr>
+            <p:nvPr/>
+          </p:nvCxnSpPr>
           <p:spPr>
             <a:xfrm>
-              <a:off x="9869594" y="2091299"/>
-              <a:ext cx="1607181" cy="369332"/>
+              <a:off x="12119941" y="2348027"/>
+              <a:ext cx="1050719" cy="1"/>
             </a:xfrm>
-            <a:prstGeom prst="rect">
+            <a:prstGeom prst="straightConnector1">
               <a:avLst/>
             </a:prstGeom>
-            <a:noFill/>
+            <a:ln w="28575">
+              <a:solidFill>
+                <a:schemeClr val="accent2"/>
+              </a:solidFill>
+              <a:headEnd type="triangle" w="med" len="med"/>
+              <a:tailEnd type="none" w="med" len="med"/>
+            </a:ln>
           </p:spPr>
-          <p:txBody>
-            <a:bodyPr wrap="square" rtlCol="0">
-              <a:spAutoFit/>
-            </a:bodyPr>
-            <a:lstStyle/>
-            <a:p>
-              <a:r>
-                <a:rPr lang="en-US" b="1" dirty="0"/>
-                <a:t>LSTM Model</a:t>
-              </a:r>
-            </a:p>
-          </p:txBody>
-        </p:sp>
+          <p:style>
+            <a:lnRef idx="2">
+              <a:schemeClr val="accent1"/>
+            </a:lnRef>
+            <a:fillRef idx="0">
+              <a:schemeClr val="accent1"/>
+            </a:fillRef>
+            <a:effectRef idx="1">
+              <a:schemeClr val="accent1"/>
+            </a:effectRef>
+            <a:fontRef idx="minor">
+              <a:schemeClr val="tx1"/>
+            </a:fontRef>
+          </p:style>
+        </p:cxnSp>
+        <p:cxnSp>
+          <p:nvCxnSpPr>
+            <p:cNvPr id="209" name="Straight Arrow Connector 208">
+              <a:extLst>
+                <a:ext uri="{FF2B5EF4-FFF2-40B4-BE49-F238E27FC236}">
+                  <a16:creationId xmlns:a16="http://schemas.microsoft.com/office/drawing/2014/main" id="{04FCB9DB-AF59-844A-E0BB-942732A64D45}"/>
+                </a:ext>
+              </a:extLst>
+            </p:cNvPr>
+            <p:cNvCxnSpPr>
+              <a:cxnSpLocks/>
+              <a:stCxn id="108" idx="3"/>
+            </p:cNvCxnSpPr>
+            <p:nvPr/>
+          </p:nvCxnSpPr>
+          <p:spPr>
+            <a:xfrm>
+              <a:off x="10084262" y="2278225"/>
+              <a:ext cx="1246646" cy="0"/>
+            </a:xfrm>
+            <a:prstGeom prst="straightConnector1">
+              <a:avLst/>
+            </a:prstGeom>
+            <a:ln w="28575">
+              <a:solidFill>
+                <a:schemeClr val="accent2"/>
+              </a:solidFill>
+              <a:headEnd type="triangle" w="med" len="med"/>
+              <a:tailEnd type="none" w="med" len="med"/>
+            </a:ln>
+          </p:spPr>
+          <p:style>
+            <a:lnRef idx="2">
+              <a:schemeClr val="accent1"/>
+            </a:lnRef>
+            <a:fillRef idx="0">
+              <a:schemeClr val="accent1"/>
+            </a:fillRef>
+            <a:effectRef idx="1">
+              <a:schemeClr val="accent1"/>
+            </a:effectRef>
+            <a:fontRef idx="minor">
+              <a:schemeClr val="tx1"/>
+            </a:fontRef>
+          </p:style>
+        </p:cxnSp>
+        <p:cxnSp>
+          <p:nvCxnSpPr>
+            <p:cNvPr id="221" name="Elbow Connector 220">
+              <a:extLst>
+                <a:ext uri="{FF2B5EF4-FFF2-40B4-BE49-F238E27FC236}">
+                  <a16:creationId xmlns:a16="http://schemas.microsoft.com/office/drawing/2014/main" id="{C0EE0A28-EEFF-FBB1-D216-42FAE5A2A669}"/>
+                </a:ext>
+              </a:extLst>
+            </p:cNvPr>
+            <p:cNvCxnSpPr>
+              <a:cxnSpLocks/>
+              <a:stCxn id="108" idx="1"/>
+              <a:endCxn id="135" idx="0"/>
+            </p:cNvCxnSpPr>
+            <p:nvPr/>
+          </p:nvCxnSpPr>
+          <p:spPr>
+            <a:xfrm rot="10800000" flipV="1">
+              <a:off x="2058728" y="2278224"/>
+              <a:ext cx="6547396" cy="2466121"/>
+            </a:xfrm>
+            <a:prstGeom prst="bentConnector2">
+              <a:avLst/>
+            </a:prstGeom>
+            <a:ln w="38100">
+              <a:solidFill>
+                <a:srgbClr val="FF0000"/>
+              </a:solidFill>
+              <a:tailEnd type="triangle"/>
+            </a:ln>
+          </p:spPr>
+          <p:style>
+            <a:lnRef idx="2">
+              <a:schemeClr val="accent1"/>
+            </a:lnRef>
+            <a:fillRef idx="0">
+              <a:schemeClr val="accent1"/>
+            </a:fillRef>
+            <a:effectRef idx="1">
+              <a:schemeClr val="accent1"/>
+            </a:effectRef>
+            <a:fontRef idx="minor">
+              <a:schemeClr val="tx1"/>
+            </a:fontRef>
+          </p:style>
+        </p:cxnSp>
+        <p:cxnSp>
+          <p:nvCxnSpPr>
+            <p:cNvPr id="227" name="Elbow Connector 226">
+              <a:extLst>
+                <a:ext uri="{FF2B5EF4-FFF2-40B4-BE49-F238E27FC236}">
+                  <a16:creationId xmlns:a16="http://schemas.microsoft.com/office/drawing/2014/main" id="{20FB34EA-AB9E-F4AF-B12A-6FEAF69161BF}"/>
+                </a:ext>
+              </a:extLst>
+            </p:cNvPr>
+            <p:cNvCxnSpPr>
+              <a:cxnSpLocks/>
+              <a:stCxn id="108" idx="1"/>
+              <a:endCxn id="136" idx="0"/>
+            </p:cNvCxnSpPr>
+            <p:nvPr/>
+          </p:nvCxnSpPr>
+          <p:spPr>
+            <a:xfrm rot="10800000" flipV="1">
+              <a:off x="3082896" y="2278224"/>
+              <a:ext cx="5523228" cy="2466121"/>
+            </a:xfrm>
+            <a:prstGeom prst="bentConnector2">
+              <a:avLst/>
+            </a:prstGeom>
+            <a:ln w="38100">
+              <a:solidFill>
+                <a:srgbClr val="FF0000"/>
+              </a:solidFill>
+              <a:tailEnd type="triangle"/>
+            </a:ln>
+          </p:spPr>
+          <p:style>
+            <a:lnRef idx="2">
+              <a:schemeClr val="accent1"/>
+            </a:lnRef>
+            <a:fillRef idx="0">
+              <a:schemeClr val="accent1"/>
+            </a:fillRef>
+            <a:effectRef idx="1">
+              <a:schemeClr val="accent1"/>
+            </a:effectRef>
+            <a:fontRef idx="minor">
+              <a:schemeClr val="tx1"/>
+            </a:fontRef>
+          </p:style>
+        </p:cxnSp>
+        <p:cxnSp>
+          <p:nvCxnSpPr>
+            <p:cNvPr id="230" name="Elbow Connector 229">
+              <a:extLst>
+                <a:ext uri="{FF2B5EF4-FFF2-40B4-BE49-F238E27FC236}">
+                  <a16:creationId xmlns:a16="http://schemas.microsoft.com/office/drawing/2014/main" id="{240F9FFB-84A4-C6E8-DD6B-8A25236519F1}"/>
+                </a:ext>
+              </a:extLst>
+            </p:cNvPr>
+            <p:cNvCxnSpPr>
+              <a:cxnSpLocks/>
+              <a:stCxn id="108" idx="1"/>
+              <a:endCxn id="137" idx="0"/>
+            </p:cNvCxnSpPr>
+            <p:nvPr/>
+          </p:nvCxnSpPr>
+          <p:spPr>
+            <a:xfrm rot="10800000" flipV="1">
+              <a:off x="4107064" y="2278225"/>
+              <a:ext cx="4499060" cy="2464032"/>
+            </a:xfrm>
+            <a:prstGeom prst="bentConnector2">
+              <a:avLst/>
+            </a:prstGeom>
+            <a:ln w="38100">
+              <a:solidFill>
+                <a:srgbClr val="FF0000"/>
+              </a:solidFill>
+              <a:tailEnd type="triangle"/>
+            </a:ln>
+          </p:spPr>
+          <p:style>
+            <a:lnRef idx="2">
+              <a:schemeClr val="accent1"/>
+            </a:lnRef>
+            <a:fillRef idx="0">
+              <a:schemeClr val="accent1"/>
+            </a:fillRef>
+            <a:effectRef idx="1">
+              <a:schemeClr val="accent1"/>
+            </a:effectRef>
+            <a:fontRef idx="minor">
+              <a:schemeClr val="tx1"/>
+            </a:fontRef>
+          </p:style>
+        </p:cxnSp>
+        <p:cxnSp>
+          <p:nvCxnSpPr>
+            <p:cNvPr id="233" name="Elbow Connector 232">
+              <a:extLst>
+                <a:ext uri="{FF2B5EF4-FFF2-40B4-BE49-F238E27FC236}">
+                  <a16:creationId xmlns:a16="http://schemas.microsoft.com/office/drawing/2014/main" id="{AD177A2E-B3B1-51F7-1C47-286FA4706CF4}"/>
+                </a:ext>
+              </a:extLst>
+            </p:cNvPr>
+            <p:cNvCxnSpPr>
+              <a:cxnSpLocks/>
+              <a:stCxn id="108" idx="1"/>
+              <a:endCxn id="138" idx="0"/>
+            </p:cNvCxnSpPr>
+            <p:nvPr/>
+          </p:nvCxnSpPr>
+          <p:spPr>
+            <a:xfrm rot="10800000" flipV="1">
+              <a:off x="5131232" y="2278225"/>
+              <a:ext cx="3474892" cy="2466952"/>
+            </a:xfrm>
+            <a:prstGeom prst="bentConnector2">
+              <a:avLst/>
+            </a:prstGeom>
+            <a:ln w="38100">
+              <a:solidFill>
+                <a:srgbClr val="FF0000"/>
+              </a:solidFill>
+              <a:tailEnd type="triangle"/>
+            </a:ln>
+          </p:spPr>
+          <p:style>
+            <a:lnRef idx="2">
+              <a:schemeClr val="accent1"/>
+            </a:lnRef>
+            <a:fillRef idx="0">
+              <a:schemeClr val="accent1"/>
+            </a:fillRef>
+            <a:effectRef idx="1">
+              <a:schemeClr val="accent1"/>
+            </a:effectRef>
+            <a:fontRef idx="minor">
+              <a:schemeClr val="tx1"/>
+            </a:fontRef>
+          </p:style>
+        </p:cxnSp>
+        <p:cxnSp>
+          <p:nvCxnSpPr>
+            <p:cNvPr id="236" name="Elbow Connector 235">
+              <a:extLst>
+                <a:ext uri="{FF2B5EF4-FFF2-40B4-BE49-F238E27FC236}">
+                  <a16:creationId xmlns:a16="http://schemas.microsoft.com/office/drawing/2014/main" id="{771E9640-F330-603D-8021-6B8232582844}"/>
+                </a:ext>
+              </a:extLst>
+            </p:cNvPr>
+            <p:cNvCxnSpPr>
+              <a:cxnSpLocks/>
+              <a:stCxn id="108" idx="1"/>
+              <a:endCxn id="139" idx="0"/>
+            </p:cNvCxnSpPr>
+            <p:nvPr/>
+          </p:nvCxnSpPr>
+          <p:spPr>
+            <a:xfrm rot="10800000" flipV="1">
+              <a:off x="6155400" y="2278224"/>
+              <a:ext cx="2450724" cy="2469797"/>
+            </a:xfrm>
+            <a:prstGeom prst="bentConnector2">
+              <a:avLst/>
+            </a:prstGeom>
+            <a:ln w="38100">
+              <a:solidFill>
+                <a:srgbClr val="FF0000"/>
+              </a:solidFill>
+              <a:tailEnd type="triangle"/>
+            </a:ln>
+          </p:spPr>
+          <p:style>
+            <a:lnRef idx="2">
+              <a:schemeClr val="accent1"/>
+            </a:lnRef>
+            <a:fillRef idx="0">
+              <a:schemeClr val="accent1"/>
+            </a:fillRef>
+            <a:effectRef idx="1">
+              <a:schemeClr val="accent1"/>
+            </a:effectRef>
+            <a:fontRef idx="minor">
+              <a:schemeClr val="tx1"/>
+            </a:fontRef>
+          </p:style>
+        </p:cxnSp>
+        <p:cxnSp>
+          <p:nvCxnSpPr>
+            <p:cNvPr id="239" name="Elbow Connector 238">
+              <a:extLst>
+                <a:ext uri="{FF2B5EF4-FFF2-40B4-BE49-F238E27FC236}">
+                  <a16:creationId xmlns:a16="http://schemas.microsoft.com/office/drawing/2014/main" id="{8A652F27-0B73-2B05-8777-163B74EFE6EF}"/>
+                </a:ext>
+              </a:extLst>
+            </p:cNvPr>
+            <p:cNvCxnSpPr>
+              <a:cxnSpLocks/>
+              <a:stCxn id="129" idx="3"/>
+              <a:endCxn id="16" idx="1"/>
+            </p:cNvCxnSpPr>
+            <p:nvPr/>
+          </p:nvCxnSpPr>
+          <p:spPr>
+            <a:xfrm flipV="1">
+              <a:off x="6537725" y="5533318"/>
+              <a:ext cx="2199048" cy="2035896"/>
+            </a:xfrm>
+            <a:prstGeom prst="bentConnector3">
+              <a:avLst>
+                <a:gd name="adj1" fmla="val 60515"/>
+              </a:avLst>
+            </a:prstGeom>
+            <a:ln w="38100">
+              <a:solidFill>
+                <a:srgbClr val="FF0000"/>
+              </a:solidFill>
+              <a:tailEnd type="triangle"/>
+            </a:ln>
+          </p:spPr>
+          <p:style>
+            <a:lnRef idx="2">
+              <a:schemeClr val="accent1"/>
+            </a:lnRef>
+            <a:fillRef idx="0">
+              <a:schemeClr val="accent1"/>
+            </a:fillRef>
+            <a:effectRef idx="1">
+              <a:schemeClr val="accent1"/>
+            </a:effectRef>
+            <a:fontRef idx="minor">
+              <a:schemeClr val="tx1"/>
+            </a:fontRef>
+          </p:style>
+        </p:cxnSp>
+        <p:cxnSp>
+          <p:nvCxnSpPr>
+            <p:cNvPr id="242" name="Elbow Connector 241">
+              <a:extLst>
+                <a:ext uri="{FF2B5EF4-FFF2-40B4-BE49-F238E27FC236}">
+                  <a16:creationId xmlns:a16="http://schemas.microsoft.com/office/drawing/2014/main" id="{299A5CDE-8210-F1E1-2A8A-51C43C4616DC}"/>
+                </a:ext>
+              </a:extLst>
+            </p:cNvPr>
+            <p:cNvCxnSpPr>
+              <a:cxnSpLocks/>
+              <a:stCxn id="129" idx="3"/>
+              <a:endCxn id="164" idx="1"/>
+            </p:cNvCxnSpPr>
+            <p:nvPr/>
+          </p:nvCxnSpPr>
+          <p:spPr>
+            <a:xfrm flipV="1">
+              <a:off x="6537725" y="7170052"/>
+              <a:ext cx="2199048" cy="399162"/>
+            </a:xfrm>
+            <a:prstGeom prst="bentConnector3">
+              <a:avLst>
+                <a:gd name="adj1" fmla="val 60515"/>
+              </a:avLst>
+            </a:prstGeom>
+            <a:ln w="38100">
+              <a:solidFill>
+                <a:srgbClr val="FF0000"/>
+              </a:solidFill>
+              <a:tailEnd type="triangle"/>
+            </a:ln>
+          </p:spPr>
+          <p:style>
+            <a:lnRef idx="2">
+              <a:schemeClr val="accent1"/>
+            </a:lnRef>
+            <a:fillRef idx="0">
+              <a:schemeClr val="accent1"/>
+            </a:fillRef>
+            <a:effectRef idx="1">
+              <a:schemeClr val="accent1"/>
+            </a:effectRef>
+            <a:fontRef idx="minor">
+              <a:schemeClr val="tx1"/>
+            </a:fontRef>
+          </p:style>
+        </p:cxnSp>
+        <p:cxnSp>
+          <p:nvCxnSpPr>
+            <p:cNvPr id="248" name="Straight Arrow Connector 247">
+              <a:extLst>
+                <a:ext uri="{FF2B5EF4-FFF2-40B4-BE49-F238E27FC236}">
+                  <a16:creationId xmlns:a16="http://schemas.microsoft.com/office/drawing/2014/main" id="{DC81812C-4A66-B974-2FC5-541B7F1CB4FB}"/>
+                </a:ext>
+              </a:extLst>
+            </p:cNvPr>
+            <p:cNvCxnSpPr>
+              <a:cxnSpLocks/>
+              <a:stCxn id="160" idx="1"/>
+              <a:endCxn id="16" idx="3"/>
+            </p:cNvCxnSpPr>
+            <p:nvPr/>
+          </p:nvCxnSpPr>
+          <p:spPr>
+            <a:xfrm flipH="1">
+              <a:off x="10345728" y="5532978"/>
+              <a:ext cx="494749" cy="340"/>
+            </a:xfrm>
+            <a:prstGeom prst="straightConnector1">
+              <a:avLst/>
+            </a:prstGeom>
+            <a:ln w="28575">
+              <a:solidFill>
+                <a:schemeClr val="accent2"/>
+              </a:solidFill>
+              <a:headEnd type="triangle" w="med" len="med"/>
+              <a:tailEnd type="none" w="med" len="med"/>
+            </a:ln>
+          </p:spPr>
+          <p:style>
+            <a:lnRef idx="2">
+              <a:schemeClr val="accent1"/>
+            </a:lnRef>
+            <a:fillRef idx="0">
+              <a:schemeClr val="accent1"/>
+            </a:fillRef>
+            <a:effectRef idx="1">
+              <a:schemeClr val="accent1"/>
+            </a:effectRef>
+            <a:fontRef idx="minor">
+              <a:schemeClr val="tx1"/>
+            </a:fontRef>
+          </p:style>
+        </p:cxnSp>
+        <p:cxnSp>
+          <p:nvCxnSpPr>
+            <p:cNvPr id="251" name="Straight Arrow Connector 250">
+              <a:extLst>
+                <a:ext uri="{FF2B5EF4-FFF2-40B4-BE49-F238E27FC236}">
+                  <a16:creationId xmlns:a16="http://schemas.microsoft.com/office/drawing/2014/main" id="{B2C0E14B-1284-8539-CD66-1621C8EB485F}"/>
+                </a:ext>
+              </a:extLst>
+            </p:cNvPr>
+            <p:cNvCxnSpPr>
+              <a:cxnSpLocks/>
+              <a:stCxn id="161" idx="1"/>
+              <a:endCxn id="160" idx="3"/>
+            </p:cNvCxnSpPr>
+            <p:nvPr/>
+          </p:nvCxnSpPr>
+          <p:spPr>
+            <a:xfrm flipH="1">
+              <a:off x="12449432" y="5532978"/>
+              <a:ext cx="390039" cy="0"/>
+            </a:xfrm>
+            <a:prstGeom prst="straightConnector1">
+              <a:avLst/>
+            </a:prstGeom>
+            <a:ln w="28575">
+              <a:solidFill>
+                <a:schemeClr val="accent2"/>
+              </a:solidFill>
+              <a:headEnd type="triangle" w="med" len="med"/>
+              <a:tailEnd type="none" w="med" len="med"/>
+            </a:ln>
+          </p:spPr>
+          <p:style>
+            <a:lnRef idx="2">
+              <a:schemeClr val="accent1"/>
+            </a:lnRef>
+            <a:fillRef idx="0">
+              <a:schemeClr val="accent1"/>
+            </a:fillRef>
+            <a:effectRef idx="1">
+              <a:schemeClr val="accent1"/>
+            </a:effectRef>
+            <a:fontRef idx="minor">
+              <a:schemeClr val="tx1"/>
+            </a:fontRef>
+          </p:style>
+        </p:cxnSp>
+        <p:cxnSp>
+          <p:nvCxnSpPr>
+            <p:cNvPr id="254" name="Straight Arrow Connector 253">
+              <a:extLst>
+                <a:ext uri="{FF2B5EF4-FFF2-40B4-BE49-F238E27FC236}">
+                  <a16:creationId xmlns:a16="http://schemas.microsoft.com/office/drawing/2014/main" id="{70A5561A-5ACE-DB6B-CBD2-F9A9C20E8FFC}"/>
+                </a:ext>
+              </a:extLst>
+            </p:cNvPr>
+            <p:cNvCxnSpPr>
+              <a:cxnSpLocks/>
+              <a:stCxn id="165" idx="1"/>
+              <a:endCxn id="164" idx="3"/>
+            </p:cNvCxnSpPr>
+            <p:nvPr/>
+          </p:nvCxnSpPr>
+          <p:spPr>
+            <a:xfrm flipH="1">
+              <a:off x="10345728" y="7169712"/>
+              <a:ext cx="494749" cy="340"/>
+            </a:xfrm>
+            <a:prstGeom prst="straightConnector1">
+              <a:avLst/>
+            </a:prstGeom>
+            <a:ln w="28575">
+              <a:solidFill>
+                <a:schemeClr val="accent2"/>
+              </a:solidFill>
+              <a:headEnd type="triangle" w="med" len="med"/>
+              <a:tailEnd type="none" w="med" len="med"/>
+            </a:ln>
+          </p:spPr>
+          <p:style>
+            <a:lnRef idx="2">
+              <a:schemeClr val="accent1"/>
+            </a:lnRef>
+            <a:fillRef idx="0">
+              <a:schemeClr val="accent1"/>
+            </a:fillRef>
+            <a:effectRef idx="1">
+              <a:schemeClr val="accent1"/>
+            </a:effectRef>
+            <a:fontRef idx="minor">
+              <a:schemeClr val="tx1"/>
+            </a:fontRef>
+          </p:style>
+        </p:cxnSp>
+        <p:cxnSp>
+          <p:nvCxnSpPr>
+            <p:cNvPr id="257" name="Straight Arrow Connector 256">
+              <a:extLst>
+                <a:ext uri="{FF2B5EF4-FFF2-40B4-BE49-F238E27FC236}">
+                  <a16:creationId xmlns:a16="http://schemas.microsoft.com/office/drawing/2014/main" id="{4A835F9C-1C2B-805C-BAE1-7D82B509D51A}"/>
+                </a:ext>
+              </a:extLst>
+            </p:cNvPr>
+            <p:cNvCxnSpPr>
+              <a:cxnSpLocks/>
+              <a:stCxn id="166" idx="1"/>
+            </p:cNvCxnSpPr>
+            <p:nvPr/>
+          </p:nvCxnSpPr>
+          <p:spPr>
+            <a:xfrm flipH="1" flipV="1">
+              <a:off x="12449432" y="7162365"/>
+              <a:ext cx="390039" cy="7347"/>
+            </a:xfrm>
+            <a:prstGeom prst="straightConnector1">
+              <a:avLst/>
+            </a:prstGeom>
+            <a:ln w="28575">
+              <a:solidFill>
+                <a:schemeClr val="accent2"/>
+              </a:solidFill>
+              <a:headEnd type="triangle" w="med" len="med"/>
+              <a:tailEnd type="none" w="med" len="med"/>
+            </a:ln>
+          </p:spPr>
+          <p:style>
+            <a:lnRef idx="2">
+              <a:schemeClr val="accent1"/>
+            </a:lnRef>
+            <a:fillRef idx="0">
+              <a:schemeClr val="accent1"/>
+            </a:fillRef>
+            <a:effectRef idx="1">
+              <a:schemeClr val="accent1"/>
+            </a:effectRef>
+            <a:fontRef idx="minor">
+              <a:schemeClr val="tx1"/>
+            </a:fontRef>
+          </p:style>
+        </p:cxnSp>
+        <p:cxnSp>
+          <p:nvCxnSpPr>
+            <p:cNvPr id="264" name="Straight Arrow Connector 263">
+              <a:extLst>
+                <a:ext uri="{FF2B5EF4-FFF2-40B4-BE49-F238E27FC236}">
+                  <a16:creationId xmlns:a16="http://schemas.microsoft.com/office/drawing/2014/main" id="{7C617666-592A-84E6-C32F-6F7C4B1A7504}"/>
+                </a:ext>
+              </a:extLst>
+            </p:cNvPr>
+            <p:cNvCxnSpPr>
+              <a:cxnSpLocks/>
+              <a:endCxn id="181" idx="1"/>
+            </p:cNvCxnSpPr>
+            <p:nvPr/>
+          </p:nvCxnSpPr>
+          <p:spPr>
+            <a:xfrm>
+              <a:off x="14448426" y="5532978"/>
+              <a:ext cx="1613401" cy="6867"/>
+            </a:xfrm>
+            <a:prstGeom prst="straightConnector1">
+              <a:avLst/>
+            </a:prstGeom>
+            <a:ln w="38100">
+              <a:solidFill>
+                <a:srgbClr val="FF0000"/>
+              </a:solidFill>
+              <a:tailEnd type="triangle"/>
+            </a:ln>
+          </p:spPr>
+          <p:style>
+            <a:lnRef idx="2">
+              <a:schemeClr val="accent1"/>
+            </a:lnRef>
+            <a:fillRef idx="0">
+              <a:schemeClr val="accent1"/>
+            </a:fillRef>
+            <a:effectRef idx="1">
+              <a:schemeClr val="accent1"/>
+            </a:effectRef>
+            <a:fontRef idx="minor">
+              <a:schemeClr val="tx1"/>
+            </a:fontRef>
+          </p:style>
+        </p:cxnSp>
+        <p:cxnSp>
+          <p:nvCxnSpPr>
+            <p:cNvPr id="267" name="Straight Arrow Connector 266">
+              <a:extLst>
+                <a:ext uri="{FF2B5EF4-FFF2-40B4-BE49-F238E27FC236}">
+                  <a16:creationId xmlns:a16="http://schemas.microsoft.com/office/drawing/2014/main" id="{0858D6D1-592C-8107-2836-BE34D08639BC}"/>
+                </a:ext>
+              </a:extLst>
+            </p:cNvPr>
+            <p:cNvCxnSpPr>
+              <a:cxnSpLocks/>
+              <a:stCxn id="166" idx="3"/>
+              <a:endCxn id="189" idx="1"/>
+            </p:cNvCxnSpPr>
+            <p:nvPr/>
+          </p:nvCxnSpPr>
+          <p:spPr>
+            <a:xfrm flipV="1">
+              <a:off x="14448426" y="7169232"/>
+              <a:ext cx="1613401" cy="480"/>
+            </a:xfrm>
+            <a:prstGeom prst="straightConnector1">
+              <a:avLst/>
+            </a:prstGeom>
+            <a:ln w="38100">
+              <a:solidFill>
+                <a:srgbClr val="FF0000"/>
+              </a:solidFill>
+              <a:tailEnd type="triangle"/>
+            </a:ln>
+          </p:spPr>
+          <p:style>
+            <a:lnRef idx="2">
+              <a:schemeClr val="accent1"/>
+            </a:lnRef>
+            <a:fillRef idx="0">
+              <a:schemeClr val="accent1"/>
+            </a:fillRef>
+            <a:effectRef idx="1">
+              <a:schemeClr val="accent1"/>
+            </a:effectRef>
+            <a:fontRef idx="minor">
+              <a:schemeClr val="tx1"/>
+            </a:fontRef>
+          </p:style>
+        </p:cxnSp>
       </p:grpSp>
-      <p:sp>
-        <p:nvSpPr>
-          <p:cNvPr id="14" name="Rectangle: Rounded Corners 13">
+    </p:spTree>
+    <p:extLst>
+      <p:ext uri="{BB962C8B-B14F-4D97-AF65-F5344CB8AC3E}">
+        <p14:creationId xmlns:p14="http://schemas.microsoft.com/office/powerpoint/2010/main" val="25513488"/>
+      </p:ext>
+    </p:extLst>
+  </p:cSld>
+  <p:clrMapOvr>
+    <a:masterClrMapping/>
+  </p:clrMapOvr>
+</p:sld>
+</file>
+
+<file path=ppt/slides/slide2.xml><?xml version="1.0" encoding="utf-8"?>
+<p:sld xmlns:a="http://schemas.openxmlformats.org/drawingml/2006/main" xmlns:r="http://schemas.openxmlformats.org/officeDocument/2006/relationships" xmlns:p="http://schemas.openxmlformats.org/presentationml/2006/main">
+  <p:cSld>
+    <p:spTree>
+      <p:nvGrpSpPr>
+        <p:cNvPr id="1" name=""/>
+        <p:cNvGrpSpPr/>
+        <p:nvPr/>
+      </p:nvGrpSpPr>
+      <p:grpSpPr>
+        <a:xfrm>
+          <a:off x="0" y="0"/>
+          <a:ext cx="0" cy="0"/>
+          <a:chOff x="0" y="0"/>
+          <a:chExt cx="0" cy="0"/>
+        </a:xfrm>
+      </p:grpSpPr>
+      <p:pic>
+        <p:nvPicPr>
+          <p:cNvPr id="110" name="Picture 109">
             <a:extLst>
               <a:ext uri="{FF2B5EF4-FFF2-40B4-BE49-F238E27FC236}">
-                <a16:creationId xmlns:a16="http://schemas.microsoft.com/office/drawing/2014/main" id="{6B0403AD-0045-1BD2-503F-6E6970348DC4}"/>
-              </a:ext>
-            </a:extLst>
-          </p:cNvPr>
-          <p:cNvSpPr/>
-          <p:nvPr/>
-        </p:nvSpPr>
-        <p:spPr>
-          <a:xfrm>
-            <a:off x="7671290" y="3912719"/>
-            <a:ext cx="1878495" cy="791851"/>
-          </a:xfrm>
-          <a:prstGeom prst="roundRect">
-            <a:avLst/>
-          </a:prstGeom>
-          <a:solidFill>
-            <a:schemeClr val="bg2"/>
-          </a:solidFill>
-        </p:spPr>
-        <p:style>
-          <a:lnRef idx="2">
-            <a:schemeClr val="accent1">
-              <a:shade val="15000"/>
-            </a:schemeClr>
-          </a:lnRef>
-          <a:fillRef idx="1">
-            <a:schemeClr val="accent1"/>
-          </a:fillRef>
-          <a:effectRef idx="0">
-            <a:schemeClr val="accent1"/>
-          </a:effectRef>
-          <a:fontRef idx="minor">
-            <a:schemeClr val="lt1"/>
-          </a:fontRef>
-        </p:style>
-        <p:txBody>
-          <a:bodyPr rtlCol="0" anchor="ctr"/>
-          <a:lstStyle/>
-          <a:p>
-            <a:pPr algn="ctr"/>
-            <a:r>
-              <a:rPr lang="en-US" sz="1500" b="1" dirty="0">
-                <a:solidFill>
-                  <a:schemeClr val="tx1"/>
-                </a:solidFill>
-              </a:rPr>
-              <a:t>Exploratory Data Analysis Model</a:t>
-            </a:r>
-          </a:p>
-        </p:txBody>
-      </p:sp>
-      <p:sp>
-        <p:nvSpPr>
-          <p:cNvPr id="23" name="Rectangle: Rounded Corners 22">
-            <a:extLst>
-              <a:ext uri="{FF2B5EF4-FFF2-40B4-BE49-F238E27FC236}">
-                <a16:creationId xmlns:a16="http://schemas.microsoft.com/office/drawing/2014/main" id="{E24D5C3C-D757-2377-32E6-02F93866FE98}"/>
-              </a:ext>
-            </a:extLst>
-          </p:cNvPr>
-          <p:cNvSpPr/>
-          <p:nvPr/>
-        </p:nvSpPr>
-        <p:spPr>
-          <a:xfrm>
-            <a:off x="5444160" y="3441378"/>
-            <a:ext cx="1878495" cy="791851"/>
-          </a:xfrm>
-          <a:prstGeom prst="roundRect">
-            <a:avLst/>
-          </a:prstGeom>
-          <a:solidFill>
-            <a:schemeClr val="bg2"/>
-          </a:solidFill>
-        </p:spPr>
-        <p:style>
-          <a:lnRef idx="2">
-            <a:schemeClr val="accent1">
-              <a:shade val="15000"/>
-            </a:schemeClr>
-          </a:lnRef>
-          <a:fillRef idx="1">
-            <a:schemeClr val="accent1"/>
-          </a:fillRef>
-          <a:effectRef idx="0">
-            <a:schemeClr val="accent1"/>
-          </a:effectRef>
-          <a:fontRef idx="minor">
-            <a:schemeClr val="lt1"/>
-          </a:fontRef>
-        </p:style>
-        <p:txBody>
-          <a:bodyPr rtlCol="0" anchor="ctr"/>
-          <a:lstStyle/>
-          <a:p>
-            <a:pPr algn="ctr"/>
-            <a:r>
-              <a:rPr lang="en-US" sz="1500" b="1" dirty="0">
-                <a:solidFill>
-                  <a:schemeClr val="tx1"/>
-                </a:solidFill>
-              </a:rPr>
-              <a:t>Data Preprocessor</a:t>
-            </a:r>
-          </a:p>
-        </p:txBody>
-      </p:sp>
-      <p:pic>
-        <p:nvPicPr>
-          <p:cNvPr id="25" name="Graphic 24" descr="Document with solid fill">
-            <a:extLst>
-              <a:ext uri="{FF2B5EF4-FFF2-40B4-BE49-F238E27FC236}">
-                <a16:creationId xmlns:a16="http://schemas.microsoft.com/office/drawing/2014/main" id="{B1EB7A3D-66EE-D036-22E7-C3AAC528BDC6}"/>
+                <a16:creationId xmlns:a16="http://schemas.microsoft.com/office/drawing/2014/main" id="{E58EED48-417C-12BC-0494-10AB2E8AC07D}"/>
               </a:ext>
             </a:extLst>
           </p:cNvPr>
@@ -6514,477 +9146,25 @@
           <p:nvPr/>
         </p:nvPicPr>
         <p:blipFill>
-          <a:blip r:embed="rId2">
-            <a:extLst>
-              <a:ext uri="{28A0092B-C50C-407E-A947-70E740481C1C}">
-                <a14:useLocalDpi xmlns:a14="http://schemas.microsoft.com/office/drawing/2010/main" val="0"/>
-              </a:ext>
-              <a:ext uri="{96DAC541-7B7A-43D3-8B79-37D633B846F1}">
-                <asvg:svgBlip xmlns:asvg="http://schemas.microsoft.com/office/drawing/2016/SVG/main" r:embed="rId3"/>
-              </a:ext>
-            </a:extLst>
-          </a:blip>
+          <a:blip r:embed="rId2"/>
           <a:stretch>
             <a:fillRect/>
           </a:stretch>
         </p:blipFill>
         <p:spPr>
           <a:xfrm>
-            <a:off x="8286315" y="5056568"/>
-            <a:ext cx="712820" cy="712820"/>
+            <a:off x="874985" y="441436"/>
+            <a:ext cx="21869402" cy="8152348"/>
           </a:xfrm>
           <a:prstGeom prst="rect">
             <a:avLst/>
           </a:prstGeom>
         </p:spPr>
       </p:pic>
-      <p:sp>
-        <p:nvSpPr>
-          <p:cNvPr id="27" name="TextBox 26">
-            <a:extLst>
-              <a:ext uri="{FF2B5EF4-FFF2-40B4-BE49-F238E27FC236}">
-                <a16:creationId xmlns:a16="http://schemas.microsoft.com/office/drawing/2014/main" id="{7022244D-A23A-0827-C05E-93E96E95695D}"/>
-              </a:ext>
-            </a:extLst>
-          </p:cNvPr>
-          <p:cNvSpPr txBox="1"/>
-          <p:nvPr/>
-        </p:nvSpPr>
-        <p:spPr>
-          <a:xfrm>
-            <a:off x="8049407" y="5769946"/>
-            <a:ext cx="1186637" cy="307777"/>
-          </a:xfrm>
-          <a:prstGeom prst="rect">
-            <a:avLst/>
-          </a:prstGeom>
-          <a:noFill/>
-        </p:spPr>
-        <p:txBody>
-          <a:bodyPr wrap="square" rtlCol="0">
-            <a:spAutoFit/>
-          </a:bodyPr>
-          <a:lstStyle/>
-          <a:p>
-            <a:r>
-              <a:rPr lang="en-US" sz="1400" b="1" dirty="0"/>
-              <a:t>EDA Report</a:t>
-            </a:r>
-          </a:p>
-        </p:txBody>
-      </p:sp>
-      <p:pic>
-        <p:nvPicPr>
-          <p:cNvPr id="30" name="Graphic 29" descr="Database with solid fill">
-            <a:extLst>
-              <a:ext uri="{FF2B5EF4-FFF2-40B4-BE49-F238E27FC236}">
-                <a16:creationId xmlns:a16="http://schemas.microsoft.com/office/drawing/2014/main" id="{54EA5ACD-4AEC-CEE7-0007-AED1B5D974EB}"/>
-              </a:ext>
-            </a:extLst>
-          </p:cNvPr>
-          <p:cNvPicPr>
-            <a:picLocks noChangeAspect="1"/>
-          </p:cNvPicPr>
-          <p:nvPr/>
-        </p:nvPicPr>
-        <p:blipFill>
-          <a:blip r:embed="rId4">
-            <a:extLst>
-              <a:ext uri="{28A0092B-C50C-407E-A947-70E740481C1C}">
-                <a14:useLocalDpi xmlns:a14="http://schemas.microsoft.com/office/drawing/2010/main" val="0"/>
-              </a:ext>
-              <a:ext uri="{96DAC541-7B7A-43D3-8B79-37D633B846F1}">
-                <asvg:svgBlip xmlns:asvg="http://schemas.microsoft.com/office/drawing/2016/SVG/main" r:embed="rId5"/>
-              </a:ext>
-            </a:extLst>
-          </a:blip>
-          <a:stretch>
-            <a:fillRect/>
-          </a:stretch>
-        </p:blipFill>
-        <p:spPr>
-          <a:xfrm>
-            <a:off x="2243641" y="3309966"/>
-            <a:ext cx="796639" cy="796639"/>
-          </a:xfrm>
-          <a:prstGeom prst="rect">
-            <a:avLst/>
-          </a:prstGeom>
-        </p:spPr>
-      </p:pic>
-      <p:sp>
-        <p:nvSpPr>
-          <p:cNvPr id="33" name="TextBox 32">
-            <a:extLst>
-              <a:ext uri="{FF2B5EF4-FFF2-40B4-BE49-F238E27FC236}">
-                <a16:creationId xmlns:a16="http://schemas.microsoft.com/office/drawing/2014/main" id="{C934AAC1-FC4B-4AE6-8BFE-9474020CE8AB}"/>
-              </a:ext>
-            </a:extLst>
-          </p:cNvPr>
-          <p:cNvSpPr txBox="1"/>
-          <p:nvPr/>
-        </p:nvSpPr>
-        <p:spPr>
-          <a:xfrm>
-            <a:off x="2155423" y="4106605"/>
-            <a:ext cx="973073" cy="307777"/>
-          </a:xfrm>
-          <a:prstGeom prst="rect">
-            <a:avLst/>
-          </a:prstGeom>
-          <a:noFill/>
-        </p:spPr>
-        <p:txBody>
-          <a:bodyPr wrap="square" rtlCol="0">
-            <a:spAutoFit/>
-          </a:bodyPr>
-          <a:lstStyle/>
-          <a:p>
-            <a:r>
-              <a:rPr lang="en-US" sz="1400" b="1" dirty="0"/>
-              <a:t>Raw Data</a:t>
-            </a:r>
-          </a:p>
-        </p:txBody>
-      </p:sp>
-      <p:sp>
-        <p:nvSpPr>
-          <p:cNvPr id="34" name="Rectangle: Rounded Corners 33">
-            <a:extLst>
-              <a:ext uri="{FF2B5EF4-FFF2-40B4-BE49-F238E27FC236}">
-                <a16:creationId xmlns:a16="http://schemas.microsoft.com/office/drawing/2014/main" id="{4C15483F-9213-4224-8F74-234500348009}"/>
-              </a:ext>
-            </a:extLst>
-          </p:cNvPr>
-          <p:cNvSpPr/>
-          <p:nvPr/>
-        </p:nvSpPr>
-        <p:spPr>
-          <a:xfrm>
-            <a:off x="3633925" y="3439310"/>
-            <a:ext cx="1478138" cy="791851"/>
-          </a:xfrm>
-          <a:prstGeom prst="roundRect">
-            <a:avLst/>
-          </a:prstGeom>
-          <a:solidFill>
-            <a:schemeClr val="bg2"/>
-          </a:solidFill>
-        </p:spPr>
-        <p:style>
-          <a:lnRef idx="2">
-            <a:schemeClr val="accent1">
-              <a:shade val="15000"/>
-            </a:schemeClr>
-          </a:lnRef>
-          <a:fillRef idx="1">
-            <a:schemeClr val="accent1"/>
-          </a:fillRef>
-          <a:effectRef idx="0">
-            <a:schemeClr val="accent1"/>
-          </a:effectRef>
-          <a:fontRef idx="minor">
-            <a:schemeClr val="lt1"/>
-          </a:fontRef>
-        </p:style>
-        <p:txBody>
-          <a:bodyPr rtlCol="0" anchor="ctr"/>
-          <a:lstStyle/>
-          <a:p>
-            <a:pPr algn="ctr"/>
-            <a:r>
-              <a:rPr lang="en-US" sz="1500" b="1" dirty="0">
-                <a:solidFill>
-                  <a:schemeClr val="tx1"/>
-                </a:solidFill>
-              </a:rPr>
-              <a:t>Data Selector</a:t>
-            </a:r>
-          </a:p>
-        </p:txBody>
-      </p:sp>
-      <p:sp>
-        <p:nvSpPr>
-          <p:cNvPr id="37" name="Rectangle: Rounded Corners 36">
-            <a:extLst>
-              <a:ext uri="{FF2B5EF4-FFF2-40B4-BE49-F238E27FC236}">
-                <a16:creationId xmlns:a16="http://schemas.microsoft.com/office/drawing/2014/main" id="{4A45012C-F96A-11AD-2B2D-1276413BA8DD}"/>
-              </a:ext>
-            </a:extLst>
-          </p:cNvPr>
-          <p:cNvSpPr/>
-          <p:nvPr/>
-        </p:nvSpPr>
-        <p:spPr>
-          <a:xfrm>
-            <a:off x="7684651" y="2936107"/>
-            <a:ext cx="1878495" cy="791851"/>
-          </a:xfrm>
-          <a:prstGeom prst="roundRect">
-            <a:avLst/>
-          </a:prstGeom>
-          <a:solidFill>
-            <a:schemeClr val="accent3">
-              <a:lumMod val="40000"/>
-              <a:lumOff val="60000"/>
-            </a:schemeClr>
-          </a:solidFill>
-        </p:spPr>
-        <p:style>
-          <a:lnRef idx="2">
-            <a:schemeClr val="accent1">
-              <a:shade val="15000"/>
-            </a:schemeClr>
-          </a:lnRef>
-          <a:fillRef idx="1">
-            <a:schemeClr val="accent1"/>
-          </a:fillRef>
-          <a:effectRef idx="0">
-            <a:schemeClr val="accent1"/>
-          </a:effectRef>
-          <a:fontRef idx="minor">
-            <a:schemeClr val="lt1"/>
-          </a:fontRef>
-        </p:style>
-        <p:txBody>
-          <a:bodyPr rtlCol="0" anchor="ctr"/>
-          <a:lstStyle/>
-          <a:p>
-            <a:pPr algn="ctr"/>
-            <a:r>
-              <a:rPr lang="en-US" sz="1500" b="1" dirty="0">
-                <a:solidFill>
-                  <a:schemeClr val="tx1"/>
-                </a:solidFill>
-              </a:rPr>
-              <a:t>Feature Selection Model</a:t>
-            </a:r>
-          </a:p>
-        </p:txBody>
-      </p:sp>
-      <p:sp>
-        <p:nvSpPr>
-          <p:cNvPr id="59" name="Rectangle 58">
-            <a:extLst>
-              <a:ext uri="{FF2B5EF4-FFF2-40B4-BE49-F238E27FC236}">
-                <a16:creationId xmlns:a16="http://schemas.microsoft.com/office/drawing/2014/main" id="{D13B20C4-9D5C-64B9-CD48-A4F5B7798576}"/>
-              </a:ext>
-            </a:extLst>
-          </p:cNvPr>
-          <p:cNvSpPr/>
-          <p:nvPr/>
-        </p:nvSpPr>
-        <p:spPr>
-          <a:xfrm>
-            <a:off x="10039640" y="3642019"/>
-            <a:ext cx="493270" cy="497874"/>
-          </a:xfrm>
-          <a:prstGeom prst="rect">
-            <a:avLst/>
-          </a:prstGeom>
-        </p:spPr>
-        <p:style>
-          <a:lnRef idx="2">
-            <a:schemeClr val="accent1">
-              <a:shade val="15000"/>
-            </a:schemeClr>
-          </a:lnRef>
-          <a:fillRef idx="1">
-            <a:schemeClr val="accent1"/>
-          </a:fillRef>
-          <a:effectRef idx="0">
-            <a:schemeClr val="accent1"/>
-          </a:effectRef>
-          <a:fontRef idx="minor">
-            <a:schemeClr val="lt1"/>
-          </a:fontRef>
-        </p:style>
-        <p:txBody>
-          <a:bodyPr rtlCol="0" anchor="ctr"/>
-          <a:lstStyle/>
-          <a:p>
-            <a:pPr algn="ctr"/>
-            <a:endParaRPr lang="en-US"/>
-          </a:p>
-        </p:txBody>
-      </p:sp>
-      <p:sp>
-        <p:nvSpPr>
-          <p:cNvPr id="60" name="Rectangle 59">
-            <a:extLst>
-              <a:ext uri="{FF2B5EF4-FFF2-40B4-BE49-F238E27FC236}">
-                <a16:creationId xmlns:a16="http://schemas.microsoft.com/office/drawing/2014/main" id="{451FD7A4-B534-332E-BBC6-9D28AB8CAB92}"/>
-              </a:ext>
-            </a:extLst>
-          </p:cNvPr>
-          <p:cNvSpPr/>
-          <p:nvPr/>
-        </p:nvSpPr>
-        <p:spPr>
-          <a:xfrm>
-            <a:off x="10112342" y="3573728"/>
-            <a:ext cx="493270" cy="497874"/>
-          </a:xfrm>
-          <a:prstGeom prst="rect">
-            <a:avLst/>
-          </a:prstGeom>
-        </p:spPr>
-        <p:style>
-          <a:lnRef idx="2">
-            <a:schemeClr val="accent1">
-              <a:shade val="15000"/>
-            </a:schemeClr>
-          </a:lnRef>
-          <a:fillRef idx="1">
-            <a:schemeClr val="accent1"/>
-          </a:fillRef>
-          <a:effectRef idx="0">
-            <a:schemeClr val="accent1"/>
-          </a:effectRef>
-          <a:fontRef idx="minor">
-            <a:schemeClr val="lt1"/>
-          </a:fontRef>
-        </p:style>
-        <p:txBody>
-          <a:bodyPr rtlCol="0" anchor="ctr"/>
-          <a:lstStyle/>
-          <a:p>
-            <a:pPr algn="ctr"/>
-            <a:endParaRPr lang="en-US"/>
-          </a:p>
-        </p:txBody>
-      </p:sp>
-      <p:sp>
-        <p:nvSpPr>
-          <p:cNvPr id="62" name="Rectangle 61">
-            <a:extLst>
-              <a:ext uri="{FF2B5EF4-FFF2-40B4-BE49-F238E27FC236}">
-                <a16:creationId xmlns:a16="http://schemas.microsoft.com/office/drawing/2014/main" id="{874085CF-860C-E4FC-5E70-B2CDC64081A1}"/>
-              </a:ext>
-            </a:extLst>
-          </p:cNvPr>
-          <p:cNvSpPr/>
-          <p:nvPr/>
-        </p:nvSpPr>
-        <p:spPr>
-          <a:xfrm>
-            <a:off x="10194572" y="3488489"/>
-            <a:ext cx="493270" cy="497874"/>
-          </a:xfrm>
-          <a:prstGeom prst="rect">
-            <a:avLst/>
-          </a:prstGeom>
-        </p:spPr>
-        <p:style>
-          <a:lnRef idx="2">
-            <a:schemeClr val="accent1">
-              <a:shade val="15000"/>
-            </a:schemeClr>
-          </a:lnRef>
-          <a:fillRef idx="1">
-            <a:schemeClr val="accent1"/>
-          </a:fillRef>
-          <a:effectRef idx="0">
-            <a:schemeClr val="accent1"/>
-          </a:effectRef>
-          <a:fontRef idx="minor">
-            <a:schemeClr val="lt1"/>
-          </a:fontRef>
-        </p:style>
-        <p:txBody>
-          <a:bodyPr rtlCol="0" anchor="ctr"/>
-          <a:lstStyle/>
-          <a:p>
-            <a:pPr algn="ctr"/>
-            <a:endParaRPr lang="en-US"/>
-          </a:p>
-        </p:txBody>
-      </p:sp>
-      <p:sp>
-        <p:nvSpPr>
-          <p:cNvPr id="63" name="Rectangle 62">
-            <a:extLst>
-              <a:ext uri="{FF2B5EF4-FFF2-40B4-BE49-F238E27FC236}">
-                <a16:creationId xmlns:a16="http://schemas.microsoft.com/office/drawing/2014/main" id="{E4DD5D99-32C2-663A-61F8-16250CEAD4AE}"/>
-              </a:ext>
-            </a:extLst>
-          </p:cNvPr>
-          <p:cNvSpPr/>
-          <p:nvPr/>
-        </p:nvSpPr>
-        <p:spPr>
-          <a:xfrm>
-            <a:off x="10276548" y="3414845"/>
-            <a:ext cx="493270" cy="497874"/>
-          </a:xfrm>
-          <a:prstGeom prst="rect">
-            <a:avLst/>
-          </a:prstGeom>
-        </p:spPr>
-        <p:style>
-          <a:lnRef idx="2">
-            <a:schemeClr val="accent1">
-              <a:shade val="15000"/>
-            </a:schemeClr>
-          </a:lnRef>
-          <a:fillRef idx="1">
-            <a:schemeClr val="accent1"/>
-          </a:fillRef>
-          <a:effectRef idx="0">
-            <a:schemeClr val="accent1"/>
-          </a:effectRef>
-          <a:fontRef idx="minor">
-            <a:schemeClr val="lt1"/>
-          </a:fontRef>
-        </p:style>
-        <p:txBody>
-          <a:bodyPr rtlCol="0" anchor="ctr"/>
-          <a:lstStyle/>
-          <a:p>
-            <a:pPr algn="ctr"/>
-            <a:endParaRPr lang="en-US"/>
-          </a:p>
-        </p:txBody>
-      </p:sp>
-      <p:sp>
-        <p:nvSpPr>
-          <p:cNvPr id="65" name="TextBox 64">
-            <a:extLst>
-              <a:ext uri="{FF2B5EF4-FFF2-40B4-BE49-F238E27FC236}">
-                <a16:creationId xmlns:a16="http://schemas.microsoft.com/office/drawing/2014/main" id="{95F05CAA-9471-38F0-27DB-4F15648C4823}"/>
-              </a:ext>
-            </a:extLst>
-          </p:cNvPr>
-          <p:cNvSpPr txBox="1"/>
-          <p:nvPr/>
-        </p:nvSpPr>
-        <p:spPr>
-          <a:xfrm>
-            <a:off x="10018749" y="2959426"/>
-            <a:ext cx="973073" cy="307777"/>
-          </a:xfrm>
-          <a:prstGeom prst="rect">
-            <a:avLst/>
-          </a:prstGeom>
-          <a:noFill/>
-        </p:spPr>
-        <p:txBody>
-          <a:bodyPr wrap="square" rtlCol="0">
-            <a:spAutoFit/>
-          </a:bodyPr>
-          <a:lstStyle/>
-          <a:p>
-            <a:r>
-              <a:rPr lang="en-US" sz="1400" b="1" dirty="0"/>
-              <a:t>Datasets</a:t>
-            </a:r>
-          </a:p>
-        </p:txBody>
-      </p:sp>
     </p:spTree>
     <p:extLst>
       <p:ext uri="{BB962C8B-B14F-4D97-AF65-F5344CB8AC3E}">
-        <p14:creationId xmlns:p14="http://schemas.microsoft.com/office/powerpoint/2010/main" val="25513488"/>
+        <p14:creationId xmlns:p14="http://schemas.microsoft.com/office/powerpoint/2010/main" val="2926454041"/>
       </p:ext>
     </p:extLst>
   </p:cSld>
